--- a/Images/images.pptx
+++ b/Images/images.pptx
@@ -6,7 +6,6 @@
   </p:sldMasterIdLst>
   <p:sldIdLst>
     <p:sldId id="256" r:id="rId2"/>
-    <p:sldId id="257" r:id="rId3"/>
   </p:sldIdLst>
   <p:sldSz cx="12192000" cy="6858000"/>
   <p:notesSz cx="6858000" cy="9144000"/>
@@ -3371,18 +3370,11 @@
           <a:p>
             <a:pPr algn="l"/>
             <a:r>
-              <a:rPr lang="en-CN" b="1" dirty="0">
+              <a:rPr lang="en-CN" altLang="zh-CN" b="1" dirty="0">
                 <a:latin typeface="Times New Roman" panose="02020603050405020304" pitchFamily="18" charset="0"/>
                 <a:cs typeface="Times New Roman" panose="02020603050405020304" pitchFamily="18" charset="0"/>
               </a:rPr>
-              <a:t>F</a:t>
-            </a:r>
-            <a:r>
-              <a:rPr lang="en-US" altLang="zh-CN" b="1" dirty="0" err="1">
-                <a:latin typeface="Times New Roman" panose="02020603050405020304" pitchFamily="18" charset="0"/>
-                <a:cs typeface="Times New Roman" panose="02020603050405020304" pitchFamily="18" charset="0"/>
-              </a:rPr>
-              <a:t>ramework</a:t>
+              <a:t>Framework</a:t>
             </a:r>
             <a:r>
               <a:rPr lang="en-US" altLang="zh-CN" b="1" dirty="0">
@@ -3405,161 +3397,587 @@
           </a:p>
         </p:txBody>
       </p:sp>
-      <p:sp>
-        <p:nvSpPr>
-          <p:cNvPr id="4" name="Rounded Rectangle 3">
-            <a:extLst>
-              <a:ext uri="{FF2B5EF4-FFF2-40B4-BE49-F238E27FC236}">
-                <a16:creationId xmlns:a16="http://schemas.microsoft.com/office/drawing/2014/main" id="{6A8FCA5D-8F2A-6D4C-947D-5B43DCF34953}"/>
-              </a:ext>
-            </a:extLst>
-          </p:cNvPr>
-          <p:cNvSpPr/>
+      <p:grpSp>
+        <p:nvGrpSpPr>
+          <p:cNvPr id="13" name="Group 12">
+            <a:extLst>
+              <a:ext uri="{FF2B5EF4-FFF2-40B4-BE49-F238E27FC236}">
+                <a16:creationId xmlns:a16="http://schemas.microsoft.com/office/drawing/2014/main" id="{FFE2DAFC-AE1B-3E46-89C1-EB8B9B784CA2}"/>
+              </a:ext>
+            </a:extLst>
+          </p:cNvPr>
+          <p:cNvGrpSpPr/>
           <p:nvPr/>
-        </p:nvSpPr>
-        <p:spPr>
+        </p:nvGrpSpPr>
+        <p:grpSpPr>
           <a:xfrm>
-            <a:off x="509751" y="1229710"/>
-            <a:ext cx="3736428" cy="788276"/>
+            <a:off x="236847" y="2194126"/>
+            <a:ext cx="3736429" cy="2469748"/>
+            <a:chOff x="329444" y="2401001"/>
+            <a:chExt cx="3736429" cy="2469748"/>
           </a:xfrm>
-          <a:prstGeom prst="roundRect">
-            <a:avLst>
-              <a:gd name="adj" fmla="val 4386"/>
-            </a:avLst>
-          </a:prstGeom>
-          <a:solidFill>
-            <a:schemeClr val="accent4">
-              <a:lumMod val="20000"/>
-              <a:lumOff val="80000"/>
-            </a:schemeClr>
-          </a:solidFill>
-          <a:ln w="28575">
+        </p:grpSpPr>
+        <p:sp>
+          <p:nvSpPr>
+            <p:cNvPr id="4" name="Rounded Rectangle 3">
+              <a:extLst>
+                <a:ext uri="{FF2B5EF4-FFF2-40B4-BE49-F238E27FC236}">
+                  <a16:creationId xmlns:a16="http://schemas.microsoft.com/office/drawing/2014/main" id="{6A8FCA5D-8F2A-6D4C-947D-5B43DCF34953}"/>
+                </a:ext>
+              </a:extLst>
+            </p:cNvPr>
+            <p:cNvSpPr/>
+            <p:nvPr/>
+          </p:nvSpPr>
+          <p:spPr>
+            <a:xfrm>
+              <a:off x="329445" y="3317878"/>
+              <a:ext cx="3736428" cy="635995"/>
+            </a:xfrm>
+            <a:prstGeom prst="roundRect">
+              <a:avLst>
+                <a:gd name="adj" fmla="val 4386"/>
+              </a:avLst>
+            </a:prstGeom>
             <a:solidFill>
               <a:schemeClr val="accent4">
-                <a:lumMod val="50000"/>
+                <a:lumMod val="20000"/>
+                <a:lumOff val="80000"/>
               </a:schemeClr>
             </a:solidFill>
-          </a:ln>
-        </p:spPr>
-        <p:style>
-          <a:lnRef idx="2">
-            <a:schemeClr val="accent1">
-              <a:shade val="50000"/>
-            </a:schemeClr>
-          </a:lnRef>
-          <a:fillRef idx="1">
-            <a:schemeClr val="accent1"/>
-          </a:fillRef>
-          <a:effectRef idx="0">
-            <a:schemeClr val="accent1"/>
-          </a:effectRef>
-          <a:fontRef idx="minor">
-            <a:schemeClr val="lt1"/>
-          </a:fontRef>
-        </p:style>
-        <p:txBody>
-          <a:bodyPr rtlCol="0" anchor="ctr"/>
-          <a:lstStyle/>
-          <a:p>
-            <a:pPr algn="ctr"/>
-            <a:r>
-              <a:rPr lang="en-CN" sz="2000" dirty="0">
-                <a:solidFill>
-                  <a:schemeClr val="tx1"/>
-                </a:solidFill>
-                <a:latin typeface="Times New Roman" panose="02020603050405020304" pitchFamily="18" charset="0"/>
-                <a:cs typeface="Times New Roman" panose="02020603050405020304" pitchFamily="18" charset="0"/>
-              </a:rPr>
-              <a:t>Part 1. Tensor Engineering</a:t>
-            </a:r>
-          </a:p>
-        </p:txBody>
-      </p:sp>
-    </p:spTree>
-    <p:extLst>
-      <p:ext uri="{BB962C8B-B14F-4D97-AF65-F5344CB8AC3E}">
-        <p14:creationId xmlns:p14="http://schemas.microsoft.com/office/powerpoint/2010/main" val="824673144"/>
-      </p:ext>
-    </p:extLst>
-  </p:cSld>
-  <p:clrMapOvr>
-    <a:masterClrMapping/>
-  </p:clrMapOvr>
-</p:sld>
-</file>
-
-<file path=ppt/slides/slide2.xml><?xml version="1.0" encoding="utf-8"?>
-<p:sld xmlns:a="http://schemas.openxmlformats.org/drawingml/2006/main" xmlns:r="http://schemas.openxmlformats.org/officeDocument/2006/relationships" xmlns:p="http://schemas.openxmlformats.org/presentationml/2006/main">
-  <p:cSld>
-    <p:spTree>
-      <p:nvGrpSpPr>
-        <p:cNvPr id="1" name=""/>
-        <p:cNvGrpSpPr/>
-        <p:nvPr/>
-      </p:nvGrpSpPr>
-      <p:grpSpPr>
-        <a:xfrm>
-          <a:off x="0" y="0"/>
-          <a:ext cx="0" cy="0"/>
-          <a:chOff x="0" y="0"/>
-          <a:chExt cx="0" cy="0"/>
-        </a:xfrm>
-      </p:grpSpPr>
-      <p:sp>
-        <p:nvSpPr>
-          <p:cNvPr id="3" name="Subtitle 2">
-            <a:extLst>
-              <a:ext uri="{FF2B5EF4-FFF2-40B4-BE49-F238E27FC236}">
-                <a16:creationId xmlns:a16="http://schemas.microsoft.com/office/drawing/2014/main" id="{98328758-1F17-E24C-9892-9335FE020614}"/>
-              </a:ext>
-            </a:extLst>
-          </p:cNvPr>
-          <p:cNvSpPr>
-            <a:spLocks noGrp="1"/>
-          </p:cNvSpPr>
-          <p:nvPr>
-            <p:ph type="subTitle" idx="1"/>
-          </p:nvPr>
-        </p:nvSpPr>
-        <p:spPr>
-          <a:xfrm>
-            <a:off x="0" y="0"/>
-            <a:ext cx="4487917" cy="515007"/>
-          </a:xfrm>
-        </p:spPr>
-        <p:txBody>
-          <a:bodyPr anchor="ctr"/>
-          <a:lstStyle/>
-          <a:p>
-            <a:pPr algn="l"/>
-            <a:r>
-              <a:rPr lang="en-US" b="1" dirty="0">
-                <a:solidFill>
-                  <a:schemeClr val="accent4">
-                    <a:lumMod val="50000"/>
-                  </a:schemeClr>
-                </a:solidFill>
-                <a:latin typeface="Times New Roman" panose="02020603050405020304" pitchFamily="18" charset="0"/>
-                <a:cs typeface="Times New Roman" panose="02020603050405020304" pitchFamily="18" charset="0"/>
-              </a:rPr>
-              <a:t>Part 1. Tensor Engineering</a:t>
-            </a:r>
-            <a:endParaRPr lang="en-CN" dirty="0">
+            <a:ln w="19050">
               <a:solidFill>
                 <a:schemeClr val="accent4">
                   <a:lumMod val="50000"/>
                 </a:schemeClr>
               </a:solidFill>
-              <a:latin typeface="Times New Roman" panose="02020603050405020304" pitchFamily="18" charset="0"/>
-              <a:cs typeface="Times New Roman" panose="02020603050405020304" pitchFamily="18" charset="0"/>
-            </a:endParaRPr>
-          </a:p>
-        </p:txBody>
-      </p:sp>
+            </a:ln>
+          </p:spPr>
+          <p:style>
+            <a:lnRef idx="2">
+              <a:schemeClr val="accent1">
+                <a:shade val="50000"/>
+              </a:schemeClr>
+            </a:lnRef>
+            <a:fillRef idx="1">
+              <a:schemeClr val="accent1"/>
+            </a:fillRef>
+            <a:effectRef idx="0">
+              <a:schemeClr val="accent1"/>
+            </a:effectRef>
+            <a:fontRef idx="minor">
+              <a:schemeClr val="lt1"/>
+            </a:fontRef>
+          </p:style>
+          <p:txBody>
+            <a:bodyPr rtlCol="0" anchor="ctr"/>
+            <a:lstStyle/>
+            <a:p>
+              <a:pPr algn="ctr"/>
+              <a:r>
+                <a:rPr lang="en-CN" sz="2000" dirty="0">
+                  <a:solidFill>
+                    <a:schemeClr val="tx1"/>
+                  </a:solidFill>
+                  <a:latin typeface="Times New Roman" panose="02020603050405020304" pitchFamily="18" charset="0"/>
+                  <a:cs typeface="Times New Roman" panose="02020603050405020304" pitchFamily="18" charset="0"/>
+                </a:rPr>
+                <a:t>Part 1. Tensor Engineering</a:t>
+              </a:r>
+            </a:p>
+          </p:txBody>
+        </p:sp>
+        <p:sp>
+          <p:nvSpPr>
+            <p:cNvPr id="5" name="Can 4">
+              <a:extLst>
+                <a:ext uri="{FF2B5EF4-FFF2-40B4-BE49-F238E27FC236}">
+                  <a16:creationId xmlns:a16="http://schemas.microsoft.com/office/drawing/2014/main" id="{4E6611B4-28F7-0649-BAEB-B7813D431140}"/>
+                </a:ext>
+              </a:extLst>
+            </p:cNvPr>
+            <p:cNvSpPr/>
+            <p:nvPr/>
+          </p:nvSpPr>
+          <p:spPr>
+            <a:xfrm>
+              <a:off x="329445" y="2401001"/>
+              <a:ext cx="3736428" cy="635995"/>
+            </a:xfrm>
+            <a:prstGeom prst="can">
+              <a:avLst/>
+            </a:prstGeom>
+            <a:solidFill>
+              <a:schemeClr val="accent5">
+                <a:lumMod val="20000"/>
+                <a:lumOff val="80000"/>
+              </a:schemeClr>
+            </a:solidFill>
+            <a:ln w="19050">
+              <a:solidFill>
+                <a:schemeClr val="tx1"/>
+              </a:solidFill>
+            </a:ln>
+          </p:spPr>
+          <p:style>
+            <a:lnRef idx="2">
+              <a:schemeClr val="accent1">
+                <a:shade val="50000"/>
+              </a:schemeClr>
+            </a:lnRef>
+            <a:fillRef idx="1">
+              <a:schemeClr val="accent1"/>
+            </a:fillRef>
+            <a:effectRef idx="0">
+              <a:schemeClr val="accent1"/>
+            </a:effectRef>
+            <a:fontRef idx="minor">
+              <a:schemeClr val="lt1"/>
+            </a:fontRef>
+          </p:style>
+          <p:txBody>
+            <a:bodyPr rtlCol="0" anchor="ctr"/>
+            <a:lstStyle/>
+            <a:p>
+              <a:pPr algn="ctr"/>
+              <a:r>
+                <a:rPr lang="en-CN" altLang="zh-CN" dirty="0">
+                  <a:solidFill>
+                    <a:schemeClr val="tx1"/>
+                  </a:solidFill>
+                  <a:latin typeface="Times New Roman" panose="02020603050405020304" pitchFamily="18" charset="0"/>
+                  <a:cs typeface="Times New Roman" panose="02020603050405020304" pitchFamily="18" charset="0"/>
+                </a:rPr>
+                <a:t>Raw</a:t>
+              </a:r>
+              <a:r>
+                <a:rPr lang="zh-CN" altLang="en-US" dirty="0">
+                  <a:solidFill>
+                    <a:schemeClr val="tx1"/>
+                  </a:solidFill>
+                  <a:latin typeface="Times New Roman" panose="02020603050405020304" pitchFamily="18" charset="0"/>
+                  <a:cs typeface="Times New Roman" panose="02020603050405020304" pitchFamily="18" charset="0"/>
+                </a:rPr>
+                <a:t> </a:t>
+              </a:r>
+              <a:r>
+                <a:rPr lang="en-US" altLang="zh-CN" dirty="0">
+                  <a:solidFill>
+                    <a:schemeClr val="tx1"/>
+                  </a:solidFill>
+                  <a:latin typeface="Times New Roman" panose="02020603050405020304" pitchFamily="18" charset="0"/>
+                  <a:cs typeface="Times New Roman" panose="02020603050405020304" pitchFamily="18" charset="0"/>
+                </a:rPr>
+                <a:t>LOB</a:t>
+              </a:r>
+              <a:r>
+                <a:rPr lang="zh-CN" altLang="en-US" dirty="0">
+                  <a:solidFill>
+                    <a:schemeClr val="tx1"/>
+                  </a:solidFill>
+                  <a:latin typeface="Times New Roman" panose="02020603050405020304" pitchFamily="18" charset="0"/>
+                  <a:cs typeface="Times New Roman" panose="02020603050405020304" pitchFamily="18" charset="0"/>
+                </a:rPr>
+                <a:t> </a:t>
+              </a:r>
+              <a:r>
+                <a:rPr lang="en-US" altLang="zh-CN" dirty="0">
+                  <a:solidFill>
+                    <a:schemeClr val="tx1"/>
+                  </a:solidFill>
+                  <a:latin typeface="Times New Roman" panose="02020603050405020304" pitchFamily="18" charset="0"/>
+                  <a:cs typeface="Times New Roman" panose="02020603050405020304" pitchFamily="18" charset="0"/>
+                </a:rPr>
+                <a:t>(28800, D, L, F)</a:t>
+              </a:r>
+            </a:p>
+          </p:txBody>
+        </p:sp>
+        <p:sp>
+          <p:nvSpPr>
+            <p:cNvPr id="7" name="Can 6">
+              <a:extLst>
+                <a:ext uri="{FF2B5EF4-FFF2-40B4-BE49-F238E27FC236}">
+                  <a16:creationId xmlns:a16="http://schemas.microsoft.com/office/drawing/2014/main" id="{2301FB42-081B-E94A-BAEF-39F1ED05D328}"/>
+                </a:ext>
+              </a:extLst>
+            </p:cNvPr>
+            <p:cNvSpPr/>
+            <p:nvPr/>
+          </p:nvSpPr>
+          <p:spPr>
+            <a:xfrm>
+              <a:off x="1621799" y="4234754"/>
+              <a:ext cx="1151720" cy="635995"/>
+            </a:xfrm>
+            <a:prstGeom prst="can">
+              <a:avLst>
+                <a:gd name="adj" fmla="val 10296"/>
+              </a:avLst>
+            </a:prstGeom>
+            <a:solidFill>
+              <a:schemeClr val="accent6">
+                <a:lumMod val="20000"/>
+                <a:lumOff val="80000"/>
+              </a:schemeClr>
+            </a:solidFill>
+            <a:ln w="19050">
+              <a:solidFill>
+                <a:schemeClr val="tx1"/>
+              </a:solidFill>
+            </a:ln>
+          </p:spPr>
+          <p:style>
+            <a:lnRef idx="2">
+              <a:schemeClr val="accent1">
+                <a:shade val="50000"/>
+              </a:schemeClr>
+            </a:lnRef>
+            <a:fillRef idx="1">
+              <a:schemeClr val="accent1"/>
+            </a:fillRef>
+            <a:effectRef idx="0">
+              <a:schemeClr val="accent1"/>
+            </a:effectRef>
+            <a:fontRef idx="minor">
+              <a:schemeClr val="lt1"/>
+            </a:fontRef>
+          </p:style>
+          <p:txBody>
+            <a:bodyPr rtlCol="0" anchor="ctr"/>
+            <a:lstStyle/>
+            <a:p>
+              <a:pPr algn="ctr"/>
+              <a:r>
+                <a:rPr lang="en-US" altLang="zh-CN" sz="1300" dirty="0">
+                  <a:solidFill>
+                    <a:schemeClr val="tx1"/>
+                  </a:solidFill>
+                  <a:latin typeface="Times New Roman" panose="02020603050405020304" pitchFamily="18" charset="0"/>
+                  <a:cs typeface="Times New Roman" panose="02020603050405020304" pitchFamily="18" charset="0"/>
+                </a:rPr>
+                <a:t>HFTLabel.h5</a:t>
+              </a:r>
+            </a:p>
+            <a:p>
+              <a:pPr algn="ctr"/>
+              <a:r>
+                <a:rPr lang="zh-CN" altLang="en-US" sz="1300" dirty="0">
+                  <a:solidFill>
+                    <a:schemeClr val="tx1"/>
+                  </a:solidFill>
+                  <a:latin typeface="Times New Roman" panose="02020603050405020304" pitchFamily="18" charset="0"/>
+                  <a:cs typeface="Times New Roman" panose="02020603050405020304" pitchFamily="18" charset="0"/>
+                </a:rPr>
+                <a:t> </a:t>
+              </a:r>
+              <a:r>
+                <a:rPr lang="en-US" altLang="zh-CN" sz="1300" dirty="0">
+                  <a:solidFill>
+                    <a:schemeClr val="tx1"/>
+                  </a:solidFill>
+                  <a:latin typeface="Times New Roman" panose="02020603050405020304" pitchFamily="18" charset="0"/>
+                  <a:cs typeface="Times New Roman" panose="02020603050405020304" pitchFamily="18" charset="0"/>
+                </a:rPr>
+                <a:t>(T, F)</a:t>
+              </a:r>
+            </a:p>
+          </p:txBody>
+        </p:sp>
+        <p:sp>
+          <p:nvSpPr>
+            <p:cNvPr id="8" name="Can 7">
+              <a:extLst>
+                <a:ext uri="{FF2B5EF4-FFF2-40B4-BE49-F238E27FC236}">
+                  <a16:creationId xmlns:a16="http://schemas.microsoft.com/office/drawing/2014/main" id="{57960A23-A06B-1A46-A1A3-004E7F69BA3D}"/>
+                </a:ext>
+              </a:extLst>
+            </p:cNvPr>
+            <p:cNvSpPr/>
+            <p:nvPr/>
+          </p:nvSpPr>
+          <p:spPr>
+            <a:xfrm>
+              <a:off x="329445" y="4234754"/>
+              <a:ext cx="1151720" cy="635995"/>
+            </a:xfrm>
+            <a:prstGeom prst="can">
+              <a:avLst>
+                <a:gd name="adj" fmla="val 10296"/>
+              </a:avLst>
+            </a:prstGeom>
+            <a:solidFill>
+              <a:schemeClr val="accent6">
+                <a:lumMod val="20000"/>
+                <a:lumOff val="80000"/>
+              </a:schemeClr>
+            </a:solidFill>
+            <a:ln w="19050">
+              <a:solidFill>
+                <a:schemeClr val="tx1"/>
+              </a:solidFill>
+            </a:ln>
+          </p:spPr>
+          <p:style>
+            <a:lnRef idx="2">
+              <a:schemeClr val="accent1">
+                <a:shade val="50000"/>
+              </a:schemeClr>
+            </a:lnRef>
+            <a:fillRef idx="1">
+              <a:schemeClr val="accent1"/>
+            </a:fillRef>
+            <a:effectRef idx="0">
+              <a:schemeClr val="accent1"/>
+            </a:effectRef>
+            <a:fontRef idx="minor">
+              <a:schemeClr val="lt1"/>
+            </a:fontRef>
+          </p:style>
+          <p:txBody>
+            <a:bodyPr rtlCol="0" anchor="ctr"/>
+            <a:lstStyle/>
+            <a:p>
+              <a:pPr algn="ctr"/>
+              <a:r>
+                <a:rPr lang="en-US" altLang="zh-CN" sz="1300" dirty="0">
+                  <a:solidFill>
+                    <a:schemeClr val="tx1"/>
+                  </a:solidFill>
+                  <a:latin typeface="Times New Roman" panose="02020603050405020304" pitchFamily="18" charset="0"/>
+                  <a:cs typeface="Times New Roman" panose="02020603050405020304" pitchFamily="18" charset="0"/>
+                </a:rPr>
+                <a:t>LOB.h5</a:t>
+              </a:r>
+            </a:p>
+            <a:p>
+              <a:pPr algn="ctr"/>
+              <a:r>
+                <a:rPr lang="zh-CN" altLang="en-US" sz="1300" dirty="0">
+                  <a:solidFill>
+                    <a:schemeClr val="tx1"/>
+                  </a:solidFill>
+                  <a:latin typeface="Times New Roman" panose="02020603050405020304" pitchFamily="18" charset="0"/>
+                  <a:cs typeface="Times New Roman" panose="02020603050405020304" pitchFamily="18" charset="0"/>
+                </a:rPr>
+                <a:t> </a:t>
+              </a:r>
+              <a:r>
+                <a:rPr lang="en-US" altLang="zh-CN" sz="1300" dirty="0">
+                  <a:solidFill>
+                    <a:schemeClr val="tx1"/>
+                  </a:solidFill>
+                  <a:latin typeface="Times New Roman" panose="02020603050405020304" pitchFamily="18" charset="0"/>
+                  <a:cs typeface="Times New Roman" panose="02020603050405020304" pitchFamily="18" charset="0"/>
+                </a:rPr>
+                <a:t>(T,</a:t>
+              </a:r>
+              <a:r>
+                <a:rPr lang="zh-CN" altLang="en-US" sz="1300" dirty="0">
+                  <a:solidFill>
+                    <a:schemeClr val="tx1"/>
+                  </a:solidFill>
+                  <a:latin typeface="Times New Roman" panose="02020603050405020304" pitchFamily="18" charset="0"/>
+                  <a:cs typeface="Times New Roman" panose="02020603050405020304" pitchFamily="18" charset="0"/>
+                </a:rPr>
+                <a:t> </a:t>
+              </a:r>
+              <a:r>
+                <a:rPr lang="en-US" altLang="zh-CN" sz="1300" dirty="0">
+                  <a:solidFill>
+                    <a:schemeClr val="tx1"/>
+                  </a:solidFill>
+                  <a:latin typeface="Times New Roman" panose="02020603050405020304" pitchFamily="18" charset="0"/>
+                  <a:cs typeface="Times New Roman" panose="02020603050405020304" pitchFamily="18" charset="0"/>
+                </a:rPr>
+                <a:t>D, L, F)</a:t>
+              </a:r>
+            </a:p>
+          </p:txBody>
+        </p:sp>
+        <p:sp>
+          <p:nvSpPr>
+            <p:cNvPr id="9" name="Can 8">
+              <a:extLst>
+                <a:ext uri="{FF2B5EF4-FFF2-40B4-BE49-F238E27FC236}">
+                  <a16:creationId xmlns:a16="http://schemas.microsoft.com/office/drawing/2014/main" id="{064F918B-E385-FA48-95D1-1F517F2F9580}"/>
+                </a:ext>
+              </a:extLst>
+            </p:cNvPr>
+            <p:cNvSpPr/>
+            <p:nvPr/>
+          </p:nvSpPr>
+          <p:spPr>
+            <a:xfrm>
+              <a:off x="2914153" y="4234754"/>
+              <a:ext cx="1151720" cy="635995"/>
+            </a:xfrm>
+            <a:prstGeom prst="can">
+              <a:avLst>
+                <a:gd name="adj" fmla="val 10296"/>
+              </a:avLst>
+            </a:prstGeom>
+            <a:solidFill>
+              <a:schemeClr val="accent6">
+                <a:lumMod val="20000"/>
+                <a:lumOff val="80000"/>
+              </a:schemeClr>
+            </a:solidFill>
+            <a:ln w="19050">
+              <a:solidFill>
+                <a:schemeClr val="tx1"/>
+              </a:solidFill>
+            </a:ln>
+          </p:spPr>
+          <p:style>
+            <a:lnRef idx="2">
+              <a:schemeClr val="accent1">
+                <a:shade val="50000"/>
+              </a:schemeClr>
+            </a:lnRef>
+            <a:fillRef idx="1">
+              <a:schemeClr val="accent1"/>
+            </a:fillRef>
+            <a:effectRef idx="0">
+              <a:schemeClr val="accent1"/>
+            </a:effectRef>
+            <a:fontRef idx="minor">
+              <a:schemeClr val="lt1"/>
+            </a:fontRef>
+          </p:style>
+          <p:txBody>
+            <a:bodyPr rtlCol="0" anchor="ctr"/>
+            <a:lstStyle/>
+            <a:p>
+              <a:pPr algn="ctr"/>
+              <a:r>
+                <a:rPr lang="en-US" altLang="zh-CN" sz="1300" dirty="0">
+                  <a:solidFill>
+                    <a:schemeClr val="tx1"/>
+                  </a:solidFill>
+                  <a:latin typeface="Times New Roman" panose="02020603050405020304" pitchFamily="18" charset="0"/>
+                  <a:cs typeface="Times New Roman" panose="02020603050405020304" pitchFamily="18" charset="0"/>
+                </a:rPr>
+                <a:t>Others.h5</a:t>
+              </a:r>
+            </a:p>
+            <a:p>
+              <a:pPr algn="ctr"/>
+              <a:r>
+                <a:rPr lang="en-US" altLang="zh-CN" sz="1300" dirty="0">
+                  <a:solidFill>
+                    <a:schemeClr val="tx1"/>
+                  </a:solidFill>
+                  <a:latin typeface="Times New Roman" panose="02020603050405020304" pitchFamily="18" charset="0"/>
+                  <a:cs typeface="Times New Roman" panose="02020603050405020304" pitchFamily="18" charset="0"/>
+                </a:rPr>
+                <a:t>…</a:t>
+              </a:r>
+            </a:p>
+          </p:txBody>
+        </p:sp>
+        <p:cxnSp>
+          <p:nvCxnSpPr>
+            <p:cNvPr id="11" name="Straight Arrow Connector 10">
+              <a:extLst>
+                <a:ext uri="{FF2B5EF4-FFF2-40B4-BE49-F238E27FC236}">
+                  <a16:creationId xmlns:a16="http://schemas.microsoft.com/office/drawing/2014/main" id="{D1A28AD3-7429-1548-B5E5-3B588A2C0499}"/>
+                </a:ext>
+              </a:extLst>
+            </p:cNvPr>
+            <p:cNvCxnSpPr>
+              <a:stCxn id="5" idx="3"/>
+              <a:endCxn id="4" idx="0"/>
+            </p:cNvCxnSpPr>
+            <p:nvPr/>
+          </p:nvCxnSpPr>
+          <p:spPr>
+            <a:xfrm>
+              <a:off x="2197659" y="3036996"/>
+              <a:ext cx="0" cy="280882"/>
+            </a:xfrm>
+            <a:prstGeom prst="straightConnector1">
+              <a:avLst/>
+            </a:prstGeom>
+            <a:ln w="12700">
+              <a:solidFill>
+                <a:schemeClr val="tx1"/>
+              </a:solidFill>
+              <a:tailEnd type="stealth" w="lg" len="lg"/>
+            </a:ln>
+          </p:spPr>
+          <p:style>
+            <a:lnRef idx="1">
+              <a:schemeClr val="accent1"/>
+            </a:lnRef>
+            <a:fillRef idx="0">
+              <a:schemeClr val="accent1"/>
+            </a:fillRef>
+            <a:effectRef idx="0">
+              <a:schemeClr val="accent1"/>
+            </a:effectRef>
+            <a:fontRef idx="minor">
+              <a:schemeClr val="tx1"/>
+            </a:fontRef>
+          </p:style>
+        </p:cxnSp>
+        <p:sp>
+          <p:nvSpPr>
+            <p:cNvPr id="12" name="Left Brace 11">
+              <a:extLst>
+                <a:ext uri="{FF2B5EF4-FFF2-40B4-BE49-F238E27FC236}">
+                  <a16:creationId xmlns:a16="http://schemas.microsoft.com/office/drawing/2014/main" id="{E66D5846-A736-6E49-9C28-64571746EB87}"/>
+                </a:ext>
+              </a:extLst>
+            </p:cNvPr>
+            <p:cNvSpPr/>
+            <p:nvPr/>
+          </p:nvSpPr>
+          <p:spPr>
+            <a:xfrm rot="5400000">
+              <a:off x="2105417" y="2226106"/>
+              <a:ext cx="184470" cy="3736415"/>
+            </a:xfrm>
+            <a:prstGeom prst="leftBrace">
+              <a:avLst>
+                <a:gd name="adj1" fmla="val 99029"/>
+                <a:gd name="adj2" fmla="val 50000"/>
+              </a:avLst>
+            </a:prstGeom>
+            <a:ln w="12700">
+              <a:solidFill>
+                <a:schemeClr val="tx1"/>
+              </a:solidFill>
+            </a:ln>
+          </p:spPr>
+          <p:style>
+            <a:lnRef idx="1">
+              <a:schemeClr val="accent1"/>
+            </a:lnRef>
+            <a:fillRef idx="0">
+              <a:schemeClr val="accent1"/>
+            </a:fillRef>
+            <a:effectRef idx="0">
+              <a:schemeClr val="accent1"/>
+            </a:effectRef>
+            <a:fontRef idx="minor">
+              <a:schemeClr val="tx1"/>
+            </a:fontRef>
+          </p:style>
+          <p:txBody>
+            <a:bodyPr rtlCol="0" anchor="ctr"/>
+            <a:lstStyle/>
+            <a:p>
+              <a:pPr algn="ctr"/>
+              <a:endParaRPr lang="en-CN" sz="1200"/>
+            </a:p>
+          </p:txBody>
+        </p:sp>
+      </p:grpSp>
     </p:spTree>
     <p:extLst>
       <p:ext uri="{BB962C8B-B14F-4D97-AF65-F5344CB8AC3E}">
-        <p14:creationId xmlns:p14="http://schemas.microsoft.com/office/powerpoint/2010/main" val="2305929565"/>
+        <p14:creationId xmlns:p14="http://schemas.microsoft.com/office/powerpoint/2010/main" val="824673144"/>
       </p:ext>
     </p:extLst>
   </p:cSld>

--- a/Images/images.pptx
+++ b/Images/images.pptx
@@ -104,6 +104,11 @@
       </a:defRPr>
     </a:lvl9pPr>
   </p:defaultTextStyle>
+  <p:extLst>
+    <p:ext uri="{EFAFB233-063F-42B5-8137-9DF3F51BA10A}">
+      <p15:sldGuideLst xmlns:p15="http://schemas.microsoft.com/office/powerpoint/2012/main"/>
+    </p:ext>
+  </p:extLst>
 </p:presentation>
 </file>
 
@@ -256,7 +261,7 @@
           <a:p>
             <a:fld id="{F8066D3D-1DFE-A74D-8922-702084192356}" type="datetimeFigureOut">
               <a:rPr lang="en-CN" smtClean="0"/>
-              <a:t>2024/11/19</a:t>
+              <a:t>2024/11/21</a:t>
             </a:fld>
             <a:endParaRPr lang="en-CN"/>
           </a:p>
@@ -456,7 +461,7 @@
           <a:p>
             <a:fld id="{F8066D3D-1DFE-A74D-8922-702084192356}" type="datetimeFigureOut">
               <a:rPr lang="en-CN" smtClean="0"/>
-              <a:t>2024/11/19</a:t>
+              <a:t>2024/11/21</a:t>
             </a:fld>
             <a:endParaRPr lang="en-CN"/>
           </a:p>
@@ -666,7 +671,7 @@
           <a:p>
             <a:fld id="{F8066D3D-1DFE-A74D-8922-702084192356}" type="datetimeFigureOut">
               <a:rPr lang="en-CN" smtClean="0"/>
-              <a:t>2024/11/19</a:t>
+              <a:t>2024/11/21</a:t>
             </a:fld>
             <a:endParaRPr lang="en-CN"/>
           </a:p>
@@ -866,7 +871,7 @@
           <a:p>
             <a:fld id="{F8066D3D-1DFE-A74D-8922-702084192356}" type="datetimeFigureOut">
               <a:rPr lang="en-CN" smtClean="0"/>
-              <a:t>2024/11/19</a:t>
+              <a:t>2024/11/21</a:t>
             </a:fld>
             <a:endParaRPr lang="en-CN"/>
           </a:p>
@@ -1142,7 +1147,7 @@
           <a:p>
             <a:fld id="{F8066D3D-1DFE-A74D-8922-702084192356}" type="datetimeFigureOut">
               <a:rPr lang="en-CN" smtClean="0"/>
-              <a:t>2024/11/19</a:t>
+              <a:t>2024/11/21</a:t>
             </a:fld>
             <a:endParaRPr lang="en-CN"/>
           </a:p>
@@ -1410,7 +1415,7 @@
           <a:p>
             <a:fld id="{F8066D3D-1DFE-A74D-8922-702084192356}" type="datetimeFigureOut">
               <a:rPr lang="en-CN" smtClean="0"/>
-              <a:t>2024/11/19</a:t>
+              <a:t>2024/11/21</a:t>
             </a:fld>
             <a:endParaRPr lang="en-CN"/>
           </a:p>
@@ -1825,7 +1830,7 @@
           <a:p>
             <a:fld id="{F8066D3D-1DFE-A74D-8922-702084192356}" type="datetimeFigureOut">
               <a:rPr lang="en-CN" smtClean="0"/>
-              <a:t>2024/11/19</a:t>
+              <a:t>2024/11/21</a:t>
             </a:fld>
             <a:endParaRPr lang="en-CN"/>
           </a:p>
@@ -1967,7 +1972,7 @@
           <a:p>
             <a:fld id="{F8066D3D-1DFE-A74D-8922-702084192356}" type="datetimeFigureOut">
               <a:rPr lang="en-CN" smtClean="0"/>
-              <a:t>2024/11/19</a:t>
+              <a:t>2024/11/21</a:t>
             </a:fld>
             <a:endParaRPr lang="en-CN"/>
           </a:p>
@@ -2080,7 +2085,7 @@
           <a:p>
             <a:fld id="{F8066D3D-1DFE-A74D-8922-702084192356}" type="datetimeFigureOut">
               <a:rPr lang="en-CN" smtClean="0"/>
-              <a:t>2024/11/19</a:t>
+              <a:t>2024/11/21</a:t>
             </a:fld>
             <a:endParaRPr lang="en-CN"/>
           </a:p>
@@ -2393,7 +2398,7 @@
           <a:p>
             <a:fld id="{F8066D3D-1DFE-A74D-8922-702084192356}" type="datetimeFigureOut">
               <a:rPr lang="en-CN" smtClean="0"/>
-              <a:t>2024/11/19</a:t>
+              <a:t>2024/11/21</a:t>
             </a:fld>
             <a:endParaRPr lang="en-CN"/>
           </a:p>
@@ -2682,7 +2687,7 @@
           <a:p>
             <a:fld id="{F8066D3D-1DFE-A74D-8922-702084192356}" type="datetimeFigureOut">
               <a:rPr lang="en-CN" smtClean="0"/>
-              <a:t>2024/11/19</a:t>
+              <a:t>2024/11/21</a:t>
             </a:fld>
             <a:endParaRPr lang="en-CN"/>
           </a:p>
@@ -2925,7 +2930,7 @@
           <a:p>
             <a:fld id="{F8066D3D-1DFE-A74D-8922-702084192356}" type="datetimeFigureOut">
               <a:rPr lang="en-CN" smtClean="0"/>
-              <a:t>2024/11/19</a:t>
+              <a:t>2024/11/21</a:t>
             </a:fld>
             <a:endParaRPr lang="en-CN"/>
           </a:p>
@@ -3974,6 +3979,101 @@
           </p:txBody>
         </p:sp>
       </p:grpSp>
+      <p:sp>
+        <p:nvSpPr>
+          <p:cNvPr id="14" name="Rounded Rectangle 13">
+            <a:extLst>
+              <a:ext uri="{FF2B5EF4-FFF2-40B4-BE49-F238E27FC236}">
+                <a16:creationId xmlns:a16="http://schemas.microsoft.com/office/drawing/2014/main" id="{B9D3683B-4340-3A4C-A9F8-00506C33A736}"/>
+              </a:ext>
+            </a:extLst>
+          </p:cNvPr>
+          <p:cNvSpPr/>
+          <p:nvPr/>
+        </p:nvSpPr>
+        <p:spPr>
+          <a:xfrm>
+            <a:off x="236847" y="4944755"/>
+            <a:ext cx="11708238" cy="515007"/>
+          </a:xfrm>
+          <a:prstGeom prst="roundRect">
+            <a:avLst>
+              <a:gd name="adj" fmla="val 4386"/>
+            </a:avLst>
+          </a:prstGeom>
+          <a:solidFill>
+            <a:schemeClr val="accent3">
+              <a:lumMod val="20000"/>
+              <a:lumOff val="80000"/>
+            </a:schemeClr>
+          </a:solidFill>
+          <a:ln w="19050">
+            <a:solidFill>
+              <a:schemeClr val="tx1"/>
+            </a:solidFill>
+          </a:ln>
+          <a:effectLst>
+            <a:outerShdw blurRad="50800" dist="38100" dir="2700000" algn="tl" rotWithShape="0">
+              <a:prstClr val="black">
+                <a:alpha val="40000"/>
+              </a:prstClr>
+            </a:outerShdw>
+          </a:effectLst>
+        </p:spPr>
+        <p:style>
+          <a:lnRef idx="2">
+            <a:schemeClr val="accent1">
+              <a:shade val="50000"/>
+            </a:schemeClr>
+          </a:lnRef>
+          <a:fillRef idx="1">
+            <a:schemeClr val="accent1"/>
+          </a:fillRef>
+          <a:effectRef idx="0">
+            <a:schemeClr val="accent1"/>
+          </a:effectRef>
+          <a:fontRef idx="minor">
+            <a:schemeClr val="lt1"/>
+          </a:fontRef>
+        </p:style>
+        <p:txBody>
+          <a:bodyPr rtlCol="0" anchor="ctr"/>
+          <a:lstStyle/>
+          <a:p>
+            <a:pPr algn="ctr"/>
+            <a:r>
+              <a:rPr lang="en-CN" sz="2000" b="1" dirty="0">
+                <a:solidFill>
+                  <a:schemeClr val="tx1"/>
+                </a:solidFill>
+                <a:latin typeface="Times New Roman" panose="02020603050405020304" pitchFamily="18" charset="0"/>
+                <a:cs typeface="Times New Roman" panose="02020603050405020304" pitchFamily="18" charset="0"/>
+              </a:rPr>
+              <a:t>Part </a:t>
+            </a:r>
+            <a:r>
+              <a:rPr lang="en-US" altLang="zh-CN" sz="2000" b="1" dirty="0">
+                <a:solidFill>
+                  <a:schemeClr val="tx1"/>
+                </a:solidFill>
+                <a:latin typeface="Times New Roman" panose="02020603050405020304" pitchFamily="18" charset="0"/>
+                <a:cs typeface="Times New Roman" panose="02020603050405020304" pitchFamily="18" charset="0"/>
+              </a:rPr>
+              <a:t>0</a:t>
+            </a:r>
+            <a:r>
+              <a:rPr lang="en-CN" sz="2000" b="1" dirty="0">
+                <a:solidFill>
+                  <a:schemeClr val="tx1"/>
+                </a:solidFill>
+                <a:latin typeface="Times New Roman" panose="02020603050405020304" pitchFamily="18" charset="0"/>
+                <a:cs typeface="Times New Roman" panose="02020603050405020304" pitchFamily="18" charset="0"/>
+              </a:rPr>
+              <a:t>. Ops</a:t>
+            </a:r>
+          </a:p>
+        </p:txBody>
+      </p:sp>
     </p:spTree>
     <p:extLst>
       <p:ext uri="{BB962C8B-B14F-4D97-AF65-F5344CB8AC3E}">

--- a/Images/images.pptx
+++ b/Images/images.pptx
@@ -6,6 +6,7 @@
   </p:sldMasterIdLst>
   <p:sldIdLst>
     <p:sldId id="256" r:id="rId2"/>
+    <p:sldId id="257" r:id="rId3"/>
   </p:sldIdLst>
   <p:sldSz cx="12192000" cy="6858000"/>
   <p:notesSz cx="6858000" cy="9144000"/>
@@ -3416,7 +3417,7 @@
         </p:nvGrpSpPr>
         <p:grpSpPr>
           <a:xfrm>
-            <a:off x="236847" y="2194126"/>
+            <a:off x="241882" y="3050652"/>
             <a:ext cx="3736429" cy="2469748"/>
             <a:chOff x="329444" y="2401001"/>
             <a:chExt cx="3736429" cy="2469748"/>
@@ -3993,7 +3994,7 @@
         </p:nvSpPr>
         <p:spPr>
           <a:xfrm>
-            <a:off x="236847" y="4944755"/>
+            <a:off x="241882" y="5801281"/>
             <a:ext cx="11708238" cy="515007"/>
           </a:xfrm>
           <a:prstGeom prst="roundRect">
@@ -4078,6 +4079,5653 @@
     <p:extLst>
       <p:ext uri="{BB962C8B-B14F-4D97-AF65-F5344CB8AC3E}">
         <p14:creationId xmlns:p14="http://schemas.microsoft.com/office/powerpoint/2010/main" val="824673144"/>
+      </p:ext>
+    </p:extLst>
+  </p:cSld>
+  <p:clrMapOvr>
+    <a:masterClrMapping/>
+  </p:clrMapOvr>
+</p:sld>
+</file>
+
+<file path=ppt/slides/slide2.xml><?xml version="1.0" encoding="utf-8"?>
+<p:sld xmlns:a="http://schemas.openxmlformats.org/drawingml/2006/main" xmlns:r="http://schemas.openxmlformats.org/officeDocument/2006/relationships" xmlns:p="http://schemas.openxmlformats.org/presentationml/2006/main">
+  <p:cSld>
+    <p:spTree>
+      <p:nvGrpSpPr>
+        <p:cNvPr id="1" name=""/>
+        <p:cNvGrpSpPr/>
+        <p:nvPr/>
+      </p:nvGrpSpPr>
+      <p:grpSpPr>
+        <a:xfrm>
+          <a:off x="0" y="0"/>
+          <a:ext cx="0" cy="0"/>
+          <a:chOff x="0" y="0"/>
+          <a:chExt cx="0" cy="0"/>
+        </a:xfrm>
+      </p:grpSpPr>
+      <p:graphicFrame>
+        <p:nvGraphicFramePr>
+          <p:cNvPr id="4" name="Table 5">
+            <a:extLst>
+              <a:ext uri="{FF2B5EF4-FFF2-40B4-BE49-F238E27FC236}">
+                <a16:creationId xmlns:a16="http://schemas.microsoft.com/office/drawing/2014/main" id="{C55FBE19-567A-A74C-9272-12163B327463}"/>
+              </a:ext>
+            </a:extLst>
+          </p:cNvPr>
+          <p:cNvGraphicFramePr>
+            <a:graphicFrameLocks noGrp="1"/>
+          </p:cNvGraphicFramePr>
+          <p:nvPr>
+            <p:extLst>
+              <p:ext uri="{D42A27DB-BD31-4B8C-83A1-F6EECF244321}">
+                <p14:modId xmlns:p14="http://schemas.microsoft.com/office/powerpoint/2010/main" val="1481767013"/>
+              </p:ext>
+            </p:extLst>
+          </p:nvPr>
+        </p:nvGraphicFramePr>
+        <p:xfrm>
+          <a:off x="696000" y="1362669"/>
+          <a:ext cx="10800000" cy="540000"/>
+        </p:xfrm>
+        <a:graphic>
+          <a:graphicData uri="http://schemas.openxmlformats.org/drawingml/2006/table">
+            <a:tbl>
+              <a:tblPr firstRow="1" bandRow="1">
+                <a:tableStyleId>{5C22544A-7EE6-4342-B048-85BDC9FD1C3A}</a:tableStyleId>
+              </a:tblPr>
+              <a:tblGrid>
+                <a:gridCol w="540000">
+                  <a:extLst>
+                    <a:ext uri="{9D8B030D-6E8A-4147-A177-3AD203B41FA5}">
+                      <a16:colId xmlns:a16="http://schemas.microsoft.com/office/drawing/2014/main" val="1498127178"/>
+                    </a:ext>
+                  </a:extLst>
+                </a:gridCol>
+                <a:gridCol w="540000">
+                  <a:extLst>
+                    <a:ext uri="{9D8B030D-6E8A-4147-A177-3AD203B41FA5}">
+                      <a16:colId xmlns:a16="http://schemas.microsoft.com/office/drawing/2014/main" val="1677515226"/>
+                    </a:ext>
+                  </a:extLst>
+                </a:gridCol>
+                <a:gridCol w="540000">
+                  <a:extLst>
+                    <a:ext uri="{9D8B030D-6E8A-4147-A177-3AD203B41FA5}">
+                      <a16:colId xmlns:a16="http://schemas.microsoft.com/office/drawing/2014/main" val="2812995194"/>
+                    </a:ext>
+                  </a:extLst>
+                </a:gridCol>
+                <a:gridCol w="540000">
+                  <a:extLst>
+                    <a:ext uri="{9D8B030D-6E8A-4147-A177-3AD203B41FA5}">
+                      <a16:colId xmlns:a16="http://schemas.microsoft.com/office/drawing/2014/main" val="2208527536"/>
+                    </a:ext>
+                  </a:extLst>
+                </a:gridCol>
+                <a:gridCol w="540000">
+                  <a:extLst>
+                    <a:ext uri="{9D8B030D-6E8A-4147-A177-3AD203B41FA5}">
+                      <a16:colId xmlns:a16="http://schemas.microsoft.com/office/drawing/2014/main" val="1198814775"/>
+                    </a:ext>
+                  </a:extLst>
+                </a:gridCol>
+                <a:gridCol w="540000">
+                  <a:extLst>
+                    <a:ext uri="{9D8B030D-6E8A-4147-A177-3AD203B41FA5}">
+                      <a16:colId xmlns:a16="http://schemas.microsoft.com/office/drawing/2014/main" val="1163874756"/>
+                    </a:ext>
+                  </a:extLst>
+                </a:gridCol>
+                <a:gridCol w="540000">
+                  <a:extLst>
+                    <a:ext uri="{9D8B030D-6E8A-4147-A177-3AD203B41FA5}">
+                      <a16:colId xmlns:a16="http://schemas.microsoft.com/office/drawing/2014/main" val="1566457"/>
+                    </a:ext>
+                  </a:extLst>
+                </a:gridCol>
+                <a:gridCol w="540000">
+                  <a:extLst>
+                    <a:ext uri="{9D8B030D-6E8A-4147-A177-3AD203B41FA5}">
+                      <a16:colId xmlns:a16="http://schemas.microsoft.com/office/drawing/2014/main" val="2305022079"/>
+                    </a:ext>
+                  </a:extLst>
+                </a:gridCol>
+                <a:gridCol w="540000">
+                  <a:extLst>
+                    <a:ext uri="{9D8B030D-6E8A-4147-A177-3AD203B41FA5}">
+                      <a16:colId xmlns:a16="http://schemas.microsoft.com/office/drawing/2014/main" val="4289357627"/>
+                    </a:ext>
+                  </a:extLst>
+                </a:gridCol>
+                <a:gridCol w="540000">
+                  <a:extLst>
+                    <a:ext uri="{9D8B030D-6E8A-4147-A177-3AD203B41FA5}">
+                      <a16:colId xmlns:a16="http://schemas.microsoft.com/office/drawing/2014/main" val="1994205247"/>
+                    </a:ext>
+                  </a:extLst>
+                </a:gridCol>
+                <a:gridCol w="540000">
+                  <a:extLst>
+                    <a:ext uri="{9D8B030D-6E8A-4147-A177-3AD203B41FA5}">
+                      <a16:colId xmlns:a16="http://schemas.microsoft.com/office/drawing/2014/main" val="620020033"/>
+                    </a:ext>
+                  </a:extLst>
+                </a:gridCol>
+                <a:gridCol w="540000">
+                  <a:extLst>
+                    <a:ext uri="{9D8B030D-6E8A-4147-A177-3AD203B41FA5}">
+                      <a16:colId xmlns:a16="http://schemas.microsoft.com/office/drawing/2014/main" val="654943581"/>
+                    </a:ext>
+                  </a:extLst>
+                </a:gridCol>
+                <a:gridCol w="540000">
+                  <a:extLst>
+                    <a:ext uri="{9D8B030D-6E8A-4147-A177-3AD203B41FA5}">
+                      <a16:colId xmlns:a16="http://schemas.microsoft.com/office/drawing/2014/main" val="1968509868"/>
+                    </a:ext>
+                  </a:extLst>
+                </a:gridCol>
+                <a:gridCol w="540000">
+                  <a:extLst>
+                    <a:ext uri="{9D8B030D-6E8A-4147-A177-3AD203B41FA5}">
+                      <a16:colId xmlns:a16="http://schemas.microsoft.com/office/drawing/2014/main" val="4266138455"/>
+                    </a:ext>
+                  </a:extLst>
+                </a:gridCol>
+                <a:gridCol w="540000">
+                  <a:extLst>
+                    <a:ext uri="{9D8B030D-6E8A-4147-A177-3AD203B41FA5}">
+                      <a16:colId xmlns:a16="http://schemas.microsoft.com/office/drawing/2014/main" val="538819574"/>
+                    </a:ext>
+                  </a:extLst>
+                </a:gridCol>
+                <a:gridCol w="540000">
+                  <a:extLst>
+                    <a:ext uri="{9D8B030D-6E8A-4147-A177-3AD203B41FA5}">
+                      <a16:colId xmlns:a16="http://schemas.microsoft.com/office/drawing/2014/main" val="2542652429"/>
+                    </a:ext>
+                  </a:extLst>
+                </a:gridCol>
+                <a:gridCol w="540000">
+                  <a:extLst>
+                    <a:ext uri="{9D8B030D-6E8A-4147-A177-3AD203B41FA5}">
+                      <a16:colId xmlns:a16="http://schemas.microsoft.com/office/drawing/2014/main" val="1350989208"/>
+                    </a:ext>
+                  </a:extLst>
+                </a:gridCol>
+                <a:gridCol w="540000">
+                  <a:extLst>
+                    <a:ext uri="{9D8B030D-6E8A-4147-A177-3AD203B41FA5}">
+                      <a16:colId xmlns:a16="http://schemas.microsoft.com/office/drawing/2014/main" val="1502330049"/>
+                    </a:ext>
+                  </a:extLst>
+                </a:gridCol>
+                <a:gridCol w="540000">
+                  <a:extLst>
+                    <a:ext uri="{9D8B030D-6E8A-4147-A177-3AD203B41FA5}">
+                      <a16:colId xmlns:a16="http://schemas.microsoft.com/office/drawing/2014/main" val="2302508193"/>
+                    </a:ext>
+                  </a:extLst>
+                </a:gridCol>
+                <a:gridCol w="540000">
+                  <a:extLst>
+                    <a:ext uri="{9D8B030D-6E8A-4147-A177-3AD203B41FA5}">
+                      <a16:colId xmlns:a16="http://schemas.microsoft.com/office/drawing/2014/main" val="2468002610"/>
+                    </a:ext>
+                  </a:extLst>
+                </a:gridCol>
+              </a:tblGrid>
+              <a:tr h="540000">
+                <a:tc>
+                  <a:txBody>
+                    <a:bodyPr/>
+                    <a:lstStyle/>
+                    <a:p>
+                      <a:pPr algn="ctr"/>
+                      <a:endParaRPr lang="en-CN" dirty="0">
+                        <a:solidFill>
+                          <a:schemeClr val="tx1"/>
+                        </a:solidFill>
+                        <a:latin typeface="Times New Roman" panose="02020603050405020304" pitchFamily="18" charset="0"/>
+                        <a:cs typeface="Times New Roman" panose="02020603050405020304" pitchFamily="18" charset="0"/>
+                      </a:endParaRPr>
+                    </a:p>
+                  </a:txBody>
+                  <a:tcPr anchor="ctr">
+                    <a:lnL w="19050" cap="flat" cmpd="sng" algn="ctr">
+                      <a:solidFill>
+                        <a:schemeClr val="tx1"/>
+                      </a:solidFill>
+                      <a:prstDash val="solid"/>
+                      <a:round/>
+                      <a:headEnd type="none" w="med" len="med"/>
+                      <a:tailEnd type="none" w="med" len="med"/>
+                    </a:lnL>
+                    <a:lnR w="19050" cap="flat" cmpd="sng" algn="ctr">
+                      <a:solidFill>
+                        <a:schemeClr val="tx1"/>
+                      </a:solidFill>
+                      <a:prstDash val="solid"/>
+                      <a:round/>
+                      <a:headEnd type="none" w="med" len="med"/>
+                      <a:tailEnd type="none" w="med" len="med"/>
+                    </a:lnR>
+                    <a:lnT w="19050" cap="flat" cmpd="sng" algn="ctr">
+                      <a:solidFill>
+                        <a:schemeClr val="tx1"/>
+                      </a:solidFill>
+                      <a:prstDash val="solid"/>
+                      <a:round/>
+                      <a:headEnd type="none" w="med" len="med"/>
+                      <a:tailEnd type="none" w="med" len="med"/>
+                    </a:lnT>
+                    <a:lnB w="19050" cap="flat" cmpd="sng" algn="ctr">
+                      <a:solidFill>
+                        <a:schemeClr val="tx1"/>
+                      </a:solidFill>
+                      <a:prstDash val="solid"/>
+                      <a:round/>
+                      <a:headEnd type="none" w="med" len="med"/>
+                      <a:tailEnd type="none" w="med" len="med"/>
+                    </a:lnB>
+                    <a:lnTlToBr w="12700" cmpd="sng">
+                      <a:noFill/>
+                      <a:prstDash val="solid"/>
+                    </a:lnTlToBr>
+                    <a:lnBlToTr w="12700" cmpd="sng">
+                      <a:noFill/>
+                      <a:prstDash val="solid"/>
+                    </a:lnBlToTr>
+                    <a:solidFill>
+                      <a:schemeClr val="accent1">
+                        <a:lumMod val="40000"/>
+                        <a:lumOff val="60000"/>
+                      </a:schemeClr>
+                    </a:solidFill>
+                  </a:tcPr>
+                </a:tc>
+                <a:tc>
+                  <a:txBody>
+                    <a:bodyPr/>
+                    <a:lstStyle/>
+                    <a:p>
+                      <a:pPr algn="ctr"/>
+                      <a:endParaRPr lang="en-CN" dirty="0">
+                        <a:solidFill>
+                          <a:schemeClr val="tx1"/>
+                        </a:solidFill>
+                        <a:latin typeface="Times New Roman" panose="02020603050405020304" pitchFamily="18" charset="0"/>
+                        <a:cs typeface="Times New Roman" panose="02020603050405020304" pitchFamily="18" charset="0"/>
+                      </a:endParaRPr>
+                    </a:p>
+                  </a:txBody>
+                  <a:tcPr anchor="ctr">
+                    <a:lnL w="19050" cap="flat" cmpd="sng" algn="ctr">
+                      <a:solidFill>
+                        <a:schemeClr val="tx1"/>
+                      </a:solidFill>
+                      <a:prstDash val="solid"/>
+                      <a:round/>
+                      <a:headEnd type="none" w="med" len="med"/>
+                      <a:tailEnd type="none" w="med" len="med"/>
+                    </a:lnL>
+                    <a:lnR w="19050" cap="flat" cmpd="sng" algn="ctr">
+                      <a:solidFill>
+                        <a:schemeClr val="tx1"/>
+                      </a:solidFill>
+                      <a:prstDash val="solid"/>
+                      <a:round/>
+                      <a:headEnd type="none" w="med" len="med"/>
+                      <a:tailEnd type="none" w="med" len="med"/>
+                    </a:lnR>
+                    <a:lnT w="19050" cap="flat" cmpd="sng" algn="ctr">
+                      <a:solidFill>
+                        <a:schemeClr val="tx1"/>
+                      </a:solidFill>
+                      <a:prstDash val="solid"/>
+                      <a:round/>
+                      <a:headEnd type="none" w="med" len="med"/>
+                      <a:tailEnd type="none" w="med" len="med"/>
+                    </a:lnT>
+                    <a:lnB w="19050" cap="flat" cmpd="sng" algn="ctr">
+                      <a:solidFill>
+                        <a:schemeClr val="tx1"/>
+                      </a:solidFill>
+                      <a:prstDash val="solid"/>
+                      <a:round/>
+                      <a:headEnd type="none" w="med" len="med"/>
+                      <a:tailEnd type="none" w="med" len="med"/>
+                    </a:lnB>
+                    <a:lnTlToBr w="12700" cmpd="sng">
+                      <a:noFill/>
+                      <a:prstDash val="solid"/>
+                    </a:lnTlToBr>
+                    <a:lnBlToTr w="12700" cmpd="sng">
+                      <a:noFill/>
+                      <a:prstDash val="solid"/>
+                    </a:lnBlToTr>
+                    <a:solidFill>
+                      <a:schemeClr val="accent1">
+                        <a:lumMod val="40000"/>
+                        <a:lumOff val="60000"/>
+                      </a:schemeClr>
+                    </a:solidFill>
+                  </a:tcPr>
+                </a:tc>
+                <a:tc>
+                  <a:txBody>
+                    <a:bodyPr/>
+                    <a:lstStyle/>
+                    <a:p>
+                      <a:pPr algn="ctr"/>
+                      <a:endParaRPr lang="en-CN" dirty="0">
+                        <a:solidFill>
+                          <a:schemeClr val="tx1"/>
+                        </a:solidFill>
+                        <a:latin typeface="Times New Roman" panose="02020603050405020304" pitchFamily="18" charset="0"/>
+                        <a:cs typeface="Times New Roman" panose="02020603050405020304" pitchFamily="18" charset="0"/>
+                      </a:endParaRPr>
+                    </a:p>
+                  </a:txBody>
+                  <a:tcPr anchor="ctr">
+                    <a:lnL w="19050" cap="flat" cmpd="sng" algn="ctr">
+                      <a:solidFill>
+                        <a:schemeClr val="tx1"/>
+                      </a:solidFill>
+                      <a:prstDash val="solid"/>
+                      <a:round/>
+                      <a:headEnd type="none" w="med" len="med"/>
+                      <a:tailEnd type="none" w="med" len="med"/>
+                    </a:lnL>
+                    <a:lnR w="19050" cap="flat" cmpd="sng" algn="ctr">
+                      <a:solidFill>
+                        <a:schemeClr val="tx1"/>
+                      </a:solidFill>
+                      <a:prstDash val="solid"/>
+                      <a:round/>
+                      <a:headEnd type="none" w="med" len="med"/>
+                      <a:tailEnd type="none" w="med" len="med"/>
+                    </a:lnR>
+                    <a:lnT w="19050" cap="flat" cmpd="sng" algn="ctr">
+                      <a:solidFill>
+                        <a:schemeClr val="tx1"/>
+                      </a:solidFill>
+                      <a:prstDash val="solid"/>
+                      <a:round/>
+                      <a:headEnd type="none" w="med" len="med"/>
+                      <a:tailEnd type="none" w="med" len="med"/>
+                    </a:lnT>
+                    <a:lnB w="19050" cap="flat" cmpd="sng" algn="ctr">
+                      <a:solidFill>
+                        <a:schemeClr val="tx1"/>
+                      </a:solidFill>
+                      <a:prstDash val="solid"/>
+                      <a:round/>
+                      <a:headEnd type="none" w="med" len="med"/>
+                      <a:tailEnd type="none" w="med" len="med"/>
+                    </a:lnB>
+                    <a:lnTlToBr w="12700" cmpd="sng">
+                      <a:noFill/>
+                      <a:prstDash val="solid"/>
+                    </a:lnTlToBr>
+                    <a:lnBlToTr w="12700" cmpd="sng">
+                      <a:noFill/>
+                      <a:prstDash val="solid"/>
+                    </a:lnBlToTr>
+                    <a:solidFill>
+                      <a:schemeClr val="accent1">
+                        <a:lumMod val="40000"/>
+                        <a:lumOff val="60000"/>
+                      </a:schemeClr>
+                    </a:solidFill>
+                  </a:tcPr>
+                </a:tc>
+                <a:tc>
+                  <a:txBody>
+                    <a:bodyPr/>
+                    <a:lstStyle/>
+                    <a:p>
+                      <a:pPr algn="ctr"/>
+                      <a:endParaRPr lang="en-CN">
+                        <a:solidFill>
+                          <a:schemeClr val="tx1"/>
+                        </a:solidFill>
+                        <a:latin typeface="Times New Roman" panose="02020603050405020304" pitchFamily="18" charset="0"/>
+                        <a:cs typeface="Times New Roman" panose="02020603050405020304" pitchFamily="18" charset="0"/>
+                      </a:endParaRPr>
+                    </a:p>
+                  </a:txBody>
+                  <a:tcPr anchor="ctr">
+                    <a:lnL w="19050" cap="flat" cmpd="sng" algn="ctr">
+                      <a:solidFill>
+                        <a:schemeClr val="tx1"/>
+                      </a:solidFill>
+                      <a:prstDash val="solid"/>
+                      <a:round/>
+                      <a:headEnd type="none" w="med" len="med"/>
+                      <a:tailEnd type="none" w="med" len="med"/>
+                    </a:lnL>
+                    <a:lnR w="19050" cap="flat" cmpd="sng" algn="ctr">
+                      <a:solidFill>
+                        <a:schemeClr val="tx1"/>
+                      </a:solidFill>
+                      <a:prstDash val="solid"/>
+                      <a:round/>
+                      <a:headEnd type="none" w="med" len="med"/>
+                      <a:tailEnd type="none" w="med" len="med"/>
+                    </a:lnR>
+                    <a:lnT w="19050" cap="flat" cmpd="sng" algn="ctr">
+                      <a:solidFill>
+                        <a:schemeClr val="tx1"/>
+                      </a:solidFill>
+                      <a:prstDash val="solid"/>
+                      <a:round/>
+                      <a:headEnd type="none" w="med" len="med"/>
+                      <a:tailEnd type="none" w="med" len="med"/>
+                    </a:lnT>
+                    <a:lnB w="19050" cap="flat" cmpd="sng" algn="ctr">
+                      <a:solidFill>
+                        <a:schemeClr val="tx1"/>
+                      </a:solidFill>
+                      <a:prstDash val="solid"/>
+                      <a:round/>
+                      <a:headEnd type="none" w="med" len="med"/>
+                      <a:tailEnd type="none" w="med" len="med"/>
+                    </a:lnB>
+                    <a:lnTlToBr w="12700" cmpd="sng">
+                      <a:noFill/>
+                      <a:prstDash val="solid"/>
+                    </a:lnTlToBr>
+                    <a:lnBlToTr w="12700" cmpd="sng">
+                      <a:noFill/>
+                      <a:prstDash val="solid"/>
+                    </a:lnBlToTr>
+                    <a:solidFill>
+                      <a:schemeClr val="accent1">
+                        <a:lumMod val="40000"/>
+                        <a:lumOff val="60000"/>
+                      </a:schemeClr>
+                    </a:solidFill>
+                  </a:tcPr>
+                </a:tc>
+                <a:tc>
+                  <a:txBody>
+                    <a:bodyPr/>
+                    <a:lstStyle/>
+                    <a:p>
+                      <a:pPr algn="ctr"/>
+                      <a:endParaRPr lang="en-CN" dirty="0">
+                        <a:solidFill>
+                          <a:schemeClr val="tx1"/>
+                        </a:solidFill>
+                        <a:latin typeface="Times New Roman" panose="02020603050405020304" pitchFamily="18" charset="0"/>
+                        <a:cs typeface="Times New Roman" panose="02020603050405020304" pitchFamily="18" charset="0"/>
+                      </a:endParaRPr>
+                    </a:p>
+                  </a:txBody>
+                  <a:tcPr anchor="ctr">
+                    <a:lnL w="19050" cap="flat" cmpd="sng" algn="ctr">
+                      <a:solidFill>
+                        <a:schemeClr val="tx1"/>
+                      </a:solidFill>
+                      <a:prstDash val="solid"/>
+                      <a:round/>
+                      <a:headEnd type="none" w="med" len="med"/>
+                      <a:tailEnd type="none" w="med" len="med"/>
+                    </a:lnL>
+                    <a:lnR w="19050" cap="flat" cmpd="sng" algn="ctr">
+                      <a:solidFill>
+                        <a:schemeClr val="tx1"/>
+                      </a:solidFill>
+                      <a:prstDash val="solid"/>
+                      <a:round/>
+                      <a:headEnd type="none" w="med" len="med"/>
+                      <a:tailEnd type="none" w="med" len="med"/>
+                    </a:lnR>
+                    <a:lnT w="19050" cap="flat" cmpd="sng" algn="ctr">
+                      <a:solidFill>
+                        <a:schemeClr val="tx1"/>
+                      </a:solidFill>
+                      <a:prstDash val="solid"/>
+                      <a:round/>
+                      <a:headEnd type="none" w="med" len="med"/>
+                      <a:tailEnd type="none" w="med" len="med"/>
+                    </a:lnT>
+                    <a:lnB w="19050" cap="flat" cmpd="sng" algn="ctr">
+                      <a:solidFill>
+                        <a:schemeClr val="tx1"/>
+                      </a:solidFill>
+                      <a:prstDash val="solid"/>
+                      <a:round/>
+                      <a:headEnd type="none" w="med" len="med"/>
+                      <a:tailEnd type="none" w="med" len="med"/>
+                    </a:lnB>
+                    <a:lnTlToBr w="12700" cmpd="sng">
+                      <a:noFill/>
+                      <a:prstDash val="solid"/>
+                    </a:lnTlToBr>
+                    <a:lnBlToTr w="12700" cmpd="sng">
+                      <a:noFill/>
+                      <a:prstDash val="solid"/>
+                    </a:lnBlToTr>
+                    <a:solidFill>
+                      <a:schemeClr val="accent1">
+                        <a:lumMod val="40000"/>
+                        <a:lumOff val="60000"/>
+                      </a:schemeClr>
+                    </a:solidFill>
+                  </a:tcPr>
+                </a:tc>
+                <a:tc>
+                  <a:txBody>
+                    <a:bodyPr/>
+                    <a:lstStyle/>
+                    <a:p>
+                      <a:pPr algn="ctr"/>
+                      <a:endParaRPr lang="en-CN" dirty="0">
+                        <a:solidFill>
+                          <a:schemeClr val="tx1"/>
+                        </a:solidFill>
+                        <a:latin typeface="Times New Roman" panose="02020603050405020304" pitchFamily="18" charset="0"/>
+                        <a:cs typeface="Times New Roman" panose="02020603050405020304" pitchFamily="18" charset="0"/>
+                      </a:endParaRPr>
+                    </a:p>
+                  </a:txBody>
+                  <a:tcPr anchor="ctr">
+                    <a:lnL w="19050" cap="flat" cmpd="sng" algn="ctr">
+                      <a:solidFill>
+                        <a:schemeClr val="tx1"/>
+                      </a:solidFill>
+                      <a:prstDash val="solid"/>
+                      <a:round/>
+                      <a:headEnd type="none" w="med" len="med"/>
+                      <a:tailEnd type="none" w="med" len="med"/>
+                    </a:lnL>
+                    <a:lnR w="19050" cap="flat" cmpd="sng" algn="ctr">
+                      <a:solidFill>
+                        <a:schemeClr val="tx1"/>
+                      </a:solidFill>
+                      <a:prstDash val="solid"/>
+                      <a:round/>
+                      <a:headEnd type="none" w="med" len="med"/>
+                      <a:tailEnd type="none" w="med" len="med"/>
+                    </a:lnR>
+                    <a:lnT w="19050" cap="flat" cmpd="sng" algn="ctr">
+                      <a:solidFill>
+                        <a:schemeClr val="tx1"/>
+                      </a:solidFill>
+                      <a:prstDash val="solid"/>
+                      <a:round/>
+                      <a:headEnd type="none" w="med" len="med"/>
+                      <a:tailEnd type="none" w="med" len="med"/>
+                    </a:lnT>
+                    <a:lnB w="19050" cap="flat" cmpd="sng" algn="ctr">
+                      <a:solidFill>
+                        <a:schemeClr val="tx1"/>
+                      </a:solidFill>
+                      <a:prstDash val="solid"/>
+                      <a:round/>
+                      <a:headEnd type="none" w="med" len="med"/>
+                      <a:tailEnd type="none" w="med" len="med"/>
+                    </a:lnB>
+                    <a:lnTlToBr w="12700" cmpd="sng">
+                      <a:noFill/>
+                      <a:prstDash val="solid"/>
+                    </a:lnTlToBr>
+                    <a:lnBlToTr w="12700" cmpd="sng">
+                      <a:noFill/>
+                      <a:prstDash val="solid"/>
+                    </a:lnBlToTr>
+                    <a:solidFill>
+                      <a:schemeClr val="accent1">
+                        <a:lumMod val="40000"/>
+                        <a:lumOff val="60000"/>
+                      </a:schemeClr>
+                    </a:solidFill>
+                  </a:tcPr>
+                </a:tc>
+                <a:tc>
+                  <a:txBody>
+                    <a:bodyPr/>
+                    <a:lstStyle/>
+                    <a:p>
+                      <a:pPr algn="ctr"/>
+                      <a:r>
+                        <a:rPr lang="en-US" altLang="zh-CN" dirty="0">
+                          <a:solidFill>
+                            <a:schemeClr val="tx1"/>
+                          </a:solidFill>
+                          <a:latin typeface="Times New Roman" panose="02020603050405020304" pitchFamily="18" charset="0"/>
+                          <a:cs typeface="Times New Roman" panose="02020603050405020304" pitchFamily="18" charset="0"/>
+                        </a:rPr>
+                        <a:t>···</a:t>
+                      </a:r>
+                      <a:endParaRPr lang="en-CN" dirty="0">
+                        <a:solidFill>
+                          <a:schemeClr val="tx1"/>
+                        </a:solidFill>
+                        <a:latin typeface="Times New Roman" panose="02020603050405020304" pitchFamily="18" charset="0"/>
+                        <a:cs typeface="Times New Roman" panose="02020603050405020304" pitchFamily="18" charset="0"/>
+                      </a:endParaRPr>
+                    </a:p>
+                  </a:txBody>
+                  <a:tcPr anchor="ctr">
+                    <a:lnL w="19050" cap="flat" cmpd="sng" algn="ctr">
+                      <a:solidFill>
+                        <a:schemeClr val="tx1"/>
+                      </a:solidFill>
+                      <a:prstDash val="solid"/>
+                      <a:round/>
+                      <a:headEnd type="none" w="med" len="med"/>
+                      <a:tailEnd type="none" w="med" len="med"/>
+                    </a:lnL>
+                    <a:lnR w="19050" cap="flat" cmpd="sng" algn="ctr">
+                      <a:solidFill>
+                        <a:schemeClr val="tx1"/>
+                      </a:solidFill>
+                      <a:prstDash val="solid"/>
+                      <a:round/>
+                      <a:headEnd type="none" w="med" len="med"/>
+                      <a:tailEnd type="none" w="med" len="med"/>
+                    </a:lnR>
+                    <a:lnT w="19050" cap="flat" cmpd="sng" algn="ctr">
+                      <a:solidFill>
+                        <a:schemeClr val="tx1"/>
+                      </a:solidFill>
+                      <a:prstDash val="solid"/>
+                      <a:round/>
+                      <a:headEnd type="none" w="med" len="med"/>
+                      <a:tailEnd type="none" w="med" len="med"/>
+                    </a:lnT>
+                    <a:lnB w="19050" cap="flat" cmpd="sng" algn="ctr">
+                      <a:solidFill>
+                        <a:schemeClr val="tx1"/>
+                      </a:solidFill>
+                      <a:prstDash val="solid"/>
+                      <a:round/>
+                      <a:headEnd type="none" w="med" len="med"/>
+                      <a:tailEnd type="none" w="med" len="med"/>
+                    </a:lnB>
+                    <a:lnTlToBr w="12700" cmpd="sng">
+                      <a:noFill/>
+                      <a:prstDash val="solid"/>
+                    </a:lnTlToBr>
+                    <a:lnBlToTr w="12700" cmpd="sng">
+                      <a:noFill/>
+                      <a:prstDash val="solid"/>
+                    </a:lnBlToTr>
+                    <a:solidFill>
+                      <a:schemeClr val="accent1">
+                        <a:lumMod val="40000"/>
+                        <a:lumOff val="60000"/>
+                      </a:schemeClr>
+                    </a:solidFill>
+                  </a:tcPr>
+                </a:tc>
+                <a:tc>
+                  <a:txBody>
+                    <a:bodyPr/>
+                    <a:lstStyle/>
+                    <a:p>
+                      <a:pPr algn="ctr"/>
+                      <a:endParaRPr lang="en-CN" dirty="0">
+                        <a:solidFill>
+                          <a:schemeClr val="tx1"/>
+                        </a:solidFill>
+                        <a:latin typeface="Times New Roman" panose="02020603050405020304" pitchFamily="18" charset="0"/>
+                        <a:cs typeface="Times New Roman" panose="02020603050405020304" pitchFamily="18" charset="0"/>
+                      </a:endParaRPr>
+                    </a:p>
+                  </a:txBody>
+                  <a:tcPr anchor="ctr">
+                    <a:lnL w="19050" cap="flat" cmpd="sng" algn="ctr">
+                      <a:solidFill>
+                        <a:schemeClr val="tx1"/>
+                      </a:solidFill>
+                      <a:prstDash val="solid"/>
+                      <a:round/>
+                      <a:headEnd type="none" w="med" len="med"/>
+                      <a:tailEnd type="none" w="med" len="med"/>
+                    </a:lnL>
+                    <a:lnR w="19050" cap="flat" cmpd="sng" algn="ctr">
+                      <a:solidFill>
+                        <a:schemeClr val="tx1"/>
+                      </a:solidFill>
+                      <a:prstDash val="solid"/>
+                      <a:round/>
+                      <a:headEnd type="none" w="med" len="med"/>
+                      <a:tailEnd type="none" w="med" len="med"/>
+                    </a:lnR>
+                    <a:lnT w="19050" cap="flat" cmpd="sng" algn="ctr">
+                      <a:solidFill>
+                        <a:schemeClr val="tx1"/>
+                      </a:solidFill>
+                      <a:prstDash val="solid"/>
+                      <a:round/>
+                      <a:headEnd type="none" w="med" len="med"/>
+                      <a:tailEnd type="none" w="med" len="med"/>
+                    </a:lnT>
+                    <a:lnB w="19050" cap="flat" cmpd="sng" algn="ctr">
+                      <a:solidFill>
+                        <a:schemeClr val="tx1"/>
+                      </a:solidFill>
+                      <a:prstDash val="solid"/>
+                      <a:round/>
+                      <a:headEnd type="none" w="med" len="med"/>
+                      <a:tailEnd type="none" w="med" len="med"/>
+                    </a:lnB>
+                    <a:lnTlToBr w="12700" cmpd="sng">
+                      <a:noFill/>
+                      <a:prstDash val="solid"/>
+                    </a:lnTlToBr>
+                    <a:lnBlToTr w="12700" cmpd="sng">
+                      <a:noFill/>
+                      <a:prstDash val="solid"/>
+                    </a:lnBlToTr>
+                    <a:solidFill>
+                      <a:schemeClr val="accent1">
+                        <a:lumMod val="40000"/>
+                        <a:lumOff val="60000"/>
+                      </a:schemeClr>
+                    </a:solidFill>
+                  </a:tcPr>
+                </a:tc>
+                <a:tc>
+                  <a:txBody>
+                    <a:bodyPr/>
+                    <a:lstStyle/>
+                    <a:p>
+                      <a:pPr algn="ctr"/>
+                      <a:endParaRPr lang="en-CN" dirty="0">
+                        <a:solidFill>
+                          <a:schemeClr val="tx1"/>
+                        </a:solidFill>
+                        <a:latin typeface="Times New Roman" panose="02020603050405020304" pitchFamily="18" charset="0"/>
+                        <a:cs typeface="Times New Roman" panose="02020603050405020304" pitchFamily="18" charset="0"/>
+                      </a:endParaRPr>
+                    </a:p>
+                  </a:txBody>
+                  <a:tcPr anchor="ctr">
+                    <a:lnL w="19050" cap="flat" cmpd="sng" algn="ctr">
+                      <a:solidFill>
+                        <a:schemeClr val="tx1"/>
+                      </a:solidFill>
+                      <a:prstDash val="solid"/>
+                      <a:round/>
+                      <a:headEnd type="none" w="med" len="med"/>
+                      <a:tailEnd type="none" w="med" len="med"/>
+                    </a:lnL>
+                    <a:lnR w="19050" cap="flat" cmpd="sng" algn="ctr">
+                      <a:solidFill>
+                        <a:schemeClr val="tx1"/>
+                      </a:solidFill>
+                      <a:prstDash val="solid"/>
+                      <a:round/>
+                      <a:headEnd type="none" w="med" len="med"/>
+                      <a:tailEnd type="none" w="med" len="med"/>
+                    </a:lnR>
+                    <a:lnT w="19050" cap="flat" cmpd="sng" algn="ctr">
+                      <a:solidFill>
+                        <a:schemeClr val="tx1"/>
+                      </a:solidFill>
+                      <a:prstDash val="solid"/>
+                      <a:round/>
+                      <a:headEnd type="none" w="med" len="med"/>
+                      <a:tailEnd type="none" w="med" len="med"/>
+                    </a:lnT>
+                    <a:lnB w="19050" cap="flat" cmpd="sng" algn="ctr">
+                      <a:solidFill>
+                        <a:schemeClr val="tx1"/>
+                      </a:solidFill>
+                      <a:prstDash val="solid"/>
+                      <a:round/>
+                      <a:headEnd type="none" w="med" len="med"/>
+                      <a:tailEnd type="none" w="med" len="med"/>
+                    </a:lnB>
+                    <a:lnTlToBr w="12700" cmpd="sng">
+                      <a:noFill/>
+                      <a:prstDash val="solid"/>
+                    </a:lnTlToBr>
+                    <a:lnBlToTr w="12700" cmpd="sng">
+                      <a:noFill/>
+                      <a:prstDash val="solid"/>
+                    </a:lnBlToTr>
+                    <a:solidFill>
+                      <a:schemeClr val="accent1">
+                        <a:lumMod val="40000"/>
+                        <a:lumOff val="60000"/>
+                      </a:schemeClr>
+                    </a:solidFill>
+                  </a:tcPr>
+                </a:tc>
+                <a:tc>
+                  <a:txBody>
+                    <a:bodyPr/>
+                    <a:lstStyle/>
+                    <a:p>
+                      <a:pPr algn="ctr"/>
+                      <a:endParaRPr lang="en-CN" dirty="0">
+                        <a:solidFill>
+                          <a:schemeClr val="tx1"/>
+                        </a:solidFill>
+                        <a:latin typeface="Times New Roman" panose="02020603050405020304" pitchFamily="18" charset="0"/>
+                        <a:cs typeface="Times New Roman" panose="02020603050405020304" pitchFamily="18" charset="0"/>
+                      </a:endParaRPr>
+                    </a:p>
+                  </a:txBody>
+                  <a:tcPr anchor="ctr">
+                    <a:lnL w="19050" cap="flat" cmpd="sng" algn="ctr">
+                      <a:solidFill>
+                        <a:schemeClr val="tx1"/>
+                      </a:solidFill>
+                      <a:prstDash val="solid"/>
+                      <a:round/>
+                      <a:headEnd type="none" w="med" len="med"/>
+                      <a:tailEnd type="none" w="med" len="med"/>
+                    </a:lnL>
+                    <a:lnR w="19050" cap="flat" cmpd="sng" algn="ctr">
+                      <a:solidFill>
+                        <a:schemeClr val="tx1"/>
+                      </a:solidFill>
+                      <a:prstDash val="solid"/>
+                      <a:round/>
+                      <a:headEnd type="none" w="med" len="med"/>
+                      <a:tailEnd type="none" w="med" len="med"/>
+                    </a:lnR>
+                    <a:lnT w="19050" cap="flat" cmpd="sng" algn="ctr">
+                      <a:solidFill>
+                        <a:schemeClr val="tx1"/>
+                      </a:solidFill>
+                      <a:prstDash val="solid"/>
+                      <a:round/>
+                      <a:headEnd type="none" w="med" len="med"/>
+                      <a:tailEnd type="none" w="med" len="med"/>
+                    </a:lnT>
+                    <a:lnB w="19050" cap="flat" cmpd="sng" algn="ctr">
+                      <a:solidFill>
+                        <a:schemeClr val="tx1"/>
+                      </a:solidFill>
+                      <a:prstDash val="solid"/>
+                      <a:round/>
+                      <a:headEnd type="none" w="med" len="med"/>
+                      <a:tailEnd type="none" w="med" len="med"/>
+                    </a:lnB>
+                    <a:lnTlToBr w="12700" cmpd="sng">
+                      <a:noFill/>
+                      <a:prstDash val="solid"/>
+                    </a:lnTlToBr>
+                    <a:lnBlToTr w="12700" cmpd="sng">
+                      <a:noFill/>
+                      <a:prstDash val="solid"/>
+                    </a:lnBlToTr>
+                    <a:solidFill>
+                      <a:schemeClr val="accent1">
+                        <a:lumMod val="40000"/>
+                        <a:lumOff val="60000"/>
+                      </a:schemeClr>
+                    </a:solidFill>
+                  </a:tcPr>
+                </a:tc>
+                <a:tc>
+                  <a:txBody>
+                    <a:bodyPr/>
+                    <a:lstStyle/>
+                    <a:p>
+                      <a:pPr algn="ctr"/>
+                      <a:endParaRPr lang="en-CN" dirty="0">
+                        <a:solidFill>
+                          <a:schemeClr val="tx1"/>
+                        </a:solidFill>
+                        <a:latin typeface="Times New Roman" panose="02020603050405020304" pitchFamily="18" charset="0"/>
+                        <a:cs typeface="Times New Roman" panose="02020603050405020304" pitchFamily="18" charset="0"/>
+                      </a:endParaRPr>
+                    </a:p>
+                  </a:txBody>
+                  <a:tcPr anchor="ctr">
+                    <a:lnL w="19050" cap="flat" cmpd="sng" algn="ctr">
+                      <a:solidFill>
+                        <a:schemeClr val="tx1"/>
+                      </a:solidFill>
+                      <a:prstDash val="solid"/>
+                      <a:round/>
+                      <a:headEnd type="none" w="med" len="med"/>
+                      <a:tailEnd type="none" w="med" len="med"/>
+                    </a:lnL>
+                    <a:lnR w="19050" cap="flat" cmpd="sng" algn="ctr">
+                      <a:solidFill>
+                        <a:schemeClr val="tx1"/>
+                      </a:solidFill>
+                      <a:prstDash val="solid"/>
+                      <a:round/>
+                      <a:headEnd type="none" w="med" len="med"/>
+                      <a:tailEnd type="none" w="med" len="med"/>
+                    </a:lnR>
+                    <a:lnT w="19050" cap="flat" cmpd="sng" algn="ctr">
+                      <a:solidFill>
+                        <a:schemeClr val="tx1"/>
+                      </a:solidFill>
+                      <a:prstDash val="solid"/>
+                      <a:round/>
+                      <a:headEnd type="none" w="med" len="med"/>
+                      <a:tailEnd type="none" w="med" len="med"/>
+                    </a:lnT>
+                    <a:lnB w="19050" cap="flat" cmpd="sng" algn="ctr">
+                      <a:solidFill>
+                        <a:schemeClr val="tx1"/>
+                      </a:solidFill>
+                      <a:prstDash val="solid"/>
+                      <a:round/>
+                      <a:headEnd type="none" w="med" len="med"/>
+                      <a:tailEnd type="none" w="med" len="med"/>
+                    </a:lnB>
+                    <a:lnTlToBr w="12700" cmpd="sng">
+                      <a:noFill/>
+                      <a:prstDash val="solid"/>
+                    </a:lnTlToBr>
+                    <a:lnBlToTr w="12700" cmpd="sng">
+                      <a:noFill/>
+                      <a:prstDash val="solid"/>
+                    </a:lnBlToTr>
+                    <a:solidFill>
+                      <a:schemeClr val="accent1">
+                        <a:lumMod val="50000"/>
+                      </a:schemeClr>
+                    </a:solidFill>
+                  </a:tcPr>
+                </a:tc>
+                <a:tc>
+                  <a:txBody>
+                    <a:bodyPr/>
+                    <a:lstStyle/>
+                    <a:p>
+                      <a:pPr algn="ctr"/>
+                      <a:endParaRPr lang="en-CN" dirty="0">
+                        <a:solidFill>
+                          <a:schemeClr val="tx1"/>
+                        </a:solidFill>
+                        <a:latin typeface="Times New Roman" panose="02020603050405020304" pitchFamily="18" charset="0"/>
+                        <a:cs typeface="Times New Roman" panose="02020603050405020304" pitchFamily="18" charset="0"/>
+                      </a:endParaRPr>
+                    </a:p>
+                  </a:txBody>
+                  <a:tcPr anchor="ctr">
+                    <a:lnL w="19050" cap="flat" cmpd="sng" algn="ctr">
+                      <a:solidFill>
+                        <a:schemeClr val="tx1"/>
+                      </a:solidFill>
+                      <a:prstDash val="solid"/>
+                      <a:round/>
+                      <a:headEnd type="none" w="med" len="med"/>
+                      <a:tailEnd type="none" w="med" len="med"/>
+                    </a:lnL>
+                    <a:lnR w="19050" cap="flat" cmpd="sng" algn="ctr">
+                      <a:solidFill>
+                        <a:schemeClr val="tx1"/>
+                      </a:solidFill>
+                      <a:prstDash val="solid"/>
+                      <a:round/>
+                      <a:headEnd type="none" w="med" len="med"/>
+                      <a:tailEnd type="none" w="med" len="med"/>
+                    </a:lnR>
+                    <a:lnT w="19050" cap="flat" cmpd="sng" algn="ctr">
+                      <a:solidFill>
+                        <a:schemeClr val="tx1"/>
+                      </a:solidFill>
+                      <a:prstDash val="solid"/>
+                      <a:round/>
+                      <a:headEnd type="none" w="med" len="med"/>
+                      <a:tailEnd type="none" w="med" len="med"/>
+                    </a:lnT>
+                    <a:lnB w="19050" cap="flat" cmpd="sng" algn="ctr">
+                      <a:solidFill>
+                        <a:schemeClr val="tx1"/>
+                      </a:solidFill>
+                      <a:prstDash val="solid"/>
+                      <a:round/>
+                      <a:headEnd type="none" w="med" len="med"/>
+                      <a:tailEnd type="none" w="med" len="med"/>
+                    </a:lnB>
+                    <a:lnTlToBr w="12700" cmpd="sng">
+                      <a:noFill/>
+                      <a:prstDash val="solid"/>
+                    </a:lnTlToBr>
+                    <a:lnBlToTr w="12700" cmpd="sng">
+                      <a:noFill/>
+                      <a:prstDash val="solid"/>
+                    </a:lnBlToTr>
+                    <a:solidFill>
+                      <a:schemeClr val="accent1">
+                        <a:lumMod val="50000"/>
+                      </a:schemeClr>
+                    </a:solidFill>
+                  </a:tcPr>
+                </a:tc>
+                <a:tc>
+                  <a:txBody>
+                    <a:bodyPr/>
+                    <a:lstStyle/>
+                    <a:p>
+                      <a:pPr algn="ctr"/>
+                      <a:endParaRPr lang="en-CN" dirty="0">
+                        <a:solidFill>
+                          <a:schemeClr val="tx1"/>
+                        </a:solidFill>
+                        <a:latin typeface="Times New Roman" panose="02020603050405020304" pitchFamily="18" charset="0"/>
+                        <a:cs typeface="Times New Roman" panose="02020603050405020304" pitchFamily="18" charset="0"/>
+                      </a:endParaRPr>
+                    </a:p>
+                  </a:txBody>
+                  <a:tcPr anchor="ctr">
+                    <a:lnL w="19050" cap="flat" cmpd="sng" algn="ctr">
+                      <a:solidFill>
+                        <a:schemeClr val="tx1"/>
+                      </a:solidFill>
+                      <a:prstDash val="solid"/>
+                      <a:round/>
+                      <a:headEnd type="none" w="med" len="med"/>
+                      <a:tailEnd type="none" w="med" len="med"/>
+                    </a:lnL>
+                    <a:lnR w="19050" cap="flat" cmpd="sng" algn="ctr">
+                      <a:solidFill>
+                        <a:schemeClr val="tx1"/>
+                      </a:solidFill>
+                      <a:prstDash val="solid"/>
+                      <a:round/>
+                      <a:headEnd type="none" w="med" len="med"/>
+                      <a:tailEnd type="none" w="med" len="med"/>
+                    </a:lnR>
+                    <a:lnT w="19050" cap="flat" cmpd="sng" algn="ctr">
+                      <a:solidFill>
+                        <a:schemeClr val="tx1"/>
+                      </a:solidFill>
+                      <a:prstDash val="solid"/>
+                      <a:round/>
+                      <a:headEnd type="none" w="med" len="med"/>
+                      <a:tailEnd type="none" w="med" len="med"/>
+                    </a:lnT>
+                    <a:lnB w="19050" cap="flat" cmpd="sng" algn="ctr">
+                      <a:solidFill>
+                        <a:schemeClr val="tx1"/>
+                      </a:solidFill>
+                      <a:prstDash val="solid"/>
+                      <a:round/>
+                      <a:headEnd type="none" w="med" len="med"/>
+                      <a:tailEnd type="none" w="med" len="med"/>
+                    </a:lnB>
+                    <a:lnTlToBr w="12700" cmpd="sng">
+                      <a:noFill/>
+                      <a:prstDash val="solid"/>
+                    </a:lnTlToBr>
+                    <a:lnBlToTr w="12700" cmpd="sng">
+                      <a:noFill/>
+                      <a:prstDash val="solid"/>
+                    </a:lnBlToTr>
+                    <a:solidFill>
+                      <a:schemeClr val="accent4">
+                        <a:lumMod val="40000"/>
+                        <a:lumOff val="60000"/>
+                      </a:schemeClr>
+                    </a:solidFill>
+                  </a:tcPr>
+                </a:tc>
+                <a:tc>
+                  <a:txBody>
+                    <a:bodyPr/>
+                    <a:lstStyle/>
+                    <a:p>
+                      <a:pPr algn="ctr"/>
+                      <a:endParaRPr lang="en-CN" dirty="0">
+                        <a:solidFill>
+                          <a:schemeClr val="tx1"/>
+                        </a:solidFill>
+                        <a:latin typeface="Times New Roman" panose="02020603050405020304" pitchFamily="18" charset="0"/>
+                        <a:cs typeface="Times New Roman" panose="02020603050405020304" pitchFamily="18" charset="0"/>
+                      </a:endParaRPr>
+                    </a:p>
+                  </a:txBody>
+                  <a:tcPr anchor="ctr">
+                    <a:lnL w="19050" cap="flat" cmpd="sng" algn="ctr">
+                      <a:solidFill>
+                        <a:schemeClr val="tx1"/>
+                      </a:solidFill>
+                      <a:prstDash val="solid"/>
+                      <a:round/>
+                      <a:headEnd type="none" w="med" len="med"/>
+                      <a:tailEnd type="none" w="med" len="med"/>
+                    </a:lnL>
+                    <a:lnR w="19050" cap="flat" cmpd="sng" algn="ctr">
+                      <a:solidFill>
+                        <a:schemeClr val="tx1"/>
+                      </a:solidFill>
+                      <a:prstDash val="solid"/>
+                      <a:round/>
+                      <a:headEnd type="none" w="med" len="med"/>
+                      <a:tailEnd type="none" w="med" len="med"/>
+                    </a:lnR>
+                    <a:lnT w="19050" cap="flat" cmpd="sng" algn="ctr">
+                      <a:solidFill>
+                        <a:schemeClr val="tx1"/>
+                      </a:solidFill>
+                      <a:prstDash val="solid"/>
+                      <a:round/>
+                      <a:headEnd type="none" w="med" len="med"/>
+                      <a:tailEnd type="none" w="med" len="med"/>
+                    </a:lnT>
+                    <a:lnB w="19050" cap="flat" cmpd="sng" algn="ctr">
+                      <a:solidFill>
+                        <a:schemeClr val="tx1"/>
+                      </a:solidFill>
+                      <a:prstDash val="solid"/>
+                      <a:round/>
+                      <a:headEnd type="none" w="med" len="med"/>
+                      <a:tailEnd type="none" w="med" len="med"/>
+                    </a:lnB>
+                    <a:lnTlToBr w="12700" cmpd="sng">
+                      <a:noFill/>
+                      <a:prstDash val="solid"/>
+                    </a:lnTlToBr>
+                    <a:lnBlToTr w="12700" cmpd="sng">
+                      <a:noFill/>
+                      <a:prstDash val="solid"/>
+                    </a:lnBlToTr>
+                    <a:noFill/>
+                  </a:tcPr>
+                </a:tc>
+                <a:tc>
+                  <a:txBody>
+                    <a:bodyPr/>
+                    <a:lstStyle/>
+                    <a:p>
+                      <a:pPr algn="ctr"/>
+                      <a:endParaRPr lang="en-CN" dirty="0">
+                        <a:solidFill>
+                          <a:schemeClr val="tx1"/>
+                        </a:solidFill>
+                        <a:latin typeface="Times New Roman" panose="02020603050405020304" pitchFamily="18" charset="0"/>
+                        <a:cs typeface="Times New Roman" panose="02020603050405020304" pitchFamily="18" charset="0"/>
+                      </a:endParaRPr>
+                    </a:p>
+                  </a:txBody>
+                  <a:tcPr anchor="ctr">
+                    <a:lnL w="19050" cap="flat" cmpd="sng" algn="ctr">
+                      <a:solidFill>
+                        <a:schemeClr val="tx1"/>
+                      </a:solidFill>
+                      <a:prstDash val="solid"/>
+                      <a:round/>
+                      <a:headEnd type="none" w="med" len="med"/>
+                      <a:tailEnd type="none" w="med" len="med"/>
+                    </a:lnL>
+                    <a:lnR w="19050" cap="flat" cmpd="sng" algn="ctr">
+                      <a:solidFill>
+                        <a:schemeClr val="tx1"/>
+                      </a:solidFill>
+                      <a:prstDash val="solid"/>
+                      <a:round/>
+                      <a:headEnd type="none" w="med" len="med"/>
+                      <a:tailEnd type="none" w="med" len="med"/>
+                    </a:lnR>
+                    <a:lnT w="19050" cap="flat" cmpd="sng" algn="ctr">
+                      <a:solidFill>
+                        <a:schemeClr val="tx1"/>
+                      </a:solidFill>
+                      <a:prstDash val="solid"/>
+                      <a:round/>
+                      <a:headEnd type="none" w="med" len="med"/>
+                      <a:tailEnd type="none" w="med" len="med"/>
+                    </a:lnT>
+                    <a:lnB w="19050" cap="flat" cmpd="sng" algn="ctr">
+                      <a:solidFill>
+                        <a:schemeClr val="tx1"/>
+                      </a:solidFill>
+                      <a:prstDash val="solid"/>
+                      <a:round/>
+                      <a:headEnd type="none" w="med" len="med"/>
+                      <a:tailEnd type="none" w="med" len="med"/>
+                    </a:lnB>
+                    <a:lnTlToBr w="12700" cmpd="sng">
+                      <a:noFill/>
+                      <a:prstDash val="solid"/>
+                    </a:lnTlToBr>
+                    <a:lnBlToTr w="12700" cmpd="sng">
+                      <a:noFill/>
+                      <a:prstDash val="solid"/>
+                    </a:lnBlToTr>
+                    <a:noFill/>
+                  </a:tcPr>
+                </a:tc>
+                <a:tc>
+                  <a:txBody>
+                    <a:bodyPr/>
+                    <a:lstStyle/>
+                    <a:p>
+                      <a:pPr algn="ctr"/>
+                      <a:endParaRPr lang="en-CN" dirty="0">
+                        <a:solidFill>
+                          <a:schemeClr val="tx1"/>
+                        </a:solidFill>
+                        <a:latin typeface="Times New Roman" panose="02020603050405020304" pitchFamily="18" charset="0"/>
+                        <a:cs typeface="Times New Roman" panose="02020603050405020304" pitchFamily="18" charset="0"/>
+                      </a:endParaRPr>
+                    </a:p>
+                  </a:txBody>
+                  <a:tcPr anchor="ctr">
+                    <a:lnL w="19050" cap="flat" cmpd="sng" algn="ctr">
+                      <a:solidFill>
+                        <a:schemeClr val="tx1"/>
+                      </a:solidFill>
+                      <a:prstDash val="solid"/>
+                      <a:round/>
+                      <a:headEnd type="none" w="med" len="med"/>
+                      <a:tailEnd type="none" w="med" len="med"/>
+                    </a:lnL>
+                    <a:lnR w="19050" cap="flat" cmpd="sng" algn="ctr">
+                      <a:solidFill>
+                        <a:schemeClr val="tx1"/>
+                      </a:solidFill>
+                      <a:prstDash val="solid"/>
+                      <a:round/>
+                      <a:headEnd type="none" w="med" len="med"/>
+                      <a:tailEnd type="none" w="med" len="med"/>
+                    </a:lnR>
+                    <a:lnT w="19050" cap="flat" cmpd="sng" algn="ctr">
+                      <a:solidFill>
+                        <a:schemeClr val="tx1"/>
+                      </a:solidFill>
+                      <a:prstDash val="solid"/>
+                      <a:round/>
+                      <a:headEnd type="none" w="med" len="med"/>
+                      <a:tailEnd type="none" w="med" len="med"/>
+                    </a:lnT>
+                    <a:lnB w="19050" cap="flat" cmpd="sng" algn="ctr">
+                      <a:solidFill>
+                        <a:schemeClr val="tx1"/>
+                      </a:solidFill>
+                      <a:prstDash val="solid"/>
+                      <a:round/>
+                      <a:headEnd type="none" w="med" len="med"/>
+                      <a:tailEnd type="none" w="med" len="med"/>
+                    </a:lnB>
+                    <a:lnTlToBr w="12700" cmpd="sng">
+                      <a:noFill/>
+                      <a:prstDash val="solid"/>
+                    </a:lnTlToBr>
+                    <a:lnBlToTr w="12700" cmpd="sng">
+                      <a:noFill/>
+                      <a:prstDash val="solid"/>
+                    </a:lnBlToTr>
+                    <a:noFill/>
+                  </a:tcPr>
+                </a:tc>
+                <a:tc>
+                  <a:txBody>
+                    <a:bodyPr/>
+                    <a:lstStyle/>
+                    <a:p>
+                      <a:pPr algn="ctr"/>
+                      <a:endParaRPr lang="en-CN" dirty="0">
+                        <a:solidFill>
+                          <a:schemeClr val="tx1"/>
+                        </a:solidFill>
+                        <a:latin typeface="Times New Roman" panose="02020603050405020304" pitchFamily="18" charset="0"/>
+                        <a:cs typeface="Times New Roman" panose="02020603050405020304" pitchFamily="18" charset="0"/>
+                      </a:endParaRPr>
+                    </a:p>
+                  </a:txBody>
+                  <a:tcPr anchor="ctr">
+                    <a:lnL w="19050" cap="flat" cmpd="sng" algn="ctr">
+                      <a:solidFill>
+                        <a:schemeClr val="tx1"/>
+                      </a:solidFill>
+                      <a:prstDash val="solid"/>
+                      <a:round/>
+                      <a:headEnd type="none" w="med" len="med"/>
+                      <a:tailEnd type="none" w="med" len="med"/>
+                    </a:lnL>
+                    <a:lnR w="19050" cap="flat" cmpd="sng" algn="ctr">
+                      <a:solidFill>
+                        <a:schemeClr val="tx1"/>
+                      </a:solidFill>
+                      <a:prstDash val="solid"/>
+                      <a:round/>
+                      <a:headEnd type="none" w="med" len="med"/>
+                      <a:tailEnd type="none" w="med" len="med"/>
+                    </a:lnR>
+                    <a:lnT w="19050" cap="flat" cmpd="sng" algn="ctr">
+                      <a:solidFill>
+                        <a:schemeClr val="tx1"/>
+                      </a:solidFill>
+                      <a:prstDash val="solid"/>
+                      <a:round/>
+                      <a:headEnd type="none" w="med" len="med"/>
+                      <a:tailEnd type="none" w="med" len="med"/>
+                    </a:lnT>
+                    <a:lnB w="19050" cap="flat" cmpd="sng" algn="ctr">
+                      <a:solidFill>
+                        <a:schemeClr val="tx1"/>
+                      </a:solidFill>
+                      <a:prstDash val="solid"/>
+                      <a:round/>
+                      <a:headEnd type="none" w="med" len="med"/>
+                      <a:tailEnd type="none" w="med" len="med"/>
+                    </a:lnB>
+                    <a:lnTlToBr w="12700" cmpd="sng">
+                      <a:noFill/>
+                      <a:prstDash val="solid"/>
+                    </a:lnTlToBr>
+                    <a:lnBlToTr w="12700" cmpd="sng">
+                      <a:noFill/>
+                      <a:prstDash val="solid"/>
+                    </a:lnBlToTr>
+                    <a:noFill/>
+                  </a:tcPr>
+                </a:tc>
+                <a:tc>
+                  <a:txBody>
+                    <a:bodyPr/>
+                    <a:lstStyle/>
+                    <a:p>
+                      <a:pPr algn="ctr"/>
+                      <a:endParaRPr lang="en-CN" dirty="0">
+                        <a:solidFill>
+                          <a:schemeClr val="tx1"/>
+                        </a:solidFill>
+                        <a:latin typeface="Times New Roman" panose="02020603050405020304" pitchFamily="18" charset="0"/>
+                        <a:cs typeface="Times New Roman" panose="02020603050405020304" pitchFamily="18" charset="0"/>
+                      </a:endParaRPr>
+                    </a:p>
+                  </a:txBody>
+                  <a:tcPr anchor="ctr">
+                    <a:lnL w="19050" cap="flat" cmpd="sng" algn="ctr">
+                      <a:solidFill>
+                        <a:schemeClr val="tx1"/>
+                      </a:solidFill>
+                      <a:prstDash val="solid"/>
+                      <a:round/>
+                      <a:headEnd type="none" w="med" len="med"/>
+                      <a:tailEnd type="none" w="med" len="med"/>
+                    </a:lnL>
+                    <a:lnR w="19050" cap="flat" cmpd="sng" algn="ctr">
+                      <a:solidFill>
+                        <a:schemeClr val="tx1"/>
+                      </a:solidFill>
+                      <a:prstDash val="solid"/>
+                      <a:round/>
+                      <a:headEnd type="none" w="med" len="med"/>
+                      <a:tailEnd type="none" w="med" len="med"/>
+                    </a:lnR>
+                    <a:lnT w="19050" cap="flat" cmpd="sng" algn="ctr">
+                      <a:solidFill>
+                        <a:schemeClr val="tx1"/>
+                      </a:solidFill>
+                      <a:prstDash val="solid"/>
+                      <a:round/>
+                      <a:headEnd type="none" w="med" len="med"/>
+                      <a:tailEnd type="none" w="med" len="med"/>
+                    </a:lnT>
+                    <a:lnB w="19050" cap="flat" cmpd="sng" algn="ctr">
+                      <a:solidFill>
+                        <a:schemeClr val="tx1"/>
+                      </a:solidFill>
+                      <a:prstDash val="solid"/>
+                      <a:round/>
+                      <a:headEnd type="none" w="med" len="med"/>
+                      <a:tailEnd type="none" w="med" len="med"/>
+                    </a:lnB>
+                    <a:lnTlToBr w="12700" cmpd="sng">
+                      <a:noFill/>
+                      <a:prstDash val="solid"/>
+                    </a:lnTlToBr>
+                    <a:lnBlToTr w="12700" cmpd="sng">
+                      <a:noFill/>
+                      <a:prstDash val="solid"/>
+                    </a:lnBlToTr>
+                    <a:noFill/>
+                  </a:tcPr>
+                </a:tc>
+                <a:tc>
+                  <a:txBody>
+                    <a:bodyPr/>
+                    <a:lstStyle/>
+                    <a:p>
+                      <a:pPr algn="ctr"/>
+                      <a:endParaRPr lang="en-CN" dirty="0">
+                        <a:solidFill>
+                          <a:schemeClr val="tx1"/>
+                        </a:solidFill>
+                        <a:latin typeface="Times New Roman" panose="02020603050405020304" pitchFamily="18" charset="0"/>
+                        <a:cs typeface="Times New Roman" panose="02020603050405020304" pitchFamily="18" charset="0"/>
+                      </a:endParaRPr>
+                    </a:p>
+                  </a:txBody>
+                  <a:tcPr anchor="ctr">
+                    <a:lnL w="19050" cap="flat" cmpd="sng" algn="ctr">
+                      <a:solidFill>
+                        <a:schemeClr val="tx1"/>
+                      </a:solidFill>
+                      <a:prstDash val="solid"/>
+                      <a:round/>
+                      <a:headEnd type="none" w="med" len="med"/>
+                      <a:tailEnd type="none" w="med" len="med"/>
+                    </a:lnL>
+                    <a:lnR w="19050" cap="flat" cmpd="sng" algn="ctr">
+                      <a:solidFill>
+                        <a:schemeClr val="tx1"/>
+                      </a:solidFill>
+                      <a:prstDash val="solid"/>
+                      <a:round/>
+                      <a:headEnd type="none" w="med" len="med"/>
+                      <a:tailEnd type="none" w="med" len="med"/>
+                    </a:lnR>
+                    <a:lnT w="19050" cap="flat" cmpd="sng" algn="ctr">
+                      <a:solidFill>
+                        <a:schemeClr val="tx1"/>
+                      </a:solidFill>
+                      <a:prstDash val="solid"/>
+                      <a:round/>
+                      <a:headEnd type="none" w="med" len="med"/>
+                      <a:tailEnd type="none" w="med" len="med"/>
+                    </a:lnT>
+                    <a:lnB w="19050" cap="flat" cmpd="sng" algn="ctr">
+                      <a:solidFill>
+                        <a:schemeClr val="tx1"/>
+                      </a:solidFill>
+                      <a:prstDash val="solid"/>
+                      <a:round/>
+                      <a:headEnd type="none" w="med" len="med"/>
+                      <a:tailEnd type="none" w="med" len="med"/>
+                    </a:lnB>
+                    <a:lnTlToBr w="12700" cmpd="sng">
+                      <a:noFill/>
+                      <a:prstDash val="solid"/>
+                    </a:lnTlToBr>
+                    <a:lnBlToTr w="12700" cmpd="sng">
+                      <a:noFill/>
+                      <a:prstDash val="solid"/>
+                    </a:lnBlToTr>
+                    <a:noFill/>
+                  </a:tcPr>
+                </a:tc>
+                <a:tc>
+                  <a:txBody>
+                    <a:bodyPr/>
+                    <a:lstStyle/>
+                    <a:p>
+                      <a:pPr algn="ctr"/>
+                      <a:endParaRPr lang="en-CN" dirty="0">
+                        <a:solidFill>
+                          <a:schemeClr val="tx1"/>
+                        </a:solidFill>
+                        <a:latin typeface="Times New Roman" panose="02020603050405020304" pitchFamily="18" charset="0"/>
+                        <a:cs typeface="Times New Roman" panose="02020603050405020304" pitchFamily="18" charset="0"/>
+                      </a:endParaRPr>
+                    </a:p>
+                  </a:txBody>
+                  <a:tcPr anchor="ctr">
+                    <a:lnL w="19050" cap="flat" cmpd="sng" algn="ctr">
+                      <a:solidFill>
+                        <a:schemeClr val="tx1"/>
+                      </a:solidFill>
+                      <a:prstDash val="solid"/>
+                      <a:round/>
+                      <a:headEnd type="none" w="med" len="med"/>
+                      <a:tailEnd type="none" w="med" len="med"/>
+                    </a:lnL>
+                    <a:lnR w="19050" cap="flat" cmpd="sng" algn="ctr">
+                      <a:solidFill>
+                        <a:schemeClr val="tx1"/>
+                      </a:solidFill>
+                      <a:prstDash val="solid"/>
+                      <a:round/>
+                      <a:headEnd type="none" w="med" len="med"/>
+                      <a:tailEnd type="none" w="med" len="med"/>
+                    </a:lnR>
+                    <a:lnT w="19050" cap="flat" cmpd="sng" algn="ctr">
+                      <a:solidFill>
+                        <a:schemeClr val="tx1"/>
+                      </a:solidFill>
+                      <a:prstDash val="solid"/>
+                      <a:round/>
+                      <a:headEnd type="none" w="med" len="med"/>
+                      <a:tailEnd type="none" w="med" len="med"/>
+                    </a:lnT>
+                    <a:lnB w="19050" cap="flat" cmpd="sng" algn="ctr">
+                      <a:solidFill>
+                        <a:schemeClr val="tx1"/>
+                      </a:solidFill>
+                      <a:prstDash val="solid"/>
+                      <a:round/>
+                      <a:headEnd type="none" w="med" len="med"/>
+                      <a:tailEnd type="none" w="med" len="med"/>
+                    </a:lnB>
+                    <a:lnTlToBr w="12700" cmpd="sng">
+                      <a:noFill/>
+                      <a:prstDash val="solid"/>
+                    </a:lnTlToBr>
+                    <a:lnBlToTr w="12700" cmpd="sng">
+                      <a:noFill/>
+                      <a:prstDash val="solid"/>
+                    </a:lnBlToTr>
+                    <a:noFill/>
+                  </a:tcPr>
+                </a:tc>
+                <a:extLst>
+                  <a:ext uri="{0D108BD9-81ED-4DB2-BD59-A6C34878D82A}">
+                    <a16:rowId xmlns:a16="http://schemas.microsoft.com/office/drawing/2014/main" val="723663302"/>
+                  </a:ext>
+                </a:extLst>
+              </a:tr>
+            </a:tbl>
+          </a:graphicData>
+        </a:graphic>
+      </p:graphicFrame>
+      <p:sp>
+        <p:nvSpPr>
+          <p:cNvPr id="5" name="Subtitle 2">
+            <a:extLst>
+              <a:ext uri="{FF2B5EF4-FFF2-40B4-BE49-F238E27FC236}">
+                <a16:creationId xmlns:a16="http://schemas.microsoft.com/office/drawing/2014/main" id="{9490D890-E8AA-7341-9FFE-E8898F07D031}"/>
+              </a:ext>
+            </a:extLst>
+          </p:cNvPr>
+          <p:cNvSpPr txBox="1">
+            <a:spLocks/>
+          </p:cNvSpPr>
+          <p:nvPr/>
+        </p:nvSpPr>
+        <p:spPr>
+          <a:xfrm>
+            <a:off x="0" y="0"/>
+            <a:ext cx="4487917" cy="515007"/>
+          </a:xfrm>
+          <a:prstGeom prst="rect">
+            <a:avLst/>
+          </a:prstGeom>
+        </p:spPr>
+        <p:txBody>
+          <a:bodyPr vert="horz" lIns="91440" tIns="45720" rIns="91440" bIns="45720" rtlCol="0" anchor="ctr">
+            <a:normAutofit/>
+          </a:bodyPr>
+          <a:lstStyle>
+            <a:lvl1pPr marL="228600" indent="-228600" algn="l" defTabSz="914400" rtl="0" eaLnBrk="1" latinLnBrk="0" hangingPunct="1">
+              <a:lnSpc>
+                <a:spcPct val="90000"/>
+              </a:lnSpc>
+              <a:spcBef>
+                <a:spcPts val="1000"/>
+              </a:spcBef>
+              <a:buFont typeface="Arial" panose="020B0604020202020204" pitchFamily="34" charset="0"/>
+              <a:buChar char="•"/>
+              <a:defRPr sz="2800" kern="1200">
+                <a:solidFill>
+                  <a:schemeClr val="tx1"/>
+                </a:solidFill>
+                <a:latin typeface="+mn-lt"/>
+                <a:ea typeface="+mn-ea"/>
+                <a:cs typeface="+mn-cs"/>
+              </a:defRPr>
+            </a:lvl1pPr>
+            <a:lvl2pPr marL="685800" indent="-228600" algn="l" defTabSz="914400" rtl="0" eaLnBrk="1" latinLnBrk="0" hangingPunct="1">
+              <a:lnSpc>
+                <a:spcPct val="90000"/>
+              </a:lnSpc>
+              <a:spcBef>
+                <a:spcPts val="500"/>
+              </a:spcBef>
+              <a:buFont typeface="Arial" panose="020B0604020202020204" pitchFamily="34" charset="0"/>
+              <a:buChar char="•"/>
+              <a:defRPr sz="2400" kern="1200">
+                <a:solidFill>
+                  <a:schemeClr val="tx1"/>
+                </a:solidFill>
+                <a:latin typeface="+mn-lt"/>
+                <a:ea typeface="+mn-ea"/>
+                <a:cs typeface="+mn-cs"/>
+              </a:defRPr>
+            </a:lvl2pPr>
+            <a:lvl3pPr marL="1143000" indent="-228600" algn="l" defTabSz="914400" rtl="0" eaLnBrk="1" latinLnBrk="0" hangingPunct="1">
+              <a:lnSpc>
+                <a:spcPct val="90000"/>
+              </a:lnSpc>
+              <a:spcBef>
+                <a:spcPts val="500"/>
+              </a:spcBef>
+              <a:buFont typeface="Arial" panose="020B0604020202020204" pitchFamily="34" charset="0"/>
+              <a:buChar char="•"/>
+              <a:defRPr sz="2000" kern="1200">
+                <a:solidFill>
+                  <a:schemeClr val="tx1"/>
+                </a:solidFill>
+                <a:latin typeface="+mn-lt"/>
+                <a:ea typeface="+mn-ea"/>
+                <a:cs typeface="+mn-cs"/>
+              </a:defRPr>
+            </a:lvl3pPr>
+            <a:lvl4pPr marL="1600200" indent="-228600" algn="l" defTabSz="914400" rtl="0" eaLnBrk="1" latinLnBrk="0" hangingPunct="1">
+              <a:lnSpc>
+                <a:spcPct val="90000"/>
+              </a:lnSpc>
+              <a:spcBef>
+                <a:spcPts val="500"/>
+              </a:spcBef>
+              <a:buFont typeface="Arial" panose="020B0604020202020204" pitchFamily="34" charset="0"/>
+              <a:buChar char="•"/>
+              <a:defRPr sz="1800" kern="1200">
+                <a:solidFill>
+                  <a:schemeClr val="tx1"/>
+                </a:solidFill>
+                <a:latin typeface="+mn-lt"/>
+                <a:ea typeface="+mn-ea"/>
+                <a:cs typeface="+mn-cs"/>
+              </a:defRPr>
+            </a:lvl4pPr>
+            <a:lvl5pPr marL="2057400" indent="-228600" algn="l" defTabSz="914400" rtl="0" eaLnBrk="1" latinLnBrk="0" hangingPunct="1">
+              <a:lnSpc>
+                <a:spcPct val="90000"/>
+              </a:lnSpc>
+              <a:spcBef>
+                <a:spcPts val="500"/>
+              </a:spcBef>
+              <a:buFont typeface="Arial" panose="020B0604020202020204" pitchFamily="34" charset="0"/>
+              <a:buChar char="•"/>
+              <a:defRPr sz="1800" kern="1200">
+                <a:solidFill>
+                  <a:schemeClr val="tx1"/>
+                </a:solidFill>
+                <a:latin typeface="+mn-lt"/>
+                <a:ea typeface="+mn-ea"/>
+                <a:cs typeface="+mn-cs"/>
+              </a:defRPr>
+            </a:lvl5pPr>
+            <a:lvl6pPr marL="2514600" indent="-228600" algn="l" defTabSz="914400" rtl="0" eaLnBrk="1" latinLnBrk="0" hangingPunct="1">
+              <a:lnSpc>
+                <a:spcPct val="90000"/>
+              </a:lnSpc>
+              <a:spcBef>
+                <a:spcPts val="500"/>
+              </a:spcBef>
+              <a:buFont typeface="Arial" panose="020B0604020202020204" pitchFamily="34" charset="0"/>
+              <a:buChar char="•"/>
+              <a:defRPr sz="1800" kern="1200">
+                <a:solidFill>
+                  <a:schemeClr val="tx1"/>
+                </a:solidFill>
+                <a:latin typeface="+mn-lt"/>
+                <a:ea typeface="+mn-ea"/>
+                <a:cs typeface="+mn-cs"/>
+              </a:defRPr>
+            </a:lvl6pPr>
+            <a:lvl7pPr marL="2971800" indent="-228600" algn="l" defTabSz="914400" rtl="0" eaLnBrk="1" latinLnBrk="0" hangingPunct="1">
+              <a:lnSpc>
+                <a:spcPct val="90000"/>
+              </a:lnSpc>
+              <a:spcBef>
+                <a:spcPts val="500"/>
+              </a:spcBef>
+              <a:buFont typeface="Arial" panose="020B0604020202020204" pitchFamily="34" charset="0"/>
+              <a:buChar char="•"/>
+              <a:defRPr sz="1800" kern="1200">
+                <a:solidFill>
+                  <a:schemeClr val="tx1"/>
+                </a:solidFill>
+                <a:latin typeface="+mn-lt"/>
+                <a:ea typeface="+mn-ea"/>
+                <a:cs typeface="+mn-cs"/>
+              </a:defRPr>
+            </a:lvl7pPr>
+            <a:lvl8pPr marL="3429000" indent="-228600" algn="l" defTabSz="914400" rtl="0" eaLnBrk="1" latinLnBrk="0" hangingPunct="1">
+              <a:lnSpc>
+                <a:spcPct val="90000"/>
+              </a:lnSpc>
+              <a:spcBef>
+                <a:spcPts val="500"/>
+              </a:spcBef>
+              <a:buFont typeface="Arial" panose="020B0604020202020204" pitchFamily="34" charset="0"/>
+              <a:buChar char="•"/>
+              <a:defRPr sz="1800" kern="1200">
+                <a:solidFill>
+                  <a:schemeClr val="tx1"/>
+                </a:solidFill>
+                <a:latin typeface="+mn-lt"/>
+                <a:ea typeface="+mn-ea"/>
+                <a:cs typeface="+mn-cs"/>
+              </a:defRPr>
+            </a:lvl8pPr>
+            <a:lvl9pPr marL="3886200" indent="-228600" algn="l" defTabSz="914400" rtl="0" eaLnBrk="1" latinLnBrk="0" hangingPunct="1">
+              <a:lnSpc>
+                <a:spcPct val="90000"/>
+              </a:lnSpc>
+              <a:spcBef>
+                <a:spcPts val="500"/>
+              </a:spcBef>
+              <a:buFont typeface="Arial" panose="020B0604020202020204" pitchFamily="34" charset="0"/>
+              <a:buChar char="•"/>
+              <a:defRPr sz="1800" kern="1200">
+                <a:solidFill>
+                  <a:schemeClr val="tx1"/>
+                </a:solidFill>
+                <a:latin typeface="+mn-lt"/>
+                <a:ea typeface="+mn-ea"/>
+                <a:cs typeface="+mn-cs"/>
+              </a:defRPr>
+            </a:lvl9pPr>
+          </a:lstStyle>
+          <a:p>
+            <a:pPr marL="0" indent="0">
+              <a:buNone/>
+            </a:pPr>
+            <a:r>
+              <a:rPr lang="en-US" altLang="zh-CN" b="1" dirty="0">
+                <a:latin typeface="Times New Roman" panose="02020603050405020304" pitchFamily="18" charset="0"/>
+                <a:cs typeface="Times New Roman" panose="02020603050405020304" pitchFamily="18" charset="0"/>
+              </a:rPr>
+              <a:t>Data</a:t>
+            </a:r>
+            <a:r>
+              <a:rPr lang="en-US" altLang="zh-CN" dirty="0">
+                <a:latin typeface="Times New Roman" panose="02020603050405020304" pitchFamily="18" charset="0"/>
+                <a:cs typeface="Times New Roman" panose="02020603050405020304" pitchFamily="18" charset="0"/>
+              </a:rPr>
+              <a:t> Description</a:t>
+            </a:r>
+            <a:endParaRPr lang="en-CN" dirty="0">
+              <a:latin typeface="Times New Roman" panose="02020603050405020304" pitchFamily="18" charset="0"/>
+              <a:cs typeface="Times New Roman" panose="02020603050405020304" pitchFamily="18" charset="0"/>
+            </a:endParaRPr>
+          </a:p>
+        </p:txBody>
+      </p:sp>
+      <p:cxnSp>
+        <p:nvCxnSpPr>
+          <p:cNvPr id="7" name="Straight Connector 6">
+            <a:extLst>
+              <a:ext uri="{FF2B5EF4-FFF2-40B4-BE49-F238E27FC236}">
+                <a16:creationId xmlns:a16="http://schemas.microsoft.com/office/drawing/2014/main" id="{B52363E7-5FE9-6846-831F-ECE435FEC526}"/>
+              </a:ext>
+            </a:extLst>
+          </p:cNvPr>
+          <p:cNvCxnSpPr>
+            <a:cxnSpLocks/>
+          </p:cNvCxnSpPr>
+          <p:nvPr/>
+        </p:nvCxnSpPr>
+        <p:spPr>
+          <a:xfrm>
+            <a:off x="696000" y="1051041"/>
+            <a:ext cx="0" cy="311628"/>
+          </a:xfrm>
+          <a:prstGeom prst="line">
+            <a:avLst/>
+          </a:prstGeom>
+          <a:ln w="28575">
+            <a:solidFill>
+              <a:schemeClr val="tx1"/>
+            </a:solidFill>
+            <a:headEnd type="stealth" w="lg" len="lg"/>
+            <a:tailEnd type="none"/>
+          </a:ln>
+        </p:spPr>
+        <p:style>
+          <a:lnRef idx="1">
+            <a:schemeClr val="accent1"/>
+          </a:lnRef>
+          <a:fillRef idx="0">
+            <a:schemeClr val="accent1"/>
+          </a:fillRef>
+          <a:effectRef idx="0">
+            <a:schemeClr val="accent1"/>
+          </a:effectRef>
+          <a:fontRef idx="minor">
+            <a:schemeClr val="tx1"/>
+          </a:fontRef>
+        </p:style>
+      </p:cxnSp>
+      <p:cxnSp>
+        <p:nvCxnSpPr>
+          <p:cNvPr id="9" name="Straight Connector 8">
+            <a:extLst>
+              <a:ext uri="{FF2B5EF4-FFF2-40B4-BE49-F238E27FC236}">
+                <a16:creationId xmlns:a16="http://schemas.microsoft.com/office/drawing/2014/main" id="{31A1DFA9-1EBA-B24C-A806-B293C32D8B10}"/>
+              </a:ext>
+            </a:extLst>
+          </p:cNvPr>
+          <p:cNvCxnSpPr>
+            <a:cxnSpLocks/>
+          </p:cNvCxnSpPr>
+          <p:nvPr/>
+        </p:nvCxnSpPr>
+        <p:spPr>
+          <a:xfrm>
+            <a:off x="11476299" y="1069888"/>
+            <a:ext cx="0" cy="311628"/>
+          </a:xfrm>
+          <a:prstGeom prst="line">
+            <a:avLst/>
+          </a:prstGeom>
+          <a:ln w="28575">
+            <a:solidFill>
+              <a:schemeClr val="tx1"/>
+            </a:solidFill>
+            <a:headEnd type="stealth" w="lg" len="lg"/>
+          </a:ln>
+        </p:spPr>
+        <p:style>
+          <a:lnRef idx="1">
+            <a:schemeClr val="accent1"/>
+          </a:lnRef>
+          <a:fillRef idx="0">
+            <a:schemeClr val="accent1"/>
+          </a:fillRef>
+          <a:effectRef idx="0">
+            <a:schemeClr val="accent1"/>
+          </a:effectRef>
+          <a:fontRef idx="minor">
+            <a:schemeClr val="tx1"/>
+          </a:fontRef>
+        </p:style>
+      </p:cxnSp>
+      <p:sp>
+        <p:nvSpPr>
+          <p:cNvPr id="10" name="TextBox 9">
+            <a:extLst>
+              <a:ext uri="{FF2B5EF4-FFF2-40B4-BE49-F238E27FC236}">
+                <a16:creationId xmlns:a16="http://schemas.microsoft.com/office/drawing/2014/main" id="{1C09C57B-14A1-F041-BAFD-8C332BE99CBC}"/>
+              </a:ext>
+            </a:extLst>
+          </p:cNvPr>
+          <p:cNvSpPr txBox="1"/>
+          <p:nvPr/>
+        </p:nvSpPr>
+        <p:spPr>
+          <a:xfrm>
+            <a:off x="695999" y="993337"/>
+            <a:ext cx="1306409" cy="369332"/>
+          </a:xfrm>
+          <a:prstGeom prst="rect">
+            <a:avLst/>
+          </a:prstGeom>
+          <a:noFill/>
+        </p:spPr>
+        <p:txBody>
+          <a:bodyPr wrap="square" rtlCol="0" anchor="ctr">
+            <a:spAutoFit/>
+          </a:bodyPr>
+          <a:lstStyle/>
+          <a:p>
+            <a:pPr algn="ctr"/>
+            <a:r>
+              <a:rPr lang="en-CN" b="1" dirty="0">
+                <a:latin typeface="Times New Roman" panose="02020603050405020304" pitchFamily="18" charset="0"/>
+                <a:cs typeface="Times New Roman" panose="02020603050405020304" pitchFamily="18" charset="0"/>
+              </a:rPr>
+              <a:t>2022.01.04</a:t>
+            </a:r>
+          </a:p>
+        </p:txBody>
+      </p:sp>
+      <p:sp>
+        <p:nvSpPr>
+          <p:cNvPr id="11" name="TextBox 10">
+            <a:extLst>
+              <a:ext uri="{FF2B5EF4-FFF2-40B4-BE49-F238E27FC236}">
+                <a16:creationId xmlns:a16="http://schemas.microsoft.com/office/drawing/2014/main" id="{81ED3151-273E-5840-B7AF-3D5034DE0C10}"/>
+              </a:ext>
+            </a:extLst>
+          </p:cNvPr>
+          <p:cNvSpPr txBox="1"/>
+          <p:nvPr/>
+        </p:nvSpPr>
+        <p:spPr>
+          <a:xfrm>
+            <a:off x="10169890" y="993337"/>
+            <a:ext cx="1306409" cy="369332"/>
+          </a:xfrm>
+          <a:prstGeom prst="rect">
+            <a:avLst/>
+          </a:prstGeom>
+          <a:noFill/>
+        </p:spPr>
+        <p:txBody>
+          <a:bodyPr wrap="square" rtlCol="0" anchor="ctr">
+            <a:spAutoFit/>
+          </a:bodyPr>
+          <a:lstStyle/>
+          <a:p>
+            <a:pPr algn="ctr"/>
+            <a:r>
+              <a:rPr lang="en-CN" b="1" dirty="0">
+                <a:latin typeface="Times New Roman" panose="02020603050405020304" pitchFamily="18" charset="0"/>
+                <a:cs typeface="Times New Roman" panose="02020603050405020304" pitchFamily="18" charset="0"/>
+              </a:rPr>
+              <a:t>2022.12.30</a:t>
+            </a:r>
+          </a:p>
+        </p:txBody>
+      </p:sp>
+      <p:sp>
+        <p:nvSpPr>
+          <p:cNvPr id="12" name="TextBox 11">
+            <a:extLst>
+              <a:ext uri="{FF2B5EF4-FFF2-40B4-BE49-F238E27FC236}">
+                <a16:creationId xmlns:a16="http://schemas.microsoft.com/office/drawing/2014/main" id="{E13C3635-15F1-EE42-8EA7-A99FA89B7DA2}"/>
+              </a:ext>
+            </a:extLst>
+          </p:cNvPr>
+          <p:cNvSpPr txBox="1"/>
+          <p:nvPr/>
+        </p:nvSpPr>
+        <p:spPr>
+          <a:xfrm>
+            <a:off x="4180872" y="720737"/>
+            <a:ext cx="3830255" cy="461665"/>
+          </a:xfrm>
+          <a:prstGeom prst="rect">
+            <a:avLst/>
+          </a:prstGeom>
+          <a:noFill/>
+        </p:spPr>
+        <p:txBody>
+          <a:bodyPr wrap="square" rtlCol="0" anchor="ctr">
+            <a:spAutoFit/>
+          </a:bodyPr>
+          <a:lstStyle/>
+          <a:p>
+            <a:pPr algn="ctr"/>
+            <a:r>
+              <a:rPr lang="en-CN" sz="2400" b="1" dirty="0">
+                <a:latin typeface="Times New Roman" panose="02020603050405020304" pitchFamily="18" charset="0"/>
+                <a:cs typeface="Times New Roman" panose="02020603050405020304" pitchFamily="18" charset="0"/>
+              </a:rPr>
+              <a:t>Totally 242 Trading dates</a:t>
+            </a:r>
+          </a:p>
+        </p:txBody>
+      </p:sp>
+      <p:sp>
+        <p:nvSpPr>
+          <p:cNvPr id="14" name="Right Brace 13">
+            <a:extLst>
+              <a:ext uri="{FF2B5EF4-FFF2-40B4-BE49-F238E27FC236}">
+                <a16:creationId xmlns:a16="http://schemas.microsoft.com/office/drawing/2014/main" id="{CFF89527-3BD1-0D4C-ACA4-045FD855B5EA}"/>
+              </a:ext>
+            </a:extLst>
+          </p:cNvPr>
+          <p:cNvSpPr/>
+          <p:nvPr/>
+        </p:nvSpPr>
+        <p:spPr>
+          <a:xfrm rot="5400000">
+            <a:off x="3737807" y="-1031022"/>
+            <a:ext cx="369330" cy="6452946"/>
+          </a:xfrm>
+          <a:prstGeom prst="rightBrace">
+            <a:avLst>
+              <a:gd name="adj1" fmla="val 183573"/>
+              <a:gd name="adj2" fmla="val 50000"/>
+            </a:avLst>
+          </a:prstGeom>
+          <a:ln w="19050">
+            <a:solidFill>
+              <a:schemeClr val="tx1"/>
+            </a:solidFill>
+            <a:headEnd type="diamond"/>
+            <a:tailEnd type="diamond"/>
+          </a:ln>
+        </p:spPr>
+        <p:style>
+          <a:lnRef idx="1">
+            <a:schemeClr val="accent1"/>
+          </a:lnRef>
+          <a:fillRef idx="0">
+            <a:schemeClr val="accent1"/>
+          </a:fillRef>
+          <a:effectRef idx="0">
+            <a:schemeClr val="accent1"/>
+          </a:effectRef>
+          <a:fontRef idx="minor">
+            <a:schemeClr val="tx1"/>
+          </a:fontRef>
+        </p:style>
+        <p:txBody>
+          <a:bodyPr rtlCol="0" anchor="ctr"/>
+          <a:lstStyle/>
+          <a:p>
+            <a:pPr algn="ctr"/>
+            <a:endParaRPr lang="en-CN" b="1"/>
+          </a:p>
+        </p:txBody>
+      </p:sp>
+      <p:sp>
+        <p:nvSpPr>
+          <p:cNvPr id="15" name="TextBox 14">
+            <a:extLst>
+              <a:ext uri="{FF2B5EF4-FFF2-40B4-BE49-F238E27FC236}">
+                <a16:creationId xmlns:a16="http://schemas.microsoft.com/office/drawing/2014/main" id="{3CC5104B-0F0C-BE4E-86C3-0364EDF73276}"/>
+              </a:ext>
+            </a:extLst>
+          </p:cNvPr>
+          <p:cNvSpPr txBox="1"/>
+          <p:nvPr/>
+        </p:nvSpPr>
+        <p:spPr>
+          <a:xfrm>
+            <a:off x="2606000" y="2488234"/>
+            <a:ext cx="2632944" cy="646331"/>
+          </a:xfrm>
+          <a:prstGeom prst="rect">
+            <a:avLst/>
+          </a:prstGeom>
+          <a:noFill/>
+        </p:spPr>
+        <p:txBody>
+          <a:bodyPr wrap="square" rtlCol="0" anchor="ctr">
+            <a:spAutoFit/>
+          </a:bodyPr>
+          <a:lstStyle/>
+          <a:p>
+            <a:pPr algn="ctr"/>
+            <a:r>
+              <a:rPr lang="en-CN" b="1" dirty="0">
+                <a:latin typeface="Times New Roman" panose="02020603050405020304" pitchFamily="18" charset="0"/>
+                <a:cs typeface="Times New Roman" panose="02020603050405020304" pitchFamily="18" charset="0"/>
+              </a:rPr>
+              <a:t>Train &amp; Valid: 20 Weeks</a:t>
+            </a:r>
+          </a:p>
+          <a:p>
+            <a:pPr algn="ctr"/>
+            <a:r>
+              <a:rPr lang="en-CN" b="1" dirty="0">
+                <a:latin typeface="Times New Roman" panose="02020603050405020304" pitchFamily="18" charset="0"/>
+                <a:cs typeface="Times New Roman" panose="02020603050405020304" pitchFamily="18" charset="0"/>
+              </a:rPr>
+              <a:t>Valid: 20 Days</a:t>
+            </a:r>
+          </a:p>
+        </p:txBody>
+      </p:sp>
+      <p:cxnSp>
+        <p:nvCxnSpPr>
+          <p:cNvPr id="17" name="Straight Connector 16">
+            <a:extLst>
+              <a:ext uri="{FF2B5EF4-FFF2-40B4-BE49-F238E27FC236}">
+                <a16:creationId xmlns:a16="http://schemas.microsoft.com/office/drawing/2014/main" id="{68E1D6B5-2291-C849-9511-2188D65A1910}"/>
+              </a:ext>
+            </a:extLst>
+          </p:cNvPr>
+          <p:cNvCxnSpPr>
+            <a:cxnSpLocks/>
+          </p:cNvCxnSpPr>
+          <p:nvPr/>
+        </p:nvCxnSpPr>
+        <p:spPr>
+          <a:xfrm flipV="1">
+            <a:off x="7429309" y="1902669"/>
+            <a:ext cx="0" cy="477448"/>
+          </a:xfrm>
+          <a:prstGeom prst="line">
+            <a:avLst/>
+          </a:prstGeom>
+          <a:ln w="28575">
+            <a:solidFill>
+              <a:schemeClr val="tx1"/>
+            </a:solidFill>
+            <a:headEnd type="stealth" w="lg" len="lg"/>
+            <a:tailEnd type="none"/>
+          </a:ln>
+        </p:spPr>
+        <p:style>
+          <a:lnRef idx="1">
+            <a:schemeClr val="accent1"/>
+          </a:lnRef>
+          <a:fillRef idx="0">
+            <a:schemeClr val="accent1"/>
+          </a:fillRef>
+          <a:effectRef idx="0">
+            <a:schemeClr val="accent1"/>
+          </a:effectRef>
+          <a:fontRef idx="minor">
+            <a:schemeClr val="tx1"/>
+          </a:fontRef>
+        </p:style>
+      </p:cxnSp>
+      <p:sp>
+        <p:nvSpPr>
+          <p:cNvPr id="21" name="TextBox 20">
+            <a:extLst>
+              <a:ext uri="{FF2B5EF4-FFF2-40B4-BE49-F238E27FC236}">
+                <a16:creationId xmlns:a16="http://schemas.microsoft.com/office/drawing/2014/main" id="{39346AD0-C20C-BA47-B285-1023224A39DA}"/>
+              </a:ext>
+            </a:extLst>
+          </p:cNvPr>
+          <p:cNvSpPr txBox="1"/>
+          <p:nvPr/>
+        </p:nvSpPr>
+        <p:spPr>
+          <a:xfrm>
+            <a:off x="6112837" y="2626733"/>
+            <a:ext cx="2632944" cy="369332"/>
+          </a:xfrm>
+          <a:prstGeom prst="rect">
+            <a:avLst/>
+          </a:prstGeom>
+          <a:noFill/>
+        </p:spPr>
+        <p:txBody>
+          <a:bodyPr wrap="square" rtlCol="0" anchor="ctr">
+            <a:spAutoFit/>
+          </a:bodyPr>
+          <a:lstStyle/>
+          <a:p>
+            <a:pPr algn="ctr"/>
+            <a:r>
+              <a:rPr lang="en-CN" b="1" dirty="0">
+                <a:latin typeface="Times New Roman" panose="02020603050405020304" pitchFamily="18" charset="0"/>
+                <a:cs typeface="Times New Roman" panose="02020603050405020304" pitchFamily="18" charset="0"/>
+              </a:rPr>
+              <a:t>Test: 2 Weeks</a:t>
+            </a:r>
+          </a:p>
+        </p:txBody>
+      </p:sp>
+      <p:graphicFrame>
+        <p:nvGraphicFramePr>
+          <p:cNvPr id="23" name="Table 22">
+            <a:extLst>
+              <a:ext uri="{FF2B5EF4-FFF2-40B4-BE49-F238E27FC236}">
+                <a16:creationId xmlns:a16="http://schemas.microsoft.com/office/drawing/2014/main" id="{068C0304-A5BE-EE41-A9D2-45B3454797EC}"/>
+              </a:ext>
+            </a:extLst>
+          </p:cNvPr>
+          <p:cNvGraphicFramePr>
+            <a:graphicFrameLocks noGrp="1"/>
+          </p:cNvGraphicFramePr>
+          <p:nvPr>
+            <p:extLst>
+              <p:ext uri="{D42A27DB-BD31-4B8C-83A1-F6EECF244321}">
+                <p14:modId xmlns:p14="http://schemas.microsoft.com/office/powerpoint/2010/main" val="3438989435"/>
+              </p:ext>
+            </p:extLst>
+          </p:nvPr>
+        </p:nvGraphicFramePr>
+        <p:xfrm>
+          <a:off x="695999" y="3381181"/>
+          <a:ext cx="7020000" cy="540000"/>
+        </p:xfrm>
+        <a:graphic>
+          <a:graphicData uri="http://schemas.openxmlformats.org/drawingml/2006/table">
+            <a:tbl>
+              <a:tblPr firstRow="1" bandRow="1">
+                <a:tableStyleId>{5C22544A-7EE6-4342-B048-85BDC9FD1C3A}</a:tableStyleId>
+              </a:tblPr>
+              <a:tblGrid>
+                <a:gridCol w="540000">
+                  <a:extLst>
+                    <a:ext uri="{9D8B030D-6E8A-4147-A177-3AD203B41FA5}">
+                      <a16:colId xmlns:a16="http://schemas.microsoft.com/office/drawing/2014/main" val="2543132756"/>
+                    </a:ext>
+                  </a:extLst>
+                </a:gridCol>
+                <a:gridCol w="540000">
+                  <a:extLst>
+                    <a:ext uri="{9D8B030D-6E8A-4147-A177-3AD203B41FA5}">
+                      <a16:colId xmlns:a16="http://schemas.microsoft.com/office/drawing/2014/main" val="3673304768"/>
+                    </a:ext>
+                  </a:extLst>
+                </a:gridCol>
+                <a:gridCol w="540000">
+                  <a:extLst>
+                    <a:ext uri="{9D8B030D-6E8A-4147-A177-3AD203B41FA5}">
+                      <a16:colId xmlns:a16="http://schemas.microsoft.com/office/drawing/2014/main" val="1866724304"/>
+                    </a:ext>
+                  </a:extLst>
+                </a:gridCol>
+                <a:gridCol w="540000">
+                  <a:extLst>
+                    <a:ext uri="{9D8B030D-6E8A-4147-A177-3AD203B41FA5}">
+                      <a16:colId xmlns:a16="http://schemas.microsoft.com/office/drawing/2014/main" val="2261776471"/>
+                    </a:ext>
+                  </a:extLst>
+                </a:gridCol>
+                <a:gridCol w="540000">
+                  <a:extLst>
+                    <a:ext uri="{9D8B030D-6E8A-4147-A177-3AD203B41FA5}">
+                      <a16:colId xmlns:a16="http://schemas.microsoft.com/office/drawing/2014/main" val="3269868482"/>
+                    </a:ext>
+                  </a:extLst>
+                </a:gridCol>
+                <a:gridCol w="540000">
+                  <a:extLst>
+                    <a:ext uri="{9D8B030D-6E8A-4147-A177-3AD203B41FA5}">
+                      <a16:colId xmlns:a16="http://schemas.microsoft.com/office/drawing/2014/main" val="2213874609"/>
+                    </a:ext>
+                  </a:extLst>
+                </a:gridCol>
+                <a:gridCol w="540000">
+                  <a:extLst>
+                    <a:ext uri="{9D8B030D-6E8A-4147-A177-3AD203B41FA5}">
+                      <a16:colId xmlns:a16="http://schemas.microsoft.com/office/drawing/2014/main" val="977112682"/>
+                    </a:ext>
+                  </a:extLst>
+                </a:gridCol>
+                <a:gridCol w="540000">
+                  <a:extLst>
+                    <a:ext uri="{9D8B030D-6E8A-4147-A177-3AD203B41FA5}">
+                      <a16:colId xmlns:a16="http://schemas.microsoft.com/office/drawing/2014/main" val="2032971652"/>
+                    </a:ext>
+                  </a:extLst>
+                </a:gridCol>
+                <a:gridCol w="540000">
+                  <a:extLst>
+                    <a:ext uri="{9D8B030D-6E8A-4147-A177-3AD203B41FA5}">
+                      <a16:colId xmlns:a16="http://schemas.microsoft.com/office/drawing/2014/main" val="2890300983"/>
+                    </a:ext>
+                  </a:extLst>
+                </a:gridCol>
+                <a:gridCol w="540000">
+                  <a:extLst>
+                    <a:ext uri="{9D8B030D-6E8A-4147-A177-3AD203B41FA5}">
+                      <a16:colId xmlns:a16="http://schemas.microsoft.com/office/drawing/2014/main" val="2441237442"/>
+                    </a:ext>
+                  </a:extLst>
+                </a:gridCol>
+                <a:gridCol w="540000">
+                  <a:extLst>
+                    <a:ext uri="{9D8B030D-6E8A-4147-A177-3AD203B41FA5}">
+                      <a16:colId xmlns:a16="http://schemas.microsoft.com/office/drawing/2014/main" val="3132550382"/>
+                    </a:ext>
+                  </a:extLst>
+                </a:gridCol>
+                <a:gridCol w="540000">
+                  <a:extLst>
+                    <a:ext uri="{9D8B030D-6E8A-4147-A177-3AD203B41FA5}">
+                      <a16:colId xmlns:a16="http://schemas.microsoft.com/office/drawing/2014/main" val="401313911"/>
+                    </a:ext>
+                  </a:extLst>
+                </a:gridCol>
+                <a:gridCol w="540000">
+                  <a:extLst>
+                    <a:ext uri="{9D8B030D-6E8A-4147-A177-3AD203B41FA5}">
+                      <a16:colId xmlns:a16="http://schemas.microsoft.com/office/drawing/2014/main" val="2353922561"/>
+                    </a:ext>
+                  </a:extLst>
+                </a:gridCol>
+              </a:tblGrid>
+              <a:tr h="540000">
+                <a:tc>
+                  <a:txBody>
+                    <a:bodyPr/>
+                    <a:lstStyle/>
+                    <a:p>
+                      <a:pPr algn="ctr"/>
+                      <a:endParaRPr lang="en-CN" dirty="0">
+                        <a:solidFill>
+                          <a:schemeClr val="tx1"/>
+                        </a:solidFill>
+                        <a:latin typeface="Times New Roman" panose="02020603050405020304" pitchFamily="18" charset="0"/>
+                        <a:cs typeface="Times New Roman" panose="02020603050405020304" pitchFamily="18" charset="0"/>
+                      </a:endParaRPr>
+                    </a:p>
+                  </a:txBody>
+                  <a:tcPr anchor="ctr">
+                    <a:lnL w="19050" cap="flat" cmpd="sng" algn="ctr">
+                      <a:solidFill>
+                        <a:schemeClr val="tx1"/>
+                      </a:solidFill>
+                      <a:prstDash val="solid"/>
+                      <a:round/>
+                      <a:headEnd type="none" w="med" len="med"/>
+                      <a:tailEnd type="none" w="med" len="med"/>
+                    </a:lnL>
+                    <a:lnR w="19050" cap="flat" cmpd="sng" algn="ctr">
+                      <a:solidFill>
+                        <a:schemeClr val="tx1"/>
+                      </a:solidFill>
+                      <a:prstDash val="solid"/>
+                      <a:round/>
+                      <a:headEnd type="none" w="med" len="med"/>
+                      <a:tailEnd type="none" w="med" len="med"/>
+                    </a:lnR>
+                    <a:lnT w="19050" cap="flat" cmpd="sng" algn="ctr">
+                      <a:solidFill>
+                        <a:schemeClr val="tx1"/>
+                      </a:solidFill>
+                      <a:prstDash val="solid"/>
+                      <a:round/>
+                      <a:headEnd type="none" w="med" len="med"/>
+                      <a:tailEnd type="none" w="med" len="med"/>
+                    </a:lnT>
+                    <a:lnB w="19050" cap="flat" cmpd="sng" algn="ctr">
+                      <a:solidFill>
+                        <a:schemeClr val="tx1"/>
+                      </a:solidFill>
+                      <a:prstDash val="solid"/>
+                      <a:round/>
+                      <a:headEnd type="none" w="med" len="med"/>
+                      <a:tailEnd type="none" w="med" len="med"/>
+                    </a:lnB>
+                    <a:lnTlToBr w="12700" cmpd="sng">
+                      <a:noFill/>
+                      <a:prstDash val="solid"/>
+                    </a:lnTlToBr>
+                    <a:lnBlToTr w="12700" cmpd="sng">
+                      <a:noFill/>
+                      <a:prstDash val="solid"/>
+                    </a:lnBlToTr>
+                    <a:solidFill>
+                      <a:schemeClr val="accent1">
+                        <a:lumMod val="40000"/>
+                        <a:lumOff val="60000"/>
+                      </a:schemeClr>
+                    </a:solidFill>
+                  </a:tcPr>
+                </a:tc>
+                <a:tc>
+                  <a:txBody>
+                    <a:bodyPr/>
+                    <a:lstStyle/>
+                    <a:p>
+                      <a:pPr algn="ctr"/>
+                      <a:endParaRPr lang="en-CN" dirty="0">
+                        <a:solidFill>
+                          <a:schemeClr val="tx1"/>
+                        </a:solidFill>
+                        <a:latin typeface="Times New Roman" panose="02020603050405020304" pitchFamily="18" charset="0"/>
+                        <a:cs typeface="Times New Roman" panose="02020603050405020304" pitchFamily="18" charset="0"/>
+                      </a:endParaRPr>
+                    </a:p>
+                  </a:txBody>
+                  <a:tcPr anchor="ctr">
+                    <a:lnL w="19050" cap="flat" cmpd="sng" algn="ctr">
+                      <a:solidFill>
+                        <a:schemeClr val="tx1"/>
+                      </a:solidFill>
+                      <a:prstDash val="solid"/>
+                      <a:round/>
+                      <a:headEnd type="none" w="med" len="med"/>
+                      <a:tailEnd type="none" w="med" len="med"/>
+                    </a:lnL>
+                    <a:lnR w="19050" cap="flat" cmpd="sng" algn="ctr">
+                      <a:solidFill>
+                        <a:schemeClr val="tx1"/>
+                      </a:solidFill>
+                      <a:prstDash val="solid"/>
+                      <a:round/>
+                      <a:headEnd type="none" w="med" len="med"/>
+                      <a:tailEnd type="none" w="med" len="med"/>
+                    </a:lnR>
+                    <a:lnT w="19050" cap="flat" cmpd="sng" algn="ctr">
+                      <a:solidFill>
+                        <a:schemeClr val="tx1"/>
+                      </a:solidFill>
+                      <a:prstDash val="solid"/>
+                      <a:round/>
+                      <a:headEnd type="none" w="med" len="med"/>
+                      <a:tailEnd type="none" w="med" len="med"/>
+                    </a:lnT>
+                    <a:lnB w="19050" cap="flat" cmpd="sng" algn="ctr">
+                      <a:solidFill>
+                        <a:schemeClr val="tx1"/>
+                      </a:solidFill>
+                      <a:prstDash val="solid"/>
+                      <a:round/>
+                      <a:headEnd type="none" w="med" len="med"/>
+                      <a:tailEnd type="none" w="med" len="med"/>
+                    </a:lnB>
+                    <a:lnTlToBr w="12700" cmpd="sng">
+                      <a:noFill/>
+                      <a:prstDash val="solid"/>
+                    </a:lnTlToBr>
+                    <a:lnBlToTr w="12700" cmpd="sng">
+                      <a:noFill/>
+                      <a:prstDash val="solid"/>
+                    </a:lnBlToTr>
+                    <a:solidFill>
+                      <a:schemeClr val="accent1">
+                        <a:lumMod val="40000"/>
+                        <a:lumOff val="60000"/>
+                      </a:schemeClr>
+                    </a:solidFill>
+                  </a:tcPr>
+                </a:tc>
+                <a:tc>
+                  <a:txBody>
+                    <a:bodyPr/>
+                    <a:lstStyle/>
+                    <a:p>
+                      <a:pPr algn="ctr"/>
+                      <a:endParaRPr lang="en-CN" dirty="0">
+                        <a:solidFill>
+                          <a:schemeClr val="tx1"/>
+                        </a:solidFill>
+                        <a:latin typeface="Times New Roman" panose="02020603050405020304" pitchFamily="18" charset="0"/>
+                        <a:cs typeface="Times New Roman" panose="02020603050405020304" pitchFamily="18" charset="0"/>
+                      </a:endParaRPr>
+                    </a:p>
+                  </a:txBody>
+                  <a:tcPr anchor="ctr">
+                    <a:lnL w="19050" cap="flat" cmpd="sng" algn="ctr">
+                      <a:solidFill>
+                        <a:schemeClr val="tx1"/>
+                      </a:solidFill>
+                      <a:prstDash val="solid"/>
+                      <a:round/>
+                      <a:headEnd type="none" w="med" len="med"/>
+                      <a:tailEnd type="none" w="med" len="med"/>
+                    </a:lnL>
+                    <a:lnR w="19050" cap="flat" cmpd="sng" algn="ctr">
+                      <a:solidFill>
+                        <a:schemeClr val="tx1"/>
+                      </a:solidFill>
+                      <a:prstDash val="solid"/>
+                      <a:round/>
+                      <a:headEnd type="none" w="med" len="med"/>
+                      <a:tailEnd type="none" w="med" len="med"/>
+                    </a:lnR>
+                    <a:lnT w="19050" cap="flat" cmpd="sng" algn="ctr">
+                      <a:solidFill>
+                        <a:schemeClr val="tx1"/>
+                      </a:solidFill>
+                      <a:prstDash val="solid"/>
+                      <a:round/>
+                      <a:headEnd type="none" w="med" len="med"/>
+                      <a:tailEnd type="none" w="med" len="med"/>
+                    </a:lnT>
+                    <a:lnB w="19050" cap="flat" cmpd="sng" algn="ctr">
+                      <a:solidFill>
+                        <a:schemeClr val="tx1"/>
+                      </a:solidFill>
+                      <a:prstDash val="solid"/>
+                      <a:round/>
+                      <a:headEnd type="none" w="med" len="med"/>
+                      <a:tailEnd type="none" w="med" len="med"/>
+                    </a:lnB>
+                    <a:lnTlToBr w="12700" cmpd="sng">
+                      <a:noFill/>
+                      <a:prstDash val="solid"/>
+                    </a:lnTlToBr>
+                    <a:lnBlToTr w="12700" cmpd="sng">
+                      <a:noFill/>
+                      <a:prstDash val="solid"/>
+                    </a:lnBlToTr>
+                    <a:solidFill>
+                      <a:schemeClr val="accent1">
+                        <a:lumMod val="40000"/>
+                        <a:lumOff val="60000"/>
+                      </a:schemeClr>
+                    </a:solidFill>
+                  </a:tcPr>
+                </a:tc>
+                <a:tc>
+                  <a:txBody>
+                    <a:bodyPr/>
+                    <a:lstStyle/>
+                    <a:p>
+                      <a:pPr algn="ctr"/>
+                      <a:endParaRPr lang="en-CN">
+                        <a:solidFill>
+                          <a:schemeClr val="tx1"/>
+                        </a:solidFill>
+                        <a:latin typeface="Times New Roman" panose="02020603050405020304" pitchFamily="18" charset="0"/>
+                        <a:cs typeface="Times New Roman" panose="02020603050405020304" pitchFamily="18" charset="0"/>
+                      </a:endParaRPr>
+                    </a:p>
+                  </a:txBody>
+                  <a:tcPr anchor="ctr">
+                    <a:lnL w="19050" cap="flat" cmpd="sng" algn="ctr">
+                      <a:solidFill>
+                        <a:schemeClr val="tx1"/>
+                      </a:solidFill>
+                      <a:prstDash val="solid"/>
+                      <a:round/>
+                      <a:headEnd type="none" w="med" len="med"/>
+                      <a:tailEnd type="none" w="med" len="med"/>
+                    </a:lnL>
+                    <a:lnR w="19050" cap="flat" cmpd="sng" algn="ctr">
+                      <a:solidFill>
+                        <a:schemeClr val="tx1"/>
+                      </a:solidFill>
+                      <a:prstDash val="solid"/>
+                      <a:round/>
+                      <a:headEnd type="none" w="med" len="med"/>
+                      <a:tailEnd type="none" w="med" len="med"/>
+                    </a:lnR>
+                    <a:lnT w="19050" cap="flat" cmpd="sng" algn="ctr">
+                      <a:solidFill>
+                        <a:schemeClr val="tx1"/>
+                      </a:solidFill>
+                      <a:prstDash val="solid"/>
+                      <a:round/>
+                      <a:headEnd type="none" w="med" len="med"/>
+                      <a:tailEnd type="none" w="med" len="med"/>
+                    </a:lnT>
+                    <a:lnB w="19050" cap="flat" cmpd="sng" algn="ctr">
+                      <a:solidFill>
+                        <a:schemeClr val="tx1"/>
+                      </a:solidFill>
+                      <a:prstDash val="solid"/>
+                      <a:round/>
+                      <a:headEnd type="none" w="med" len="med"/>
+                      <a:tailEnd type="none" w="med" len="med"/>
+                    </a:lnB>
+                    <a:lnTlToBr w="12700" cmpd="sng">
+                      <a:noFill/>
+                      <a:prstDash val="solid"/>
+                    </a:lnTlToBr>
+                    <a:lnBlToTr w="12700" cmpd="sng">
+                      <a:noFill/>
+                      <a:prstDash val="solid"/>
+                    </a:lnBlToTr>
+                    <a:solidFill>
+                      <a:schemeClr val="accent1">
+                        <a:lumMod val="40000"/>
+                        <a:lumOff val="60000"/>
+                      </a:schemeClr>
+                    </a:solidFill>
+                  </a:tcPr>
+                </a:tc>
+                <a:tc>
+                  <a:txBody>
+                    <a:bodyPr/>
+                    <a:lstStyle/>
+                    <a:p>
+                      <a:pPr algn="ctr"/>
+                      <a:endParaRPr lang="en-CN" dirty="0">
+                        <a:solidFill>
+                          <a:schemeClr val="tx1"/>
+                        </a:solidFill>
+                        <a:latin typeface="Times New Roman" panose="02020603050405020304" pitchFamily="18" charset="0"/>
+                        <a:cs typeface="Times New Roman" panose="02020603050405020304" pitchFamily="18" charset="0"/>
+                      </a:endParaRPr>
+                    </a:p>
+                  </a:txBody>
+                  <a:tcPr anchor="ctr">
+                    <a:lnL w="19050" cap="flat" cmpd="sng" algn="ctr">
+                      <a:solidFill>
+                        <a:schemeClr val="tx1"/>
+                      </a:solidFill>
+                      <a:prstDash val="solid"/>
+                      <a:round/>
+                      <a:headEnd type="none" w="med" len="med"/>
+                      <a:tailEnd type="none" w="med" len="med"/>
+                    </a:lnL>
+                    <a:lnR w="19050" cap="flat" cmpd="sng" algn="ctr">
+                      <a:solidFill>
+                        <a:schemeClr val="tx1"/>
+                      </a:solidFill>
+                      <a:prstDash val="solid"/>
+                      <a:round/>
+                      <a:headEnd type="none" w="med" len="med"/>
+                      <a:tailEnd type="none" w="med" len="med"/>
+                    </a:lnR>
+                    <a:lnT w="19050" cap="flat" cmpd="sng" algn="ctr">
+                      <a:solidFill>
+                        <a:schemeClr val="tx1"/>
+                      </a:solidFill>
+                      <a:prstDash val="solid"/>
+                      <a:round/>
+                      <a:headEnd type="none" w="med" len="med"/>
+                      <a:tailEnd type="none" w="med" len="med"/>
+                    </a:lnT>
+                    <a:lnB w="19050" cap="flat" cmpd="sng" algn="ctr">
+                      <a:solidFill>
+                        <a:schemeClr val="tx1"/>
+                      </a:solidFill>
+                      <a:prstDash val="solid"/>
+                      <a:round/>
+                      <a:headEnd type="none" w="med" len="med"/>
+                      <a:tailEnd type="none" w="med" len="med"/>
+                    </a:lnB>
+                    <a:lnTlToBr w="12700" cmpd="sng">
+                      <a:noFill/>
+                      <a:prstDash val="solid"/>
+                    </a:lnTlToBr>
+                    <a:lnBlToTr w="12700" cmpd="sng">
+                      <a:noFill/>
+                      <a:prstDash val="solid"/>
+                    </a:lnBlToTr>
+                    <a:solidFill>
+                      <a:schemeClr val="accent1">
+                        <a:lumMod val="40000"/>
+                        <a:lumOff val="60000"/>
+                      </a:schemeClr>
+                    </a:solidFill>
+                  </a:tcPr>
+                </a:tc>
+                <a:tc>
+                  <a:txBody>
+                    <a:bodyPr/>
+                    <a:lstStyle/>
+                    <a:p>
+                      <a:pPr algn="ctr"/>
+                      <a:endParaRPr lang="en-CN" dirty="0">
+                        <a:solidFill>
+                          <a:schemeClr val="tx1"/>
+                        </a:solidFill>
+                        <a:latin typeface="Times New Roman" panose="02020603050405020304" pitchFamily="18" charset="0"/>
+                        <a:cs typeface="Times New Roman" panose="02020603050405020304" pitchFamily="18" charset="0"/>
+                      </a:endParaRPr>
+                    </a:p>
+                  </a:txBody>
+                  <a:tcPr anchor="ctr">
+                    <a:lnL w="19050" cap="flat" cmpd="sng" algn="ctr">
+                      <a:solidFill>
+                        <a:schemeClr val="tx1"/>
+                      </a:solidFill>
+                      <a:prstDash val="solid"/>
+                      <a:round/>
+                      <a:headEnd type="none" w="med" len="med"/>
+                      <a:tailEnd type="none" w="med" len="med"/>
+                    </a:lnL>
+                    <a:lnR w="19050" cap="flat" cmpd="sng" algn="ctr">
+                      <a:solidFill>
+                        <a:schemeClr val="tx1"/>
+                      </a:solidFill>
+                      <a:prstDash val="solid"/>
+                      <a:round/>
+                      <a:headEnd type="none" w="med" len="med"/>
+                      <a:tailEnd type="none" w="med" len="med"/>
+                    </a:lnR>
+                    <a:lnT w="19050" cap="flat" cmpd="sng" algn="ctr">
+                      <a:solidFill>
+                        <a:schemeClr val="tx1"/>
+                      </a:solidFill>
+                      <a:prstDash val="solid"/>
+                      <a:round/>
+                      <a:headEnd type="none" w="med" len="med"/>
+                      <a:tailEnd type="none" w="med" len="med"/>
+                    </a:lnT>
+                    <a:lnB w="19050" cap="flat" cmpd="sng" algn="ctr">
+                      <a:solidFill>
+                        <a:schemeClr val="tx1"/>
+                      </a:solidFill>
+                      <a:prstDash val="solid"/>
+                      <a:round/>
+                      <a:headEnd type="none" w="med" len="med"/>
+                      <a:tailEnd type="none" w="med" len="med"/>
+                    </a:lnB>
+                    <a:lnTlToBr w="12700" cmpd="sng">
+                      <a:noFill/>
+                      <a:prstDash val="solid"/>
+                    </a:lnTlToBr>
+                    <a:lnBlToTr w="12700" cmpd="sng">
+                      <a:noFill/>
+                      <a:prstDash val="solid"/>
+                    </a:lnBlToTr>
+                    <a:solidFill>
+                      <a:schemeClr val="accent1">
+                        <a:lumMod val="40000"/>
+                        <a:lumOff val="60000"/>
+                      </a:schemeClr>
+                    </a:solidFill>
+                  </a:tcPr>
+                </a:tc>
+                <a:tc>
+                  <a:txBody>
+                    <a:bodyPr/>
+                    <a:lstStyle/>
+                    <a:p>
+                      <a:pPr algn="ctr"/>
+                      <a:r>
+                        <a:rPr lang="en-US" altLang="zh-CN" dirty="0">
+                          <a:solidFill>
+                            <a:schemeClr val="tx1"/>
+                          </a:solidFill>
+                          <a:latin typeface="Times New Roman" panose="02020603050405020304" pitchFamily="18" charset="0"/>
+                          <a:cs typeface="Times New Roman" panose="02020603050405020304" pitchFamily="18" charset="0"/>
+                        </a:rPr>
+                        <a:t>···</a:t>
+                      </a:r>
+                      <a:endParaRPr lang="en-CN" dirty="0">
+                        <a:solidFill>
+                          <a:schemeClr val="tx1"/>
+                        </a:solidFill>
+                        <a:latin typeface="Times New Roman" panose="02020603050405020304" pitchFamily="18" charset="0"/>
+                        <a:cs typeface="Times New Roman" panose="02020603050405020304" pitchFamily="18" charset="0"/>
+                      </a:endParaRPr>
+                    </a:p>
+                  </a:txBody>
+                  <a:tcPr anchor="ctr">
+                    <a:lnL w="19050" cap="flat" cmpd="sng" algn="ctr">
+                      <a:solidFill>
+                        <a:schemeClr val="tx1"/>
+                      </a:solidFill>
+                      <a:prstDash val="solid"/>
+                      <a:round/>
+                      <a:headEnd type="none" w="med" len="med"/>
+                      <a:tailEnd type="none" w="med" len="med"/>
+                    </a:lnL>
+                    <a:lnR w="19050" cap="flat" cmpd="sng" algn="ctr">
+                      <a:solidFill>
+                        <a:schemeClr val="tx1"/>
+                      </a:solidFill>
+                      <a:prstDash val="solid"/>
+                      <a:round/>
+                      <a:headEnd type="none" w="med" len="med"/>
+                      <a:tailEnd type="none" w="med" len="med"/>
+                    </a:lnR>
+                    <a:lnT w="19050" cap="flat" cmpd="sng" algn="ctr">
+                      <a:solidFill>
+                        <a:schemeClr val="tx1"/>
+                      </a:solidFill>
+                      <a:prstDash val="solid"/>
+                      <a:round/>
+                      <a:headEnd type="none" w="med" len="med"/>
+                      <a:tailEnd type="none" w="med" len="med"/>
+                    </a:lnT>
+                    <a:lnB w="19050" cap="flat" cmpd="sng" algn="ctr">
+                      <a:solidFill>
+                        <a:schemeClr val="tx1"/>
+                      </a:solidFill>
+                      <a:prstDash val="solid"/>
+                      <a:round/>
+                      <a:headEnd type="none" w="med" len="med"/>
+                      <a:tailEnd type="none" w="med" len="med"/>
+                    </a:lnB>
+                    <a:lnTlToBr w="12700" cmpd="sng">
+                      <a:noFill/>
+                      <a:prstDash val="solid"/>
+                    </a:lnTlToBr>
+                    <a:lnBlToTr w="12700" cmpd="sng">
+                      <a:noFill/>
+                      <a:prstDash val="solid"/>
+                    </a:lnBlToTr>
+                    <a:solidFill>
+                      <a:schemeClr val="accent1">
+                        <a:lumMod val="40000"/>
+                        <a:lumOff val="60000"/>
+                      </a:schemeClr>
+                    </a:solidFill>
+                  </a:tcPr>
+                </a:tc>
+                <a:tc>
+                  <a:txBody>
+                    <a:bodyPr/>
+                    <a:lstStyle/>
+                    <a:p>
+                      <a:pPr algn="ctr"/>
+                      <a:endParaRPr lang="en-CN" dirty="0">
+                        <a:solidFill>
+                          <a:schemeClr val="tx1"/>
+                        </a:solidFill>
+                        <a:latin typeface="Times New Roman" panose="02020603050405020304" pitchFamily="18" charset="0"/>
+                        <a:cs typeface="Times New Roman" panose="02020603050405020304" pitchFamily="18" charset="0"/>
+                      </a:endParaRPr>
+                    </a:p>
+                  </a:txBody>
+                  <a:tcPr anchor="ctr">
+                    <a:lnL w="19050" cap="flat" cmpd="sng" algn="ctr">
+                      <a:solidFill>
+                        <a:schemeClr val="tx1"/>
+                      </a:solidFill>
+                      <a:prstDash val="solid"/>
+                      <a:round/>
+                      <a:headEnd type="none" w="med" len="med"/>
+                      <a:tailEnd type="none" w="med" len="med"/>
+                    </a:lnL>
+                    <a:lnR w="19050" cap="flat" cmpd="sng" algn="ctr">
+                      <a:solidFill>
+                        <a:schemeClr val="tx1"/>
+                      </a:solidFill>
+                      <a:prstDash val="solid"/>
+                      <a:round/>
+                      <a:headEnd type="none" w="med" len="med"/>
+                      <a:tailEnd type="none" w="med" len="med"/>
+                    </a:lnR>
+                    <a:lnT w="19050" cap="flat" cmpd="sng" algn="ctr">
+                      <a:solidFill>
+                        <a:schemeClr val="tx1"/>
+                      </a:solidFill>
+                      <a:prstDash val="solid"/>
+                      <a:round/>
+                      <a:headEnd type="none" w="med" len="med"/>
+                      <a:tailEnd type="none" w="med" len="med"/>
+                    </a:lnT>
+                    <a:lnB w="19050" cap="flat" cmpd="sng" algn="ctr">
+                      <a:solidFill>
+                        <a:schemeClr val="tx1"/>
+                      </a:solidFill>
+                      <a:prstDash val="solid"/>
+                      <a:round/>
+                      <a:headEnd type="none" w="med" len="med"/>
+                      <a:tailEnd type="none" w="med" len="med"/>
+                    </a:lnB>
+                    <a:lnTlToBr w="12700" cmpd="sng">
+                      <a:noFill/>
+                      <a:prstDash val="solid"/>
+                    </a:lnTlToBr>
+                    <a:lnBlToTr w="12700" cmpd="sng">
+                      <a:noFill/>
+                      <a:prstDash val="solid"/>
+                    </a:lnBlToTr>
+                    <a:solidFill>
+                      <a:schemeClr val="accent1">
+                        <a:lumMod val="40000"/>
+                        <a:lumOff val="60000"/>
+                      </a:schemeClr>
+                    </a:solidFill>
+                  </a:tcPr>
+                </a:tc>
+                <a:tc>
+                  <a:txBody>
+                    <a:bodyPr/>
+                    <a:lstStyle/>
+                    <a:p>
+                      <a:pPr algn="ctr"/>
+                      <a:endParaRPr lang="en-CN" dirty="0">
+                        <a:solidFill>
+                          <a:schemeClr val="tx1"/>
+                        </a:solidFill>
+                        <a:latin typeface="Times New Roman" panose="02020603050405020304" pitchFamily="18" charset="0"/>
+                        <a:cs typeface="Times New Roman" panose="02020603050405020304" pitchFamily="18" charset="0"/>
+                      </a:endParaRPr>
+                    </a:p>
+                  </a:txBody>
+                  <a:tcPr anchor="ctr">
+                    <a:lnL w="19050" cap="flat" cmpd="sng" algn="ctr">
+                      <a:solidFill>
+                        <a:schemeClr val="tx1"/>
+                      </a:solidFill>
+                      <a:prstDash val="solid"/>
+                      <a:round/>
+                      <a:headEnd type="none" w="med" len="med"/>
+                      <a:tailEnd type="none" w="med" len="med"/>
+                    </a:lnL>
+                    <a:lnR w="19050" cap="flat" cmpd="sng" algn="ctr">
+                      <a:solidFill>
+                        <a:schemeClr val="tx1"/>
+                      </a:solidFill>
+                      <a:prstDash val="solid"/>
+                      <a:round/>
+                      <a:headEnd type="none" w="med" len="med"/>
+                      <a:tailEnd type="none" w="med" len="med"/>
+                    </a:lnR>
+                    <a:lnT w="19050" cap="flat" cmpd="sng" algn="ctr">
+                      <a:solidFill>
+                        <a:schemeClr val="tx1"/>
+                      </a:solidFill>
+                      <a:prstDash val="solid"/>
+                      <a:round/>
+                      <a:headEnd type="none" w="med" len="med"/>
+                      <a:tailEnd type="none" w="med" len="med"/>
+                    </a:lnT>
+                    <a:lnB w="19050" cap="flat" cmpd="sng" algn="ctr">
+                      <a:solidFill>
+                        <a:schemeClr val="tx1"/>
+                      </a:solidFill>
+                      <a:prstDash val="solid"/>
+                      <a:round/>
+                      <a:headEnd type="none" w="med" len="med"/>
+                      <a:tailEnd type="none" w="med" len="med"/>
+                    </a:lnB>
+                    <a:lnTlToBr w="12700" cmpd="sng">
+                      <a:noFill/>
+                      <a:prstDash val="solid"/>
+                    </a:lnTlToBr>
+                    <a:lnBlToTr w="12700" cmpd="sng">
+                      <a:noFill/>
+                      <a:prstDash val="solid"/>
+                    </a:lnBlToTr>
+                    <a:solidFill>
+                      <a:schemeClr val="accent1">
+                        <a:lumMod val="40000"/>
+                        <a:lumOff val="60000"/>
+                      </a:schemeClr>
+                    </a:solidFill>
+                  </a:tcPr>
+                </a:tc>
+                <a:tc>
+                  <a:txBody>
+                    <a:bodyPr/>
+                    <a:lstStyle/>
+                    <a:p>
+                      <a:pPr algn="ctr"/>
+                      <a:endParaRPr lang="en-CN" dirty="0">
+                        <a:solidFill>
+                          <a:schemeClr val="tx1"/>
+                        </a:solidFill>
+                        <a:latin typeface="Times New Roman" panose="02020603050405020304" pitchFamily="18" charset="0"/>
+                        <a:cs typeface="Times New Roman" panose="02020603050405020304" pitchFamily="18" charset="0"/>
+                      </a:endParaRPr>
+                    </a:p>
+                  </a:txBody>
+                  <a:tcPr anchor="ctr">
+                    <a:lnL w="19050" cap="flat" cmpd="sng" algn="ctr">
+                      <a:solidFill>
+                        <a:schemeClr val="tx1"/>
+                      </a:solidFill>
+                      <a:prstDash val="solid"/>
+                      <a:round/>
+                      <a:headEnd type="none" w="med" len="med"/>
+                      <a:tailEnd type="none" w="med" len="med"/>
+                    </a:lnL>
+                    <a:lnR w="19050" cap="flat" cmpd="sng" algn="ctr">
+                      <a:solidFill>
+                        <a:schemeClr val="tx1"/>
+                      </a:solidFill>
+                      <a:prstDash val="solid"/>
+                      <a:round/>
+                      <a:headEnd type="none" w="med" len="med"/>
+                      <a:tailEnd type="none" w="med" len="med"/>
+                    </a:lnR>
+                    <a:lnT w="19050" cap="flat" cmpd="sng" algn="ctr">
+                      <a:solidFill>
+                        <a:schemeClr val="tx1"/>
+                      </a:solidFill>
+                      <a:prstDash val="solid"/>
+                      <a:round/>
+                      <a:headEnd type="none" w="med" len="med"/>
+                      <a:tailEnd type="none" w="med" len="med"/>
+                    </a:lnT>
+                    <a:lnB w="19050" cap="flat" cmpd="sng" algn="ctr">
+                      <a:solidFill>
+                        <a:schemeClr val="tx1"/>
+                      </a:solidFill>
+                      <a:prstDash val="solid"/>
+                      <a:round/>
+                      <a:headEnd type="none" w="med" len="med"/>
+                      <a:tailEnd type="none" w="med" len="med"/>
+                    </a:lnB>
+                    <a:lnTlToBr w="12700" cmpd="sng">
+                      <a:noFill/>
+                      <a:prstDash val="solid"/>
+                    </a:lnTlToBr>
+                    <a:lnBlToTr w="12700" cmpd="sng">
+                      <a:noFill/>
+                      <a:prstDash val="solid"/>
+                    </a:lnBlToTr>
+                    <a:solidFill>
+                      <a:schemeClr val="accent1">
+                        <a:lumMod val="40000"/>
+                        <a:lumOff val="60000"/>
+                      </a:schemeClr>
+                    </a:solidFill>
+                  </a:tcPr>
+                </a:tc>
+                <a:tc>
+                  <a:txBody>
+                    <a:bodyPr/>
+                    <a:lstStyle/>
+                    <a:p>
+                      <a:pPr algn="ctr"/>
+                      <a:endParaRPr lang="en-CN" dirty="0">
+                        <a:solidFill>
+                          <a:schemeClr val="tx1"/>
+                        </a:solidFill>
+                        <a:latin typeface="Times New Roman" panose="02020603050405020304" pitchFamily="18" charset="0"/>
+                        <a:cs typeface="Times New Roman" panose="02020603050405020304" pitchFamily="18" charset="0"/>
+                      </a:endParaRPr>
+                    </a:p>
+                  </a:txBody>
+                  <a:tcPr anchor="ctr">
+                    <a:lnL w="19050" cap="flat" cmpd="sng" algn="ctr">
+                      <a:solidFill>
+                        <a:schemeClr val="tx1"/>
+                      </a:solidFill>
+                      <a:prstDash val="solid"/>
+                      <a:round/>
+                      <a:headEnd type="none" w="med" len="med"/>
+                      <a:tailEnd type="none" w="med" len="med"/>
+                    </a:lnL>
+                    <a:lnR w="19050" cap="flat" cmpd="sng" algn="ctr">
+                      <a:solidFill>
+                        <a:schemeClr val="tx1"/>
+                      </a:solidFill>
+                      <a:prstDash val="solid"/>
+                      <a:round/>
+                      <a:headEnd type="none" w="med" len="med"/>
+                      <a:tailEnd type="none" w="med" len="med"/>
+                    </a:lnR>
+                    <a:lnT w="19050" cap="flat" cmpd="sng" algn="ctr">
+                      <a:solidFill>
+                        <a:schemeClr val="tx1"/>
+                      </a:solidFill>
+                      <a:prstDash val="solid"/>
+                      <a:round/>
+                      <a:headEnd type="none" w="med" len="med"/>
+                      <a:tailEnd type="none" w="med" len="med"/>
+                    </a:lnT>
+                    <a:lnB w="19050" cap="flat" cmpd="sng" algn="ctr">
+                      <a:solidFill>
+                        <a:schemeClr val="tx1"/>
+                      </a:solidFill>
+                      <a:prstDash val="solid"/>
+                      <a:round/>
+                      <a:headEnd type="none" w="med" len="med"/>
+                      <a:tailEnd type="none" w="med" len="med"/>
+                    </a:lnB>
+                    <a:lnTlToBr w="12700" cmpd="sng">
+                      <a:noFill/>
+                      <a:prstDash val="solid"/>
+                    </a:lnTlToBr>
+                    <a:lnBlToTr w="12700" cmpd="sng">
+                      <a:noFill/>
+                      <a:prstDash val="solid"/>
+                    </a:lnBlToTr>
+                    <a:solidFill>
+                      <a:schemeClr val="accent1">
+                        <a:lumMod val="50000"/>
+                      </a:schemeClr>
+                    </a:solidFill>
+                  </a:tcPr>
+                </a:tc>
+                <a:tc>
+                  <a:txBody>
+                    <a:bodyPr/>
+                    <a:lstStyle/>
+                    <a:p>
+                      <a:pPr algn="ctr"/>
+                      <a:endParaRPr lang="en-CN" dirty="0">
+                        <a:solidFill>
+                          <a:schemeClr val="tx1"/>
+                        </a:solidFill>
+                        <a:latin typeface="Times New Roman" panose="02020603050405020304" pitchFamily="18" charset="0"/>
+                        <a:cs typeface="Times New Roman" panose="02020603050405020304" pitchFamily="18" charset="0"/>
+                      </a:endParaRPr>
+                    </a:p>
+                  </a:txBody>
+                  <a:tcPr anchor="ctr">
+                    <a:lnL w="19050" cap="flat" cmpd="sng" algn="ctr">
+                      <a:solidFill>
+                        <a:schemeClr val="tx1"/>
+                      </a:solidFill>
+                      <a:prstDash val="solid"/>
+                      <a:round/>
+                      <a:headEnd type="none" w="med" len="med"/>
+                      <a:tailEnd type="none" w="med" len="med"/>
+                    </a:lnL>
+                    <a:lnR w="19050" cap="flat" cmpd="sng" algn="ctr">
+                      <a:solidFill>
+                        <a:schemeClr val="tx1"/>
+                      </a:solidFill>
+                      <a:prstDash val="solid"/>
+                      <a:round/>
+                      <a:headEnd type="none" w="med" len="med"/>
+                      <a:tailEnd type="none" w="med" len="med"/>
+                    </a:lnR>
+                    <a:lnT w="19050" cap="flat" cmpd="sng" algn="ctr">
+                      <a:solidFill>
+                        <a:schemeClr val="tx1"/>
+                      </a:solidFill>
+                      <a:prstDash val="solid"/>
+                      <a:round/>
+                      <a:headEnd type="none" w="med" len="med"/>
+                      <a:tailEnd type="none" w="med" len="med"/>
+                    </a:lnT>
+                    <a:lnB w="19050" cap="flat" cmpd="sng" algn="ctr">
+                      <a:solidFill>
+                        <a:schemeClr val="tx1"/>
+                      </a:solidFill>
+                      <a:prstDash val="solid"/>
+                      <a:round/>
+                      <a:headEnd type="none" w="med" len="med"/>
+                      <a:tailEnd type="none" w="med" len="med"/>
+                    </a:lnB>
+                    <a:lnTlToBr w="12700" cmpd="sng">
+                      <a:noFill/>
+                      <a:prstDash val="solid"/>
+                    </a:lnTlToBr>
+                    <a:lnBlToTr w="12700" cmpd="sng">
+                      <a:noFill/>
+                      <a:prstDash val="solid"/>
+                    </a:lnBlToTr>
+                    <a:solidFill>
+                      <a:schemeClr val="accent1">
+                        <a:lumMod val="50000"/>
+                      </a:schemeClr>
+                    </a:solidFill>
+                  </a:tcPr>
+                </a:tc>
+                <a:tc>
+                  <a:txBody>
+                    <a:bodyPr/>
+                    <a:lstStyle/>
+                    <a:p>
+                      <a:pPr algn="ctr"/>
+                      <a:endParaRPr lang="en-CN" dirty="0">
+                        <a:solidFill>
+                          <a:schemeClr val="tx1"/>
+                        </a:solidFill>
+                        <a:latin typeface="Times New Roman" panose="02020603050405020304" pitchFamily="18" charset="0"/>
+                        <a:cs typeface="Times New Roman" panose="02020603050405020304" pitchFamily="18" charset="0"/>
+                      </a:endParaRPr>
+                    </a:p>
+                  </a:txBody>
+                  <a:tcPr anchor="ctr">
+                    <a:lnL w="19050" cap="flat" cmpd="sng" algn="ctr">
+                      <a:solidFill>
+                        <a:schemeClr val="tx1"/>
+                      </a:solidFill>
+                      <a:prstDash val="solid"/>
+                      <a:round/>
+                      <a:headEnd type="none" w="med" len="med"/>
+                      <a:tailEnd type="none" w="med" len="med"/>
+                    </a:lnL>
+                    <a:lnR w="19050" cap="flat" cmpd="sng" algn="ctr">
+                      <a:solidFill>
+                        <a:schemeClr val="tx1"/>
+                      </a:solidFill>
+                      <a:prstDash val="solid"/>
+                      <a:round/>
+                      <a:headEnd type="none" w="med" len="med"/>
+                      <a:tailEnd type="none" w="med" len="med"/>
+                    </a:lnR>
+                    <a:lnT w="19050" cap="flat" cmpd="sng" algn="ctr">
+                      <a:solidFill>
+                        <a:schemeClr val="tx1"/>
+                      </a:solidFill>
+                      <a:prstDash val="solid"/>
+                      <a:round/>
+                      <a:headEnd type="none" w="med" len="med"/>
+                      <a:tailEnd type="none" w="med" len="med"/>
+                    </a:lnT>
+                    <a:lnB w="19050" cap="flat" cmpd="sng" algn="ctr">
+                      <a:solidFill>
+                        <a:schemeClr val="tx1"/>
+                      </a:solidFill>
+                      <a:prstDash val="solid"/>
+                      <a:round/>
+                      <a:headEnd type="none" w="med" len="med"/>
+                      <a:tailEnd type="none" w="med" len="med"/>
+                    </a:lnB>
+                    <a:lnTlToBr w="12700" cmpd="sng">
+                      <a:noFill/>
+                      <a:prstDash val="solid"/>
+                    </a:lnTlToBr>
+                    <a:lnBlToTr w="12700" cmpd="sng">
+                      <a:noFill/>
+                      <a:prstDash val="solid"/>
+                    </a:lnBlToTr>
+                    <a:solidFill>
+                      <a:schemeClr val="accent4">
+                        <a:lumMod val="40000"/>
+                        <a:lumOff val="60000"/>
+                      </a:schemeClr>
+                    </a:solidFill>
+                  </a:tcPr>
+                </a:tc>
+                <a:extLst>
+                  <a:ext uri="{0D108BD9-81ED-4DB2-BD59-A6C34878D82A}">
+                    <a16:rowId xmlns:a16="http://schemas.microsoft.com/office/drawing/2014/main" val="962183140"/>
+                  </a:ext>
+                </a:extLst>
+              </a:tr>
+            </a:tbl>
+          </a:graphicData>
+        </a:graphic>
+      </p:graphicFrame>
+      <p:graphicFrame>
+        <p:nvGraphicFramePr>
+          <p:cNvPr id="24" name="Table 23">
+            <a:extLst>
+              <a:ext uri="{FF2B5EF4-FFF2-40B4-BE49-F238E27FC236}">
+                <a16:creationId xmlns:a16="http://schemas.microsoft.com/office/drawing/2014/main" id="{60A405BD-2A68-104D-85E3-D99DFFEED753}"/>
+              </a:ext>
+            </a:extLst>
+          </p:cNvPr>
+          <p:cNvGraphicFramePr>
+            <a:graphicFrameLocks noGrp="1"/>
+          </p:cNvGraphicFramePr>
+          <p:nvPr>
+            <p:extLst>
+              <p:ext uri="{D42A27DB-BD31-4B8C-83A1-F6EECF244321}">
+                <p14:modId xmlns:p14="http://schemas.microsoft.com/office/powerpoint/2010/main" val="4184876705"/>
+              </p:ext>
+            </p:extLst>
+          </p:nvPr>
+        </p:nvGraphicFramePr>
+        <p:xfrm>
+          <a:off x="1208617" y="4289913"/>
+          <a:ext cx="7020000" cy="540000"/>
+        </p:xfrm>
+        <a:graphic>
+          <a:graphicData uri="http://schemas.openxmlformats.org/drawingml/2006/table">
+            <a:tbl>
+              <a:tblPr firstRow="1" bandRow="1">
+                <a:tableStyleId>{5C22544A-7EE6-4342-B048-85BDC9FD1C3A}</a:tableStyleId>
+              </a:tblPr>
+              <a:tblGrid>
+                <a:gridCol w="540000">
+                  <a:extLst>
+                    <a:ext uri="{9D8B030D-6E8A-4147-A177-3AD203B41FA5}">
+                      <a16:colId xmlns:a16="http://schemas.microsoft.com/office/drawing/2014/main" val="2543132756"/>
+                    </a:ext>
+                  </a:extLst>
+                </a:gridCol>
+                <a:gridCol w="540000">
+                  <a:extLst>
+                    <a:ext uri="{9D8B030D-6E8A-4147-A177-3AD203B41FA5}">
+                      <a16:colId xmlns:a16="http://schemas.microsoft.com/office/drawing/2014/main" val="3673304768"/>
+                    </a:ext>
+                  </a:extLst>
+                </a:gridCol>
+                <a:gridCol w="540000">
+                  <a:extLst>
+                    <a:ext uri="{9D8B030D-6E8A-4147-A177-3AD203B41FA5}">
+                      <a16:colId xmlns:a16="http://schemas.microsoft.com/office/drawing/2014/main" val="1866724304"/>
+                    </a:ext>
+                  </a:extLst>
+                </a:gridCol>
+                <a:gridCol w="540000">
+                  <a:extLst>
+                    <a:ext uri="{9D8B030D-6E8A-4147-A177-3AD203B41FA5}">
+                      <a16:colId xmlns:a16="http://schemas.microsoft.com/office/drawing/2014/main" val="2261776471"/>
+                    </a:ext>
+                  </a:extLst>
+                </a:gridCol>
+                <a:gridCol w="540000">
+                  <a:extLst>
+                    <a:ext uri="{9D8B030D-6E8A-4147-A177-3AD203B41FA5}">
+                      <a16:colId xmlns:a16="http://schemas.microsoft.com/office/drawing/2014/main" val="3269868482"/>
+                    </a:ext>
+                  </a:extLst>
+                </a:gridCol>
+                <a:gridCol w="540000">
+                  <a:extLst>
+                    <a:ext uri="{9D8B030D-6E8A-4147-A177-3AD203B41FA5}">
+                      <a16:colId xmlns:a16="http://schemas.microsoft.com/office/drawing/2014/main" val="2213874609"/>
+                    </a:ext>
+                  </a:extLst>
+                </a:gridCol>
+                <a:gridCol w="540000">
+                  <a:extLst>
+                    <a:ext uri="{9D8B030D-6E8A-4147-A177-3AD203B41FA5}">
+                      <a16:colId xmlns:a16="http://schemas.microsoft.com/office/drawing/2014/main" val="977112682"/>
+                    </a:ext>
+                  </a:extLst>
+                </a:gridCol>
+                <a:gridCol w="540000">
+                  <a:extLst>
+                    <a:ext uri="{9D8B030D-6E8A-4147-A177-3AD203B41FA5}">
+                      <a16:colId xmlns:a16="http://schemas.microsoft.com/office/drawing/2014/main" val="2032971652"/>
+                    </a:ext>
+                  </a:extLst>
+                </a:gridCol>
+                <a:gridCol w="540000">
+                  <a:extLst>
+                    <a:ext uri="{9D8B030D-6E8A-4147-A177-3AD203B41FA5}">
+                      <a16:colId xmlns:a16="http://schemas.microsoft.com/office/drawing/2014/main" val="2890300983"/>
+                    </a:ext>
+                  </a:extLst>
+                </a:gridCol>
+                <a:gridCol w="540000">
+                  <a:extLst>
+                    <a:ext uri="{9D8B030D-6E8A-4147-A177-3AD203B41FA5}">
+                      <a16:colId xmlns:a16="http://schemas.microsoft.com/office/drawing/2014/main" val="2441237442"/>
+                    </a:ext>
+                  </a:extLst>
+                </a:gridCol>
+                <a:gridCol w="540000">
+                  <a:extLst>
+                    <a:ext uri="{9D8B030D-6E8A-4147-A177-3AD203B41FA5}">
+                      <a16:colId xmlns:a16="http://schemas.microsoft.com/office/drawing/2014/main" val="3132550382"/>
+                    </a:ext>
+                  </a:extLst>
+                </a:gridCol>
+                <a:gridCol w="540000">
+                  <a:extLst>
+                    <a:ext uri="{9D8B030D-6E8A-4147-A177-3AD203B41FA5}">
+                      <a16:colId xmlns:a16="http://schemas.microsoft.com/office/drawing/2014/main" val="401313911"/>
+                    </a:ext>
+                  </a:extLst>
+                </a:gridCol>
+                <a:gridCol w="540000">
+                  <a:extLst>
+                    <a:ext uri="{9D8B030D-6E8A-4147-A177-3AD203B41FA5}">
+                      <a16:colId xmlns:a16="http://schemas.microsoft.com/office/drawing/2014/main" val="2353922561"/>
+                    </a:ext>
+                  </a:extLst>
+                </a:gridCol>
+              </a:tblGrid>
+              <a:tr h="540000">
+                <a:tc>
+                  <a:txBody>
+                    <a:bodyPr/>
+                    <a:lstStyle/>
+                    <a:p>
+                      <a:pPr algn="ctr"/>
+                      <a:endParaRPr lang="en-CN" dirty="0">
+                        <a:solidFill>
+                          <a:schemeClr val="tx1"/>
+                        </a:solidFill>
+                        <a:latin typeface="Times New Roman" panose="02020603050405020304" pitchFamily="18" charset="0"/>
+                        <a:cs typeface="Times New Roman" panose="02020603050405020304" pitchFamily="18" charset="0"/>
+                      </a:endParaRPr>
+                    </a:p>
+                  </a:txBody>
+                  <a:tcPr anchor="ctr">
+                    <a:lnL w="19050" cap="flat" cmpd="sng" algn="ctr">
+                      <a:solidFill>
+                        <a:schemeClr val="tx1"/>
+                      </a:solidFill>
+                      <a:prstDash val="sysDot"/>
+                      <a:round/>
+                      <a:headEnd type="none" w="med" len="med"/>
+                      <a:tailEnd type="none" w="med" len="med"/>
+                    </a:lnL>
+                    <a:lnR w="19050" cap="flat" cmpd="sng" algn="ctr">
+                      <a:solidFill>
+                        <a:schemeClr val="tx1"/>
+                      </a:solidFill>
+                      <a:prstDash val="sysDot"/>
+                      <a:round/>
+                      <a:headEnd type="none" w="med" len="med"/>
+                      <a:tailEnd type="none" w="med" len="med"/>
+                    </a:lnR>
+                    <a:lnT w="19050" cap="flat" cmpd="sng" algn="ctr">
+                      <a:solidFill>
+                        <a:schemeClr val="tx1"/>
+                      </a:solidFill>
+                      <a:prstDash val="sysDot"/>
+                      <a:round/>
+                      <a:headEnd type="none" w="med" len="med"/>
+                      <a:tailEnd type="none" w="med" len="med"/>
+                    </a:lnT>
+                    <a:lnB w="19050" cap="flat" cmpd="sng" algn="ctr">
+                      <a:solidFill>
+                        <a:schemeClr val="tx1"/>
+                      </a:solidFill>
+                      <a:prstDash val="sysDot"/>
+                      <a:round/>
+                      <a:headEnd type="none" w="med" len="med"/>
+                      <a:tailEnd type="none" w="med" len="med"/>
+                    </a:lnB>
+                    <a:lnTlToBr w="12700" cmpd="sng">
+                      <a:noFill/>
+                      <a:prstDash val="solid"/>
+                    </a:lnTlToBr>
+                    <a:lnBlToTr w="12700" cmpd="sng">
+                      <a:noFill/>
+                      <a:prstDash val="solid"/>
+                    </a:lnBlToTr>
+                    <a:solidFill>
+                      <a:schemeClr val="accent1">
+                        <a:lumMod val="40000"/>
+                        <a:lumOff val="60000"/>
+                      </a:schemeClr>
+                    </a:solidFill>
+                  </a:tcPr>
+                </a:tc>
+                <a:tc>
+                  <a:txBody>
+                    <a:bodyPr/>
+                    <a:lstStyle/>
+                    <a:p>
+                      <a:pPr algn="ctr"/>
+                      <a:endParaRPr lang="en-CN" dirty="0">
+                        <a:solidFill>
+                          <a:schemeClr val="tx1"/>
+                        </a:solidFill>
+                        <a:latin typeface="Times New Roman" panose="02020603050405020304" pitchFamily="18" charset="0"/>
+                        <a:cs typeface="Times New Roman" panose="02020603050405020304" pitchFamily="18" charset="0"/>
+                      </a:endParaRPr>
+                    </a:p>
+                  </a:txBody>
+                  <a:tcPr anchor="ctr">
+                    <a:lnL w="19050" cap="flat" cmpd="sng" algn="ctr">
+                      <a:solidFill>
+                        <a:schemeClr val="tx1"/>
+                      </a:solidFill>
+                      <a:prstDash val="sysDot"/>
+                      <a:round/>
+                      <a:headEnd type="none" w="med" len="med"/>
+                      <a:tailEnd type="none" w="med" len="med"/>
+                    </a:lnL>
+                    <a:lnR w="19050" cap="flat" cmpd="sng" algn="ctr">
+                      <a:solidFill>
+                        <a:schemeClr val="tx1"/>
+                      </a:solidFill>
+                      <a:prstDash val="sysDot"/>
+                      <a:round/>
+                      <a:headEnd type="none" w="med" len="med"/>
+                      <a:tailEnd type="none" w="med" len="med"/>
+                    </a:lnR>
+                    <a:lnT w="19050" cap="flat" cmpd="sng" algn="ctr">
+                      <a:solidFill>
+                        <a:schemeClr val="tx1"/>
+                      </a:solidFill>
+                      <a:prstDash val="sysDot"/>
+                      <a:round/>
+                      <a:headEnd type="none" w="med" len="med"/>
+                      <a:tailEnd type="none" w="med" len="med"/>
+                    </a:lnT>
+                    <a:lnB w="19050" cap="flat" cmpd="sng" algn="ctr">
+                      <a:solidFill>
+                        <a:schemeClr val="tx1"/>
+                      </a:solidFill>
+                      <a:prstDash val="sysDot"/>
+                      <a:round/>
+                      <a:headEnd type="none" w="med" len="med"/>
+                      <a:tailEnd type="none" w="med" len="med"/>
+                    </a:lnB>
+                    <a:lnTlToBr w="12700" cmpd="sng">
+                      <a:noFill/>
+                      <a:prstDash val="solid"/>
+                    </a:lnTlToBr>
+                    <a:lnBlToTr w="12700" cmpd="sng">
+                      <a:noFill/>
+                      <a:prstDash val="solid"/>
+                    </a:lnBlToTr>
+                    <a:solidFill>
+                      <a:schemeClr val="accent1">
+                        <a:lumMod val="40000"/>
+                        <a:lumOff val="60000"/>
+                      </a:schemeClr>
+                    </a:solidFill>
+                  </a:tcPr>
+                </a:tc>
+                <a:tc>
+                  <a:txBody>
+                    <a:bodyPr/>
+                    <a:lstStyle/>
+                    <a:p>
+                      <a:pPr algn="ctr"/>
+                      <a:endParaRPr lang="en-CN" dirty="0">
+                        <a:solidFill>
+                          <a:schemeClr val="tx1"/>
+                        </a:solidFill>
+                        <a:latin typeface="Times New Roman" panose="02020603050405020304" pitchFamily="18" charset="0"/>
+                        <a:cs typeface="Times New Roman" panose="02020603050405020304" pitchFamily="18" charset="0"/>
+                      </a:endParaRPr>
+                    </a:p>
+                  </a:txBody>
+                  <a:tcPr anchor="ctr">
+                    <a:lnL w="19050" cap="flat" cmpd="sng" algn="ctr">
+                      <a:solidFill>
+                        <a:schemeClr val="tx1"/>
+                      </a:solidFill>
+                      <a:prstDash val="sysDot"/>
+                      <a:round/>
+                      <a:headEnd type="none" w="med" len="med"/>
+                      <a:tailEnd type="none" w="med" len="med"/>
+                    </a:lnL>
+                    <a:lnR w="19050" cap="flat" cmpd="sng" algn="ctr">
+                      <a:solidFill>
+                        <a:schemeClr val="tx1"/>
+                      </a:solidFill>
+                      <a:prstDash val="sysDot"/>
+                      <a:round/>
+                      <a:headEnd type="none" w="med" len="med"/>
+                      <a:tailEnd type="none" w="med" len="med"/>
+                    </a:lnR>
+                    <a:lnT w="19050" cap="flat" cmpd="sng" algn="ctr">
+                      <a:solidFill>
+                        <a:schemeClr val="tx1"/>
+                      </a:solidFill>
+                      <a:prstDash val="sysDot"/>
+                      <a:round/>
+                      <a:headEnd type="none" w="med" len="med"/>
+                      <a:tailEnd type="none" w="med" len="med"/>
+                    </a:lnT>
+                    <a:lnB w="19050" cap="flat" cmpd="sng" algn="ctr">
+                      <a:solidFill>
+                        <a:schemeClr val="tx1"/>
+                      </a:solidFill>
+                      <a:prstDash val="sysDot"/>
+                      <a:round/>
+                      <a:headEnd type="none" w="med" len="med"/>
+                      <a:tailEnd type="none" w="med" len="med"/>
+                    </a:lnB>
+                    <a:lnTlToBr w="12700" cmpd="sng">
+                      <a:noFill/>
+                      <a:prstDash val="solid"/>
+                    </a:lnTlToBr>
+                    <a:lnBlToTr w="12700" cmpd="sng">
+                      <a:noFill/>
+                      <a:prstDash val="solid"/>
+                    </a:lnBlToTr>
+                    <a:solidFill>
+                      <a:schemeClr val="accent1">
+                        <a:lumMod val="40000"/>
+                        <a:lumOff val="60000"/>
+                      </a:schemeClr>
+                    </a:solidFill>
+                  </a:tcPr>
+                </a:tc>
+                <a:tc>
+                  <a:txBody>
+                    <a:bodyPr/>
+                    <a:lstStyle/>
+                    <a:p>
+                      <a:pPr algn="ctr"/>
+                      <a:endParaRPr lang="en-CN">
+                        <a:solidFill>
+                          <a:schemeClr val="tx1"/>
+                        </a:solidFill>
+                        <a:latin typeface="Times New Roman" panose="02020603050405020304" pitchFamily="18" charset="0"/>
+                        <a:cs typeface="Times New Roman" panose="02020603050405020304" pitchFamily="18" charset="0"/>
+                      </a:endParaRPr>
+                    </a:p>
+                  </a:txBody>
+                  <a:tcPr anchor="ctr">
+                    <a:lnL w="19050" cap="flat" cmpd="sng" algn="ctr">
+                      <a:solidFill>
+                        <a:schemeClr val="tx1"/>
+                      </a:solidFill>
+                      <a:prstDash val="sysDot"/>
+                      <a:round/>
+                      <a:headEnd type="none" w="med" len="med"/>
+                      <a:tailEnd type="none" w="med" len="med"/>
+                    </a:lnL>
+                    <a:lnR w="19050" cap="flat" cmpd="sng" algn="ctr">
+                      <a:solidFill>
+                        <a:schemeClr val="tx1"/>
+                      </a:solidFill>
+                      <a:prstDash val="sysDot"/>
+                      <a:round/>
+                      <a:headEnd type="none" w="med" len="med"/>
+                      <a:tailEnd type="none" w="med" len="med"/>
+                    </a:lnR>
+                    <a:lnT w="19050" cap="flat" cmpd="sng" algn="ctr">
+                      <a:solidFill>
+                        <a:schemeClr val="tx1"/>
+                      </a:solidFill>
+                      <a:prstDash val="sysDot"/>
+                      <a:round/>
+                      <a:headEnd type="none" w="med" len="med"/>
+                      <a:tailEnd type="none" w="med" len="med"/>
+                    </a:lnT>
+                    <a:lnB w="19050" cap="flat" cmpd="sng" algn="ctr">
+                      <a:solidFill>
+                        <a:schemeClr val="tx1"/>
+                      </a:solidFill>
+                      <a:prstDash val="sysDot"/>
+                      <a:round/>
+                      <a:headEnd type="none" w="med" len="med"/>
+                      <a:tailEnd type="none" w="med" len="med"/>
+                    </a:lnB>
+                    <a:lnTlToBr w="12700" cmpd="sng">
+                      <a:noFill/>
+                      <a:prstDash val="solid"/>
+                    </a:lnTlToBr>
+                    <a:lnBlToTr w="12700" cmpd="sng">
+                      <a:noFill/>
+                      <a:prstDash val="solid"/>
+                    </a:lnBlToTr>
+                    <a:solidFill>
+                      <a:schemeClr val="accent1">
+                        <a:lumMod val="40000"/>
+                        <a:lumOff val="60000"/>
+                      </a:schemeClr>
+                    </a:solidFill>
+                  </a:tcPr>
+                </a:tc>
+                <a:tc>
+                  <a:txBody>
+                    <a:bodyPr/>
+                    <a:lstStyle/>
+                    <a:p>
+                      <a:pPr algn="ctr"/>
+                      <a:endParaRPr lang="en-CN" dirty="0">
+                        <a:solidFill>
+                          <a:schemeClr val="tx1"/>
+                        </a:solidFill>
+                        <a:latin typeface="Times New Roman" panose="02020603050405020304" pitchFamily="18" charset="0"/>
+                        <a:cs typeface="Times New Roman" panose="02020603050405020304" pitchFamily="18" charset="0"/>
+                      </a:endParaRPr>
+                    </a:p>
+                  </a:txBody>
+                  <a:tcPr anchor="ctr">
+                    <a:lnL w="19050" cap="flat" cmpd="sng" algn="ctr">
+                      <a:solidFill>
+                        <a:schemeClr val="tx1"/>
+                      </a:solidFill>
+                      <a:prstDash val="sysDot"/>
+                      <a:round/>
+                      <a:headEnd type="none" w="med" len="med"/>
+                      <a:tailEnd type="none" w="med" len="med"/>
+                    </a:lnL>
+                    <a:lnR w="19050" cap="flat" cmpd="sng" algn="ctr">
+                      <a:solidFill>
+                        <a:schemeClr val="tx1"/>
+                      </a:solidFill>
+                      <a:prstDash val="sysDot"/>
+                      <a:round/>
+                      <a:headEnd type="none" w="med" len="med"/>
+                      <a:tailEnd type="none" w="med" len="med"/>
+                    </a:lnR>
+                    <a:lnT w="19050" cap="flat" cmpd="sng" algn="ctr">
+                      <a:solidFill>
+                        <a:schemeClr val="tx1"/>
+                      </a:solidFill>
+                      <a:prstDash val="sysDot"/>
+                      <a:round/>
+                      <a:headEnd type="none" w="med" len="med"/>
+                      <a:tailEnd type="none" w="med" len="med"/>
+                    </a:lnT>
+                    <a:lnB w="19050" cap="flat" cmpd="sng" algn="ctr">
+                      <a:solidFill>
+                        <a:schemeClr val="tx1"/>
+                      </a:solidFill>
+                      <a:prstDash val="sysDot"/>
+                      <a:round/>
+                      <a:headEnd type="none" w="med" len="med"/>
+                      <a:tailEnd type="none" w="med" len="med"/>
+                    </a:lnB>
+                    <a:lnTlToBr w="12700" cmpd="sng">
+                      <a:noFill/>
+                      <a:prstDash val="solid"/>
+                    </a:lnTlToBr>
+                    <a:lnBlToTr w="12700" cmpd="sng">
+                      <a:noFill/>
+                      <a:prstDash val="solid"/>
+                    </a:lnBlToTr>
+                    <a:solidFill>
+                      <a:schemeClr val="accent1">
+                        <a:lumMod val="40000"/>
+                        <a:lumOff val="60000"/>
+                      </a:schemeClr>
+                    </a:solidFill>
+                  </a:tcPr>
+                </a:tc>
+                <a:tc>
+                  <a:txBody>
+                    <a:bodyPr/>
+                    <a:lstStyle/>
+                    <a:p>
+                      <a:pPr algn="ctr"/>
+                      <a:endParaRPr lang="en-CN" dirty="0">
+                        <a:solidFill>
+                          <a:schemeClr val="tx1"/>
+                        </a:solidFill>
+                        <a:latin typeface="Times New Roman" panose="02020603050405020304" pitchFamily="18" charset="0"/>
+                        <a:cs typeface="Times New Roman" panose="02020603050405020304" pitchFamily="18" charset="0"/>
+                      </a:endParaRPr>
+                    </a:p>
+                  </a:txBody>
+                  <a:tcPr anchor="ctr">
+                    <a:lnL w="19050" cap="flat" cmpd="sng" algn="ctr">
+                      <a:solidFill>
+                        <a:schemeClr val="tx1"/>
+                      </a:solidFill>
+                      <a:prstDash val="sysDot"/>
+                      <a:round/>
+                      <a:headEnd type="none" w="med" len="med"/>
+                      <a:tailEnd type="none" w="med" len="med"/>
+                    </a:lnL>
+                    <a:lnR w="19050" cap="flat" cmpd="sng" algn="ctr">
+                      <a:solidFill>
+                        <a:schemeClr val="tx1"/>
+                      </a:solidFill>
+                      <a:prstDash val="sysDot"/>
+                      <a:round/>
+                      <a:headEnd type="none" w="med" len="med"/>
+                      <a:tailEnd type="none" w="med" len="med"/>
+                    </a:lnR>
+                    <a:lnT w="19050" cap="flat" cmpd="sng" algn="ctr">
+                      <a:solidFill>
+                        <a:schemeClr val="tx1"/>
+                      </a:solidFill>
+                      <a:prstDash val="sysDot"/>
+                      <a:round/>
+                      <a:headEnd type="none" w="med" len="med"/>
+                      <a:tailEnd type="none" w="med" len="med"/>
+                    </a:lnT>
+                    <a:lnB w="19050" cap="flat" cmpd="sng" algn="ctr">
+                      <a:solidFill>
+                        <a:schemeClr val="tx1"/>
+                      </a:solidFill>
+                      <a:prstDash val="sysDot"/>
+                      <a:round/>
+                      <a:headEnd type="none" w="med" len="med"/>
+                      <a:tailEnd type="none" w="med" len="med"/>
+                    </a:lnB>
+                    <a:lnTlToBr w="12700" cmpd="sng">
+                      <a:noFill/>
+                      <a:prstDash val="solid"/>
+                    </a:lnTlToBr>
+                    <a:lnBlToTr w="12700" cmpd="sng">
+                      <a:noFill/>
+                      <a:prstDash val="solid"/>
+                    </a:lnBlToTr>
+                    <a:solidFill>
+                      <a:schemeClr val="accent1">
+                        <a:lumMod val="40000"/>
+                        <a:lumOff val="60000"/>
+                      </a:schemeClr>
+                    </a:solidFill>
+                  </a:tcPr>
+                </a:tc>
+                <a:tc>
+                  <a:txBody>
+                    <a:bodyPr/>
+                    <a:lstStyle/>
+                    <a:p>
+                      <a:pPr algn="ctr"/>
+                      <a:r>
+                        <a:rPr lang="en-US" altLang="zh-CN" dirty="0">
+                          <a:solidFill>
+                            <a:schemeClr val="tx1"/>
+                          </a:solidFill>
+                          <a:latin typeface="Times New Roman" panose="02020603050405020304" pitchFamily="18" charset="0"/>
+                          <a:cs typeface="Times New Roman" panose="02020603050405020304" pitchFamily="18" charset="0"/>
+                        </a:rPr>
+                        <a:t>···</a:t>
+                      </a:r>
+                      <a:endParaRPr lang="en-CN" dirty="0">
+                        <a:solidFill>
+                          <a:schemeClr val="tx1"/>
+                        </a:solidFill>
+                        <a:latin typeface="Times New Roman" panose="02020603050405020304" pitchFamily="18" charset="0"/>
+                        <a:cs typeface="Times New Roman" panose="02020603050405020304" pitchFamily="18" charset="0"/>
+                      </a:endParaRPr>
+                    </a:p>
+                  </a:txBody>
+                  <a:tcPr anchor="ctr">
+                    <a:lnL w="19050" cap="flat" cmpd="sng" algn="ctr">
+                      <a:solidFill>
+                        <a:schemeClr val="tx1"/>
+                      </a:solidFill>
+                      <a:prstDash val="sysDot"/>
+                      <a:round/>
+                      <a:headEnd type="none" w="med" len="med"/>
+                      <a:tailEnd type="none" w="med" len="med"/>
+                    </a:lnL>
+                    <a:lnR w="19050" cap="flat" cmpd="sng" algn="ctr">
+                      <a:solidFill>
+                        <a:schemeClr val="tx1"/>
+                      </a:solidFill>
+                      <a:prstDash val="sysDot"/>
+                      <a:round/>
+                      <a:headEnd type="none" w="med" len="med"/>
+                      <a:tailEnd type="none" w="med" len="med"/>
+                    </a:lnR>
+                    <a:lnT w="19050" cap="flat" cmpd="sng" algn="ctr">
+                      <a:solidFill>
+                        <a:schemeClr val="tx1"/>
+                      </a:solidFill>
+                      <a:prstDash val="sysDot"/>
+                      <a:round/>
+                      <a:headEnd type="none" w="med" len="med"/>
+                      <a:tailEnd type="none" w="med" len="med"/>
+                    </a:lnT>
+                    <a:lnB w="19050" cap="flat" cmpd="sng" algn="ctr">
+                      <a:solidFill>
+                        <a:schemeClr val="tx1"/>
+                      </a:solidFill>
+                      <a:prstDash val="sysDot"/>
+                      <a:round/>
+                      <a:headEnd type="none" w="med" len="med"/>
+                      <a:tailEnd type="none" w="med" len="med"/>
+                    </a:lnB>
+                    <a:lnTlToBr w="12700" cmpd="sng">
+                      <a:noFill/>
+                      <a:prstDash val="solid"/>
+                    </a:lnTlToBr>
+                    <a:lnBlToTr w="12700" cmpd="sng">
+                      <a:noFill/>
+                      <a:prstDash val="solid"/>
+                    </a:lnBlToTr>
+                    <a:solidFill>
+                      <a:schemeClr val="accent1">
+                        <a:lumMod val="40000"/>
+                        <a:lumOff val="60000"/>
+                      </a:schemeClr>
+                    </a:solidFill>
+                  </a:tcPr>
+                </a:tc>
+                <a:tc>
+                  <a:txBody>
+                    <a:bodyPr/>
+                    <a:lstStyle/>
+                    <a:p>
+                      <a:pPr algn="ctr"/>
+                      <a:endParaRPr lang="en-CN" dirty="0">
+                        <a:solidFill>
+                          <a:schemeClr val="tx1"/>
+                        </a:solidFill>
+                        <a:latin typeface="Times New Roman" panose="02020603050405020304" pitchFamily="18" charset="0"/>
+                        <a:cs typeface="Times New Roman" panose="02020603050405020304" pitchFamily="18" charset="0"/>
+                      </a:endParaRPr>
+                    </a:p>
+                  </a:txBody>
+                  <a:tcPr anchor="ctr">
+                    <a:lnL w="19050" cap="flat" cmpd="sng" algn="ctr">
+                      <a:solidFill>
+                        <a:schemeClr val="tx1"/>
+                      </a:solidFill>
+                      <a:prstDash val="sysDot"/>
+                      <a:round/>
+                      <a:headEnd type="none" w="med" len="med"/>
+                      <a:tailEnd type="none" w="med" len="med"/>
+                    </a:lnL>
+                    <a:lnR w="19050" cap="flat" cmpd="sng" algn="ctr">
+                      <a:solidFill>
+                        <a:schemeClr val="tx1"/>
+                      </a:solidFill>
+                      <a:prstDash val="sysDot"/>
+                      <a:round/>
+                      <a:headEnd type="none" w="med" len="med"/>
+                      <a:tailEnd type="none" w="med" len="med"/>
+                    </a:lnR>
+                    <a:lnT w="19050" cap="flat" cmpd="sng" algn="ctr">
+                      <a:solidFill>
+                        <a:schemeClr val="tx1"/>
+                      </a:solidFill>
+                      <a:prstDash val="sysDot"/>
+                      <a:round/>
+                      <a:headEnd type="none" w="med" len="med"/>
+                      <a:tailEnd type="none" w="med" len="med"/>
+                    </a:lnT>
+                    <a:lnB w="19050" cap="flat" cmpd="sng" algn="ctr">
+                      <a:solidFill>
+                        <a:schemeClr val="tx1"/>
+                      </a:solidFill>
+                      <a:prstDash val="sysDot"/>
+                      <a:round/>
+                      <a:headEnd type="none" w="med" len="med"/>
+                      <a:tailEnd type="none" w="med" len="med"/>
+                    </a:lnB>
+                    <a:lnTlToBr w="12700" cmpd="sng">
+                      <a:noFill/>
+                      <a:prstDash val="solid"/>
+                    </a:lnTlToBr>
+                    <a:lnBlToTr w="12700" cmpd="sng">
+                      <a:noFill/>
+                      <a:prstDash val="solid"/>
+                    </a:lnBlToTr>
+                    <a:solidFill>
+                      <a:schemeClr val="accent1">
+                        <a:lumMod val="40000"/>
+                        <a:lumOff val="60000"/>
+                      </a:schemeClr>
+                    </a:solidFill>
+                  </a:tcPr>
+                </a:tc>
+                <a:tc>
+                  <a:txBody>
+                    <a:bodyPr/>
+                    <a:lstStyle/>
+                    <a:p>
+                      <a:pPr algn="ctr"/>
+                      <a:endParaRPr lang="en-CN" dirty="0">
+                        <a:solidFill>
+                          <a:schemeClr val="tx1"/>
+                        </a:solidFill>
+                        <a:latin typeface="Times New Roman" panose="02020603050405020304" pitchFamily="18" charset="0"/>
+                        <a:cs typeface="Times New Roman" panose="02020603050405020304" pitchFamily="18" charset="0"/>
+                      </a:endParaRPr>
+                    </a:p>
+                  </a:txBody>
+                  <a:tcPr anchor="ctr">
+                    <a:lnL w="19050" cap="flat" cmpd="sng" algn="ctr">
+                      <a:solidFill>
+                        <a:schemeClr val="tx1"/>
+                      </a:solidFill>
+                      <a:prstDash val="sysDot"/>
+                      <a:round/>
+                      <a:headEnd type="none" w="med" len="med"/>
+                      <a:tailEnd type="none" w="med" len="med"/>
+                    </a:lnL>
+                    <a:lnR w="19050" cap="flat" cmpd="sng" algn="ctr">
+                      <a:solidFill>
+                        <a:schemeClr val="tx1"/>
+                      </a:solidFill>
+                      <a:prstDash val="sysDot"/>
+                      <a:round/>
+                      <a:headEnd type="none" w="med" len="med"/>
+                      <a:tailEnd type="none" w="med" len="med"/>
+                    </a:lnR>
+                    <a:lnT w="19050" cap="flat" cmpd="sng" algn="ctr">
+                      <a:solidFill>
+                        <a:schemeClr val="tx1"/>
+                      </a:solidFill>
+                      <a:prstDash val="sysDot"/>
+                      <a:round/>
+                      <a:headEnd type="none" w="med" len="med"/>
+                      <a:tailEnd type="none" w="med" len="med"/>
+                    </a:lnT>
+                    <a:lnB w="19050" cap="flat" cmpd="sng" algn="ctr">
+                      <a:solidFill>
+                        <a:schemeClr val="tx1"/>
+                      </a:solidFill>
+                      <a:prstDash val="sysDot"/>
+                      <a:round/>
+                      <a:headEnd type="none" w="med" len="med"/>
+                      <a:tailEnd type="none" w="med" len="med"/>
+                    </a:lnB>
+                    <a:lnTlToBr w="12700" cmpd="sng">
+                      <a:noFill/>
+                      <a:prstDash val="solid"/>
+                    </a:lnTlToBr>
+                    <a:lnBlToTr w="12700" cmpd="sng">
+                      <a:noFill/>
+                      <a:prstDash val="solid"/>
+                    </a:lnBlToTr>
+                    <a:solidFill>
+                      <a:schemeClr val="accent1">
+                        <a:lumMod val="40000"/>
+                        <a:lumOff val="60000"/>
+                      </a:schemeClr>
+                    </a:solidFill>
+                  </a:tcPr>
+                </a:tc>
+                <a:tc>
+                  <a:txBody>
+                    <a:bodyPr/>
+                    <a:lstStyle/>
+                    <a:p>
+                      <a:pPr algn="ctr"/>
+                      <a:endParaRPr lang="en-CN" dirty="0">
+                        <a:solidFill>
+                          <a:schemeClr val="tx1"/>
+                        </a:solidFill>
+                        <a:latin typeface="Times New Roman" panose="02020603050405020304" pitchFamily="18" charset="0"/>
+                        <a:cs typeface="Times New Roman" panose="02020603050405020304" pitchFamily="18" charset="0"/>
+                      </a:endParaRPr>
+                    </a:p>
+                  </a:txBody>
+                  <a:tcPr anchor="ctr">
+                    <a:lnL w="19050" cap="flat" cmpd="sng" algn="ctr">
+                      <a:solidFill>
+                        <a:schemeClr val="tx1"/>
+                      </a:solidFill>
+                      <a:prstDash val="sysDot"/>
+                      <a:round/>
+                      <a:headEnd type="none" w="med" len="med"/>
+                      <a:tailEnd type="none" w="med" len="med"/>
+                    </a:lnL>
+                    <a:lnR w="19050" cap="flat" cmpd="sng" algn="ctr">
+                      <a:solidFill>
+                        <a:schemeClr val="tx1"/>
+                      </a:solidFill>
+                      <a:prstDash val="sysDot"/>
+                      <a:round/>
+                      <a:headEnd type="none" w="med" len="med"/>
+                      <a:tailEnd type="none" w="med" len="med"/>
+                    </a:lnR>
+                    <a:lnT w="19050" cap="flat" cmpd="sng" algn="ctr">
+                      <a:solidFill>
+                        <a:schemeClr val="tx1"/>
+                      </a:solidFill>
+                      <a:prstDash val="sysDot"/>
+                      <a:round/>
+                      <a:headEnd type="none" w="med" len="med"/>
+                      <a:tailEnd type="none" w="med" len="med"/>
+                    </a:lnT>
+                    <a:lnB w="19050" cap="flat" cmpd="sng" algn="ctr">
+                      <a:solidFill>
+                        <a:schemeClr val="tx1"/>
+                      </a:solidFill>
+                      <a:prstDash val="sysDot"/>
+                      <a:round/>
+                      <a:headEnd type="none" w="med" len="med"/>
+                      <a:tailEnd type="none" w="med" len="med"/>
+                    </a:lnB>
+                    <a:lnTlToBr w="12700" cmpd="sng">
+                      <a:noFill/>
+                      <a:prstDash val="solid"/>
+                    </a:lnTlToBr>
+                    <a:lnBlToTr w="12700" cmpd="sng">
+                      <a:noFill/>
+                      <a:prstDash val="solid"/>
+                    </a:lnBlToTr>
+                    <a:solidFill>
+                      <a:schemeClr val="accent1">
+                        <a:lumMod val="40000"/>
+                        <a:lumOff val="60000"/>
+                      </a:schemeClr>
+                    </a:solidFill>
+                  </a:tcPr>
+                </a:tc>
+                <a:tc>
+                  <a:txBody>
+                    <a:bodyPr/>
+                    <a:lstStyle/>
+                    <a:p>
+                      <a:pPr algn="ctr"/>
+                      <a:endParaRPr lang="en-CN" dirty="0">
+                        <a:solidFill>
+                          <a:schemeClr val="tx1"/>
+                        </a:solidFill>
+                        <a:latin typeface="Times New Roman" panose="02020603050405020304" pitchFamily="18" charset="0"/>
+                        <a:cs typeface="Times New Roman" panose="02020603050405020304" pitchFamily="18" charset="0"/>
+                      </a:endParaRPr>
+                    </a:p>
+                  </a:txBody>
+                  <a:tcPr anchor="ctr">
+                    <a:lnL w="19050" cap="flat" cmpd="sng" algn="ctr">
+                      <a:solidFill>
+                        <a:schemeClr val="tx1"/>
+                      </a:solidFill>
+                      <a:prstDash val="sysDot"/>
+                      <a:round/>
+                      <a:headEnd type="none" w="med" len="med"/>
+                      <a:tailEnd type="none" w="med" len="med"/>
+                    </a:lnL>
+                    <a:lnR w="19050" cap="flat" cmpd="sng" algn="ctr">
+                      <a:solidFill>
+                        <a:schemeClr val="tx1"/>
+                      </a:solidFill>
+                      <a:prstDash val="sysDot"/>
+                      <a:round/>
+                      <a:headEnd type="none" w="med" len="med"/>
+                      <a:tailEnd type="none" w="med" len="med"/>
+                    </a:lnR>
+                    <a:lnT w="19050" cap="flat" cmpd="sng" algn="ctr">
+                      <a:solidFill>
+                        <a:schemeClr val="tx1"/>
+                      </a:solidFill>
+                      <a:prstDash val="sysDot"/>
+                      <a:round/>
+                      <a:headEnd type="none" w="med" len="med"/>
+                      <a:tailEnd type="none" w="med" len="med"/>
+                    </a:lnT>
+                    <a:lnB w="19050" cap="flat" cmpd="sng" algn="ctr">
+                      <a:solidFill>
+                        <a:schemeClr val="tx1"/>
+                      </a:solidFill>
+                      <a:prstDash val="sysDot"/>
+                      <a:round/>
+                      <a:headEnd type="none" w="med" len="med"/>
+                      <a:tailEnd type="none" w="med" len="med"/>
+                    </a:lnB>
+                    <a:lnTlToBr w="12700" cmpd="sng">
+                      <a:noFill/>
+                      <a:prstDash val="solid"/>
+                    </a:lnTlToBr>
+                    <a:lnBlToTr w="12700" cmpd="sng">
+                      <a:noFill/>
+                      <a:prstDash val="solid"/>
+                    </a:lnBlToTr>
+                    <a:solidFill>
+                      <a:schemeClr val="accent1">
+                        <a:lumMod val="50000"/>
+                      </a:schemeClr>
+                    </a:solidFill>
+                  </a:tcPr>
+                </a:tc>
+                <a:tc>
+                  <a:txBody>
+                    <a:bodyPr/>
+                    <a:lstStyle/>
+                    <a:p>
+                      <a:pPr algn="ctr"/>
+                      <a:endParaRPr lang="en-CN" dirty="0">
+                        <a:solidFill>
+                          <a:schemeClr val="tx1"/>
+                        </a:solidFill>
+                        <a:latin typeface="Times New Roman" panose="02020603050405020304" pitchFamily="18" charset="0"/>
+                        <a:cs typeface="Times New Roman" panose="02020603050405020304" pitchFamily="18" charset="0"/>
+                      </a:endParaRPr>
+                    </a:p>
+                  </a:txBody>
+                  <a:tcPr anchor="ctr">
+                    <a:lnL w="19050" cap="flat" cmpd="sng" algn="ctr">
+                      <a:solidFill>
+                        <a:schemeClr val="tx1"/>
+                      </a:solidFill>
+                      <a:prstDash val="sysDot"/>
+                      <a:round/>
+                      <a:headEnd type="none" w="med" len="med"/>
+                      <a:tailEnd type="none" w="med" len="med"/>
+                    </a:lnL>
+                    <a:lnR w="19050" cap="flat" cmpd="sng" algn="ctr">
+                      <a:solidFill>
+                        <a:schemeClr val="tx1"/>
+                      </a:solidFill>
+                      <a:prstDash val="sysDot"/>
+                      <a:round/>
+                      <a:headEnd type="none" w="med" len="med"/>
+                      <a:tailEnd type="none" w="med" len="med"/>
+                    </a:lnR>
+                    <a:lnT w="19050" cap="flat" cmpd="sng" algn="ctr">
+                      <a:solidFill>
+                        <a:schemeClr val="tx1"/>
+                      </a:solidFill>
+                      <a:prstDash val="sysDot"/>
+                      <a:round/>
+                      <a:headEnd type="none" w="med" len="med"/>
+                      <a:tailEnd type="none" w="med" len="med"/>
+                    </a:lnT>
+                    <a:lnB w="19050" cap="flat" cmpd="sng" algn="ctr">
+                      <a:solidFill>
+                        <a:schemeClr val="tx1"/>
+                      </a:solidFill>
+                      <a:prstDash val="sysDot"/>
+                      <a:round/>
+                      <a:headEnd type="none" w="med" len="med"/>
+                      <a:tailEnd type="none" w="med" len="med"/>
+                    </a:lnB>
+                    <a:lnTlToBr w="12700" cmpd="sng">
+                      <a:noFill/>
+                      <a:prstDash val="solid"/>
+                    </a:lnTlToBr>
+                    <a:lnBlToTr w="12700" cmpd="sng">
+                      <a:noFill/>
+                      <a:prstDash val="solid"/>
+                    </a:lnBlToTr>
+                    <a:solidFill>
+                      <a:schemeClr val="accent1">
+                        <a:lumMod val="50000"/>
+                      </a:schemeClr>
+                    </a:solidFill>
+                  </a:tcPr>
+                </a:tc>
+                <a:tc>
+                  <a:txBody>
+                    <a:bodyPr/>
+                    <a:lstStyle/>
+                    <a:p>
+                      <a:pPr algn="ctr"/>
+                      <a:endParaRPr lang="en-CN" dirty="0">
+                        <a:solidFill>
+                          <a:schemeClr val="tx1"/>
+                        </a:solidFill>
+                        <a:latin typeface="Times New Roman" panose="02020603050405020304" pitchFamily="18" charset="0"/>
+                        <a:cs typeface="Times New Roman" panose="02020603050405020304" pitchFamily="18" charset="0"/>
+                      </a:endParaRPr>
+                    </a:p>
+                  </a:txBody>
+                  <a:tcPr anchor="ctr">
+                    <a:lnL w="19050" cap="flat" cmpd="sng" algn="ctr">
+                      <a:solidFill>
+                        <a:schemeClr val="tx1"/>
+                      </a:solidFill>
+                      <a:prstDash val="sysDot"/>
+                      <a:round/>
+                      <a:headEnd type="none" w="med" len="med"/>
+                      <a:tailEnd type="none" w="med" len="med"/>
+                    </a:lnL>
+                    <a:lnR w="19050" cap="flat" cmpd="sng" algn="ctr">
+                      <a:solidFill>
+                        <a:schemeClr val="tx1"/>
+                      </a:solidFill>
+                      <a:prstDash val="sysDot"/>
+                      <a:round/>
+                      <a:headEnd type="none" w="med" len="med"/>
+                      <a:tailEnd type="none" w="med" len="med"/>
+                    </a:lnR>
+                    <a:lnT w="19050" cap="flat" cmpd="sng" algn="ctr">
+                      <a:solidFill>
+                        <a:schemeClr val="tx1"/>
+                      </a:solidFill>
+                      <a:prstDash val="sysDot"/>
+                      <a:round/>
+                      <a:headEnd type="none" w="med" len="med"/>
+                      <a:tailEnd type="none" w="med" len="med"/>
+                    </a:lnT>
+                    <a:lnB w="19050" cap="flat" cmpd="sng" algn="ctr">
+                      <a:solidFill>
+                        <a:schemeClr val="tx1"/>
+                      </a:solidFill>
+                      <a:prstDash val="sysDot"/>
+                      <a:round/>
+                      <a:headEnd type="none" w="med" len="med"/>
+                      <a:tailEnd type="none" w="med" len="med"/>
+                    </a:lnB>
+                    <a:lnTlToBr w="12700" cmpd="sng">
+                      <a:noFill/>
+                      <a:prstDash val="solid"/>
+                    </a:lnTlToBr>
+                    <a:lnBlToTr w="12700" cmpd="sng">
+                      <a:noFill/>
+                      <a:prstDash val="solid"/>
+                    </a:lnBlToTr>
+                    <a:solidFill>
+                      <a:schemeClr val="accent4">
+                        <a:lumMod val="40000"/>
+                        <a:lumOff val="60000"/>
+                      </a:schemeClr>
+                    </a:solidFill>
+                  </a:tcPr>
+                </a:tc>
+                <a:extLst>
+                  <a:ext uri="{0D108BD9-81ED-4DB2-BD59-A6C34878D82A}">
+                    <a16:rowId xmlns:a16="http://schemas.microsoft.com/office/drawing/2014/main" val="962183140"/>
+                  </a:ext>
+                </a:extLst>
+              </a:tr>
+            </a:tbl>
+          </a:graphicData>
+        </a:graphic>
+      </p:graphicFrame>
+      <p:graphicFrame>
+        <p:nvGraphicFramePr>
+          <p:cNvPr id="25" name="Table 24">
+            <a:extLst>
+              <a:ext uri="{FF2B5EF4-FFF2-40B4-BE49-F238E27FC236}">
+                <a16:creationId xmlns:a16="http://schemas.microsoft.com/office/drawing/2014/main" id="{6920CC94-4BF7-8E44-8851-686E4B328ECD}"/>
+              </a:ext>
+            </a:extLst>
+          </p:cNvPr>
+          <p:cNvGraphicFramePr>
+            <a:graphicFrameLocks noGrp="1"/>
+          </p:cNvGraphicFramePr>
+          <p:nvPr>
+            <p:extLst>
+              <p:ext uri="{D42A27DB-BD31-4B8C-83A1-F6EECF244321}">
+                <p14:modId xmlns:p14="http://schemas.microsoft.com/office/powerpoint/2010/main" val="4255885866"/>
+              </p:ext>
+            </p:extLst>
+          </p:nvPr>
+        </p:nvGraphicFramePr>
+        <p:xfrm>
+          <a:off x="4456299" y="5366791"/>
+          <a:ext cx="7020000" cy="540000"/>
+        </p:xfrm>
+        <a:graphic>
+          <a:graphicData uri="http://schemas.openxmlformats.org/drawingml/2006/table">
+            <a:tbl>
+              <a:tblPr firstRow="1" bandRow="1">
+                <a:tableStyleId>{5C22544A-7EE6-4342-B048-85BDC9FD1C3A}</a:tableStyleId>
+              </a:tblPr>
+              <a:tblGrid>
+                <a:gridCol w="540000">
+                  <a:extLst>
+                    <a:ext uri="{9D8B030D-6E8A-4147-A177-3AD203B41FA5}">
+                      <a16:colId xmlns:a16="http://schemas.microsoft.com/office/drawing/2014/main" val="2543132756"/>
+                    </a:ext>
+                  </a:extLst>
+                </a:gridCol>
+                <a:gridCol w="540000">
+                  <a:extLst>
+                    <a:ext uri="{9D8B030D-6E8A-4147-A177-3AD203B41FA5}">
+                      <a16:colId xmlns:a16="http://schemas.microsoft.com/office/drawing/2014/main" val="3673304768"/>
+                    </a:ext>
+                  </a:extLst>
+                </a:gridCol>
+                <a:gridCol w="540000">
+                  <a:extLst>
+                    <a:ext uri="{9D8B030D-6E8A-4147-A177-3AD203B41FA5}">
+                      <a16:colId xmlns:a16="http://schemas.microsoft.com/office/drawing/2014/main" val="1866724304"/>
+                    </a:ext>
+                  </a:extLst>
+                </a:gridCol>
+                <a:gridCol w="540000">
+                  <a:extLst>
+                    <a:ext uri="{9D8B030D-6E8A-4147-A177-3AD203B41FA5}">
+                      <a16:colId xmlns:a16="http://schemas.microsoft.com/office/drawing/2014/main" val="2261776471"/>
+                    </a:ext>
+                  </a:extLst>
+                </a:gridCol>
+                <a:gridCol w="540000">
+                  <a:extLst>
+                    <a:ext uri="{9D8B030D-6E8A-4147-A177-3AD203B41FA5}">
+                      <a16:colId xmlns:a16="http://schemas.microsoft.com/office/drawing/2014/main" val="3269868482"/>
+                    </a:ext>
+                  </a:extLst>
+                </a:gridCol>
+                <a:gridCol w="540000">
+                  <a:extLst>
+                    <a:ext uri="{9D8B030D-6E8A-4147-A177-3AD203B41FA5}">
+                      <a16:colId xmlns:a16="http://schemas.microsoft.com/office/drawing/2014/main" val="2213874609"/>
+                    </a:ext>
+                  </a:extLst>
+                </a:gridCol>
+                <a:gridCol w="540000">
+                  <a:extLst>
+                    <a:ext uri="{9D8B030D-6E8A-4147-A177-3AD203B41FA5}">
+                      <a16:colId xmlns:a16="http://schemas.microsoft.com/office/drawing/2014/main" val="977112682"/>
+                    </a:ext>
+                  </a:extLst>
+                </a:gridCol>
+                <a:gridCol w="540000">
+                  <a:extLst>
+                    <a:ext uri="{9D8B030D-6E8A-4147-A177-3AD203B41FA5}">
+                      <a16:colId xmlns:a16="http://schemas.microsoft.com/office/drawing/2014/main" val="2032971652"/>
+                    </a:ext>
+                  </a:extLst>
+                </a:gridCol>
+                <a:gridCol w="540000">
+                  <a:extLst>
+                    <a:ext uri="{9D8B030D-6E8A-4147-A177-3AD203B41FA5}">
+                      <a16:colId xmlns:a16="http://schemas.microsoft.com/office/drawing/2014/main" val="2890300983"/>
+                    </a:ext>
+                  </a:extLst>
+                </a:gridCol>
+                <a:gridCol w="540000">
+                  <a:extLst>
+                    <a:ext uri="{9D8B030D-6E8A-4147-A177-3AD203B41FA5}">
+                      <a16:colId xmlns:a16="http://schemas.microsoft.com/office/drawing/2014/main" val="2441237442"/>
+                    </a:ext>
+                  </a:extLst>
+                </a:gridCol>
+                <a:gridCol w="540000">
+                  <a:extLst>
+                    <a:ext uri="{9D8B030D-6E8A-4147-A177-3AD203B41FA5}">
+                      <a16:colId xmlns:a16="http://schemas.microsoft.com/office/drawing/2014/main" val="3132550382"/>
+                    </a:ext>
+                  </a:extLst>
+                </a:gridCol>
+                <a:gridCol w="540000">
+                  <a:extLst>
+                    <a:ext uri="{9D8B030D-6E8A-4147-A177-3AD203B41FA5}">
+                      <a16:colId xmlns:a16="http://schemas.microsoft.com/office/drawing/2014/main" val="401313911"/>
+                    </a:ext>
+                  </a:extLst>
+                </a:gridCol>
+                <a:gridCol w="540000">
+                  <a:extLst>
+                    <a:ext uri="{9D8B030D-6E8A-4147-A177-3AD203B41FA5}">
+                      <a16:colId xmlns:a16="http://schemas.microsoft.com/office/drawing/2014/main" val="2353922561"/>
+                    </a:ext>
+                  </a:extLst>
+                </a:gridCol>
+              </a:tblGrid>
+              <a:tr h="540000">
+                <a:tc>
+                  <a:txBody>
+                    <a:bodyPr/>
+                    <a:lstStyle/>
+                    <a:p>
+                      <a:pPr algn="ctr"/>
+                      <a:endParaRPr lang="en-CN" dirty="0">
+                        <a:solidFill>
+                          <a:schemeClr val="tx1"/>
+                        </a:solidFill>
+                        <a:latin typeface="Times New Roman" panose="02020603050405020304" pitchFamily="18" charset="0"/>
+                        <a:cs typeface="Times New Roman" panose="02020603050405020304" pitchFamily="18" charset="0"/>
+                      </a:endParaRPr>
+                    </a:p>
+                  </a:txBody>
+                  <a:tcPr anchor="ctr">
+                    <a:lnL w="19050" cap="flat" cmpd="sng" algn="ctr">
+                      <a:solidFill>
+                        <a:schemeClr val="tx1"/>
+                      </a:solidFill>
+                      <a:prstDash val="sysDot"/>
+                      <a:round/>
+                      <a:headEnd type="none" w="med" len="med"/>
+                      <a:tailEnd type="none" w="med" len="med"/>
+                    </a:lnL>
+                    <a:lnR w="19050" cap="flat" cmpd="sng" algn="ctr">
+                      <a:solidFill>
+                        <a:schemeClr val="tx1"/>
+                      </a:solidFill>
+                      <a:prstDash val="sysDot"/>
+                      <a:round/>
+                      <a:headEnd type="none" w="med" len="med"/>
+                      <a:tailEnd type="none" w="med" len="med"/>
+                    </a:lnR>
+                    <a:lnT w="19050" cap="flat" cmpd="sng" algn="ctr">
+                      <a:solidFill>
+                        <a:schemeClr val="tx1"/>
+                      </a:solidFill>
+                      <a:prstDash val="sysDot"/>
+                      <a:round/>
+                      <a:headEnd type="none" w="med" len="med"/>
+                      <a:tailEnd type="none" w="med" len="med"/>
+                    </a:lnT>
+                    <a:lnB w="19050" cap="flat" cmpd="sng" algn="ctr">
+                      <a:solidFill>
+                        <a:schemeClr val="tx1"/>
+                      </a:solidFill>
+                      <a:prstDash val="sysDot"/>
+                      <a:round/>
+                      <a:headEnd type="none" w="med" len="med"/>
+                      <a:tailEnd type="none" w="med" len="med"/>
+                    </a:lnB>
+                    <a:lnTlToBr w="12700" cmpd="sng">
+                      <a:noFill/>
+                      <a:prstDash val="solid"/>
+                    </a:lnTlToBr>
+                    <a:lnBlToTr w="12700" cmpd="sng">
+                      <a:noFill/>
+                      <a:prstDash val="solid"/>
+                    </a:lnBlToTr>
+                    <a:solidFill>
+                      <a:schemeClr val="accent1">
+                        <a:lumMod val="40000"/>
+                        <a:lumOff val="60000"/>
+                      </a:schemeClr>
+                    </a:solidFill>
+                  </a:tcPr>
+                </a:tc>
+                <a:tc>
+                  <a:txBody>
+                    <a:bodyPr/>
+                    <a:lstStyle/>
+                    <a:p>
+                      <a:pPr algn="ctr"/>
+                      <a:endParaRPr lang="en-CN" dirty="0">
+                        <a:solidFill>
+                          <a:schemeClr val="tx1"/>
+                        </a:solidFill>
+                        <a:latin typeface="Times New Roman" panose="02020603050405020304" pitchFamily="18" charset="0"/>
+                        <a:cs typeface="Times New Roman" panose="02020603050405020304" pitchFamily="18" charset="0"/>
+                      </a:endParaRPr>
+                    </a:p>
+                  </a:txBody>
+                  <a:tcPr anchor="ctr">
+                    <a:lnL w="19050" cap="flat" cmpd="sng" algn="ctr">
+                      <a:solidFill>
+                        <a:schemeClr val="tx1"/>
+                      </a:solidFill>
+                      <a:prstDash val="sysDot"/>
+                      <a:round/>
+                      <a:headEnd type="none" w="med" len="med"/>
+                      <a:tailEnd type="none" w="med" len="med"/>
+                    </a:lnL>
+                    <a:lnR w="19050" cap="flat" cmpd="sng" algn="ctr">
+                      <a:solidFill>
+                        <a:schemeClr val="tx1"/>
+                      </a:solidFill>
+                      <a:prstDash val="sysDot"/>
+                      <a:round/>
+                      <a:headEnd type="none" w="med" len="med"/>
+                      <a:tailEnd type="none" w="med" len="med"/>
+                    </a:lnR>
+                    <a:lnT w="19050" cap="flat" cmpd="sng" algn="ctr">
+                      <a:solidFill>
+                        <a:schemeClr val="tx1"/>
+                      </a:solidFill>
+                      <a:prstDash val="sysDot"/>
+                      <a:round/>
+                      <a:headEnd type="none" w="med" len="med"/>
+                      <a:tailEnd type="none" w="med" len="med"/>
+                    </a:lnT>
+                    <a:lnB w="19050" cap="flat" cmpd="sng" algn="ctr">
+                      <a:solidFill>
+                        <a:schemeClr val="tx1"/>
+                      </a:solidFill>
+                      <a:prstDash val="sysDot"/>
+                      <a:round/>
+                      <a:headEnd type="none" w="med" len="med"/>
+                      <a:tailEnd type="none" w="med" len="med"/>
+                    </a:lnB>
+                    <a:lnTlToBr w="12700" cmpd="sng">
+                      <a:noFill/>
+                      <a:prstDash val="solid"/>
+                    </a:lnTlToBr>
+                    <a:lnBlToTr w="12700" cmpd="sng">
+                      <a:noFill/>
+                      <a:prstDash val="solid"/>
+                    </a:lnBlToTr>
+                    <a:solidFill>
+                      <a:schemeClr val="accent1">
+                        <a:lumMod val="40000"/>
+                        <a:lumOff val="60000"/>
+                      </a:schemeClr>
+                    </a:solidFill>
+                  </a:tcPr>
+                </a:tc>
+                <a:tc>
+                  <a:txBody>
+                    <a:bodyPr/>
+                    <a:lstStyle/>
+                    <a:p>
+                      <a:pPr algn="ctr"/>
+                      <a:endParaRPr lang="en-CN" dirty="0">
+                        <a:solidFill>
+                          <a:schemeClr val="tx1"/>
+                        </a:solidFill>
+                        <a:latin typeface="Times New Roman" panose="02020603050405020304" pitchFamily="18" charset="0"/>
+                        <a:cs typeface="Times New Roman" panose="02020603050405020304" pitchFamily="18" charset="0"/>
+                      </a:endParaRPr>
+                    </a:p>
+                  </a:txBody>
+                  <a:tcPr anchor="ctr">
+                    <a:lnL w="19050" cap="flat" cmpd="sng" algn="ctr">
+                      <a:solidFill>
+                        <a:schemeClr val="tx1"/>
+                      </a:solidFill>
+                      <a:prstDash val="sysDot"/>
+                      <a:round/>
+                      <a:headEnd type="none" w="med" len="med"/>
+                      <a:tailEnd type="none" w="med" len="med"/>
+                    </a:lnL>
+                    <a:lnR w="19050" cap="flat" cmpd="sng" algn="ctr">
+                      <a:solidFill>
+                        <a:schemeClr val="tx1"/>
+                      </a:solidFill>
+                      <a:prstDash val="sysDot"/>
+                      <a:round/>
+                      <a:headEnd type="none" w="med" len="med"/>
+                      <a:tailEnd type="none" w="med" len="med"/>
+                    </a:lnR>
+                    <a:lnT w="19050" cap="flat" cmpd="sng" algn="ctr">
+                      <a:solidFill>
+                        <a:schemeClr val="tx1"/>
+                      </a:solidFill>
+                      <a:prstDash val="sysDot"/>
+                      <a:round/>
+                      <a:headEnd type="none" w="med" len="med"/>
+                      <a:tailEnd type="none" w="med" len="med"/>
+                    </a:lnT>
+                    <a:lnB w="19050" cap="flat" cmpd="sng" algn="ctr">
+                      <a:solidFill>
+                        <a:schemeClr val="tx1"/>
+                      </a:solidFill>
+                      <a:prstDash val="sysDot"/>
+                      <a:round/>
+                      <a:headEnd type="none" w="med" len="med"/>
+                      <a:tailEnd type="none" w="med" len="med"/>
+                    </a:lnB>
+                    <a:lnTlToBr w="12700" cmpd="sng">
+                      <a:noFill/>
+                      <a:prstDash val="solid"/>
+                    </a:lnTlToBr>
+                    <a:lnBlToTr w="12700" cmpd="sng">
+                      <a:noFill/>
+                      <a:prstDash val="solid"/>
+                    </a:lnBlToTr>
+                    <a:solidFill>
+                      <a:schemeClr val="accent1">
+                        <a:lumMod val="40000"/>
+                        <a:lumOff val="60000"/>
+                      </a:schemeClr>
+                    </a:solidFill>
+                  </a:tcPr>
+                </a:tc>
+                <a:tc>
+                  <a:txBody>
+                    <a:bodyPr/>
+                    <a:lstStyle/>
+                    <a:p>
+                      <a:pPr algn="ctr"/>
+                      <a:endParaRPr lang="en-CN">
+                        <a:solidFill>
+                          <a:schemeClr val="tx1"/>
+                        </a:solidFill>
+                        <a:latin typeface="Times New Roman" panose="02020603050405020304" pitchFamily="18" charset="0"/>
+                        <a:cs typeface="Times New Roman" panose="02020603050405020304" pitchFamily="18" charset="0"/>
+                      </a:endParaRPr>
+                    </a:p>
+                  </a:txBody>
+                  <a:tcPr anchor="ctr">
+                    <a:lnL w="19050" cap="flat" cmpd="sng" algn="ctr">
+                      <a:solidFill>
+                        <a:schemeClr val="tx1"/>
+                      </a:solidFill>
+                      <a:prstDash val="sysDot"/>
+                      <a:round/>
+                      <a:headEnd type="none" w="med" len="med"/>
+                      <a:tailEnd type="none" w="med" len="med"/>
+                    </a:lnL>
+                    <a:lnR w="19050" cap="flat" cmpd="sng" algn="ctr">
+                      <a:solidFill>
+                        <a:schemeClr val="tx1"/>
+                      </a:solidFill>
+                      <a:prstDash val="sysDot"/>
+                      <a:round/>
+                      <a:headEnd type="none" w="med" len="med"/>
+                      <a:tailEnd type="none" w="med" len="med"/>
+                    </a:lnR>
+                    <a:lnT w="19050" cap="flat" cmpd="sng" algn="ctr">
+                      <a:solidFill>
+                        <a:schemeClr val="tx1"/>
+                      </a:solidFill>
+                      <a:prstDash val="sysDot"/>
+                      <a:round/>
+                      <a:headEnd type="none" w="med" len="med"/>
+                      <a:tailEnd type="none" w="med" len="med"/>
+                    </a:lnT>
+                    <a:lnB w="19050" cap="flat" cmpd="sng" algn="ctr">
+                      <a:solidFill>
+                        <a:schemeClr val="tx1"/>
+                      </a:solidFill>
+                      <a:prstDash val="sysDot"/>
+                      <a:round/>
+                      <a:headEnd type="none" w="med" len="med"/>
+                      <a:tailEnd type="none" w="med" len="med"/>
+                    </a:lnB>
+                    <a:lnTlToBr w="12700" cmpd="sng">
+                      <a:noFill/>
+                      <a:prstDash val="solid"/>
+                    </a:lnTlToBr>
+                    <a:lnBlToTr w="12700" cmpd="sng">
+                      <a:noFill/>
+                      <a:prstDash val="solid"/>
+                    </a:lnBlToTr>
+                    <a:solidFill>
+                      <a:schemeClr val="accent1">
+                        <a:lumMod val="40000"/>
+                        <a:lumOff val="60000"/>
+                      </a:schemeClr>
+                    </a:solidFill>
+                  </a:tcPr>
+                </a:tc>
+                <a:tc>
+                  <a:txBody>
+                    <a:bodyPr/>
+                    <a:lstStyle/>
+                    <a:p>
+                      <a:pPr algn="ctr"/>
+                      <a:endParaRPr lang="en-CN" dirty="0">
+                        <a:solidFill>
+                          <a:schemeClr val="tx1"/>
+                        </a:solidFill>
+                        <a:latin typeface="Times New Roman" panose="02020603050405020304" pitchFamily="18" charset="0"/>
+                        <a:cs typeface="Times New Roman" panose="02020603050405020304" pitchFamily="18" charset="0"/>
+                      </a:endParaRPr>
+                    </a:p>
+                  </a:txBody>
+                  <a:tcPr anchor="ctr">
+                    <a:lnL w="19050" cap="flat" cmpd="sng" algn="ctr">
+                      <a:solidFill>
+                        <a:schemeClr val="tx1"/>
+                      </a:solidFill>
+                      <a:prstDash val="sysDot"/>
+                      <a:round/>
+                      <a:headEnd type="none" w="med" len="med"/>
+                      <a:tailEnd type="none" w="med" len="med"/>
+                    </a:lnL>
+                    <a:lnR w="19050" cap="flat" cmpd="sng" algn="ctr">
+                      <a:solidFill>
+                        <a:schemeClr val="tx1"/>
+                      </a:solidFill>
+                      <a:prstDash val="sysDot"/>
+                      <a:round/>
+                      <a:headEnd type="none" w="med" len="med"/>
+                      <a:tailEnd type="none" w="med" len="med"/>
+                    </a:lnR>
+                    <a:lnT w="19050" cap="flat" cmpd="sng" algn="ctr">
+                      <a:solidFill>
+                        <a:schemeClr val="tx1"/>
+                      </a:solidFill>
+                      <a:prstDash val="sysDot"/>
+                      <a:round/>
+                      <a:headEnd type="none" w="med" len="med"/>
+                      <a:tailEnd type="none" w="med" len="med"/>
+                    </a:lnT>
+                    <a:lnB w="19050" cap="flat" cmpd="sng" algn="ctr">
+                      <a:solidFill>
+                        <a:schemeClr val="tx1"/>
+                      </a:solidFill>
+                      <a:prstDash val="sysDot"/>
+                      <a:round/>
+                      <a:headEnd type="none" w="med" len="med"/>
+                      <a:tailEnd type="none" w="med" len="med"/>
+                    </a:lnB>
+                    <a:lnTlToBr w="12700" cmpd="sng">
+                      <a:noFill/>
+                      <a:prstDash val="solid"/>
+                    </a:lnTlToBr>
+                    <a:lnBlToTr w="12700" cmpd="sng">
+                      <a:noFill/>
+                      <a:prstDash val="solid"/>
+                    </a:lnBlToTr>
+                    <a:solidFill>
+                      <a:schemeClr val="accent1">
+                        <a:lumMod val="40000"/>
+                        <a:lumOff val="60000"/>
+                      </a:schemeClr>
+                    </a:solidFill>
+                  </a:tcPr>
+                </a:tc>
+                <a:tc>
+                  <a:txBody>
+                    <a:bodyPr/>
+                    <a:lstStyle/>
+                    <a:p>
+                      <a:pPr algn="ctr"/>
+                      <a:endParaRPr lang="en-CN" dirty="0">
+                        <a:solidFill>
+                          <a:schemeClr val="tx1"/>
+                        </a:solidFill>
+                        <a:latin typeface="Times New Roman" panose="02020603050405020304" pitchFamily="18" charset="0"/>
+                        <a:cs typeface="Times New Roman" panose="02020603050405020304" pitchFamily="18" charset="0"/>
+                      </a:endParaRPr>
+                    </a:p>
+                  </a:txBody>
+                  <a:tcPr anchor="ctr">
+                    <a:lnL w="19050" cap="flat" cmpd="sng" algn="ctr">
+                      <a:solidFill>
+                        <a:schemeClr val="tx1"/>
+                      </a:solidFill>
+                      <a:prstDash val="sysDot"/>
+                      <a:round/>
+                      <a:headEnd type="none" w="med" len="med"/>
+                      <a:tailEnd type="none" w="med" len="med"/>
+                    </a:lnL>
+                    <a:lnR w="19050" cap="flat" cmpd="sng" algn="ctr">
+                      <a:solidFill>
+                        <a:schemeClr val="tx1"/>
+                      </a:solidFill>
+                      <a:prstDash val="sysDot"/>
+                      <a:round/>
+                      <a:headEnd type="none" w="med" len="med"/>
+                      <a:tailEnd type="none" w="med" len="med"/>
+                    </a:lnR>
+                    <a:lnT w="19050" cap="flat" cmpd="sng" algn="ctr">
+                      <a:solidFill>
+                        <a:schemeClr val="tx1"/>
+                      </a:solidFill>
+                      <a:prstDash val="sysDot"/>
+                      <a:round/>
+                      <a:headEnd type="none" w="med" len="med"/>
+                      <a:tailEnd type="none" w="med" len="med"/>
+                    </a:lnT>
+                    <a:lnB w="19050" cap="flat" cmpd="sng" algn="ctr">
+                      <a:solidFill>
+                        <a:schemeClr val="tx1"/>
+                      </a:solidFill>
+                      <a:prstDash val="sysDot"/>
+                      <a:round/>
+                      <a:headEnd type="none" w="med" len="med"/>
+                      <a:tailEnd type="none" w="med" len="med"/>
+                    </a:lnB>
+                    <a:lnTlToBr w="12700" cmpd="sng">
+                      <a:noFill/>
+                      <a:prstDash val="solid"/>
+                    </a:lnTlToBr>
+                    <a:lnBlToTr w="12700" cmpd="sng">
+                      <a:noFill/>
+                      <a:prstDash val="solid"/>
+                    </a:lnBlToTr>
+                    <a:solidFill>
+                      <a:schemeClr val="accent1">
+                        <a:lumMod val="40000"/>
+                        <a:lumOff val="60000"/>
+                      </a:schemeClr>
+                    </a:solidFill>
+                  </a:tcPr>
+                </a:tc>
+                <a:tc>
+                  <a:txBody>
+                    <a:bodyPr/>
+                    <a:lstStyle/>
+                    <a:p>
+                      <a:pPr algn="ctr"/>
+                      <a:r>
+                        <a:rPr lang="en-US" altLang="zh-CN" dirty="0">
+                          <a:solidFill>
+                            <a:schemeClr val="tx1"/>
+                          </a:solidFill>
+                          <a:latin typeface="Times New Roman" panose="02020603050405020304" pitchFamily="18" charset="0"/>
+                          <a:cs typeface="Times New Roman" panose="02020603050405020304" pitchFamily="18" charset="0"/>
+                        </a:rPr>
+                        <a:t>···</a:t>
+                      </a:r>
+                      <a:endParaRPr lang="en-CN" dirty="0">
+                        <a:solidFill>
+                          <a:schemeClr val="tx1"/>
+                        </a:solidFill>
+                        <a:latin typeface="Times New Roman" panose="02020603050405020304" pitchFamily="18" charset="0"/>
+                        <a:cs typeface="Times New Roman" panose="02020603050405020304" pitchFamily="18" charset="0"/>
+                      </a:endParaRPr>
+                    </a:p>
+                  </a:txBody>
+                  <a:tcPr anchor="ctr">
+                    <a:lnL w="19050" cap="flat" cmpd="sng" algn="ctr">
+                      <a:solidFill>
+                        <a:schemeClr val="tx1"/>
+                      </a:solidFill>
+                      <a:prstDash val="sysDot"/>
+                      <a:round/>
+                      <a:headEnd type="none" w="med" len="med"/>
+                      <a:tailEnd type="none" w="med" len="med"/>
+                    </a:lnL>
+                    <a:lnR w="19050" cap="flat" cmpd="sng" algn="ctr">
+                      <a:solidFill>
+                        <a:schemeClr val="tx1"/>
+                      </a:solidFill>
+                      <a:prstDash val="sysDot"/>
+                      <a:round/>
+                      <a:headEnd type="none" w="med" len="med"/>
+                      <a:tailEnd type="none" w="med" len="med"/>
+                    </a:lnR>
+                    <a:lnT w="19050" cap="flat" cmpd="sng" algn="ctr">
+                      <a:solidFill>
+                        <a:schemeClr val="tx1"/>
+                      </a:solidFill>
+                      <a:prstDash val="sysDot"/>
+                      <a:round/>
+                      <a:headEnd type="none" w="med" len="med"/>
+                      <a:tailEnd type="none" w="med" len="med"/>
+                    </a:lnT>
+                    <a:lnB w="19050" cap="flat" cmpd="sng" algn="ctr">
+                      <a:solidFill>
+                        <a:schemeClr val="tx1"/>
+                      </a:solidFill>
+                      <a:prstDash val="sysDot"/>
+                      <a:round/>
+                      <a:headEnd type="none" w="med" len="med"/>
+                      <a:tailEnd type="none" w="med" len="med"/>
+                    </a:lnB>
+                    <a:lnTlToBr w="12700" cmpd="sng">
+                      <a:noFill/>
+                      <a:prstDash val="solid"/>
+                    </a:lnTlToBr>
+                    <a:lnBlToTr w="12700" cmpd="sng">
+                      <a:noFill/>
+                      <a:prstDash val="solid"/>
+                    </a:lnBlToTr>
+                    <a:solidFill>
+                      <a:schemeClr val="accent1">
+                        <a:lumMod val="40000"/>
+                        <a:lumOff val="60000"/>
+                      </a:schemeClr>
+                    </a:solidFill>
+                  </a:tcPr>
+                </a:tc>
+                <a:tc>
+                  <a:txBody>
+                    <a:bodyPr/>
+                    <a:lstStyle/>
+                    <a:p>
+                      <a:pPr algn="ctr"/>
+                      <a:endParaRPr lang="en-CN" dirty="0">
+                        <a:solidFill>
+                          <a:schemeClr val="tx1"/>
+                        </a:solidFill>
+                        <a:latin typeface="Times New Roman" panose="02020603050405020304" pitchFamily="18" charset="0"/>
+                        <a:cs typeface="Times New Roman" panose="02020603050405020304" pitchFamily="18" charset="0"/>
+                      </a:endParaRPr>
+                    </a:p>
+                  </a:txBody>
+                  <a:tcPr anchor="ctr">
+                    <a:lnL w="19050" cap="flat" cmpd="sng" algn="ctr">
+                      <a:solidFill>
+                        <a:schemeClr val="tx1"/>
+                      </a:solidFill>
+                      <a:prstDash val="sysDot"/>
+                      <a:round/>
+                      <a:headEnd type="none" w="med" len="med"/>
+                      <a:tailEnd type="none" w="med" len="med"/>
+                    </a:lnL>
+                    <a:lnR w="19050" cap="flat" cmpd="sng" algn="ctr">
+                      <a:solidFill>
+                        <a:schemeClr val="tx1"/>
+                      </a:solidFill>
+                      <a:prstDash val="sysDot"/>
+                      <a:round/>
+                      <a:headEnd type="none" w="med" len="med"/>
+                      <a:tailEnd type="none" w="med" len="med"/>
+                    </a:lnR>
+                    <a:lnT w="19050" cap="flat" cmpd="sng" algn="ctr">
+                      <a:solidFill>
+                        <a:schemeClr val="tx1"/>
+                      </a:solidFill>
+                      <a:prstDash val="sysDot"/>
+                      <a:round/>
+                      <a:headEnd type="none" w="med" len="med"/>
+                      <a:tailEnd type="none" w="med" len="med"/>
+                    </a:lnT>
+                    <a:lnB w="19050" cap="flat" cmpd="sng" algn="ctr">
+                      <a:solidFill>
+                        <a:schemeClr val="tx1"/>
+                      </a:solidFill>
+                      <a:prstDash val="sysDot"/>
+                      <a:round/>
+                      <a:headEnd type="none" w="med" len="med"/>
+                      <a:tailEnd type="none" w="med" len="med"/>
+                    </a:lnB>
+                    <a:lnTlToBr w="12700" cmpd="sng">
+                      <a:noFill/>
+                      <a:prstDash val="solid"/>
+                    </a:lnTlToBr>
+                    <a:lnBlToTr w="12700" cmpd="sng">
+                      <a:noFill/>
+                      <a:prstDash val="solid"/>
+                    </a:lnBlToTr>
+                    <a:solidFill>
+                      <a:schemeClr val="accent1">
+                        <a:lumMod val="40000"/>
+                        <a:lumOff val="60000"/>
+                      </a:schemeClr>
+                    </a:solidFill>
+                  </a:tcPr>
+                </a:tc>
+                <a:tc>
+                  <a:txBody>
+                    <a:bodyPr/>
+                    <a:lstStyle/>
+                    <a:p>
+                      <a:pPr algn="ctr"/>
+                      <a:endParaRPr lang="en-CN" dirty="0">
+                        <a:solidFill>
+                          <a:schemeClr val="tx1"/>
+                        </a:solidFill>
+                        <a:latin typeface="Times New Roman" panose="02020603050405020304" pitchFamily="18" charset="0"/>
+                        <a:cs typeface="Times New Roman" panose="02020603050405020304" pitchFamily="18" charset="0"/>
+                      </a:endParaRPr>
+                    </a:p>
+                  </a:txBody>
+                  <a:tcPr anchor="ctr">
+                    <a:lnL w="19050" cap="flat" cmpd="sng" algn="ctr">
+                      <a:solidFill>
+                        <a:schemeClr val="tx1"/>
+                      </a:solidFill>
+                      <a:prstDash val="sysDot"/>
+                      <a:round/>
+                      <a:headEnd type="none" w="med" len="med"/>
+                      <a:tailEnd type="none" w="med" len="med"/>
+                    </a:lnL>
+                    <a:lnR w="19050" cap="flat" cmpd="sng" algn="ctr">
+                      <a:solidFill>
+                        <a:schemeClr val="tx1"/>
+                      </a:solidFill>
+                      <a:prstDash val="sysDot"/>
+                      <a:round/>
+                      <a:headEnd type="none" w="med" len="med"/>
+                      <a:tailEnd type="none" w="med" len="med"/>
+                    </a:lnR>
+                    <a:lnT w="19050" cap="flat" cmpd="sng" algn="ctr">
+                      <a:solidFill>
+                        <a:schemeClr val="tx1"/>
+                      </a:solidFill>
+                      <a:prstDash val="sysDot"/>
+                      <a:round/>
+                      <a:headEnd type="none" w="med" len="med"/>
+                      <a:tailEnd type="none" w="med" len="med"/>
+                    </a:lnT>
+                    <a:lnB w="19050" cap="flat" cmpd="sng" algn="ctr">
+                      <a:solidFill>
+                        <a:schemeClr val="tx1"/>
+                      </a:solidFill>
+                      <a:prstDash val="sysDot"/>
+                      <a:round/>
+                      <a:headEnd type="none" w="med" len="med"/>
+                      <a:tailEnd type="none" w="med" len="med"/>
+                    </a:lnB>
+                    <a:lnTlToBr w="12700" cmpd="sng">
+                      <a:noFill/>
+                      <a:prstDash val="solid"/>
+                    </a:lnTlToBr>
+                    <a:lnBlToTr w="12700" cmpd="sng">
+                      <a:noFill/>
+                      <a:prstDash val="solid"/>
+                    </a:lnBlToTr>
+                    <a:solidFill>
+                      <a:schemeClr val="accent1">
+                        <a:lumMod val="40000"/>
+                        <a:lumOff val="60000"/>
+                      </a:schemeClr>
+                    </a:solidFill>
+                  </a:tcPr>
+                </a:tc>
+                <a:tc>
+                  <a:txBody>
+                    <a:bodyPr/>
+                    <a:lstStyle/>
+                    <a:p>
+                      <a:pPr algn="ctr"/>
+                      <a:endParaRPr lang="en-CN" dirty="0">
+                        <a:solidFill>
+                          <a:schemeClr val="tx1"/>
+                        </a:solidFill>
+                        <a:latin typeface="Times New Roman" panose="02020603050405020304" pitchFamily="18" charset="0"/>
+                        <a:cs typeface="Times New Roman" panose="02020603050405020304" pitchFamily="18" charset="0"/>
+                      </a:endParaRPr>
+                    </a:p>
+                  </a:txBody>
+                  <a:tcPr anchor="ctr">
+                    <a:lnL w="19050" cap="flat" cmpd="sng" algn="ctr">
+                      <a:solidFill>
+                        <a:schemeClr val="tx1"/>
+                      </a:solidFill>
+                      <a:prstDash val="sysDot"/>
+                      <a:round/>
+                      <a:headEnd type="none" w="med" len="med"/>
+                      <a:tailEnd type="none" w="med" len="med"/>
+                    </a:lnL>
+                    <a:lnR w="19050" cap="flat" cmpd="sng" algn="ctr">
+                      <a:solidFill>
+                        <a:schemeClr val="tx1"/>
+                      </a:solidFill>
+                      <a:prstDash val="sysDot"/>
+                      <a:round/>
+                      <a:headEnd type="none" w="med" len="med"/>
+                      <a:tailEnd type="none" w="med" len="med"/>
+                    </a:lnR>
+                    <a:lnT w="19050" cap="flat" cmpd="sng" algn="ctr">
+                      <a:solidFill>
+                        <a:schemeClr val="tx1"/>
+                      </a:solidFill>
+                      <a:prstDash val="sysDot"/>
+                      <a:round/>
+                      <a:headEnd type="none" w="med" len="med"/>
+                      <a:tailEnd type="none" w="med" len="med"/>
+                    </a:lnT>
+                    <a:lnB w="19050" cap="flat" cmpd="sng" algn="ctr">
+                      <a:solidFill>
+                        <a:schemeClr val="tx1"/>
+                      </a:solidFill>
+                      <a:prstDash val="sysDot"/>
+                      <a:round/>
+                      <a:headEnd type="none" w="med" len="med"/>
+                      <a:tailEnd type="none" w="med" len="med"/>
+                    </a:lnB>
+                    <a:lnTlToBr w="12700" cmpd="sng">
+                      <a:noFill/>
+                      <a:prstDash val="solid"/>
+                    </a:lnTlToBr>
+                    <a:lnBlToTr w="12700" cmpd="sng">
+                      <a:noFill/>
+                      <a:prstDash val="solid"/>
+                    </a:lnBlToTr>
+                    <a:solidFill>
+                      <a:schemeClr val="accent1">
+                        <a:lumMod val="40000"/>
+                        <a:lumOff val="60000"/>
+                      </a:schemeClr>
+                    </a:solidFill>
+                  </a:tcPr>
+                </a:tc>
+                <a:tc>
+                  <a:txBody>
+                    <a:bodyPr/>
+                    <a:lstStyle/>
+                    <a:p>
+                      <a:pPr algn="ctr"/>
+                      <a:endParaRPr lang="en-CN" dirty="0">
+                        <a:solidFill>
+                          <a:schemeClr val="tx1"/>
+                        </a:solidFill>
+                        <a:latin typeface="Times New Roman" panose="02020603050405020304" pitchFamily="18" charset="0"/>
+                        <a:cs typeface="Times New Roman" panose="02020603050405020304" pitchFamily="18" charset="0"/>
+                      </a:endParaRPr>
+                    </a:p>
+                  </a:txBody>
+                  <a:tcPr anchor="ctr">
+                    <a:lnL w="19050" cap="flat" cmpd="sng" algn="ctr">
+                      <a:solidFill>
+                        <a:schemeClr val="tx1"/>
+                      </a:solidFill>
+                      <a:prstDash val="sysDot"/>
+                      <a:round/>
+                      <a:headEnd type="none" w="med" len="med"/>
+                      <a:tailEnd type="none" w="med" len="med"/>
+                    </a:lnL>
+                    <a:lnR w="19050" cap="flat" cmpd="sng" algn="ctr">
+                      <a:solidFill>
+                        <a:schemeClr val="tx1"/>
+                      </a:solidFill>
+                      <a:prstDash val="sysDot"/>
+                      <a:round/>
+                      <a:headEnd type="none" w="med" len="med"/>
+                      <a:tailEnd type="none" w="med" len="med"/>
+                    </a:lnR>
+                    <a:lnT w="19050" cap="flat" cmpd="sng" algn="ctr">
+                      <a:solidFill>
+                        <a:schemeClr val="tx1"/>
+                      </a:solidFill>
+                      <a:prstDash val="sysDot"/>
+                      <a:round/>
+                      <a:headEnd type="none" w="med" len="med"/>
+                      <a:tailEnd type="none" w="med" len="med"/>
+                    </a:lnT>
+                    <a:lnB w="19050" cap="flat" cmpd="sng" algn="ctr">
+                      <a:solidFill>
+                        <a:schemeClr val="tx1"/>
+                      </a:solidFill>
+                      <a:prstDash val="sysDot"/>
+                      <a:round/>
+                      <a:headEnd type="none" w="med" len="med"/>
+                      <a:tailEnd type="none" w="med" len="med"/>
+                    </a:lnB>
+                    <a:lnTlToBr w="12700" cmpd="sng">
+                      <a:noFill/>
+                      <a:prstDash val="solid"/>
+                    </a:lnTlToBr>
+                    <a:lnBlToTr w="12700" cmpd="sng">
+                      <a:noFill/>
+                      <a:prstDash val="solid"/>
+                    </a:lnBlToTr>
+                    <a:solidFill>
+                      <a:schemeClr val="accent1">
+                        <a:lumMod val="50000"/>
+                      </a:schemeClr>
+                    </a:solidFill>
+                  </a:tcPr>
+                </a:tc>
+                <a:tc>
+                  <a:txBody>
+                    <a:bodyPr/>
+                    <a:lstStyle/>
+                    <a:p>
+                      <a:pPr algn="ctr"/>
+                      <a:endParaRPr lang="en-CN" dirty="0">
+                        <a:solidFill>
+                          <a:schemeClr val="tx1"/>
+                        </a:solidFill>
+                        <a:latin typeface="Times New Roman" panose="02020603050405020304" pitchFamily="18" charset="0"/>
+                        <a:cs typeface="Times New Roman" panose="02020603050405020304" pitchFamily="18" charset="0"/>
+                      </a:endParaRPr>
+                    </a:p>
+                  </a:txBody>
+                  <a:tcPr anchor="ctr">
+                    <a:lnL w="19050" cap="flat" cmpd="sng" algn="ctr">
+                      <a:solidFill>
+                        <a:schemeClr val="tx1"/>
+                      </a:solidFill>
+                      <a:prstDash val="sysDot"/>
+                      <a:round/>
+                      <a:headEnd type="none" w="med" len="med"/>
+                      <a:tailEnd type="none" w="med" len="med"/>
+                    </a:lnL>
+                    <a:lnR w="19050" cap="flat" cmpd="sng" algn="ctr">
+                      <a:solidFill>
+                        <a:schemeClr val="tx1"/>
+                      </a:solidFill>
+                      <a:prstDash val="sysDot"/>
+                      <a:round/>
+                      <a:headEnd type="none" w="med" len="med"/>
+                      <a:tailEnd type="none" w="med" len="med"/>
+                    </a:lnR>
+                    <a:lnT w="19050" cap="flat" cmpd="sng" algn="ctr">
+                      <a:solidFill>
+                        <a:schemeClr val="tx1"/>
+                      </a:solidFill>
+                      <a:prstDash val="sysDot"/>
+                      <a:round/>
+                      <a:headEnd type="none" w="med" len="med"/>
+                      <a:tailEnd type="none" w="med" len="med"/>
+                    </a:lnT>
+                    <a:lnB w="19050" cap="flat" cmpd="sng" algn="ctr">
+                      <a:solidFill>
+                        <a:schemeClr val="tx1"/>
+                      </a:solidFill>
+                      <a:prstDash val="sysDot"/>
+                      <a:round/>
+                      <a:headEnd type="none" w="med" len="med"/>
+                      <a:tailEnd type="none" w="med" len="med"/>
+                    </a:lnB>
+                    <a:lnTlToBr w="12700" cmpd="sng">
+                      <a:noFill/>
+                      <a:prstDash val="solid"/>
+                    </a:lnTlToBr>
+                    <a:lnBlToTr w="12700" cmpd="sng">
+                      <a:noFill/>
+                      <a:prstDash val="solid"/>
+                    </a:lnBlToTr>
+                    <a:solidFill>
+                      <a:schemeClr val="accent1">
+                        <a:lumMod val="50000"/>
+                      </a:schemeClr>
+                    </a:solidFill>
+                  </a:tcPr>
+                </a:tc>
+                <a:tc>
+                  <a:txBody>
+                    <a:bodyPr/>
+                    <a:lstStyle/>
+                    <a:p>
+                      <a:pPr algn="ctr"/>
+                      <a:endParaRPr lang="en-CN" dirty="0">
+                        <a:solidFill>
+                          <a:schemeClr val="tx1"/>
+                        </a:solidFill>
+                        <a:latin typeface="Times New Roman" panose="02020603050405020304" pitchFamily="18" charset="0"/>
+                        <a:cs typeface="Times New Roman" panose="02020603050405020304" pitchFamily="18" charset="0"/>
+                      </a:endParaRPr>
+                    </a:p>
+                  </a:txBody>
+                  <a:tcPr anchor="ctr">
+                    <a:lnL w="19050" cap="flat" cmpd="sng" algn="ctr">
+                      <a:solidFill>
+                        <a:schemeClr val="tx1"/>
+                      </a:solidFill>
+                      <a:prstDash val="sysDot"/>
+                      <a:round/>
+                      <a:headEnd type="none" w="med" len="med"/>
+                      <a:tailEnd type="none" w="med" len="med"/>
+                    </a:lnL>
+                    <a:lnR w="19050" cap="flat" cmpd="sng" algn="ctr">
+                      <a:solidFill>
+                        <a:schemeClr val="tx1"/>
+                      </a:solidFill>
+                      <a:prstDash val="sysDot"/>
+                      <a:round/>
+                      <a:headEnd type="none" w="med" len="med"/>
+                      <a:tailEnd type="none" w="med" len="med"/>
+                    </a:lnR>
+                    <a:lnT w="19050" cap="flat" cmpd="sng" algn="ctr">
+                      <a:solidFill>
+                        <a:schemeClr val="tx1"/>
+                      </a:solidFill>
+                      <a:prstDash val="sysDot"/>
+                      <a:round/>
+                      <a:headEnd type="none" w="med" len="med"/>
+                      <a:tailEnd type="none" w="med" len="med"/>
+                    </a:lnT>
+                    <a:lnB w="19050" cap="flat" cmpd="sng" algn="ctr">
+                      <a:solidFill>
+                        <a:schemeClr val="tx1"/>
+                      </a:solidFill>
+                      <a:prstDash val="sysDot"/>
+                      <a:round/>
+                      <a:headEnd type="none" w="med" len="med"/>
+                      <a:tailEnd type="none" w="med" len="med"/>
+                    </a:lnB>
+                    <a:lnTlToBr w="12700" cmpd="sng">
+                      <a:noFill/>
+                      <a:prstDash val="solid"/>
+                    </a:lnTlToBr>
+                    <a:lnBlToTr w="12700" cmpd="sng">
+                      <a:noFill/>
+                      <a:prstDash val="solid"/>
+                    </a:lnBlToTr>
+                    <a:solidFill>
+                      <a:schemeClr val="accent4">
+                        <a:lumMod val="40000"/>
+                        <a:lumOff val="60000"/>
+                      </a:schemeClr>
+                    </a:solidFill>
+                  </a:tcPr>
+                </a:tc>
+                <a:extLst>
+                  <a:ext uri="{0D108BD9-81ED-4DB2-BD59-A6C34878D82A}">
+                    <a16:rowId xmlns:a16="http://schemas.microsoft.com/office/drawing/2014/main" val="962183140"/>
+                  </a:ext>
+                </a:extLst>
+              </a:tr>
+            </a:tbl>
+          </a:graphicData>
+        </a:graphic>
+      </p:graphicFrame>
+      <p:sp>
+        <p:nvSpPr>
+          <p:cNvPr id="28" name="Subtitle 2">
+            <a:extLst>
+              <a:ext uri="{FF2B5EF4-FFF2-40B4-BE49-F238E27FC236}">
+                <a16:creationId xmlns:a16="http://schemas.microsoft.com/office/drawing/2014/main" id="{8FE5D41D-486A-6745-928C-423F907DFFF8}"/>
+              </a:ext>
+            </a:extLst>
+          </p:cNvPr>
+          <p:cNvSpPr txBox="1">
+            <a:spLocks/>
+          </p:cNvSpPr>
+          <p:nvPr/>
+        </p:nvSpPr>
+        <p:spPr>
+          <a:xfrm>
+            <a:off x="3852040" y="6135453"/>
+            <a:ext cx="4487917" cy="515007"/>
+          </a:xfrm>
+          <a:prstGeom prst="rect">
+            <a:avLst/>
+          </a:prstGeom>
+        </p:spPr>
+        <p:txBody>
+          <a:bodyPr vert="horz" lIns="91440" tIns="45720" rIns="91440" bIns="45720" rtlCol="0" anchor="ctr">
+            <a:normAutofit/>
+          </a:bodyPr>
+          <a:lstStyle>
+            <a:lvl1pPr marL="228600" indent="-228600" algn="l" defTabSz="914400" rtl="0" eaLnBrk="1" latinLnBrk="0" hangingPunct="1">
+              <a:lnSpc>
+                <a:spcPct val="90000"/>
+              </a:lnSpc>
+              <a:spcBef>
+                <a:spcPts val="1000"/>
+              </a:spcBef>
+              <a:buFont typeface="Arial" panose="020B0604020202020204" pitchFamily="34" charset="0"/>
+              <a:buChar char="•"/>
+              <a:defRPr sz="2800" kern="1200">
+                <a:solidFill>
+                  <a:schemeClr val="tx1"/>
+                </a:solidFill>
+                <a:latin typeface="+mn-lt"/>
+                <a:ea typeface="+mn-ea"/>
+                <a:cs typeface="+mn-cs"/>
+              </a:defRPr>
+            </a:lvl1pPr>
+            <a:lvl2pPr marL="685800" indent="-228600" algn="l" defTabSz="914400" rtl="0" eaLnBrk="1" latinLnBrk="0" hangingPunct="1">
+              <a:lnSpc>
+                <a:spcPct val="90000"/>
+              </a:lnSpc>
+              <a:spcBef>
+                <a:spcPts val="500"/>
+              </a:spcBef>
+              <a:buFont typeface="Arial" panose="020B0604020202020204" pitchFamily="34" charset="0"/>
+              <a:buChar char="•"/>
+              <a:defRPr sz="2400" kern="1200">
+                <a:solidFill>
+                  <a:schemeClr val="tx1"/>
+                </a:solidFill>
+                <a:latin typeface="+mn-lt"/>
+                <a:ea typeface="+mn-ea"/>
+                <a:cs typeface="+mn-cs"/>
+              </a:defRPr>
+            </a:lvl2pPr>
+            <a:lvl3pPr marL="1143000" indent="-228600" algn="l" defTabSz="914400" rtl="0" eaLnBrk="1" latinLnBrk="0" hangingPunct="1">
+              <a:lnSpc>
+                <a:spcPct val="90000"/>
+              </a:lnSpc>
+              <a:spcBef>
+                <a:spcPts val="500"/>
+              </a:spcBef>
+              <a:buFont typeface="Arial" panose="020B0604020202020204" pitchFamily="34" charset="0"/>
+              <a:buChar char="•"/>
+              <a:defRPr sz="2000" kern="1200">
+                <a:solidFill>
+                  <a:schemeClr val="tx1"/>
+                </a:solidFill>
+                <a:latin typeface="+mn-lt"/>
+                <a:ea typeface="+mn-ea"/>
+                <a:cs typeface="+mn-cs"/>
+              </a:defRPr>
+            </a:lvl3pPr>
+            <a:lvl4pPr marL="1600200" indent="-228600" algn="l" defTabSz="914400" rtl="0" eaLnBrk="1" latinLnBrk="0" hangingPunct="1">
+              <a:lnSpc>
+                <a:spcPct val="90000"/>
+              </a:lnSpc>
+              <a:spcBef>
+                <a:spcPts val="500"/>
+              </a:spcBef>
+              <a:buFont typeface="Arial" panose="020B0604020202020204" pitchFamily="34" charset="0"/>
+              <a:buChar char="•"/>
+              <a:defRPr sz="1800" kern="1200">
+                <a:solidFill>
+                  <a:schemeClr val="tx1"/>
+                </a:solidFill>
+                <a:latin typeface="+mn-lt"/>
+                <a:ea typeface="+mn-ea"/>
+                <a:cs typeface="+mn-cs"/>
+              </a:defRPr>
+            </a:lvl4pPr>
+            <a:lvl5pPr marL="2057400" indent="-228600" algn="l" defTabSz="914400" rtl="0" eaLnBrk="1" latinLnBrk="0" hangingPunct="1">
+              <a:lnSpc>
+                <a:spcPct val="90000"/>
+              </a:lnSpc>
+              <a:spcBef>
+                <a:spcPts val="500"/>
+              </a:spcBef>
+              <a:buFont typeface="Arial" panose="020B0604020202020204" pitchFamily="34" charset="0"/>
+              <a:buChar char="•"/>
+              <a:defRPr sz="1800" kern="1200">
+                <a:solidFill>
+                  <a:schemeClr val="tx1"/>
+                </a:solidFill>
+                <a:latin typeface="+mn-lt"/>
+                <a:ea typeface="+mn-ea"/>
+                <a:cs typeface="+mn-cs"/>
+              </a:defRPr>
+            </a:lvl5pPr>
+            <a:lvl6pPr marL="2514600" indent="-228600" algn="l" defTabSz="914400" rtl="0" eaLnBrk="1" latinLnBrk="0" hangingPunct="1">
+              <a:lnSpc>
+                <a:spcPct val="90000"/>
+              </a:lnSpc>
+              <a:spcBef>
+                <a:spcPts val="500"/>
+              </a:spcBef>
+              <a:buFont typeface="Arial" panose="020B0604020202020204" pitchFamily="34" charset="0"/>
+              <a:buChar char="•"/>
+              <a:defRPr sz="1800" kern="1200">
+                <a:solidFill>
+                  <a:schemeClr val="tx1"/>
+                </a:solidFill>
+                <a:latin typeface="+mn-lt"/>
+                <a:ea typeface="+mn-ea"/>
+                <a:cs typeface="+mn-cs"/>
+              </a:defRPr>
+            </a:lvl6pPr>
+            <a:lvl7pPr marL="2971800" indent="-228600" algn="l" defTabSz="914400" rtl="0" eaLnBrk="1" latinLnBrk="0" hangingPunct="1">
+              <a:lnSpc>
+                <a:spcPct val="90000"/>
+              </a:lnSpc>
+              <a:spcBef>
+                <a:spcPts val="500"/>
+              </a:spcBef>
+              <a:buFont typeface="Arial" panose="020B0604020202020204" pitchFamily="34" charset="0"/>
+              <a:buChar char="•"/>
+              <a:defRPr sz="1800" kern="1200">
+                <a:solidFill>
+                  <a:schemeClr val="tx1"/>
+                </a:solidFill>
+                <a:latin typeface="+mn-lt"/>
+                <a:ea typeface="+mn-ea"/>
+                <a:cs typeface="+mn-cs"/>
+              </a:defRPr>
+            </a:lvl7pPr>
+            <a:lvl8pPr marL="3429000" indent="-228600" algn="l" defTabSz="914400" rtl="0" eaLnBrk="1" latinLnBrk="0" hangingPunct="1">
+              <a:lnSpc>
+                <a:spcPct val="90000"/>
+              </a:lnSpc>
+              <a:spcBef>
+                <a:spcPts val="500"/>
+              </a:spcBef>
+              <a:buFont typeface="Arial" panose="020B0604020202020204" pitchFamily="34" charset="0"/>
+              <a:buChar char="•"/>
+              <a:defRPr sz="1800" kern="1200">
+                <a:solidFill>
+                  <a:schemeClr val="tx1"/>
+                </a:solidFill>
+                <a:latin typeface="+mn-lt"/>
+                <a:ea typeface="+mn-ea"/>
+                <a:cs typeface="+mn-cs"/>
+              </a:defRPr>
+            </a:lvl8pPr>
+            <a:lvl9pPr marL="3886200" indent="-228600" algn="l" defTabSz="914400" rtl="0" eaLnBrk="1" latinLnBrk="0" hangingPunct="1">
+              <a:lnSpc>
+                <a:spcPct val="90000"/>
+              </a:lnSpc>
+              <a:spcBef>
+                <a:spcPts val="500"/>
+              </a:spcBef>
+              <a:buFont typeface="Arial" panose="020B0604020202020204" pitchFamily="34" charset="0"/>
+              <a:buChar char="•"/>
+              <a:defRPr sz="1800" kern="1200">
+                <a:solidFill>
+                  <a:schemeClr val="tx1"/>
+                </a:solidFill>
+                <a:latin typeface="+mn-lt"/>
+                <a:ea typeface="+mn-ea"/>
+                <a:cs typeface="+mn-cs"/>
+              </a:defRPr>
+            </a:lvl9pPr>
+          </a:lstStyle>
+          <a:p>
+            <a:pPr marL="0" indent="0" algn="ctr">
+              <a:buNone/>
+            </a:pPr>
+            <a:r>
+              <a:rPr lang="en-US" altLang="zh-CN" sz="2600" dirty="0">
+                <a:latin typeface="Times New Roman" panose="02020603050405020304" pitchFamily="18" charset="0"/>
+                <a:cs typeface="Times New Roman" panose="02020603050405020304" pitchFamily="18" charset="0"/>
+              </a:rPr>
+              <a:t>shift by 2 weeks</a:t>
+            </a:r>
+            <a:endParaRPr lang="en-CN" sz="2600" dirty="0">
+              <a:latin typeface="Times New Roman" panose="02020603050405020304" pitchFamily="18" charset="0"/>
+              <a:cs typeface="Times New Roman" panose="02020603050405020304" pitchFamily="18" charset="0"/>
+            </a:endParaRPr>
+          </a:p>
+        </p:txBody>
+      </p:sp>
+      <p:sp>
+        <p:nvSpPr>
+          <p:cNvPr id="29" name="Right Arrow 28">
+            <a:extLst>
+              <a:ext uri="{FF2B5EF4-FFF2-40B4-BE49-F238E27FC236}">
+                <a16:creationId xmlns:a16="http://schemas.microsoft.com/office/drawing/2014/main" id="{15A3B893-6901-3249-A2C3-2BBACBF7BED2}"/>
+              </a:ext>
+            </a:extLst>
+          </p:cNvPr>
+          <p:cNvSpPr/>
+          <p:nvPr/>
+        </p:nvSpPr>
+        <p:spPr>
+          <a:xfrm>
+            <a:off x="697635" y="4435222"/>
+            <a:ext cx="246110" cy="249382"/>
+          </a:xfrm>
+          <a:prstGeom prst="rightArrow">
+            <a:avLst/>
+          </a:prstGeom>
+          <a:solidFill>
+            <a:srgbClr val="C00000"/>
+          </a:solidFill>
+          <a:ln>
+            <a:solidFill>
+              <a:srgbClr val="C00000"/>
+            </a:solidFill>
+          </a:ln>
+        </p:spPr>
+        <p:style>
+          <a:lnRef idx="2">
+            <a:schemeClr val="accent1">
+              <a:shade val="50000"/>
+            </a:schemeClr>
+          </a:lnRef>
+          <a:fillRef idx="1">
+            <a:schemeClr val="accent1"/>
+          </a:fillRef>
+          <a:effectRef idx="0">
+            <a:schemeClr val="accent1"/>
+          </a:effectRef>
+          <a:fontRef idx="minor">
+            <a:schemeClr val="lt1"/>
+          </a:fontRef>
+        </p:style>
+        <p:txBody>
+          <a:bodyPr rtlCol="0" anchor="ctr"/>
+          <a:lstStyle/>
+          <a:p>
+            <a:pPr algn="ctr"/>
+            <a:endParaRPr lang="en-CN"/>
+          </a:p>
+        </p:txBody>
+      </p:sp>
+      <p:sp>
+        <p:nvSpPr>
+          <p:cNvPr id="30" name="Right Arrow 29">
+            <a:extLst>
+              <a:ext uri="{FF2B5EF4-FFF2-40B4-BE49-F238E27FC236}">
+                <a16:creationId xmlns:a16="http://schemas.microsoft.com/office/drawing/2014/main" id="{BB3FBFA3-3330-5942-82C6-BAFB939E73D4}"/>
+              </a:ext>
+            </a:extLst>
+          </p:cNvPr>
+          <p:cNvSpPr/>
+          <p:nvPr/>
+        </p:nvSpPr>
+        <p:spPr>
+          <a:xfrm>
+            <a:off x="3959889" y="5512100"/>
+            <a:ext cx="246110" cy="249382"/>
+          </a:xfrm>
+          <a:prstGeom prst="rightArrow">
+            <a:avLst/>
+          </a:prstGeom>
+          <a:solidFill>
+            <a:srgbClr val="C00000"/>
+          </a:solidFill>
+          <a:ln>
+            <a:solidFill>
+              <a:srgbClr val="C00000"/>
+            </a:solidFill>
+          </a:ln>
+        </p:spPr>
+        <p:style>
+          <a:lnRef idx="2">
+            <a:schemeClr val="accent1">
+              <a:shade val="50000"/>
+            </a:schemeClr>
+          </a:lnRef>
+          <a:fillRef idx="1">
+            <a:schemeClr val="accent1"/>
+          </a:fillRef>
+          <a:effectRef idx="0">
+            <a:schemeClr val="accent1"/>
+          </a:effectRef>
+          <a:fontRef idx="minor">
+            <a:schemeClr val="lt1"/>
+          </a:fontRef>
+        </p:style>
+        <p:txBody>
+          <a:bodyPr rtlCol="0" anchor="ctr"/>
+          <a:lstStyle/>
+          <a:p>
+            <a:pPr algn="ctr"/>
+            <a:endParaRPr lang="en-CN"/>
+          </a:p>
+        </p:txBody>
+      </p:sp>
+      <p:sp>
+        <p:nvSpPr>
+          <p:cNvPr id="32" name="TextBox 31">
+            <a:extLst>
+              <a:ext uri="{FF2B5EF4-FFF2-40B4-BE49-F238E27FC236}">
+                <a16:creationId xmlns:a16="http://schemas.microsoft.com/office/drawing/2014/main" id="{DDD3B09A-51F1-BC4C-A294-E6CF1D29FF07}"/>
+              </a:ext>
+            </a:extLst>
+          </p:cNvPr>
+          <p:cNvSpPr txBox="1"/>
+          <p:nvPr/>
+        </p:nvSpPr>
+        <p:spPr>
+          <a:xfrm>
+            <a:off x="2605999" y="4928685"/>
+            <a:ext cx="1881917" cy="369332"/>
+          </a:xfrm>
+          <a:prstGeom prst="rect">
+            <a:avLst/>
+          </a:prstGeom>
+          <a:noFill/>
+        </p:spPr>
+        <p:txBody>
+          <a:bodyPr wrap="square">
+            <a:spAutoFit/>
+          </a:bodyPr>
+          <a:lstStyle/>
+          <a:p>
+            <a:pPr algn="ctr"/>
+            <a:r>
+              <a:rPr lang="en-US" altLang="zh-CN" b="1" dirty="0">
+                <a:latin typeface="Times New Roman" panose="02020603050405020304" pitchFamily="18" charset="0"/>
+                <a:cs typeface="Times New Roman" panose="02020603050405020304" pitchFamily="18" charset="0"/>
+              </a:rPr>
+              <a:t>···</a:t>
+            </a:r>
+            <a:endParaRPr lang="en-CN" b="1" dirty="0">
+              <a:latin typeface="Times New Roman" panose="02020603050405020304" pitchFamily="18" charset="0"/>
+              <a:cs typeface="Times New Roman" panose="02020603050405020304" pitchFamily="18" charset="0"/>
+            </a:endParaRPr>
+          </a:p>
+        </p:txBody>
+      </p:sp>
+      <p:sp>
+        <p:nvSpPr>
+          <p:cNvPr id="33" name="Right Arrow 32">
+            <a:extLst>
+              <a:ext uri="{FF2B5EF4-FFF2-40B4-BE49-F238E27FC236}">
+                <a16:creationId xmlns:a16="http://schemas.microsoft.com/office/drawing/2014/main" id="{FDD1536A-B482-F54D-8768-08D108A21D82}"/>
+              </a:ext>
+            </a:extLst>
+          </p:cNvPr>
+          <p:cNvSpPr/>
+          <p:nvPr/>
+        </p:nvSpPr>
+        <p:spPr>
+          <a:xfrm>
+            <a:off x="2359889" y="4988660"/>
+            <a:ext cx="246110" cy="249382"/>
+          </a:xfrm>
+          <a:prstGeom prst="rightArrow">
+            <a:avLst/>
+          </a:prstGeom>
+          <a:solidFill>
+            <a:srgbClr val="C00000"/>
+          </a:solidFill>
+          <a:ln>
+            <a:solidFill>
+              <a:srgbClr val="C00000"/>
+            </a:solidFill>
+          </a:ln>
+        </p:spPr>
+        <p:style>
+          <a:lnRef idx="2">
+            <a:schemeClr val="accent1">
+              <a:shade val="50000"/>
+            </a:schemeClr>
+          </a:lnRef>
+          <a:fillRef idx="1">
+            <a:schemeClr val="accent1"/>
+          </a:fillRef>
+          <a:effectRef idx="0">
+            <a:schemeClr val="accent1"/>
+          </a:effectRef>
+          <a:fontRef idx="minor">
+            <a:schemeClr val="lt1"/>
+          </a:fontRef>
+        </p:style>
+        <p:txBody>
+          <a:bodyPr rtlCol="0" anchor="ctr"/>
+          <a:lstStyle/>
+          <a:p>
+            <a:pPr algn="ctr"/>
+            <a:endParaRPr lang="en-CN"/>
+          </a:p>
+        </p:txBody>
+      </p:sp>
+    </p:spTree>
+    <p:extLst>
+      <p:ext uri="{BB962C8B-B14F-4D97-AF65-F5344CB8AC3E}">
+        <p14:creationId xmlns:p14="http://schemas.microsoft.com/office/powerpoint/2010/main" val="320461807"/>
       </p:ext>
     </p:extLst>
   </p:cSld>

--- a/Images/images.pptx
+++ b/Images/images.pptx
@@ -3417,7 +3417,7 @@
         </p:nvGrpSpPr>
         <p:grpSpPr>
           <a:xfrm>
-            <a:off x="241882" y="3050652"/>
+            <a:off x="241881" y="3429000"/>
             <a:ext cx="3736429" cy="2469748"/>
             <a:chOff x="329444" y="2401001"/>
             <a:chExt cx="3736429" cy="2469748"/>
@@ -3994,7 +3994,7 @@
         </p:nvSpPr>
         <p:spPr>
           <a:xfrm>
-            <a:off x="241882" y="5801281"/>
+            <a:off x="241881" y="6179629"/>
             <a:ext cx="11708238" cy="515007"/>
           </a:xfrm>
           <a:prstGeom prst="roundRect">
@@ -5817,18 +5817,39 @@
               <a:buNone/>
             </a:pPr>
             <a:r>
-              <a:rPr lang="en-US" altLang="zh-CN" b="1" dirty="0">
+              <a:rPr lang="en-US" altLang="zh-CN" dirty="0">
                 <a:latin typeface="Times New Roman" panose="02020603050405020304" pitchFamily="18" charset="0"/>
                 <a:cs typeface="Times New Roman" panose="02020603050405020304" pitchFamily="18" charset="0"/>
               </a:rPr>
-              <a:t>Data</a:t>
+              <a:t>Data Description</a:t>
+            </a:r>
+            <a:r>
+              <a:rPr lang="zh-CN" altLang="en-US" dirty="0">
+                <a:latin typeface="Times New Roman" panose="02020603050405020304" pitchFamily="18" charset="0"/>
+                <a:cs typeface="Times New Roman" panose="02020603050405020304" pitchFamily="18" charset="0"/>
+              </a:rPr>
+              <a:t> </a:t>
             </a:r>
             <a:r>
               <a:rPr lang="en-US" altLang="zh-CN" dirty="0">
                 <a:latin typeface="Times New Roman" panose="02020603050405020304" pitchFamily="18" charset="0"/>
                 <a:cs typeface="Times New Roman" panose="02020603050405020304" pitchFamily="18" charset="0"/>
               </a:rPr>
-              <a:t> Description</a:t>
+              <a:t>—</a:t>
+            </a:r>
+            <a:r>
+              <a:rPr lang="zh-CN" altLang="en-US" dirty="0">
+                <a:latin typeface="Times New Roman" panose="02020603050405020304" pitchFamily="18" charset="0"/>
+                <a:cs typeface="Times New Roman" panose="02020603050405020304" pitchFamily="18" charset="0"/>
+              </a:rPr>
+              <a:t> </a:t>
+            </a:r>
+            <a:r>
+              <a:rPr lang="en-US" altLang="zh-CN" dirty="0">
+                <a:latin typeface="Times New Roman" panose="02020603050405020304" pitchFamily="18" charset="0"/>
+                <a:cs typeface="Times New Roman" panose="02020603050405020304" pitchFamily="18" charset="0"/>
+              </a:rPr>
+              <a:t>IF_M0</a:t>
             </a:r>
             <a:endParaRPr lang="en-CN" dirty="0">
               <a:latin typeface="Times New Roman" panose="02020603050405020304" pitchFamily="18" charset="0"/>
@@ -5957,6 +5978,9 @@
             <a:pPr algn="ctr"/>
             <a:r>
               <a:rPr lang="en-CN" b="1" dirty="0">
+                <a:solidFill>
+                  <a:srgbClr val="C00000"/>
+                </a:solidFill>
                 <a:latin typeface="Times New Roman" panose="02020603050405020304" pitchFamily="18" charset="0"/>
                 <a:cs typeface="Times New Roman" panose="02020603050405020304" pitchFamily="18" charset="0"/>
               </a:rPr>
@@ -5996,6 +6020,9 @@
             <a:pPr algn="ctr"/>
             <a:r>
               <a:rPr lang="en-CN" b="1" dirty="0">
+                <a:solidFill>
+                  <a:srgbClr val="C00000"/>
+                </a:solidFill>
                 <a:latin typeface="Times New Roman" panose="02020603050405020304" pitchFamily="18" charset="0"/>
                 <a:cs typeface="Times New Roman" panose="02020603050405020304" pitchFamily="18" charset="0"/>
               </a:rPr>
@@ -9719,6 +9746,45 @@
           <a:p>
             <a:pPr algn="ctr"/>
             <a:endParaRPr lang="en-CN"/>
+          </a:p>
+        </p:txBody>
+      </p:sp>
+      <p:sp>
+        <p:nvSpPr>
+          <p:cNvPr id="22" name="TextBox 21">
+            <a:extLst>
+              <a:ext uri="{FF2B5EF4-FFF2-40B4-BE49-F238E27FC236}">
+                <a16:creationId xmlns:a16="http://schemas.microsoft.com/office/drawing/2014/main" id="{21E3D324-C5AC-F943-8F61-5F69D54D3980}"/>
+              </a:ext>
+            </a:extLst>
+          </p:cNvPr>
+          <p:cNvSpPr txBox="1"/>
+          <p:nvPr/>
+        </p:nvSpPr>
+        <p:spPr>
+          <a:xfrm>
+            <a:off x="8843355" y="4105247"/>
+            <a:ext cx="2632944" cy="369332"/>
+          </a:xfrm>
+          <a:prstGeom prst="rect">
+            <a:avLst/>
+          </a:prstGeom>
+          <a:noFill/>
+        </p:spPr>
+        <p:txBody>
+          <a:bodyPr wrap="square" rtlCol="0" anchor="ctr">
+            <a:spAutoFit/>
+          </a:bodyPr>
+          <a:lstStyle/>
+          <a:p>
+            <a:pPr algn="ctr"/>
+            <a:r>
+              <a:rPr lang="en-CN" b="1" dirty="0">
+                <a:latin typeface="Times New Roman" panose="02020603050405020304" pitchFamily="18" charset="0"/>
+                <a:cs typeface="Times New Roman" panose="02020603050405020304" pitchFamily="18" charset="0"/>
+              </a:rPr>
+              <a:t>9 Groups Totally</a:t>
+            </a:r>
           </a:p>
         </p:txBody>
       </p:sp>

--- a/Images/images.pptx
+++ b/Images/images.pptx
@@ -262,7 +262,7 @@
           <a:p>
             <a:fld id="{F8066D3D-1DFE-A74D-8922-702084192356}" type="datetimeFigureOut">
               <a:rPr lang="en-CN" smtClean="0"/>
-              <a:t>2024/11/21</a:t>
+              <a:t>2024/11/22</a:t>
             </a:fld>
             <a:endParaRPr lang="en-CN"/>
           </a:p>
@@ -462,7 +462,7 @@
           <a:p>
             <a:fld id="{F8066D3D-1DFE-A74D-8922-702084192356}" type="datetimeFigureOut">
               <a:rPr lang="en-CN" smtClean="0"/>
-              <a:t>2024/11/21</a:t>
+              <a:t>2024/11/22</a:t>
             </a:fld>
             <a:endParaRPr lang="en-CN"/>
           </a:p>
@@ -672,7 +672,7 @@
           <a:p>
             <a:fld id="{F8066D3D-1DFE-A74D-8922-702084192356}" type="datetimeFigureOut">
               <a:rPr lang="en-CN" smtClean="0"/>
-              <a:t>2024/11/21</a:t>
+              <a:t>2024/11/22</a:t>
             </a:fld>
             <a:endParaRPr lang="en-CN"/>
           </a:p>
@@ -872,7 +872,7 @@
           <a:p>
             <a:fld id="{F8066D3D-1DFE-A74D-8922-702084192356}" type="datetimeFigureOut">
               <a:rPr lang="en-CN" smtClean="0"/>
-              <a:t>2024/11/21</a:t>
+              <a:t>2024/11/22</a:t>
             </a:fld>
             <a:endParaRPr lang="en-CN"/>
           </a:p>
@@ -1148,7 +1148,7 @@
           <a:p>
             <a:fld id="{F8066D3D-1DFE-A74D-8922-702084192356}" type="datetimeFigureOut">
               <a:rPr lang="en-CN" smtClean="0"/>
-              <a:t>2024/11/21</a:t>
+              <a:t>2024/11/22</a:t>
             </a:fld>
             <a:endParaRPr lang="en-CN"/>
           </a:p>
@@ -1416,7 +1416,7 @@
           <a:p>
             <a:fld id="{F8066D3D-1DFE-A74D-8922-702084192356}" type="datetimeFigureOut">
               <a:rPr lang="en-CN" smtClean="0"/>
-              <a:t>2024/11/21</a:t>
+              <a:t>2024/11/22</a:t>
             </a:fld>
             <a:endParaRPr lang="en-CN"/>
           </a:p>
@@ -1831,7 +1831,7 @@
           <a:p>
             <a:fld id="{F8066D3D-1DFE-A74D-8922-702084192356}" type="datetimeFigureOut">
               <a:rPr lang="en-CN" smtClean="0"/>
-              <a:t>2024/11/21</a:t>
+              <a:t>2024/11/22</a:t>
             </a:fld>
             <a:endParaRPr lang="en-CN"/>
           </a:p>
@@ -1973,7 +1973,7 @@
           <a:p>
             <a:fld id="{F8066D3D-1DFE-A74D-8922-702084192356}" type="datetimeFigureOut">
               <a:rPr lang="en-CN" smtClean="0"/>
-              <a:t>2024/11/21</a:t>
+              <a:t>2024/11/22</a:t>
             </a:fld>
             <a:endParaRPr lang="en-CN"/>
           </a:p>
@@ -2086,7 +2086,7 @@
           <a:p>
             <a:fld id="{F8066D3D-1DFE-A74D-8922-702084192356}" type="datetimeFigureOut">
               <a:rPr lang="en-CN" smtClean="0"/>
-              <a:t>2024/11/21</a:t>
+              <a:t>2024/11/22</a:t>
             </a:fld>
             <a:endParaRPr lang="en-CN"/>
           </a:p>
@@ -2399,7 +2399,7 @@
           <a:p>
             <a:fld id="{F8066D3D-1DFE-A74D-8922-702084192356}" type="datetimeFigureOut">
               <a:rPr lang="en-CN" smtClean="0"/>
-              <a:t>2024/11/21</a:t>
+              <a:t>2024/11/22</a:t>
             </a:fld>
             <a:endParaRPr lang="en-CN"/>
           </a:p>
@@ -2688,7 +2688,7 @@
           <a:p>
             <a:fld id="{F8066D3D-1DFE-A74D-8922-702084192356}" type="datetimeFigureOut">
               <a:rPr lang="en-CN" smtClean="0"/>
-              <a:t>2024/11/21</a:t>
+              <a:t>2024/11/22</a:t>
             </a:fld>
             <a:endParaRPr lang="en-CN"/>
           </a:p>
@@ -2931,7 +2931,7 @@
           <a:p>
             <a:fld id="{F8066D3D-1DFE-A74D-8922-702084192356}" type="datetimeFigureOut">
               <a:rPr lang="en-CN" smtClean="0"/>
-              <a:t>2024/11/21</a:t>
+              <a:t>2024/11/22</a:t>
             </a:fld>
             <a:endParaRPr lang="en-CN"/>
           </a:p>
@@ -6003,7 +6003,7 @@
         </p:nvSpPr>
         <p:spPr>
           <a:xfrm>
-            <a:off x="10169890" y="993337"/>
+            <a:off x="7429308" y="1899357"/>
             <a:ext cx="1306409" cy="369332"/>
           </a:xfrm>
           <a:prstGeom prst="rect">
@@ -6026,7 +6026,7 @@
                 <a:latin typeface="Times New Roman" panose="02020603050405020304" pitchFamily="18" charset="0"/>
                 <a:cs typeface="Times New Roman" panose="02020603050405020304" pitchFamily="18" charset="0"/>
               </a:rPr>
-              <a:t>2022.12.30</a:t>
+              <a:t>2022.08.29</a:t>
             </a:r>
           </a:p>
         </p:txBody>
@@ -9784,6 +9784,48 @@
                 <a:cs typeface="Times New Roman" panose="02020603050405020304" pitchFamily="18" charset="0"/>
               </a:rPr>
               <a:t>9 Groups Totally</a:t>
+            </a:r>
+          </a:p>
+        </p:txBody>
+      </p:sp>
+      <p:sp>
+        <p:nvSpPr>
+          <p:cNvPr id="26" name="TextBox 25">
+            <a:extLst>
+              <a:ext uri="{FF2B5EF4-FFF2-40B4-BE49-F238E27FC236}">
+                <a16:creationId xmlns:a16="http://schemas.microsoft.com/office/drawing/2014/main" id="{74E1E071-13EF-F142-A853-09C6751625D3}"/>
+              </a:ext>
+            </a:extLst>
+          </p:cNvPr>
+          <p:cNvSpPr txBox="1"/>
+          <p:nvPr/>
+        </p:nvSpPr>
+        <p:spPr>
+          <a:xfrm>
+            <a:off x="10169890" y="1022189"/>
+            <a:ext cx="1306409" cy="369332"/>
+          </a:xfrm>
+          <a:prstGeom prst="rect">
+            <a:avLst/>
+          </a:prstGeom>
+          <a:noFill/>
+        </p:spPr>
+        <p:txBody>
+          <a:bodyPr wrap="square" rtlCol="0" anchor="ctr">
+            <a:spAutoFit/>
+          </a:bodyPr>
+          <a:lstStyle/>
+          <a:p>
+            <a:pPr algn="ctr"/>
+            <a:r>
+              <a:rPr lang="en-CN" b="1" dirty="0">
+                <a:solidFill>
+                  <a:srgbClr val="C00000"/>
+                </a:solidFill>
+                <a:latin typeface="Times New Roman" panose="02020603050405020304" pitchFamily="18" charset="0"/>
+                <a:cs typeface="Times New Roman" panose="02020603050405020304" pitchFamily="18" charset="0"/>
+              </a:rPr>
+              <a:t>2022.12.30</a:t>
             </a:r>
           </a:p>
         </p:txBody>

--- a/Images/images.pptx
+++ b/Images/images.pptx
@@ -3348,67 +3348,12 @@
           <a:chExt cx="0" cy="0"/>
         </a:xfrm>
       </p:grpSpPr>
-      <p:sp>
-        <p:nvSpPr>
-          <p:cNvPr id="3" name="Subtitle 2">
+      <p:grpSp>
+        <p:nvGrpSpPr>
+          <p:cNvPr id="212" name="Group 211">
             <a:extLst>
               <a:ext uri="{FF2B5EF4-FFF2-40B4-BE49-F238E27FC236}">
-                <a16:creationId xmlns:a16="http://schemas.microsoft.com/office/drawing/2014/main" id="{98328758-1F17-E24C-9892-9335FE020614}"/>
-              </a:ext>
-            </a:extLst>
-          </p:cNvPr>
-          <p:cNvSpPr>
-            <a:spLocks noGrp="1"/>
-          </p:cNvSpPr>
-          <p:nvPr>
-            <p:ph type="subTitle" idx="1"/>
-          </p:nvPr>
-        </p:nvSpPr>
-        <p:spPr>
-          <a:xfrm>
-            <a:off x="0" y="0"/>
-            <a:ext cx="4487917" cy="515007"/>
-          </a:xfrm>
-        </p:spPr>
-        <p:txBody>
-          <a:bodyPr anchor="ctr"/>
-          <a:lstStyle/>
-          <a:p>
-            <a:pPr algn="l"/>
-            <a:r>
-              <a:rPr lang="en-CN" altLang="zh-CN" b="1" dirty="0">
-                <a:latin typeface="Times New Roman" panose="02020603050405020304" pitchFamily="18" charset="0"/>
-                <a:cs typeface="Times New Roman" panose="02020603050405020304" pitchFamily="18" charset="0"/>
-              </a:rPr>
-              <a:t>Framework</a:t>
-            </a:r>
-            <a:r>
-              <a:rPr lang="en-US" altLang="zh-CN" b="1" dirty="0">
-                <a:latin typeface="Times New Roman" panose="02020603050405020304" pitchFamily="18" charset="0"/>
-                <a:cs typeface="Times New Roman" panose="02020603050405020304" pitchFamily="18" charset="0"/>
-              </a:rPr>
-              <a:t> </a:t>
-            </a:r>
-            <a:r>
-              <a:rPr lang="en-US" altLang="zh-CN" dirty="0">
-                <a:latin typeface="Times New Roman" panose="02020603050405020304" pitchFamily="18" charset="0"/>
-                <a:cs typeface="Times New Roman" panose="02020603050405020304" pitchFamily="18" charset="0"/>
-              </a:rPr>
-              <a:t>for Karry-LOB</a:t>
-            </a:r>
-            <a:endParaRPr lang="en-CN" dirty="0">
-              <a:latin typeface="Times New Roman" panose="02020603050405020304" pitchFamily="18" charset="0"/>
-              <a:cs typeface="Times New Roman" panose="02020603050405020304" pitchFamily="18" charset="0"/>
-            </a:endParaRPr>
-          </a:p>
-        </p:txBody>
-      </p:sp>
-      <p:grpSp>
-        <p:nvGrpSpPr>
-          <p:cNvPr id="13" name="Group 12">
-            <a:extLst>
-              <a:ext uri="{FF2B5EF4-FFF2-40B4-BE49-F238E27FC236}">
-                <a16:creationId xmlns:a16="http://schemas.microsoft.com/office/drawing/2014/main" id="{FFE2DAFC-AE1B-3E46-89C1-EB8B9B784CA2}"/>
+                <a16:creationId xmlns:a16="http://schemas.microsoft.com/office/drawing/2014/main" id="{0A6882D3-E34B-AF4F-B893-AF5975B5EE23}"/>
               </a:ext>
             </a:extLst>
           </p:cNvPr>
@@ -3417,18 +3362,18 @@
         </p:nvGrpSpPr>
         <p:grpSpPr>
           <a:xfrm>
-            <a:off x="241881" y="3429000"/>
-            <a:ext cx="3736429" cy="2469748"/>
-            <a:chOff x="329444" y="2401001"/>
-            <a:chExt cx="3736429" cy="2469748"/>
+            <a:off x="680294" y="339185"/>
+            <a:ext cx="10831412" cy="6179629"/>
+            <a:chOff x="352889" y="339185"/>
+            <a:chExt cx="10831412" cy="6179629"/>
           </a:xfrm>
         </p:grpSpPr>
         <p:sp>
           <p:nvSpPr>
-            <p:cNvPr id="4" name="Rounded Rectangle 3">
+            <p:cNvPr id="20" name="Left Brace 19">
               <a:extLst>
                 <a:ext uri="{FF2B5EF4-FFF2-40B4-BE49-F238E27FC236}">
-                  <a16:creationId xmlns:a16="http://schemas.microsoft.com/office/drawing/2014/main" id="{6A8FCA5D-8F2A-6D4C-947D-5B43DCF34953}"/>
+                  <a16:creationId xmlns:a16="http://schemas.microsoft.com/office/drawing/2014/main" id="{8D8E1C10-7EA9-964A-9FA2-54E53AE434C6}"/>
                 </a:ext>
               </a:extLst>
             </p:cNvPr>
@@ -3436,43 +3381,36 @@
             <p:nvPr/>
           </p:nvSpPr>
           <p:spPr>
-            <a:xfrm>
-              <a:off x="329445" y="3317878"/>
-              <a:ext cx="3736428" cy="635995"/>
+            <a:xfrm rot="5400000">
+              <a:off x="3458838" y="-1407434"/>
+              <a:ext cx="335538" cy="5158814"/>
             </a:xfrm>
-            <a:prstGeom prst="roundRect">
+            <a:prstGeom prst="leftBrace">
               <a:avLst>
-                <a:gd name="adj" fmla="val 4386"/>
+                <a:gd name="adj1" fmla="val 109984"/>
+                <a:gd name="adj2" fmla="val 50000"/>
               </a:avLst>
             </a:prstGeom>
-            <a:solidFill>
-              <a:schemeClr val="accent4">
-                <a:lumMod val="20000"/>
-                <a:lumOff val="80000"/>
-              </a:schemeClr>
-            </a:solidFill>
             <a:ln w="19050">
               <a:solidFill>
-                <a:schemeClr val="accent4">
-                  <a:lumMod val="50000"/>
-                </a:schemeClr>
+                <a:schemeClr val="tx1"/>
               </a:solidFill>
+              <a:headEnd type="stealth" w="lg" len="lg"/>
+              <a:tailEnd type="stealth" w="lg" len="lg"/>
             </a:ln>
           </p:spPr>
           <p:style>
-            <a:lnRef idx="2">
-              <a:schemeClr val="accent1">
-                <a:shade val="50000"/>
-              </a:schemeClr>
+            <a:lnRef idx="1">
+              <a:schemeClr val="accent1"/>
             </a:lnRef>
-            <a:fillRef idx="1">
+            <a:fillRef idx="0">
               <a:schemeClr val="accent1"/>
             </a:fillRef>
             <a:effectRef idx="0">
               <a:schemeClr val="accent1"/>
             </a:effectRef>
             <a:fontRef idx="minor">
-              <a:schemeClr val="lt1"/>
+              <a:schemeClr val="tx1"/>
             </a:fontRef>
           </p:style>
           <p:txBody>
@@ -3480,16 +3418,7 @@
             <a:lstStyle/>
             <a:p>
               <a:pPr algn="ctr"/>
-              <a:r>
-                <a:rPr lang="en-CN" sz="2000" dirty="0">
-                  <a:solidFill>
-                    <a:schemeClr val="tx1"/>
-                  </a:solidFill>
-                  <a:latin typeface="Times New Roman" panose="02020603050405020304" pitchFamily="18" charset="0"/>
-                  <a:cs typeface="Times New Roman" panose="02020603050405020304" pitchFamily="18" charset="0"/>
-                </a:rPr>
-                <a:t>Part 1. Tensor Engineering</a:t>
-              </a:r>
+              <a:endParaRPr lang="en-CN" b="1"/>
             </a:p>
           </p:txBody>
         </p:sp>
@@ -3507,11 +3436,13 @@
           </p:nvSpPr>
           <p:spPr>
             <a:xfrm>
-              <a:off x="329445" y="2401001"/>
-              <a:ext cx="3736428" cy="635995"/>
+              <a:off x="2115518" y="468690"/>
+              <a:ext cx="3022179" cy="535514"/>
             </a:xfrm>
             <a:prstGeom prst="can">
-              <a:avLst/>
+              <a:avLst>
+                <a:gd name="adj" fmla="val 12261"/>
+              </a:avLst>
             </a:prstGeom>
             <a:solidFill>
               <a:schemeClr val="accent5">
@@ -3547,7 +3478,7 @@
             <a:p>
               <a:pPr algn="ctr"/>
               <a:r>
-                <a:rPr lang="en-CN" altLang="zh-CN" dirty="0">
+                <a:rPr lang="en-CN" altLang="zh-CN" sz="1600" b="1" dirty="0">
                   <a:solidFill>
                     <a:schemeClr val="tx1"/>
                   </a:solidFill>
@@ -3557,7 +3488,7 @@
                 <a:t>Raw</a:t>
               </a:r>
               <a:r>
-                <a:rPr lang="zh-CN" altLang="en-US" dirty="0">
+                <a:rPr lang="zh-CN" altLang="en-US" sz="1600" b="1" dirty="0">
                   <a:solidFill>
                     <a:schemeClr val="tx1"/>
                   </a:solidFill>
@@ -3567,7 +3498,7 @@
                 <a:t> </a:t>
               </a:r>
               <a:r>
-                <a:rPr lang="en-US" altLang="zh-CN" dirty="0">
+                <a:rPr lang="en-US" altLang="zh-CN" sz="1600" b="1" dirty="0">
                   <a:solidFill>
                     <a:schemeClr val="tx1"/>
                   </a:solidFill>
@@ -3577,7 +3508,7 @@
                 <a:t>LOB</a:t>
               </a:r>
               <a:r>
-                <a:rPr lang="zh-CN" altLang="en-US" dirty="0">
+                <a:rPr lang="zh-CN" altLang="en-US" sz="1600" b="1" dirty="0">
                   <a:solidFill>
                     <a:schemeClr val="tx1"/>
                   </a:solidFill>
@@ -3587,7 +3518,7 @@
                 <a:t> </a:t>
               </a:r>
               <a:r>
-                <a:rPr lang="en-US" altLang="zh-CN" dirty="0">
+                <a:rPr lang="en-US" altLang="zh-CN" sz="1600" b="1" dirty="0">
                   <a:solidFill>
                     <a:schemeClr val="tx1"/>
                   </a:solidFill>
@@ -3599,12 +3530,1213 @@
             </a:p>
           </p:txBody>
         </p:sp>
+        <p:grpSp>
+          <p:nvGrpSpPr>
+            <p:cNvPr id="76" name="Group 75">
+              <a:extLst>
+                <a:ext uri="{FF2B5EF4-FFF2-40B4-BE49-F238E27FC236}">
+                  <a16:creationId xmlns:a16="http://schemas.microsoft.com/office/drawing/2014/main" id="{DAB53083-B61D-FD42-A517-1A4514731B89}"/>
+                </a:ext>
+              </a:extLst>
+            </p:cNvPr>
+            <p:cNvGrpSpPr/>
+            <p:nvPr/>
+          </p:nvGrpSpPr>
+          <p:grpSpPr>
+            <a:xfrm>
+              <a:off x="352891" y="1339742"/>
+              <a:ext cx="6547431" cy="675660"/>
+              <a:chOff x="50166" y="1000557"/>
+              <a:chExt cx="6547431" cy="675660"/>
+            </a:xfrm>
+          </p:grpSpPr>
+          <p:sp>
+            <p:nvSpPr>
+              <p:cNvPr id="28" name="Rounded Rectangle 27">
+                <a:extLst>
+                  <a:ext uri="{FF2B5EF4-FFF2-40B4-BE49-F238E27FC236}">
+                    <a16:creationId xmlns:a16="http://schemas.microsoft.com/office/drawing/2014/main" id="{E7D37152-D2CE-DA4D-93BE-C5D05D46E05A}"/>
+                  </a:ext>
+                </a:extLst>
+              </p:cNvPr>
+              <p:cNvSpPr/>
+              <p:nvPr/>
+            </p:nvSpPr>
+            <p:spPr>
+              <a:xfrm>
+                <a:off x="50166" y="1000557"/>
+                <a:ext cx="6547431" cy="675660"/>
+              </a:xfrm>
+              <a:prstGeom prst="roundRect">
+                <a:avLst>
+                  <a:gd name="adj" fmla="val 8101"/>
+                </a:avLst>
+              </a:prstGeom>
+              <a:solidFill>
+                <a:schemeClr val="bg1">
+                  <a:lumMod val="95000"/>
+                </a:schemeClr>
+              </a:solidFill>
+              <a:ln w="19050">
+                <a:solidFill>
+                  <a:schemeClr val="tx1"/>
+                </a:solidFill>
+              </a:ln>
+            </p:spPr>
+            <p:style>
+              <a:lnRef idx="2">
+                <a:schemeClr val="accent1">
+                  <a:shade val="50000"/>
+                </a:schemeClr>
+              </a:lnRef>
+              <a:fillRef idx="1">
+                <a:schemeClr val="accent1"/>
+              </a:fillRef>
+              <a:effectRef idx="0">
+                <a:schemeClr val="accent1"/>
+              </a:effectRef>
+              <a:fontRef idx="minor">
+                <a:schemeClr val="lt1"/>
+              </a:fontRef>
+            </p:style>
+            <p:txBody>
+              <a:bodyPr rtlCol="0" anchor="ctr"/>
+              <a:lstStyle/>
+              <a:p>
+                <a:pPr algn="ctr"/>
+                <a:endParaRPr lang="en-CN"/>
+              </a:p>
+            </p:txBody>
+          </p:sp>
+          <p:sp>
+            <p:nvSpPr>
+              <p:cNvPr id="8" name="Can 7">
+                <a:extLst>
+                  <a:ext uri="{FF2B5EF4-FFF2-40B4-BE49-F238E27FC236}">
+                    <a16:creationId xmlns:a16="http://schemas.microsoft.com/office/drawing/2014/main" id="{57960A23-A06B-1A46-A1A3-004E7F69BA3D}"/>
+                  </a:ext>
+                </a:extLst>
+              </p:cNvPr>
+              <p:cNvSpPr/>
+              <p:nvPr/>
+            </p:nvSpPr>
+            <p:spPr>
+              <a:xfrm>
+                <a:off x="168615" y="1115617"/>
+                <a:ext cx="1151720" cy="457290"/>
+              </a:xfrm>
+              <a:prstGeom prst="can">
+                <a:avLst>
+                  <a:gd name="adj" fmla="val 23232"/>
+                </a:avLst>
+              </a:prstGeom>
+              <a:solidFill>
+                <a:schemeClr val="bg1">
+                  <a:lumMod val="85000"/>
+                </a:schemeClr>
+              </a:solidFill>
+              <a:ln w="19050">
+                <a:solidFill>
+                  <a:schemeClr val="tx1"/>
+                </a:solidFill>
+                <a:prstDash val="sysDash"/>
+              </a:ln>
+            </p:spPr>
+            <p:style>
+              <a:lnRef idx="2">
+                <a:schemeClr val="accent1">
+                  <a:shade val="50000"/>
+                </a:schemeClr>
+              </a:lnRef>
+              <a:fillRef idx="1">
+                <a:schemeClr val="accent1"/>
+              </a:fillRef>
+              <a:effectRef idx="0">
+                <a:schemeClr val="accent1"/>
+              </a:effectRef>
+              <a:fontRef idx="minor">
+                <a:schemeClr val="lt1"/>
+              </a:fontRef>
+            </p:style>
+            <p:txBody>
+              <a:bodyPr rtlCol="0" anchor="ctr"/>
+              <a:lstStyle/>
+              <a:p>
+                <a:pPr algn="ctr"/>
+                <a:r>
+                  <a:rPr lang="en-US" altLang="zh-CN" sz="1400" b="1" dirty="0">
+                    <a:solidFill>
+                      <a:schemeClr val="tx1"/>
+                    </a:solidFill>
+                    <a:latin typeface="Times New Roman" panose="02020603050405020304" pitchFamily="18" charset="0"/>
+                    <a:cs typeface="Times New Roman" panose="02020603050405020304" pitchFamily="18" charset="0"/>
+                  </a:rPr>
+                  <a:t>(T,</a:t>
+                </a:r>
+                <a:r>
+                  <a:rPr lang="zh-CN" altLang="en-US" sz="1400" b="1" dirty="0">
+                    <a:solidFill>
+                      <a:schemeClr val="tx1"/>
+                    </a:solidFill>
+                    <a:latin typeface="Times New Roman" panose="02020603050405020304" pitchFamily="18" charset="0"/>
+                    <a:cs typeface="Times New Roman" panose="02020603050405020304" pitchFamily="18" charset="0"/>
+                  </a:rPr>
+                  <a:t> </a:t>
+                </a:r>
+                <a:r>
+                  <a:rPr lang="en-US" altLang="zh-CN" sz="1400" b="1" dirty="0">
+                    <a:solidFill>
+                      <a:schemeClr val="tx1"/>
+                    </a:solidFill>
+                    <a:latin typeface="Times New Roman" panose="02020603050405020304" pitchFamily="18" charset="0"/>
+                    <a:cs typeface="Times New Roman" panose="02020603050405020304" pitchFamily="18" charset="0"/>
+                  </a:rPr>
+                  <a:t>D, L, F)</a:t>
+                </a:r>
+              </a:p>
+            </p:txBody>
+          </p:sp>
+          <p:sp>
+            <p:nvSpPr>
+              <p:cNvPr id="24" name="Can 23">
+                <a:extLst>
+                  <a:ext uri="{FF2B5EF4-FFF2-40B4-BE49-F238E27FC236}">
+                    <a16:creationId xmlns:a16="http://schemas.microsoft.com/office/drawing/2014/main" id="{BA054403-9548-3A41-AD5C-437DAF90BDF1}"/>
+                  </a:ext>
+                </a:extLst>
+              </p:cNvPr>
+              <p:cNvSpPr/>
+              <p:nvPr/>
+            </p:nvSpPr>
+            <p:spPr>
+              <a:xfrm>
+                <a:off x="1458318" y="1109742"/>
+                <a:ext cx="1151720" cy="457290"/>
+              </a:xfrm>
+              <a:prstGeom prst="can">
+                <a:avLst>
+                  <a:gd name="adj" fmla="val 23232"/>
+                </a:avLst>
+              </a:prstGeom>
+              <a:solidFill>
+                <a:schemeClr val="bg1">
+                  <a:lumMod val="85000"/>
+                </a:schemeClr>
+              </a:solidFill>
+              <a:ln w="19050">
+                <a:solidFill>
+                  <a:schemeClr val="tx1"/>
+                </a:solidFill>
+                <a:prstDash val="sysDash"/>
+              </a:ln>
+            </p:spPr>
+            <p:style>
+              <a:lnRef idx="2">
+                <a:schemeClr val="accent1">
+                  <a:shade val="50000"/>
+                </a:schemeClr>
+              </a:lnRef>
+              <a:fillRef idx="1">
+                <a:schemeClr val="accent1"/>
+              </a:fillRef>
+              <a:effectRef idx="0">
+                <a:schemeClr val="accent1"/>
+              </a:effectRef>
+              <a:fontRef idx="minor">
+                <a:schemeClr val="lt1"/>
+              </a:fontRef>
+            </p:style>
+            <p:txBody>
+              <a:bodyPr rtlCol="0" anchor="ctr"/>
+              <a:lstStyle/>
+              <a:p>
+                <a:pPr algn="ctr"/>
+                <a:r>
+                  <a:rPr lang="en-US" altLang="zh-CN" sz="1050" b="1" dirty="0">
+                    <a:solidFill>
+                      <a:schemeClr val="tx1"/>
+                    </a:solidFill>
+                    <a:latin typeface="Times New Roman" panose="02020603050405020304" pitchFamily="18" charset="0"/>
+                    <a:cs typeface="Times New Roman" panose="02020603050405020304" pitchFamily="18" charset="0"/>
+                  </a:rPr>
+                  <a:t>(T,</a:t>
+                </a:r>
+                <a:r>
+                  <a:rPr lang="zh-CN" altLang="en-US" sz="1050" b="1" dirty="0">
+                    <a:solidFill>
+                      <a:schemeClr val="tx1"/>
+                    </a:solidFill>
+                    <a:latin typeface="Times New Roman" panose="02020603050405020304" pitchFamily="18" charset="0"/>
+                    <a:cs typeface="Times New Roman" panose="02020603050405020304" pitchFamily="18" charset="0"/>
+                  </a:rPr>
+                  <a:t> </a:t>
+                </a:r>
+                <a:r>
+                  <a:rPr lang="en-US" altLang="zh-CN" sz="1050" b="1" dirty="0">
+                    <a:solidFill>
+                      <a:schemeClr val="tx1"/>
+                    </a:solidFill>
+                    <a:latin typeface="Times New Roman" panose="02020603050405020304" pitchFamily="18" charset="0"/>
+                    <a:cs typeface="Times New Roman" panose="02020603050405020304" pitchFamily="18" charset="0"/>
+                  </a:rPr>
+                  <a:t>HF, PN, L, F)</a:t>
+                </a:r>
+              </a:p>
+            </p:txBody>
+          </p:sp>
+          <p:sp>
+            <p:nvSpPr>
+              <p:cNvPr id="25" name="Can 24">
+                <a:extLst>
+                  <a:ext uri="{FF2B5EF4-FFF2-40B4-BE49-F238E27FC236}">
+                    <a16:creationId xmlns:a16="http://schemas.microsoft.com/office/drawing/2014/main" id="{883DBEF8-74B9-CA4B-8B37-52F30A0919BC}"/>
+                  </a:ext>
+                </a:extLst>
+              </p:cNvPr>
+              <p:cNvSpPr/>
+              <p:nvPr/>
+            </p:nvSpPr>
+            <p:spPr>
+              <a:xfrm>
+                <a:off x="2748022" y="1109742"/>
+                <a:ext cx="1151720" cy="457290"/>
+              </a:xfrm>
+              <a:prstGeom prst="can">
+                <a:avLst>
+                  <a:gd name="adj" fmla="val 23232"/>
+                </a:avLst>
+              </a:prstGeom>
+              <a:solidFill>
+                <a:schemeClr val="bg1">
+                  <a:lumMod val="85000"/>
+                </a:schemeClr>
+              </a:solidFill>
+              <a:ln w="19050">
+                <a:solidFill>
+                  <a:schemeClr val="tx1"/>
+                </a:solidFill>
+                <a:prstDash val="sysDash"/>
+              </a:ln>
+            </p:spPr>
+            <p:style>
+              <a:lnRef idx="2">
+                <a:schemeClr val="accent1">
+                  <a:shade val="50000"/>
+                </a:schemeClr>
+              </a:lnRef>
+              <a:fillRef idx="1">
+                <a:schemeClr val="accent1"/>
+              </a:fillRef>
+              <a:effectRef idx="0">
+                <a:schemeClr val="accent1"/>
+              </a:effectRef>
+              <a:fontRef idx="minor">
+                <a:schemeClr val="lt1"/>
+              </a:fontRef>
+            </p:style>
+            <p:txBody>
+              <a:bodyPr rtlCol="0" anchor="ctr"/>
+              <a:lstStyle/>
+              <a:p>
+                <a:pPr algn="ctr"/>
+                <a:r>
+                  <a:rPr lang="en-US" altLang="zh-CN" sz="1400" b="1" dirty="0">
+                    <a:solidFill>
+                      <a:schemeClr val="tx1"/>
+                    </a:solidFill>
+                    <a:latin typeface="Times New Roman" panose="02020603050405020304" pitchFamily="18" charset="0"/>
+                    <a:cs typeface="Times New Roman" panose="02020603050405020304" pitchFamily="18" charset="0"/>
+                  </a:rPr>
+                  <a:t>(T, L, F)</a:t>
+                </a:r>
+              </a:p>
+            </p:txBody>
+          </p:sp>
+          <p:sp>
+            <p:nvSpPr>
+              <p:cNvPr id="26" name="Can 25">
+                <a:extLst>
+                  <a:ext uri="{FF2B5EF4-FFF2-40B4-BE49-F238E27FC236}">
+                    <a16:creationId xmlns:a16="http://schemas.microsoft.com/office/drawing/2014/main" id="{753C8883-E303-0B47-898B-588EEC61DE11}"/>
+                  </a:ext>
+                </a:extLst>
+              </p:cNvPr>
+              <p:cNvSpPr/>
+              <p:nvPr/>
+            </p:nvSpPr>
+            <p:spPr>
+              <a:xfrm>
+                <a:off x="4037726" y="1109742"/>
+                <a:ext cx="1151720" cy="457290"/>
+              </a:xfrm>
+              <a:prstGeom prst="can">
+                <a:avLst>
+                  <a:gd name="adj" fmla="val 23232"/>
+                </a:avLst>
+              </a:prstGeom>
+              <a:solidFill>
+                <a:schemeClr val="bg1">
+                  <a:lumMod val="85000"/>
+                </a:schemeClr>
+              </a:solidFill>
+              <a:ln w="19050">
+                <a:solidFill>
+                  <a:schemeClr val="tx1"/>
+                </a:solidFill>
+                <a:prstDash val="sysDash"/>
+              </a:ln>
+            </p:spPr>
+            <p:style>
+              <a:lnRef idx="2">
+                <a:schemeClr val="accent1">
+                  <a:shade val="50000"/>
+                </a:schemeClr>
+              </a:lnRef>
+              <a:fillRef idx="1">
+                <a:schemeClr val="accent1"/>
+              </a:fillRef>
+              <a:effectRef idx="0">
+                <a:schemeClr val="accent1"/>
+              </a:effectRef>
+              <a:fontRef idx="minor">
+                <a:schemeClr val="lt1"/>
+              </a:fontRef>
+            </p:style>
+            <p:txBody>
+              <a:bodyPr rtlCol="0" anchor="ctr"/>
+              <a:lstStyle/>
+              <a:p>
+                <a:pPr algn="ctr"/>
+                <a:r>
+                  <a:rPr lang="en-US" altLang="zh-CN" sz="1400" b="1" dirty="0">
+                    <a:solidFill>
+                      <a:schemeClr val="tx1"/>
+                    </a:solidFill>
+                    <a:latin typeface="Times New Roman" panose="02020603050405020304" pitchFamily="18" charset="0"/>
+                    <a:cs typeface="Times New Roman" panose="02020603050405020304" pitchFamily="18" charset="0"/>
+                  </a:rPr>
+                  <a:t>(T, D, F)</a:t>
+                </a:r>
+              </a:p>
+            </p:txBody>
+          </p:sp>
+          <p:sp>
+            <p:nvSpPr>
+              <p:cNvPr id="27" name="Can 26">
+                <a:extLst>
+                  <a:ext uri="{FF2B5EF4-FFF2-40B4-BE49-F238E27FC236}">
+                    <a16:creationId xmlns:a16="http://schemas.microsoft.com/office/drawing/2014/main" id="{3D227BDC-1098-4A4D-B9B6-0C9A6D542A23}"/>
+                  </a:ext>
+                </a:extLst>
+              </p:cNvPr>
+              <p:cNvSpPr/>
+              <p:nvPr/>
+            </p:nvSpPr>
+            <p:spPr>
+              <a:xfrm>
+                <a:off x="5327430" y="1109742"/>
+                <a:ext cx="1151720" cy="457290"/>
+              </a:xfrm>
+              <a:prstGeom prst="can">
+                <a:avLst>
+                  <a:gd name="adj" fmla="val 23232"/>
+                </a:avLst>
+              </a:prstGeom>
+              <a:solidFill>
+                <a:schemeClr val="bg1">
+                  <a:lumMod val="85000"/>
+                </a:schemeClr>
+              </a:solidFill>
+              <a:ln w="19050">
+                <a:solidFill>
+                  <a:schemeClr val="tx1"/>
+                </a:solidFill>
+                <a:prstDash val="sysDash"/>
+              </a:ln>
+            </p:spPr>
+            <p:style>
+              <a:lnRef idx="2">
+                <a:schemeClr val="accent1">
+                  <a:shade val="50000"/>
+                </a:schemeClr>
+              </a:lnRef>
+              <a:fillRef idx="1">
+                <a:schemeClr val="accent1"/>
+              </a:fillRef>
+              <a:effectRef idx="0">
+                <a:schemeClr val="accent1"/>
+              </a:effectRef>
+              <a:fontRef idx="minor">
+                <a:schemeClr val="lt1"/>
+              </a:fontRef>
+            </p:style>
+            <p:txBody>
+              <a:bodyPr rtlCol="0" anchor="ctr"/>
+              <a:lstStyle/>
+              <a:p>
+                <a:pPr algn="ctr"/>
+                <a:r>
+                  <a:rPr lang="en-US" altLang="zh-CN" sz="1400" b="1" dirty="0">
+                    <a:solidFill>
+                      <a:schemeClr val="tx1"/>
+                    </a:solidFill>
+                    <a:latin typeface="Times New Roman" panose="02020603050405020304" pitchFamily="18" charset="0"/>
+                    <a:cs typeface="Times New Roman" panose="02020603050405020304" pitchFamily="18" charset="0"/>
+                  </a:rPr>
+                  <a:t>(T, F)</a:t>
+                </a:r>
+              </a:p>
+            </p:txBody>
+          </p:sp>
+        </p:grpSp>
+        <p:grpSp>
+          <p:nvGrpSpPr>
+            <p:cNvPr id="77" name="Group 76">
+              <a:extLst>
+                <a:ext uri="{FF2B5EF4-FFF2-40B4-BE49-F238E27FC236}">
+                  <a16:creationId xmlns:a16="http://schemas.microsoft.com/office/drawing/2014/main" id="{C328C7C1-0F0C-9B4F-9BA1-BF67F6A6E3A8}"/>
+                </a:ext>
+              </a:extLst>
+            </p:cNvPr>
+            <p:cNvGrpSpPr/>
+            <p:nvPr/>
+          </p:nvGrpSpPr>
+          <p:grpSpPr>
+            <a:xfrm>
+              <a:off x="352890" y="2124587"/>
+              <a:ext cx="6547431" cy="675660"/>
+              <a:chOff x="50165" y="1785402"/>
+              <a:chExt cx="6547431" cy="675660"/>
+            </a:xfrm>
+          </p:grpSpPr>
+          <p:sp>
+            <p:nvSpPr>
+              <p:cNvPr id="29" name="Rounded Rectangle 28">
+                <a:extLst>
+                  <a:ext uri="{FF2B5EF4-FFF2-40B4-BE49-F238E27FC236}">
+                    <a16:creationId xmlns:a16="http://schemas.microsoft.com/office/drawing/2014/main" id="{19161FCD-5C59-6442-A876-7F1B239A1FDB}"/>
+                  </a:ext>
+                </a:extLst>
+              </p:cNvPr>
+              <p:cNvSpPr/>
+              <p:nvPr/>
+            </p:nvSpPr>
+            <p:spPr>
+              <a:xfrm>
+                <a:off x="50165" y="1785402"/>
+                <a:ext cx="6547431" cy="675660"/>
+              </a:xfrm>
+              <a:prstGeom prst="roundRect">
+                <a:avLst>
+                  <a:gd name="adj" fmla="val 8101"/>
+                </a:avLst>
+              </a:prstGeom>
+              <a:solidFill>
+                <a:schemeClr val="accent6">
+                  <a:lumMod val="20000"/>
+                  <a:lumOff val="80000"/>
+                </a:schemeClr>
+              </a:solidFill>
+              <a:ln w="19050">
+                <a:solidFill>
+                  <a:schemeClr val="tx1"/>
+                </a:solidFill>
+              </a:ln>
+            </p:spPr>
+            <p:style>
+              <a:lnRef idx="2">
+                <a:schemeClr val="accent1">
+                  <a:shade val="50000"/>
+                </a:schemeClr>
+              </a:lnRef>
+              <a:fillRef idx="1">
+                <a:schemeClr val="accent1"/>
+              </a:fillRef>
+              <a:effectRef idx="0">
+                <a:schemeClr val="accent1"/>
+              </a:effectRef>
+              <a:fontRef idx="minor">
+                <a:schemeClr val="lt1"/>
+              </a:fontRef>
+            </p:style>
+            <p:txBody>
+              <a:bodyPr rtlCol="0" anchor="ctr"/>
+              <a:lstStyle/>
+              <a:p>
+                <a:pPr algn="ctr"/>
+                <a:endParaRPr lang="en-CN"/>
+              </a:p>
+            </p:txBody>
+          </p:sp>
+          <p:sp>
+            <p:nvSpPr>
+              <p:cNvPr id="30" name="Can 29">
+                <a:extLst>
+                  <a:ext uri="{FF2B5EF4-FFF2-40B4-BE49-F238E27FC236}">
+                    <a16:creationId xmlns:a16="http://schemas.microsoft.com/office/drawing/2014/main" id="{7B7EB73B-5E41-6C4C-A5AD-ED9860ECD5FC}"/>
+                  </a:ext>
+                </a:extLst>
+              </p:cNvPr>
+              <p:cNvSpPr/>
+              <p:nvPr/>
+            </p:nvSpPr>
+            <p:spPr>
+              <a:xfrm>
+                <a:off x="168614" y="1899980"/>
+                <a:ext cx="1151720" cy="457290"/>
+              </a:xfrm>
+              <a:prstGeom prst="can">
+                <a:avLst>
+                  <a:gd name="adj" fmla="val 23232"/>
+                </a:avLst>
+              </a:prstGeom>
+              <a:solidFill>
+                <a:schemeClr val="accent6">
+                  <a:lumMod val="40000"/>
+                  <a:lumOff val="60000"/>
+                </a:schemeClr>
+              </a:solidFill>
+              <a:ln w="19050">
+                <a:solidFill>
+                  <a:schemeClr val="tx1"/>
+                </a:solidFill>
+                <a:prstDash val="sysDash"/>
+              </a:ln>
+            </p:spPr>
+            <p:style>
+              <a:lnRef idx="2">
+                <a:schemeClr val="accent1">
+                  <a:shade val="50000"/>
+                </a:schemeClr>
+              </a:lnRef>
+              <a:fillRef idx="1">
+                <a:schemeClr val="accent1"/>
+              </a:fillRef>
+              <a:effectRef idx="0">
+                <a:schemeClr val="accent1"/>
+              </a:effectRef>
+              <a:fontRef idx="minor">
+                <a:schemeClr val="lt1"/>
+              </a:fontRef>
+            </p:style>
+            <p:txBody>
+              <a:bodyPr rtlCol="0" anchor="ctr"/>
+              <a:lstStyle/>
+              <a:p>
+                <a:pPr algn="ctr"/>
+                <a:r>
+                  <a:rPr lang="en-US" altLang="zh-CN" sz="1400" b="1" dirty="0">
+                    <a:solidFill>
+                      <a:schemeClr val="tx1"/>
+                    </a:solidFill>
+                    <a:latin typeface="Times New Roman" panose="02020603050405020304" pitchFamily="18" charset="0"/>
+                    <a:cs typeface="Times New Roman" panose="02020603050405020304" pitchFamily="18" charset="0"/>
+                  </a:rPr>
+                  <a:t>(T,</a:t>
+                </a:r>
+                <a:r>
+                  <a:rPr lang="zh-CN" altLang="en-US" sz="1400" b="1" dirty="0">
+                    <a:solidFill>
+                      <a:schemeClr val="tx1"/>
+                    </a:solidFill>
+                    <a:latin typeface="Times New Roman" panose="02020603050405020304" pitchFamily="18" charset="0"/>
+                    <a:cs typeface="Times New Roman" panose="02020603050405020304" pitchFamily="18" charset="0"/>
+                  </a:rPr>
+                  <a:t> </a:t>
+                </a:r>
+                <a:r>
+                  <a:rPr lang="en-US" altLang="zh-CN" sz="1400" b="1" dirty="0">
+                    <a:solidFill>
+                      <a:schemeClr val="tx1"/>
+                    </a:solidFill>
+                    <a:latin typeface="Times New Roman" panose="02020603050405020304" pitchFamily="18" charset="0"/>
+                    <a:cs typeface="Times New Roman" panose="02020603050405020304" pitchFamily="18" charset="0"/>
+                  </a:rPr>
+                  <a:t>D, L, F)</a:t>
+                </a:r>
+              </a:p>
+            </p:txBody>
+          </p:sp>
+          <p:sp>
+            <p:nvSpPr>
+              <p:cNvPr id="31" name="Can 30">
+                <a:extLst>
+                  <a:ext uri="{FF2B5EF4-FFF2-40B4-BE49-F238E27FC236}">
+                    <a16:creationId xmlns:a16="http://schemas.microsoft.com/office/drawing/2014/main" id="{399FB713-ADF7-BA4A-B841-5BEDB7C0CE20}"/>
+                  </a:ext>
+                </a:extLst>
+              </p:cNvPr>
+              <p:cNvSpPr/>
+              <p:nvPr/>
+            </p:nvSpPr>
+            <p:spPr>
+              <a:xfrm>
+                <a:off x="1458317" y="1894105"/>
+                <a:ext cx="1151720" cy="457290"/>
+              </a:xfrm>
+              <a:prstGeom prst="can">
+                <a:avLst>
+                  <a:gd name="adj" fmla="val 23232"/>
+                </a:avLst>
+              </a:prstGeom>
+              <a:solidFill>
+                <a:schemeClr val="accent6">
+                  <a:lumMod val="40000"/>
+                  <a:lumOff val="60000"/>
+                </a:schemeClr>
+              </a:solidFill>
+              <a:ln w="19050">
+                <a:solidFill>
+                  <a:schemeClr val="tx1"/>
+                </a:solidFill>
+                <a:prstDash val="sysDash"/>
+              </a:ln>
+            </p:spPr>
+            <p:style>
+              <a:lnRef idx="2">
+                <a:schemeClr val="accent1">
+                  <a:shade val="50000"/>
+                </a:schemeClr>
+              </a:lnRef>
+              <a:fillRef idx="1">
+                <a:schemeClr val="accent1"/>
+              </a:fillRef>
+              <a:effectRef idx="0">
+                <a:schemeClr val="accent1"/>
+              </a:effectRef>
+              <a:fontRef idx="minor">
+                <a:schemeClr val="lt1"/>
+              </a:fontRef>
+            </p:style>
+            <p:txBody>
+              <a:bodyPr rtlCol="0" anchor="ctr"/>
+              <a:lstStyle/>
+              <a:p>
+                <a:pPr algn="ctr"/>
+                <a:r>
+                  <a:rPr lang="en-US" altLang="zh-CN" sz="1050" b="1" dirty="0">
+                    <a:solidFill>
+                      <a:schemeClr val="tx1"/>
+                    </a:solidFill>
+                    <a:latin typeface="Times New Roman" panose="02020603050405020304" pitchFamily="18" charset="0"/>
+                    <a:cs typeface="Times New Roman" panose="02020603050405020304" pitchFamily="18" charset="0"/>
+                  </a:rPr>
+                  <a:t>(T,</a:t>
+                </a:r>
+                <a:r>
+                  <a:rPr lang="zh-CN" altLang="en-US" sz="1050" b="1" dirty="0">
+                    <a:solidFill>
+                      <a:schemeClr val="tx1"/>
+                    </a:solidFill>
+                    <a:latin typeface="Times New Roman" panose="02020603050405020304" pitchFamily="18" charset="0"/>
+                    <a:cs typeface="Times New Roman" panose="02020603050405020304" pitchFamily="18" charset="0"/>
+                  </a:rPr>
+                  <a:t> </a:t>
+                </a:r>
+                <a:r>
+                  <a:rPr lang="en-US" altLang="zh-CN" sz="1050" b="1" dirty="0">
+                    <a:solidFill>
+                      <a:schemeClr val="tx1"/>
+                    </a:solidFill>
+                    <a:latin typeface="Times New Roman" panose="02020603050405020304" pitchFamily="18" charset="0"/>
+                    <a:cs typeface="Times New Roman" panose="02020603050405020304" pitchFamily="18" charset="0"/>
+                  </a:rPr>
+                  <a:t>HF, PN, L, F)</a:t>
+                </a:r>
+              </a:p>
+            </p:txBody>
+          </p:sp>
+          <p:sp>
+            <p:nvSpPr>
+              <p:cNvPr id="32" name="Can 31">
+                <a:extLst>
+                  <a:ext uri="{FF2B5EF4-FFF2-40B4-BE49-F238E27FC236}">
+                    <a16:creationId xmlns:a16="http://schemas.microsoft.com/office/drawing/2014/main" id="{6EC9F139-6074-5C41-AA2A-D7B4EB5B24F2}"/>
+                  </a:ext>
+                </a:extLst>
+              </p:cNvPr>
+              <p:cNvSpPr/>
+              <p:nvPr/>
+            </p:nvSpPr>
+            <p:spPr>
+              <a:xfrm>
+                <a:off x="2748021" y="1894105"/>
+                <a:ext cx="1151720" cy="457290"/>
+              </a:xfrm>
+              <a:prstGeom prst="can">
+                <a:avLst>
+                  <a:gd name="adj" fmla="val 23232"/>
+                </a:avLst>
+              </a:prstGeom>
+              <a:solidFill>
+                <a:schemeClr val="accent6">
+                  <a:lumMod val="40000"/>
+                  <a:lumOff val="60000"/>
+                </a:schemeClr>
+              </a:solidFill>
+              <a:ln w="19050">
+                <a:solidFill>
+                  <a:schemeClr val="tx1"/>
+                </a:solidFill>
+                <a:prstDash val="sysDash"/>
+              </a:ln>
+            </p:spPr>
+            <p:style>
+              <a:lnRef idx="2">
+                <a:schemeClr val="accent1">
+                  <a:shade val="50000"/>
+                </a:schemeClr>
+              </a:lnRef>
+              <a:fillRef idx="1">
+                <a:schemeClr val="accent1"/>
+              </a:fillRef>
+              <a:effectRef idx="0">
+                <a:schemeClr val="accent1"/>
+              </a:effectRef>
+              <a:fontRef idx="minor">
+                <a:schemeClr val="lt1"/>
+              </a:fontRef>
+            </p:style>
+            <p:txBody>
+              <a:bodyPr rtlCol="0" anchor="ctr"/>
+              <a:lstStyle/>
+              <a:p>
+                <a:pPr algn="ctr"/>
+                <a:r>
+                  <a:rPr lang="en-US" altLang="zh-CN" sz="1400" b="1" dirty="0">
+                    <a:solidFill>
+                      <a:schemeClr val="tx1"/>
+                    </a:solidFill>
+                    <a:latin typeface="Times New Roman" panose="02020603050405020304" pitchFamily="18" charset="0"/>
+                    <a:cs typeface="Times New Roman" panose="02020603050405020304" pitchFamily="18" charset="0"/>
+                  </a:rPr>
+                  <a:t>(T, L, F)</a:t>
+                </a:r>
+              </a:p>
+            </p:txBody>
+          </p:sp>
+          <p:sp>
+            <p:nvSpPr>
+              <p:cNvPr id="33" name="Can 32">
+                <a:extLst>
+                  <a:ext uri="{FF2B5EF4-FFF2-40B4-BE49-F238E27FC236}">
+                    <a16:creationId xmlns:a16="http://schemas.microsoft.com/office/drawing/2014/main" id="{AE1CD63F-07A1-BA42-939F-54A875EFC9CA}"/>
+                  </a:ext>
+                </a:extLst>
+              </p:cNvPr>
+              <p:cNvSpPr/>
+              <p:nvPr/>
+            </p:nvSpPr>
+            <p:spPr>
+              <a:xfrm>
+                <a:off x="4037725" y="1894105"/>
+                <a:ext cx="1151720" cy="457290"/>
+              </a:xfrm>
+              <a:prstGeom prst="can">
+                <a:avLst>
+                  <a:gd name="adj" fmla="val 23232"/>
+                </a:avLst>
+              </a:prstGeom>
+              <a:solidFill>
+                <a:schemeClr val="accent6">
+                  <a:lumMod val="40000"/>
+                  <a:lumOff val="60000"/>
+                </a:schemeClr>
+              </a:solidFill>
+              <a:ln w="19050">
+                <a:solidFill>
+                  <a:schemeClr val="tx1"/>
+                </a:solidFill>
+                <a:prstDash val="sysDash"/>
+              </a:ln>
+            </p:spPr>
+            <p:style>
+              <a:lnRef idx="2">
+                <a:schemeClr val="accent1">
+                  <a:shade val="50000"/>
+                </a:schemeClr>
+              </a:lnRef>
+              <a:fillRef idx="1">
+                <a:schemeClr val="accent1"/>
+              </a:fillRef>
+              <a:effectRef idx="0">
+                <a:schemeClr val="accent1"/>
+              </a:effectRef>
+              <a:fontRef idx="minor">
+                <a:schemeClr val="lt1"/>
+              </a:fontRef>
+            </p:style>
+            <p:txBody>
+              <a:bodyPr rtlCol="0" anchor="ctr"/>
+              <a:lstStyle/>
+              <a:p>
+                <a:pPr algn="ctr"/>
+                <a:r>
+                  <a:rPr lang="en-US" altLang="zh-CN" sz="1400" b="1" dirty="0">
+                    <a:solidFill>
+                      <a:schemeClr val="tx1"/>
+                    </a:solidFill>
+                    <a:latin typeface="Times New Roman" panose="02020603050405020304" pitchFamily="18" charset="0"/>
+                    <a:cs typeface="Times New Roman" panose="02020603050405020304" pitchFamily="18" charset="0"/>
+                  </a:rPr>
+                  <a:t>(T, D, F)</a:t>
+                </a:r>
+              </a:p>
+            </p:txBody>
+          </p:sp>
+          <p:sp>
+            <p:nvSpPr>
+              <p:cNvPr id="34" name="Can 33">
+                <a:extLst>
+                  <a:ext uri="{FF2B5EF4-FFF2-40B4-BE49-F238E27FC236}">
+                    <a16:creationId xmlns:a16="http://schemas.microsoft.com/office/drawing/2014/main" id="{20CF1AF8-C054-B545-8B25-C46494D40D87}"/>
+                  </a:ext>
+                </a:extLst>
+              </p:cNvPr>
+              <p:cNvSpPr/>
+              <p:nvPr/>
+            </p:nvSpPr>
+            <p:spPr>
+              <a:xfrm>
+                <a:off x="5327429" y="1894105"/>
+                <a:ext cx="1151720" cy="457290"/>
+              </a:xfrm>
+              <a:prstGeom prst="can">
+                <a:avLst>
+                  <a:gd name="adj" fmla="val 23232"/>
+                </a:avLst>
+              </a:prstGeom>
+              <a:solidFill>
+                <a:schemeClr val="accent6">
+                  <a:lumMod val="40000"/>
+                  <a:lumOff val="60000"/>
+                </a:schemeClr>
+              </a:solidFill>
+              <a:ln w="19050">
+                <a:solidFill>
+                  <a:schemeClr val="tx1"/>
+                </a:solidFill>
+                <a:prstDash val="sysDash"/>
+              </a:ln>
+            </p:spPr>
+            <p:style>
+              <a:lnRef idx="2">
+                <a:schemeClr val="accent1">
+                  <a:shade val="50000"/>
+                </a:schemeClr>
+              </a:lnRef>
+              <a:fillRef idx="1">
+                <a:schemeClr val="accent1"/>
+              </a:fillRef>
+              <a:effectRef idx="0">
+                <a:schemeClr val="accent1"/>
+              </a:effectRef>
+              <a:fontRef idx="minor">
+                <a:schemeClr val="lt1"/>
+              </a:fontRef>
+            </p:style>
+            <p:txBody>
+              <a:bodyPr rtlCol="0" anchor="ctr"/>
+              <a:lstStyle/>
+              <a:p>
+                <a:pPr algn="ctr"/>
+                <a:r>
+                  <a:rPr lang="en-US" altLang="zh-CN" sz="1400" b="1" dirty="0">
+                    <a:solidFill>
+                      <a:schemeClr val="tx1"/>
+                    </a:solidFill>
+                    <a:latin typeface="Times New Roman" panose="02020603050405020304" pitchFamily="18" charset="0"/>
+                    <a:cs typeface="Times New Roman" panose="02020603050405020304" pitchFamily="18" charset="0"/>
+                  </a:rPr>
+                  <a:t>(T, F)</a:t>
+                </a:r>
+              </a:p>
+            </p:txBody>
+          </p:sp>
+        </p:grpSp>
+        <p:cxnSp>
+          <p:nvCxnSpPr>
+            <p:cNvPr id="35" name="Straight Connector 34">
+              <a:extLst>
+                <a:ext uri="{FF2B5EF4-FFF2-40B4-BE49-F238E27FC236}">
+                  <a16:creationId xmlns:a16="http://schemas.microsoft.com/office/drawing/2014/main" id="{B664C9FB-D3ED-744E-A699-EAF7180D0EC4}"/>
+                </a:ext>
+              </a:extLst>
+            </p:cNvPr>
+            <p:cNvCxnSpPr>
+              <a:cxnSpLocks/>
+              <a:stCxn id="30" idx="1"/>
+              <a:endCxn id="8" idx="3"/>
+            </p:cNvCxnSpPr>
+            <p:nvPr/>
+          </p:nvCxnSpPr>
+          <p:spPr>
+            <a:xfrm flipV="1">
+              <a:off x="1047199" y="1912092"/>
+              <a:ext cx="1" cy="327073"/>
+            </a:xfrm>
+            <a:prstGeom prst="line">
+              <a:avLst/>
+            </a:prstGeom>
+            <a:ln w="19050">
+              <a:solidFill>
+                <a:schemeClr val="tx1"/>
+              </a:solidFill>
+              <a:headEnd type="stealth" w="lg" len="med"/>
+              <a:tailEnd type="none"/>
+            </a:ln>
+          </p:spPr>
+          <p:style>
+            <a:lnRef idx="1">
+              <a:schemeClr val="accent1"/>
+            </a:lnRef>
+            <a:fillRef idx="0">
+              <a:schemeClr val="accent1"/>
+            </a:fillRef>
+            <a:effectRef idx="0">
+              <a:schemeClr val="accent1"/>
+            </a:effectRef>
+            <a:fontRef idx="minor">
+              <a:schemeClr val="tx1"/>
+            </a:fontRef>
+          </p:style>
+        </p:cxnSp>
+        <p:cxnSp>
+          <p:nvCxnSpPr>
+            <p:cNvPr id="40" name="Straight Connector 39">
+              <a:extLst>
+                <a:ext uri="{FF2B5EF4-FFF2-40B4-BE49-F238E27FC236}">
+                  <a16:creationId xmlns:a16="http://schemas.microsoft.com/office/drawing/2014/main" id="{75B6A588-9577-5F48-8D51-4AD267949A9D}"/>
+                </a:ext>
+              </a:extLst>
+            </p:cNvPr>
+            <p:cNvCxnSpPr>
+              <a:cxnSpLocks/>
+              <a:stCxn id="31" idx="1"/>
+              <a:endCxn id="24" idx="3"/>
+            </p:cNvCxnSpPr>
+            <p:nvPr/>
+          </p:nvCxnSpPr>
+          <p:spPr>
+            <a:xfrm flipV="1">
+              <a:off x="2336902" y="1906217"/>
+              <a:ext cx="1" cy="327073"/>
+            </a:xfrm>
+            <a:prstGeom prst="line">
+              <a:avLst/>
+            </a:prstGeom>
+            <a:ln w="19050">
+              <a:solidFill>
+                <a:schemeClr val="tx1"/>
+              </a:solidFill>
+              <a:headEnd type="stealth" w="lg" len="med"/>
+              <a:tailEnd type="none"/>
+            </a:ln>
+          </p:spPr>
+          <p:style>
+            <a:lnRef idx="1">
+              <a:schemeClr val="accent1"/>
+            </a:lnRef>
+            <a:fillRef idx="0">
+              <a:schemeClr val="accent1"/>
+            </a:fillRef>
+            <a:effectRef idx="0">
+              <a:schemeClr val="accent1"/>
+            </a:effectRef>
+            <a:fontRef idx="minor">
+              <a:schemeClr val="tx1"/>
+            </a:fontRef>
+          </p:style>
+        </p:cxnSp>
+        <p:cxnSp>
+          <p:nvCxnSpPr>
+            <p:cNvPr id="43" name="Straight Connector 42">
+              <a:extLst>
+                <a:ext uri="{FF2B5EF4-FFF2-40B4-BE49-F238E27FC236}">
+                  <a16:creationId xmlns:a16="http://schemas.microsoft.com/office/drawing/2014/main" id="{A8575CAB-7B0F-924C-9E06-7A147F69DE83}"/>
+                </a:ext>
+              </a:extLst>
+            </p:cNvPr>
+            <p:cNvCxnSpPr>
+              <a:cxnSpLocks/>
+              <a:stCxn id="32" idx="1"/>
+              <a:endCxn id="25" idx="3"/>
+            </p:cNvCxnSpPr>
+            <p:nvPr/>
+          </p:nvCxnSpPr>
+          <p:spPr>
+            <a:xfrm flipV="1">
+              <a:off x="3626606" y="1906217"/>
+              <a:ext cx="1" cy="327073"/>
+            </a:xfrm>
+            <a:prstGeom prst="line">
+              <a:avLst/>
+            </a:prstGeom>
+            <a:ln w="19050">
+              <a:solidFill>
+                <a:schemeClr val="tx1"/>
+              </a:solidFill>
+              <a:headEnd type="stealth" w="lg" len="med"/>
+              <a:tailEnd type="none"/>
+            </a:ln>
+          </p:spPr>
+          <p:style>
+            <a:lnRef idx="1">
+              <a:schemeClr val="accent1"/>
+            </a:lnRef>
+            <a:fillRef idx="0">
+              <a:schemeClr val="accent1"/>
+            </a:fillRef>
+            <a:effectRef idx="0">
+              <a:schemeClr val="accent1"/>
+            </a:effectRef>
+            <a:fontRef idx="minor">
+              <a:schemeClr val="tx1"/>
+            </a:fontRef>
+          </p:style>
+        </p:cxnSp>
+        <p:cxnSp>
+          <p:nvCxnSpPr>
+            <p:cNvPr id="50" name="Straight Connector 49">
+              <a:extLst>
+                <a:ext uri="{FF2B5EF4-FFF2-40B4-BE49-F238E27FC236}">
+                  <a16:creationId xmlns:a16="http://schemas.microsoft.com/office/drawing/2014/main" id="{A7F77D6C-CEB5-1640-820C-4F90D67CD3EA}"/>
+                </a:ext>
+              </a:extLst>
+            </p:cNvPr>
+            <p:cNvCxnSpPr>
+              <a:cxnSpLocks/>
+              <a:stCxn id="33" idx="1"/>
+              <a:endCxn id="26" idx="3"/>
+            </p:cNvCxnSpPr>
+            <p:nvPr/>
+          </p:nvCxnSpPr>
+          <p:spPr>
+            <a:xfrm flipV="1">
+              <a:off x="4916310" y="1906217"/>
+              <a:ext cx="1" cy="327073"/>
+            </a:xfrm>
+            <a:prstGeom prst="line">
+              <a:avLst/>
+            </a:prstGeom>
+            <a:ln w="19050">
+              <a:solidFill>
+                <a:schemeClr val="tx1"/>
+              </a:solidFill>
+              <a:headEnd type="stealth" w="lg" len="med"/>
+              <a:tailEnd type="none"/>
+            </a:ln>
+          </p:spPr>
+          <p:style>
+            <a:lnRef idx="1">
+              <a:schemeClr val="accent1"/>
+            </a:lnRef>
+            <a:fillRef idx="0">
+              <a:schemeClr val="accent1"/>
+            </a:fillRef>
+            <a:effectRef idx="0">
+              <a:schemeClr val="accent1"/>
+            </a:effectRef>
+            <a:fontRef idx="minor">
+              <a:schemeClr val="tx1"/>
+            </a:fontRef>
+          </p:style>
+        </p:cxnSp>
+        <p:cxnSp>
+          <p:nvCxnSpPr>
+            <p:cNvPr id="53" name="Straight Connector 52">
+              <a:extLst>
+                <a:ext uri="{FF2B5EF4-FFF2-40B4-BE49-F238E27FC236}">
+                  <a16:creationId xmlns:a16="http://schemas.microsoft.com/office/drawing/2014/main" id="{151F29EB-DB20-1641-A91F-2DDF200FB8AF}"/>
+                </a:ext>
+              </a:extLst>
+            </p:cNvPr>
+            <p:cNvCxnSpPr>
+              <a:cxnSpLocks/>
+              <a:stCxn id="34" idx="1"/>
+              <a:endCxn id="27" idx="3"/>
+            </p:cNvCxnSpPr>
+            <p:nvPr/>
+          </p:nvCxnSpPr>
+          <p:spPr>
+            <a:xfrm flipV="1">
+              <a:off x="6206014" y="1906217"/>
+              <a:ext cx="1" cy="327073"/>
+            </a:xfrm>
+            <a:prstGeom prst="line">
+              <a:avLst/>
+            </a:prstGeom>
+            <a:ln w="19050">
+              <a:solidFill>
+                <a:schemeClr val="tx1"/>
+              </a:solidFill>
+              <a:headEnd type="stealth" w="lg" len="med"/>
+              <a:tailEnd type="none"/>
+            </a:ln>
+          </p:spPr>
+          <p:style>
+            <a:lnRef idx="1">
+              <a:schemeClr val="accent1"/>
+            </a:lnRef>
+            <a:fillRef idx="0">
+              <a:schemeClr val="accent1"/>
+            </a:fillRef>
+            <a:effectRef idx="0">
+              <a:schemeClr val="accent1"/>
+            </a:effectRef>
+            <a:fontRef idx="minor">
+              <a:schemeClr val="tx1"/>
+            </a:fontRef>
+          </p:style>
+        </p:cxnSp>
+        <p:cxnSp>
+          <p:nvCxnSpPr>
+            <p:cNvPr id="63" name="Straight Connector 62">
+              <a:extLst>
+                <a:ext uri="{FF2B5EF4-FFF2-40B4-BE49-F238E27FC236}">
+                  <a16:creationId xmlns:a16="http://schemas.microsoft.com/office/drawing/2014/main" id="{26746597-2498-8C4F-8316-E2BAF4AD429B}"/>
+                </a:ext>
+              </a:extLst>
+            </p:cNvPr>
+            <p:cNvCxnSpPr/>
+            <p:nvPr/>
+          </p:nvCxnSpPr>
+          <p:spPr>
+            <a:xfrm>
+              <a:off x="7188417" y="339185"/>
+              <a:ext cx="0" cy="6179629"/>
+            </a:xfrm>
+            <a:prstGeom prst="line">
+              <a:avLst/>
+            </a:prstGeom>
+            <a:ln w="19050">
+              <a:solidFill>
+                <a:schemeClr val="tx1"/>
+              </a:solidFill>
+              <a:prstDash val="dash"/>
+            </a:ln>
+          </p:spPr>
+          <p:style>
+            <a:lnRef idx="1">
+              <a:schemeClr val="accent1"/>
+            </a:lnRef>
+            <a:fillRef idx="0">
+              <a:schemeClr val="accent1"/>
+            </a:fillRef>
+            <a:effectRef idx="0">
+              <a:schemeClr val="accent1"/>
+            </a:effectRef>
+            <a:fontRef idx="minor">
+              <a:schemeClr val="tx1"/>
+            </a:fontRef>
+          </p:style>
+        </p:cxnSp>
         <p:sp>
           <p:nvSpPr>
-            <p:cNvPr id="7" name="Can 6">
+            <p:cNvPr id="70" name="Rounded Rectangle 69">
               <a:extLst>
                 <a:ext uri="{FF2B5EF4-FFF2-40B4-BE49-F238E27FC236}">
-                  <a16:creationId xmlns:a16="http://schemas.microsoft.com/office/drawing/2014/main" id="{2301FB42-081B-E94A-BAEF-39F1ED05D328}"/>
+                  <a16:creationId xmlns:a16="http://schemas.microsoft.com/office/drawing/2014/main" id="{1535E59A-ACDC-9C4B-8878-5C89E1222791}"/>
                 </a:ext>
               </a:extLst>
             </p:cNvPr>
@@ -3613,16 +4745,748 @@
           </p:nvSpPr>
           <p:spPr>
             <a:xfrm>
-              <a:off x="1621799" y="4234754"/>
-              <a:ext cx="1151720" cy="635995"/>
+              <a:off x="352890" y="2915788"/>
+              <a:ext cx="6547431" cy="675660"/>
+            </a:xfrm>
+            <a:prstGeom prst="roundRect">
+              <a:avLst>
+                <a:gd name="adj" fmla="val 8101"/>
+              </a:avLst>
+            </a:prstGeom>
+            <a:solidFill>
+              <a:schemeClr val="accent2">
+                <a:lumMod val="20000"/>
+                <a:lumOff val="80000"/>
+              </a:schemeClr>
+            </a:solidFill>
+            <a:ln w="19050">
+              <a:solidFill>
+                <a:schemeClr val="tx1"/>
+              </a:solidFill>
+            </a:ln>
+          </p:spPr>
+          <p:style>
+            <a:lnRef idx="2">
+              <a:schemeClr val="accent1">
+                <a:shade val="50000"/>
+              </a:schemeClr>
+            </a:lnRef>
+            <a:fillRef idx="1">
+              <a:schemeClr val="accent1"/>
+            </a:fillRef>
+            <a:effectRef idx="0">
+              <a:schemeClr val="accent1"/>
+            </a:effectRef>
+            <a:fontRef idx="minor">
+              <a:schemeClr val="lt1"/>
+            </a:fontRef>
+          </p:style>
+          <p:txBody>
+            <a:bodyPr rtlCol="0" anchor="ctr"/>
+            <a:lstStyle/>
+            <a:p>
+              <a:pPr algn="ctr"/>
+              <a:endParaRPr lang="en-CN"/>
+            </a:p>
+          </p:txBody>
+        </p:sp>
+        <p:sp>
+          <p:nvSpPr>
+            <p:cNvPr id="71" name="Can 70">
+              <a:extLst>
+                <a:ext uri="{FF2B5EF4-FFF2-40B4-BE49-F238E27FC236}">
+                  <a16:creationId xmlns:a16="http://schemas.microsoft.com/office/drawing/2014/main" id="{186B6E02-3AA6-DE43-991F-46BDFE94537E}"/>
+                </a:ext>
+              </a:extLst>
+            </p:cNvPr>
+            <p:cNvSpPr/>
+            <p:nvPr/>
+          </p:nvSpPr>
+          <p:spPr>
+            <a:xfrm>
+              <a:off x="471339" y="3030366"/>
+              <a:ext cx="1151720" cy="457290"/>
             </a:xfrm>
             <a:prstGeom prst="can">
               <a:avLst>
-                <a:gd name="adj" fmla="val 10296"/>
+                <a:gd name="adj" fmla="val 23232"/>
               </a:avLst>
             </a:prstGeom>
             <a:solidFill>
-              <a:schemeClr val="accent6">
+              <a:schemeClr val="accent2">
+                <a:lumMod val="40000"/>
+                <a:lumOff val="60000"/>
+              </a:schemeClr>
+            </a:solidFill>
+            <a:ln w="19050">
+              <a:solidFill>
+                <a:schemeClr val="tx1"/>
+              </a:solidFill>
+              <a:prstDash val="sysDash"/>
+            </a:ln>
+          </p:spPr>
+          <p:style>
+            <a:lnRef idx="2">
+              <a:schemeClr val="accent1">
+                <a:shade val="50000"/>
+              </a:schemeClr>
+            </a:lnRef>
+            <a:fillRef idx="1">
+              <a:schemeClr val="accent1"/>
+            </a:fillRef>
+            <a:effectRef idx="0">
+              <a:schemeClr val="accent1"/>
+            </a:effectRef>
+            <a:fontRef idx="minor">
+              <a:schemeClr val="lt1"/>
+            </a:fontRef>
+          </p:style>
+          <p:txBody>
+            <a:bodyPr rtlCol="0" anchor="ctr"/>
+            <a:lstStyle/>
+            <a:p>
+              <a:pPr algn="ctr"/>
+              <a:r>
+                <a:rPr lang="en-US" altLang="zh-CN" sz="1400" b="1" dirty="0">
+                  <a:solidFill>
+                    <a:schemeClr val="tx1"/>
+                  </a:solidFill>
+                  <a:latin typeface="Times New Roman" panose="02020603050405020304" pitchFamily="18" charset="0"/>
+                  <a:cs typeface="Times New Roman" panose="02020603050405020304" pitchFamily="18" charset="0"/>
+                </a:rPr>
+                <a:t>(T,</a:t>
+              </a:r>
+              <a:r>
+                <a:rPr lang="zh-CN" altLang="en-US" sz="1400" b="1" dirty="0">
+                  <a:solidFill>
+                    <a:schemeClr val="tx1"/>
+                  </a:solidFill>
+                  <a:latin typeface="Times New Roman" panose="02020603050405020304" pitchFamily="18" charset="0"/>
+                  <a:cs typeface="Times New Roman" panose="02020603050405020304" pitchFamily="18" charset="0"/>
+                </a:rPr>
+                <a:t> </a:t>
+              </a:r>
+              <a:r>
+                <a:rPr lang="en-US" altLang="zh-CN" sz="1400" b="1" dirty="0">
+                  <a:solidFill>
+                    <a:schemeClr val="tx1"/>
+                  </a:solidFill>
+                  <a:latin typeface="Times New Roman" panose="02020603050405020304" pitchFamily="18" charset="0"/>
+                  <a:cs typeface="Times New Roman" panose="02020603050405020304" pitchFamily="18" charset="0"/>
+                </a:rPr>
+                <a:t>D, L, F)</a:t>
+              </a:r>
+            </a:p>
+          </p:txBody>
+        </p:sp>
+        <p:sp>
+          <p:nvSpPr>
+            <p:cNvPr id="72" name="Can 71">
+              <a:extLst>
+                <a:ext uri="{FF2B5EF4-FFF2-40B4-BE49-F238E27FC236}">
+                  <a16:creationId xmlns:a16="http://schemas.microsoft.com/office/drawing/2014/main" id="{7DE8D96B-4FA0-DC4A-8C8E-D0F704C6B774}"/>
+                </a:ext>
+              </a:extLst>
+            </p:cNvPr>
+            <p:cNvSpPr/>
+            <p:nvPr/>
+          </p:nvSpPr>
+          <p:spPr>
+            <a:xfrm>
+              <a:off x="1761042" y="3024491"/>
+              <a:ext cx="1151720" cy="457290"/>
+            </a:xfrm>
+            <a:prstGeom prst="can">
+              <a:avLst>
+                <a:gd name="adj" fmla="val 23232"/>
+              </a:avLst>
+            </a:prstGeom>
+            <a:solidFill>
+              <a:schemeClr val="accent2">
+                <a:lumMod val="40000"/>
+                <a:lumOff val="60000"/>
+              </a:schemeClr>
+            </a:solidFill>
+            <a:ln w="19050">
+              <a:solidFill>
+                <a:schemeClr val="tx1"/>
+              </a:solidFill>
+              <a:prstDash val="sysDash"/>
+            </a:ln>
+          </p:spPr>
+          <p:style>
+            <a:lnRef idx="2">
+              <a:schemeClr val="accent1">
+                <a:shade val="50000"/>
+              </a:schemeClr>
+            </a:lnRef>
+            <a:fillRef idx="1">
+              <a:schemeClr val="accent1"/>
+            </a:fillRef>
+            <a:effectRef idx="0">
+              <a:schemeClr val="accent1"/>
+            </a:effectRef>
+            <a:fontRef idx="minor">
+              <a:schemeClr val="lt1"/>
+            </a:fontRef>
+          </p:style>
+          <p:txBody>
+            <a:bodyPr rtlCol="0" anchor="ctr"/>
+            <a:lstStyle/>
+            <a:p>
+              <a:pPr algn="ctr"/>
+              <a:r>
+                <a:rPr lang="en-US" altLang="zh-CN" sz="1050" b="1" dirty="0">
+                  <a:solidFill>
+                    <a:schemeClr val="tx1"/>
+                  </a:solidFill>
+                  <a:latin typeface="Times New Roman" panose="02020603050405020304" pitchFamily="18" charset="0"/>
+                  <a:cs typeface="Times New Roman" panose="02020603050405020304" pitchFamily="18" charset="0"/>
+                </a:rPr>
+                <a:t>(T,</a:t>
+              </a:r>
+              <a:r>
+                <a:rPr lang="zh-CN" altLang="en-US" sz="1050" b="1" dirty="0">
+                  <a:solidFill>
+                    <a:schemeClr val="tx1"/>
+                  </a:solidFill>
+                  <a:latin typeface="Times New Roman" panose="02020603050405020304" pitchFamily="18" charset="0"/>
+                  <a:cs typeface="Times New Roman" panose="02020603050405020304" pitchFamily="18" charset="0"/>
+                </a:rPr>
+                <a:t> </a:t>
+              </a:r>
+              <a:r>
+                <a:rPr lang="en-US" altLang="zh-CN" sz="1050" b="1" dirty="0">
+                  <a:solidFill>
+                    <a:schemeClr val="tx1"/>
+                  </a:solidFill>
+                  <a:latin typeface="Times New Roman" panose="02020603050405020304" pitchFamily="18" charset="0"/>
+                  <a:cs typeface="Times New Roman" panose="02020603050405020304" pitchFamily="18" charset="0"/>
+                </a:rPr>
+                <a:t>HF, PN, L, F)</a:t>
+              </a:r>
+            </a:p>
+          </p:txBody>
+        </p:sp>
+        <p:sp>
+          <p:nvSpPr>
+            <p:cNvPr id="73" name="Can 72">
+              <a:extLst>
+                <a:ext uri="{FF2B5EF4-FFF2-40B4-BE49-F238E27FC236}">
+                  <a16:creationId xmlns:a16="http://schemas.microsoft.com/office/drawing/2014/main" id="{01EAF38D-B2B1-744E-8222-3CABC2EFE780}"/>
+                </a:ext>
+              </a:extLst>
+            </p:cNvPr>
+            <p:cNvSpPr/>
+            <p:nvPr/>
+          </p:nvSpPr>
+          <p:spPr>
+            <a:xfrm>
+              <a:off x="3050746" y="3024491"/>
+              <a:ext cx="1151720" cy="457290"/>
+            </a:xfrm>
+            <a:prstGeom prst="can">
+              <a:avLst>
+                <a:gd name="adj" fmla="val 23232"/>
+              </a:avLst>
+            </a:prstGeom>
+            <a:solidFill>
+              <a:schemeClr val="accent2">
+                <a:lumMod val="40000"/>
+                <a:lumOff val="60000"/>
+              </a:schemeClr>
+            </a:solidFill>
+            <a:ln w="19050">
+              <a:solidFill>
+                <a:schemeClr val="tx1"/>
+              </a:solidFill>
+              <a:prstDash val="sysDash"/>
+            </a:ln>
+          </p:spPr>
+          <p:style>
+            <a:lnRef idx="2">
+              <a:schemeClr val="accent1">
+                <a:shade val="50000"/>
+              </a:schemeClr>
+            </a:lnRef>
+            <a:fillRef idx="1">
+              <a:schemeClr val="accent1"/>
+            </a:fillRef>
+            <a:effectRef idx="0">
+              <a:schemeClr val="accent1"/>
+            </a:effectRef>
+            <a:fontRef idx="minor">
+              <a:schemeClr val="lt1"/>
+            </a:fontRef>
+          </p:style>
+          <p:txBody>
+            <a:bodyPr rtlCol="0" anchor="ctr"/>
+            <a:lstStyle/>
+            <a:p>
+              <a:pPr algn="ctr"/>
+              <a:r>
+                <a:rPr lang="en-US" altLang="zh-CN" sz="1400" b="1" dirty="0">
+                  <a:solidFill>
+                    <a:schemeClr val="tx1"/>
+                  </a:solidFill>
+                  <a:latin typeface="Times New Roman" panose="02020603050405020304" pitchFamily="18" charset="0"/>
+                  <a:cs typeface="Times New Roman" panose="02020603050405020304" pitchFamily="18" charset="0"/>
+                </a:rPr>
+                <a:t>(T, L, F)</a:t>
+              </a:r>
+            </a:p>
+          </p:txBody>
+        </p:sp>
+        <p:sp>
+          <p:nvSpPr>
+            <p:cNvPr id="74" name="Can 73">
+              <a:extLst>
+                <a:ext uri="{FF2B5EF4-FFF2-40B4-BE49-F238E27FC236}">
+                  <a16:creationId xmlns:a16="http://schemas.microsoft.com/office/drawing/2014/main" id="{1AFED8E6-BC41-DA4D-AE2B-314908A6F9BD}"/>
+                </a:ext>
+              </a:extLst>
+            </p:cNvPr>
+            <p:cNvSpPr/>
+            <p:nvPr/>
+          </p:nvSpPr>
+          <p:spPr>
+            <a:xfrm>
+              <a:off x="4340450" y="3024491"/>
+              <a:ext cx="1151720" cy="457290"/>
+            </a:xfrm>
+            <a:prstGeom prst="can">
+              <a:avLst>
+                <a:gd name="adj" fmla="val 23232"/>
+              </a:avLst>
+            </a:prstGeom>
+            <a:solidFill>
+              <a:schemeClr val="accent2">
+                <a:lumMod val="40000"/>
+                <a:lumOff val="60000"/>
+              </a:schemeClr>
+            </a:solidFill>
+            <a:ln w="19050">
+              <a:solidFill>
+                <a:schemeClr val="tx1"/>
+              </a:solidFill>
+              <a:prstDash val="sysDash"/>
+            </a:ln>
+          </p:spPr>
+          <p:style>
+            <a:lnRef idx="2">
+              <a:schemeClr val="accent1">
+                <a:shade val="50000"/>
+              </a:schemeClr>
+            </a:lnRef>
+            <a:fillRef idx="1">
+              <a:schemeClr val="accent1"/>
+            </a:fillRef>
+            <a:effectRef idx="0">
+              <a:schemeClr val="accent1"/>
+            </a:effectRef>
+            <a:fontRef idx="minor">
+              <a:schemeClr val="lt1"/>
+            </a:fontRef>
+          </p:style>
+          <p:txBody>
+            <a:bodyPr rtlCol="0" anchor="ctr"/>
+            <a:lstStyle/>
+            <a:p>
+              <a:pPr algn="ctr"/>
+              <a:r>
+                <a:rPr lang="en-US" altLang="zh-CN" sz="1400" b="1" dirty="0">
+                  <a:solidFill>
+                    <a:schemeClr val="tx1"/>
+                  </a:solidFill>
+                  <a:latin typeface="Times New Roman" panose="02020603050405020304" pitchFamily="18" charset="0"/>
+                  <a:cs typeface="Times New Roman" panose="02020603050405020304" pitchFamily="18" charset="0"/>
+                </a:rPr>
+                <a:t>(T, D, F)</a:t>
+              </a:r>
+            </a:p>
+          </p:txBody>
+        </p:sp>
+        <p:sp>
+          <p:nvSpPr>
+            <p:cNvPr id="75" name="Can 74">
+              <a:extLst>
+                <a:ext uri="{FF2B5EF4-FFF2-40B4-BE49-F238E27FC236}">
+                  <a16:creationId xmlns:a16="http://schemas.microsoft.com/office/drawing/2014/main" id="{E8D718E2-0975-7C45-89A9-89E41C83504A}"/>
+                </a:ext>
+              </a:extLst>
+            </p:cNvPr>
+            <p:cNvSpPr/>
+            <p:nvPr/>
+          </p:nvSpPr>
+          <p:spPr>
+            <a:xfrm>
+              <a:off x="5630154" y="3024491"/>
+              <a:ext cx="1151720" cy="457290"/>
+            </a:xfrm>
+            <a:prstGeom prst="can">
+              <a:avLst>
+                <a:gd name="adj" fmla="val 23232"/>
+              </a:avLst>
+            </a:prstGeom>
+            <a:solidFill>
+              <a:schemeClr val="accent2">
+                <a:lumMod val="40000"/>
+                <a:lumOff val="60000"/>
+              </a:schemeClr>
+            </a:solidFill>
+            <a:ln w="19050">
+              <a:solidFill>
+                <a:schemeClr val="tx1"/>
+              </a:solidFill>
+              <a:prstDash val="sysDash"/>
+            </a:ln>
+          </p:spPr>
+          <p:style>
+            <a:lnRef idx="2">
+              <a:schemeClr val="accent1">
+                <a:shade val="50000"/>
+              </a:schemeClr>
+            </a:lnRef>
+            <a:fillRef idx="1">
+              <a:schemeClr val="accent1"/>
+            </a:fillRef>
+            <a:effectRef idx="0">
+              <a:schemeClr val="accent1"/>
+            </a:effectRef>
+            <a:fontRef idx="minor">
+              <a:schemeClr val="lt1"/>
+            </a:fontRef>
+          </p:style>
+          <p:txBody>
+            <a:bodyPr rtlCol="0" anchor="ctr"/>
+            <a:lstStyle/>
+            <a:p>
+              <a:pPr algn="ctr"/>
+              <a:r>
+                <a:rPr lang="en-US" altLang="zh-CN" sz="1400" b="1" dirty="0">
+                  <a:solidFill>
+                    <a:schemeClr val="tx1"/>
+                  </a:solidFill>
+                  <a:latin typeface="Times New Roman" panose="02020603050405020304" pitchFamily="18" charset="0"/>
+                  <a:cs typeface="Times New Roman" panose="02020603050405020304" pitchFamily="18" charset="0"/>
+                </a:rPr>
+                <a:t>(T, F)</a:t>
+              </a:r>
+            </a:p>
+          </p:txBody>
+        </p:sp>
+        <p:cxnSp>
+          <p:nvCxnSpPr>
+            <p:cNvPr id="79" name="Straight Connector 78">
+              <a:extLst>
+                <a:ext uri="{FF2B5EF4-FFF2-40B4-BE49-F238E27FC236}">
+                  <a16:creationId xmlns:a16="http://schemas.microsoft.com/office/drawing/2014/main" id="{23D371B5-ECBF-A84B-AC6F-D10DA8CCC935}"/>
+                </a:ext>
+              </a:extLst>
+            </p:cNvPr>
+            <p:cNvCxnSpPr>
+              <a:cxnSpLocks/>
+              <a:stCxn id="71" idx="1"/>
+              <a:endCxn id="30" idx="3"/>
+            </p:cNvCxnSpPr>
+            <p:nvPr/>
+          </p:nvCxnSpPr>
+          <p:spPr>
+            <a:xfrm flipV="1">
+              <a:off x="1047199" y="2696455"/>
+              <a:ext cx="0" cy="333911"/>
+            </a:xfrm>
+            <a:prstGeom prst="line">
+              <a:avLst/>
+            </a:prstGeom>
+            <a:ln w="19050">
+              <a:solidFill>
+                <a:schemeClr val="tx1"/>
+              </a:solidFill>
+              <a:headEnd type="stealth" w="lg" len="med"/>
+              <a:tailEnd type="none"/>
+            </a:ln>
+          </p:spPr>
+          <p:style>
+            <a:lnRef idx="1">
+              <a:schemeClr val="accent1"/>
+            </a:lnRef>
+            <a:fillRef idx="0">
+              <a:schemeClr val="accent1"/>
+            </a:fillRef>
+            <a:effectRef idx="0">
+              <a:schemeClr val="accent1"/>
+            </a:effectRef>
+            <a:fontRef idx="minor">
+              <a:schemeClr val="tx1"/>
+            </a:fontRef>
+          </p:style>
+        </p:cxnSp>
+        <p:cxnSp>
+          <p:nvCxnSpPr>
+            <p:cNvPr id="83" name="Straight Connector 82">
+              <a:extLst>
+                <a:ext uri="{FF2B5EF4-FFF2-40B4-BE49-F238E27FC236}">
+                  <a16:creationId xmlns:a16="http://schemas.microsoft.com/office/drawing/2014/main" id="{CA9F8426-ADEF-8D40-9680-9A641283294E}"/>
+                </a:ext>
+              </a:extLst>
+            </p:cNvPr>
+            <p:cNvCxnSpPr>
+              <a:cxnSpLocks/>
+              <a:stCxn id="72" idx="1"/>
+              <a:endCxn id="31" idx="3"/>
+            </p:cNvCxnSpPr>
+            <p:nvPr/>
+          </p:nvCxnSpPr>
+          <p:spPr>
+            <a:xfrm flipV="1">
+              <a:off x="2336902" y="2690580"/>
+              <a:ext cx="0" cy="333911"/>
+            </a:xfrm>
+            <a:prstGeom prst="line">
+              <a:avLst/>
+            </a:prstGeom>
+            <a:ln w="19050">
+              <a:solidFill>
+                <a:schemeClr val="tx1"/>
+              </a:solidFill>
+              <a:headEnd type="stealth" w="lg" len="med"/>
+              <a:tailEnd type="none"/>
+            </a:ln>
+          </p:spPr>
+          <p:style>
+            <a:lnRef idx="1">
+              <a:schemeClr val="accent1"/>
+            </a:lnRef>
+            <a:fillRef idx="0">
+              <a:schemeClr val="accent1"/>
+            </a:fillRef>
+            <a:effectRef idx="0">
+              <a:schemeClr val="accent1"/>
+            </a:effectRef>
+            <a:fontRef idx="minor">
+              <a:schemeClr val="tx1"/>
+            </a:fontRef>
+          </p:style>
+        </p:cxnSp>
+        <p:cxnSp>
+          <p:nvCxnSpPr>
+            <p:cNvPr id="86" name="Straight Connector 85">
+              <a:extLst>
+                <a:ext uri="{FF2B5EF4-FFF2-40B4-BE49-F238E27FC236}">
+                  <a16:creationId xmlns:a16="http://schemas.microsoft.com/office/drawing/2014/main" id="{1C7B9CF8-D39B-184E-BB92-7069251A1792}"/>
+                </a:ext>
+              </a:extLst>
+            </p:cNvPr>
+            <p:cNvCxnSpPr>
+              <a:cxnSpLocks/>
+              <a:stCxn id="73" idx="1"/>
+              <a:endCxn id="32" idx="3"/>
+            </p:cNvCxnSpPr>
+            <p:nvPr/>
+          </p:nvCxnSpPr>
+          <p:spPr>
+            <a:xfrm flipV="1">
+              <a:off x="3626606" y="2690580"/>
+              <a:ext cx="0" cy="333911"/>
+            </a:xfrm>
+            <a:prstGeom prst="line">
+              <a:avLst/>
+            </a:prstGeom>
+            <a:ln w="19050">
+              <a:solidFill>
+                <a:schemeClr val="tx1"/>
+              </a:solidFill>
+              <a:headEnd type="stealth" w="lg" len="med"/>
+              <a:tailEnd type="none"/>
+            </a:ln>
+          </p:spPr>
+          <p:style>
+            <a:lnRef idx="1">
+              <a:schemeClr val="accent1"/>
+            </a:lnRef>
+            <a:fillRef idx="0">
+              <a:schemeClr val="accent1"/>
+            </a:fillRef>
+            <a:effectRef idx="0">
+              <a:schemeClr val="accent1"/>
+            </a:effectRef>
+            <a:fontRef idx="minor">
+              <a:schemeClr val="tx1"/>
+            </a:fontRef>
+          </p:style>
+        </p:cxnSp>
+        <p:cxnSp>
+          <p:nvCxnSpPr>
+            <p:cNvPr id="90" name="Straight Connector 89">
+              <a:extLst>
+                <a:ext uri="{FF2B5EF4-FFF2-40B4-BE49-F238E27FC236}">
+                  <a16:creationId xmlns:a16="http://schemas.microsoft.com/office/drawing/2014/main" id="{5B08C576-9751-EC4C-834D-7E403C33E9D4}"/>
+                </a:ext>
+              </a:extLst>
+            </p:cNvPr>
+            <p:cNvCxnSpPr>
+              <a:cxnSpLocks/>
+              <a:stCxn id="74" idx="1"/>
+            </p:cNvCxnSpPr>
+            <p:nvPr/>
+          </p:nvCxnSpPr>
+          <p:spPr>
+            <a:xfrm flipV="1">
+              <a:off x="4916310" y="2690580"/>
+              <a:ext cx="0" cy="333911"/>
+            </a:xfrm>
+            <a:prstGeom prst="line">
+              <a:avLst/>
+            </a:prstGeom>
+            <a:ln w="19050">
+              <a:solidFill>
+                <a:schemeClr val="tx1"/>
+              </a:solidFill>
+              <a:headEnd type="stealth" w="lg" len="med"/>
+              <a:tailEnd type="none"/>
+            </a:ln>
+          </p:spPr>
+          <p:style>
+            <a:lnRef idx="1">
+              <a:schemeClr val="accent1"/>
+            </a:lnRef>
+            <a:fillRef idx="0">
+              <a:schemeClr val="accent1"/>
+            </a:fillRef>
+            <a:effectRef idx="0">
+              <a:schemeClr val="accent1"/>
+            </a:effectRef>
+            <a:fontRef idx="minor">
+              <a:schemeClr val="tx1"/>
+            </a:fontRef>
+          </p:style>
+        </p:cxnSp>
+        <p:cxnSp>
+          <p:nvCxnSpPr>
+            <p:cNvPr id="93" name="Straight Connector 92">
+              <a:extLst>
+                <a:ext uri="{FF2B5EF4-FFF2-40B4-BE49-F238E27FC236}">
+                  <a16:creationId xmlns:a16="http://schemas.microsoft.com/office/drawing/2014/main" id="{78475DE2-AF3F-7D4D-ACE7-0556637EC8D6}"/>
+                </a:ext>
+              </a:extLst>
+            </p:cNvPr>
+            <p:cNvCxnSpPr>
+              <a:cxnSpLocks/>
+              <a:stCxn id="75" idx="1"/>
+              <a:endCxn id="34" idx="3"/>
+            </p:cNvCxnSpPr>
+            <p:nvPr/>
+          </p:nvCxnSpPr>
+          <p:spPr>
+            <a:xfrm flipV="1">
+              <a:off x="6206014" y="2690580"/>
+              <a:ext cx="0" cy="333911"/>
+            </a:xfrm>
+            <a:prstGeom prst="line">
+              <a:avLst/>
+            </a:prstGeom>
+            <a:ln w="19050">
+              <a:solidFill>
+                <a:schemeClr val="tx1"/>
+              </a:solidFill>
+              <a:headEnd type="stealth" w="lg" len="med"/>
+              <a:tailEnd type="none"/>
+            </a:ln>
+          </p:spPr>
+          <p:style>
+            <a:lnRef idx="1">
+              <a:schemeClr val="accent1"/>
+            </a:lnRef>
+            <a:fillRef idx="0">
+              <a:schemeClr val="accent1"/>
+            </a:fillRef>
+            <a:effectRef idx="0">
+              <a:schemeClr val="accent1"/>
+            </a:effectRef>
+            <a:fontRef idx="minor">
+              <a:schemeClr val="tx1"/>
+            </a:fontRef>
+          </p:style>
+        </p:cxnSp>
+        <p:sp>
+          <p:nvSpPr>
+            <p:cNvPr id="100" name="Rounded Rectangle 99">
+              <a:extLst>
+                <a:ext uri="{FF2B5EF4-FFF2-40B4-BE49-F238E27FC236}">
+                  <a16:creationId xmlns:a16="http://schemas.microsoft.com/office/drawing/2014/main" id="{49F3E709-D92F-3645-8966-CD67271230DE}"/>
+                </a:ext>
+              </a:extLst>
+            </p:cNvPr>
+            <p:cNvSpPr/>
+            <p:nvPr/>
+          </p:nvSpPr>
+          <p:spPr>
+            <a:xfrm>
+              <a:off x="352889" y="3712642"/>
+              <a:ext cx="6547431" cy="2806171"/>
+            </a:xfrm>
+            <a:prstGeom prst="roundRect">
+              <a:avLst>
+                <a:gd name="adj" fmla="val 2240"/>
+              </a:avLst>
+            </a:prstGeom>
+            <a:noFill/>
+            <a:ln w="19050">
+              <a:solidFill>
+                <a:schemeClr val="tx1"/>
+              </a:solidFill>
+            </a:ln>
+          </p:spPr>
+          <p:style>
+            <a:lnRef idx="2">
+              <a:schemeClr val="accent1">
+                <a:shade val="50000"/>
+              </a:schemeClr>
+            </a:lnRef>
+            <a:fillRef idx="1">
+              <a:schemeClr val="accent1"/>
+            </a:fillRef>
+            <a:effectRef idx="0">
+              <a:schemeClr val="accent1"/>
+            </a:effectRef>
+            <a:fontRef idx="minor">
+              <a:schemeClr val="lt1"/>
+            </a:fontRef>
+          </p:style>
+          <p:txBody>
+            <a:bodyPr rtlCol="0" anchor="ctr"/>
+            <a:lstStyle/>
+            <a:p>
+              <a:pPr algn="ctr"/>
+              <a:endParaRPr lang="en-CN"/>
+            </a:p>
+          </p:txBody>
+        </p:sp>
+        <p:sp>
+          <p:nvSpPr>
+            <p:cNvPr id="101" name="Cube 100">
+              <a:extLst>
+                <a:ext uri="{FF2B5EF4-FFF2-40B4-BE49-F238E27FC236}">
+                  <a16:creationId xmlns:a16="http://schemas.microsoft.com/office/drawing/2014/main" id="{CA27BA04-6D01-804C-BEA0-E844FC0E0793}"/>
+                </a:ext>
+              </a:extLst>
+            </p:cNvPr>
+            <p:cNvSpPr/>
+            <p:nvPr/>
+          </p:nvSpPr>
+          <p:spPr>
+            <a:xfrm>
+              <a:off x="459457" y="3827075"/>
+              <a:ext cx="1151720" cy="488110"/>
+            </a:xfrm>
+            <a:prstGeom prst="cube">
+              <a:avLst>
+                <a:gd name="adj" fmla="val 8798"/>
+              </a:avLst>
+            </a:prstGeom>
+            <a:solidFill>
+              <a:schemeClr val="accent4">
                 <a:lumMod val="20000"/>
                 <a:lumOff val="80000"/>
               </a:schemeClr>
@@ -3655,47 +5519,24 @@
             <a:p>
               <a:pPr algn="ctr"/>
               <a:r>
-                <a:rPr lang="en-US" altLang="zh-CN" sz="1300" dirty="0">
+                <a:rPr lang="en-CN" sz="1400" b="1" dirty="0">
                   <a:solidFill>
                     <a:schemeClr val="tx1"/>
                   </a:solidFill>
                   <a:latin typeface="Times New Roman" panose="02020603050405020304" pitchFamily="18" charset="0"/>
                   <a:cs typeface="Times New Roman" panose="02020603050405020304" pitchFamily="18" charset="0"/>
                 </a:rPr>
-                <a:t>HFTLabel.h5</a:t>
-              </a:r>
-            </a:p>
-            <a:p>
-              <a:pPr algn="ctr"/>
-              <a:r>
-                <a:rPr lang="zh-CN" altLang="en-US" sz="1300" dirty="0">
-                  <a:solidFill>
-                    <a:schemeClr val="tx1"/>
-                  </a:solidFill>
-                  <a:latin typeface="Times New Roman" panose="02020603050405020304" pitchFamily="18" charset="0"/>
-                  <a:cs typeface="Times New Roman" panose="02020603050405020304" pitchFamily="18" charset="0"/>
-                </a:rPr>
-                <a:t> </a:t>
-              </a:r>
-              <a:r>
-                <a:rPr lang="en-US" altLang="zh-CN" sz="1300" dirty="0">
-                  <a:solidFill>
-                    <a:schemeClr val="tx1"/>
-                  </a:solidFill>
-                  <a:latin typeface="Times New Roman" panose="02020603050405020304" pitchFamily="18" charset="0"/>
-                  <a:cs typeface="Times New Roman" panose="02020603050405020304" pitchFamily="18" charset="0"/>
-                </a:rPr>
-                <a:t>(T, F)</a:t>
+                <a:t>Norm</a:t>
               </a:r>
             </a:p>
           </p:txBody>
         </p:sp>
         <p:sp>
           <p:nvSpPr>
-            <p:cNvPr id="8" name="Can 7">
+            <p:cNvPr id="102" name="Cube 101">
               <a:extLst>
                 <a:ext uri="{FF2B5EF4-FFF2-40B4-BE49-F238E27FC236}">
-                  <a16:creationId xmlns:a16="http://schemas.microsoft.com/office/drawing/2014/main" id="{57960A23-A06B-1A46-A1A3-004E7F69BA3D}"/>
+                  <a16:creationId xmlns:a16="http://schemas.microsoft.com/office/drawing/2014/main" id="{E2303994-962B-3B4B-BA80-F9B684A0AF5C}"/>
                 </a:ext>
               </a:extLst>
             </p:cNvPr>
@@ -3704,16 +5545,16 @@
           </p:nvSpPr>
           <p:spPr>
             <a:xfrm>
-              <a:off x="329445" y="4234754"/>
-              <a:ext cx="1151720" cy="635995"/>
+              <a:off x="1761042" y="3827075"/>
+              <a:ext cx="1151720" cy="488110"/>
             </a:xfrm>
-            <a:prstGeom prst="can">
+            <a:prstGeom prst="cube">
               <a:avLst>
-                <a:gd name="adj" fmla="val 10296"/>
+                <a:gd name="adj" fmla="val 8798"/>
               </a:avLst>
             </a:prstGeom>
             <a:solidFill>
-              <a:schemeClr val="accent6">
+              <a:schemeClr val="accent4">
                 <a:lumMod val="20000"/>
                 <a:lumOff val="80000"/>
               </a:schemeClr>
@@ -3746,67 +5587,24 @@
             <a:p>
               <a:pPr algn="ctr"/>
               <a:r>
-                <a:rPr lang="en-US" altLang="zh-CN" sz="1300" dirty="0">
+                <a:rPr lang="en-CN" sz="1400" b="1" dirty="0">
                   <a:solidFill>
                     <a:schemeClr val="tx1"/>
                   </a:solidFill>
                   <a:latin typeface="Times New Roman" panose="02020603050405020304" pitchFamily="18" charset="0"/>
                   <a:cs typeface="Times New Roman" panose="02020603050405020304" pitchFamily="18" charset="0"/>
                 </a:rPr>
-                <a:t>LOB.h5</a:t>
-              </a:r>
-            </a:p>
-            <a:p>
-              <a:pPr algn="ctr"/>
-              <a:r>
-                <a:rPr lang="zh-CN" altLang="en-US" sz="1300" dirty="0">
-                  <a:solidFill>
-                    <a:schemeClr val="tx1"/>
-                  </a:solidFill>
-                  <a:latin typeface="Times New Roman" panose="02020603050405020304" pitchFamily="18" charset="0"/>
-                  <a:cs typeface="Times New Roman" panose="02020603050405020304" pitchFamily="18" charset="0"/>
-                </a:rPr>
-                <a:t> </a:t>
-              </a:r>
-              <a:r>
-                <a:rPr lang="en-US" altLang="zh-CN" sz="1300" dirty="0">
-                  <a:solidFill>
-                    <a:schemeClr val="tx1"/>
-                  </a:solidFill>
-                  <a:latin typeface="Times New Roman" panose="02020603050405020304" pitchFamily="18" charset="0"/>
-                  <a:cs typeface="Times New Roman" panose="02020603050405020304" pitchFamily="18" charset="0"/>
-                </a:rPr>
-                <a:t>(T,</a:t>
-              </a:r>
-              <a:r>
-                <a:rPr lang="zh-CN" altLang="en-US" sz="1300" dirty="0">
-                  <a:solidFill>
-                    <a:schemeClr val="tx1"/>
-                  </a:solidFill>
-                  <a:latin typeface="Times New Roman" panose="02020603050405020304" pitchFamily="18" charset="0"/>
-                  <a:cs typeface="Times New Roman" panose="02020603050405020304" pitchFamily="18" charset="0"/>
-                </a:rPr>
-                <a:t> </a:t>
-              </a:r>
-              <a:r>
-                <a:rPr lang="en-US" altLang="zh-CN" sz="1300" dirty="0">
-                  <a:solidFill>
-                    <a:schemeClr val="tx1"/>
-                  </a:solidFill>
-                  <a:latin typeface="Times New Roman" panose="02020603050405020304" pitchFamily="18" charset="0"/>
-                  <a:cs typeface="Times New Roman" panose="02020603050405020304" pitchFamily="18" charset="0"/>
-                </a:rPr>
-                <a:t>D, L, F)</a:t>
+                <a:t>Norm</a:t>
               </a:r>
             </a:p>
           </p:txBody>
         </p:sp>
         <p:sp>
           <p:nvSpPr>
-            <p:cNvPr id="9" name="Can 8">
+            <p:cNvPr id="103" name="Cube 102">
               <a:extLst>
                 <a:ext uri="{FF2B5EF4-FFF2-40B4-BE49-F238E27FC236}">
-                  <a16:creationId xmlns:a16="http://schemas.microsoft.com/office/drawing/2014/main" id="{064F918B-E385-FA48-95D1-1F517F2F9580}"/>
+                  <a16:creationId xmlns:a16="http://schemas.microsoft.com/office/drawing/2014/main" id="{CDB2E65C-846E-2F4B-B8A3-9FBBA394F09E}"/>
                 </a:ext>
               </a:extLst>
             </p:cNvPr>
@@ -3815,16 +5613,16 @@
           </p:nvSpPr>
           <p:spPr>
             <a:xfrm>
-              <a:off x="2914153" y="4234754"/>
-              <a:ext cx="1151720" cy="635995"/>
+              <a:off x="3050744" y="3827075"/>
+              <a:ext cx="1151720" cy="488110"/>
             </a:xfrm>
-            <a:prstGeom prst="can">
+            <a:prstGeom prst="cube">
               <a:avLst>
-                <a:gd name="adj" fmla="val 10296"/>
+                <a:gd name="adj" fmla="val 8798"/>
               </a:avLst>
             </a:prstGeom>
             <a:solidFill>
-              <a:schemeClr val="accent6">
+              <a:schemeClr val="accent4">
                 <a:lumMod val="20000"/>
                 <a:lumOff val="80000"/>
               </a:schemeClr>
@@ -3857,59 +5655,1255 @@
             <a:p>
               <a:pPr algn="ctr"/>
               <a:r>
-                <a:rPr lang="en-US" altLang="zh-CN" sz="1300" dirty="0">
+                <a:rPr lang="en-CN" sz="1400" b="1" dirty="0">
                   <a:solidFill>
                     <a:schemeClr val="tx1"/>
                   </a:solidFill>
                   <a:latin typeface="Times New Roman" panose="02020603050405020304" pitchFamily="18" charset="0"/>
                   <a:cs typeface="Times New Roman" panose="02020603050405020304" pitchFamily="18" charset="0"/>
                 </a:rPr>
-                <a:t>Others.h5</a:t>
+                <a:t>Norm</a:t>
               </a:r>
             </a:p>
+          </p:txBody>
+        </p:sp>
+        <p:sp>
+          <p:nvSpPr>
+            <p:cNvPr id="104" name="Cube 103">
+              <a:extLst>
+                <a:ext uri="{FF2B5EF4-FFF2-40B4-BE49-F238E27FC236}">
+                  <a16:creationId xmlns:a16="http://schemas.microsoft.com/office/drawing/2014/main" id="{251E5237-2C5C-9547-B03A-8523AE265D3E}"/>
+                </a:ext>
+              </a:extLst>
+            </p:cNvPr>
+            <p:cNvSpPr/>
+            <p:nvPr/>
+          </p:nvSpPr>
+          <p:spPr>
+            <a:xfrm>
+              <a:off x="4340450" y="3831928"/>
+              <a:ext cx="1151720" cy="488110"/>
+            </a:xfrm>
+            <a:prstGeom prst="cube">
+              <a:avLst>
+                <a:gd name="adj" fmla="val 8798"/>
+              </a:avLst>
+            </a:prstGeom>
+            <a:solidFill>
+              <a:schemeClr val="accent4">
+                <a:lumMod val="20000"/>
+                <a:lumOff val="80000"/>
+              </a:schemeClr>
+            </a:solidFill>
+            <a:ln w="19050">
+              <a:solidFill>
+                <a:schemeClr val="tx1"/>
+              </a:solidFill>
+            </a:ln>
+          </p:spPr>
+          <p:style>
+            <a:lnRef idx="2">
+              <a:schemeClr val="accent1">
+                <a:shade val="50000"/>
+              </a:schemeClr>
+            </a:lnRef>
+            <a:fillRef idx="1">
+              <a:schemeClr val="accent1"/>
+            </a:fillRef>
+            <a:effectRef idx="0">
+              <a:schemeClr val="accent1"/>
+            </a:effectRef>
+            <a:fontRef idx="minor">
+              <a:schemeClr val="lt1"/>
+            </a:fontRef>
+          </p:style>
+          <p:txBody>
+            <a:bodyPr rtlCol="0" anchor="ctr"/>
+            <a:lstStyle/>
             <a:p>
               <a:pPr algn="ctr"/>
               <a:r>
-                <a:rPr lang="en-US" altLang="zh-CN" sz="1300" dirty="0">
+                <a:rPr lang="en-CN" sz="1400" b="1" dirty="0">
                   <a:solidFill>
                     <a:schemeClr val="tx1"/>
                   </a:solidFill>
                   <a:latin typeface="Times New Roman" panose="02020603050405020304" pitchFamily="18" charset="0"/>
                   <a:cs typeface="Times New Roman" panose="02020603050405020304" pitchFamily="18" charset="0"/>
                 </a:rPr>
-                <a:t>…</a:t>
+                <a:t>Norm</a:t>
+              </a:r>
+            </a:p>
+          </p:txBody>
+        </p:sp>
+        <p:sp>
+          <p:nvSpPr>
+            <p:cNvPr id="105" name="Cube 104">
+              <a:extLst>
+                <a:ext uri="{FF2B5EF4-FFF2-40B4-BE49-F238E27FC236}">
+                  <a16:creationId xmlns:a16="http://schemas.microsoft.com/office/drawing/2014/main" id="{DC881A44-F0A2-6648-8178-26AF6BECB376}"/>
+                </a:ext>
+              </a:extLst>
+            </p:cNvPr>
+            <p:cNvSpPr/>
+            <p:nvPr/>
+          </p:nvSpPr>
+          <p:spPr>
+            <a:xfrm>
+              <a:off x="5630154" y="3827075"/>
+              <a:ext cx="1151720" cy="488110"/>
+            </a:xfrm>
+            <a:prstGeom prst="cube">
+              <a:avLst>
+                <a:gd name="adj" fmla="val 8798"/>
+              </a:avLst>
+            </a:prstGeom>
+            <a:solidFill>
+              <a:schemeClr val="accent4">
+                <a:lumMod val="20000"/>
+                <a:lumOff val="80000"/>
+              </a:schemeClr>
+            </a:solidFill>
+            <a:ln w="19050">
+              <a:solidFill>
+                <a:schemeClr val="tx1"/>
+              </a:solidFill>
+            </a:ln>
+          </p:spPr>
+          <p:style>
+            <a:lnRef idx="2">
+              <a:schemeClr val="accent1">
+                <a:shade val="50000"/>
+              </a:schemeClr>
+            </a:lnRef>
+            <a:fillRef idx="1">
+              <a:schemeClr val="accent1"/>
+            </a:fillRef>
+            <a:effectRef idx="0">
+              <a:schemeClr val="accent1"/>
+            </a:effectRef>
+            <a:fontRef idx="minor">
+              <a:schemeClr val="lt1"/>
+            </a:fontRef>
+          </p:style>
+          <p:txBody>
+            <a:bodyPr rtlCol="0" anchor="ctr"/>
+            <a:lstStyle/>
+            <a:p>
+              <a:pPr algn="ctr"/>
+              <a:r>
+                <a:rPr lang="en-CN" sz="1400" b="1" dirty="0">
+                  <a:solidFill>
+                    <a:schemeClr val="tx1"/>
+                  </a:solidFill>
+                  <a:latin typeface="Times New Roman" panose="02020603050405020304" pitchFamily="18" charset="0"/>
+                  <a:cs typeface="Times New Roman" panose="02020603050405020304" pitchFamily="18" charset="0"/>
+                </a:rPr>
+                <a:t>Norm</a:t>
               </a:r>
             </a:p>
           </p:txBody>
         </p:sp>
         <p:cxnSp>
           <p:nvCxnSpPr>
-            <p:cNvPr id="11" name="Straight Arrow Connector 10">
+            <p:cNvPr id="106" name="Straight Connector 105">
               <a:extLst>
                 <a:ext uri="{FF2B5EF4-FFF2-40B4-BE49-F238E27FC236}">
-                  <a16:creationId xmlns:a16="http://schemas.microsoft.com/office/drawing/2014/main" id="{D1A28AD3-7429-1548-B5E5-3B588A2C0499}"/>
+                  <a16:creationId xmlns:a16="http://schemas.microsoft.com/office/drawing/2014/main" id="{F8032F27-FE75-CF4D-9513-3CDE4EA7D4A5}"/>
                 </a:ext>
               </a:extLst>
             </p:cNvPr>
             <p:cNvCxnSpPr>
-              <a:stCxn id="5" idx="3"/>
-              <a:endCxn id="4" idx="0"/>
+              <a:cxnSpLocks/>
+              <a:stCxn id="102" idx="2"/>
+              <a:endCxn id="101" idx="4"/>
             </p:cNvCxnSpPr>
             <p:nvPr/>
           </p:nvCxnSpPr>
           <p:spPr>
-            <a:xfrm>
-              <a:off x="2197659" y="3036996"/>
-              <a:ext cx="0" cy="280882"/>
+            <a:xfrm flipH="1">
+              <a:off x="1568233" y="4092602"/>
+              <a:ext cx="192809" cy="0"/>
             </a:xfrm>
-            <a:prstGeom prst="straightConnector1">
+            <a:prstGeom prst="line">
               <a:avLst/>
             </a:prstGeom>
-            <a:ln w="12700">
+            <a:ln w="19050">
               <a:solidFill>
                 <a:schemeClr val="tx1"/>
               </a:solidFill>
-              <a:tailEnd type="stealth" w="lg" len="lg"/>
+              <a:prstDash val="sysDot"/>
+              <a:headEnd type="stealth" w="lg" len="med"/>
+              <a:tailEnd type="none"/>
+            </a:ln>
+          </p:spPr>
+          <p:style>
+            <a:lnRef idx="1">
+              <a:schemeClr val="accent1"/>
+            </a:lnRef>
+            <a:fillRef idx="0">
+              <a:schemeClr val="accent1"/>
+            </a:fillRef>
+            <a:effectRef idx="0">
+              <a:schemeClr val="accent1"/>
+            </a:effectRef>
+            <a:fontRef idx="minor">
+              <a:schemeClr val="tx1"/>
+            </a:fontRef>
+          </p:style>
+        </p:cxnSp>
+        <p:cxnSp>
+          <p:nvCxnSpPr>
+            <p:cNvPr id="127" name="Straight Connector 126">
+              <a:extLst>
+                <a:ext uri="{FF2B5EF4-FFF2-40B4-BE49-F238E27FC236}">
+                  <a16:creationId xmlns:a16="http://schemas.microsoft.com/office/drawing/2014/main" id="{A3F30947-013C-8A42-A34E-99D07EABA571}"/>
+                </a:ext>
+              </a:extLst>
+            </p:cNvPr>
+            <p:cNvCxnSpPr>
+              <a:cxnSpLocks/>
+            </p:cNvCxnSpPr>
+            <p:nvPr/>
+          </p:nvCxnSpPr>
+          <p:spPr>
+            <a:xfrm flipV="1">
+              <a:off x="1047199" y="3490541"/>
+              <a:ext cx="0" cy="333911"/>
+            </a:xfrm>
+            <a:prstGeom prst="line">
+              <a:avLst/>
+            </a:prstGeom>
+            <a:ln w="19050">
+              <a:solidFill>
+                <a:schemeClr val="tx1"/>
+              </a:solidFill>
+              <a:headEnd type="stealth" w="lg" len="med"/>
+              <a:tailEnd type="none"/>
+            </a:ln>
+          </p:spPr>
+          <p:style>
+            <a:lnRef idx="1">
+              <a:schemeClr val="accent1"/>
+            </a:lnRef>
+            <a:fillRef idx="0">
+              <a:schemeClr val="accent1"/>
+            </a:fillRef>
+            <a:effectRef idx="0">
+              <a:schemeClr val="accent1"/>
+            </a:effectRef>
+            <a:fontRef idx="minor">
+              <a:schemeClr val="tx1"/>
+            </a:fontRef>
+          </p:style>
+        </p:cxnSp>
+        <p:cxnSp>
+          <p:nvCxnSpPr>
+            <p:cNvPr id="128" name="Straight Connector 127">
+              <a:extLst>
+                <a:ext uri="{FF2B5EF4-FFF2-40B4-BE49-F238E27FC236}">
+                  <a16:creationId xmlns:a16="http://schemas.microsoft.com/office/drawing/2014/main" id="{4B9E3DA0-B1E4-CF40-90CF-3A70C715B9F2}"/>
+                </a:ext>
+              </a:extLst>
+            </p:cNvPr>
+            <p:cNvCxnSpPr>
+              <a:cxnSpLocks/>
+            </p:cNvCxnSpPr>
+            <p:nvPr/>
+          </p:nvCxnSpPr>
+          <p:spPr>
+            <a:xfrm flipV="1">
+              <a:off x="2336902" y="3488761"/>
+              <a:ext cx="0" cy="333911"/>
+            </a:xfrm>
+            <a:prstGeom prst="line">
+              <a:avLst/>
+            </a:prstGeom>
+            <a:ln w="19050">
+              <a:solidFill>
+                <a:schemeClr val="tx1"/>
+              </a:solidFill>
+              <a:headEnd type="stealth" w="lg" len="med"/>
+              <a:tailEnd type="none"/>
+            </a:ln>
+          </p:spPr>
+          <p:style>
+            <a:lnRef idx="1">
+              <a:schemeClr val="accent1"/>
+            </a:lnRef>
+            <a:fillRef idx="0">
+              <a:schemeClr val="accent1"/>
+            </a:fillRef>
+            <a:effectRef idx="0">
+              <a:schemeClr val="accent1"/>
+            </a:effectRef>
+            <a:fontRef idx="minor">
+              <a:schemeClr val="tx1"/>
+            </a:fontRef>
+          </p:style>
+        </p:cxnSp>
+        <p:cxnSp>
+          <p:nvCxnSpPr>
+            <p:cNvPr id="129" name="Straight Connector 128">
+              <a:extLst>
+                <a:ext uri="{FF2B5EF4-FFF2-40B4-BE49-F238E27FC236}">
+                  <a16:creationId xmlns:a16="http://schemas.microsoft.com/office/drawing/2014/main" id="{B96F717A-C506-B748-ABCB-8E72930CB658}"/>
+                </a:ext>
+              </a:extLst>
+            </p:cNvPr>
+            <p:cNvCxnSpPr>
+              <a:cxnSpLocks/>
+            </p:cNvCxnSpPr>
+            <p:nvPr/>
+          </p:nvCxnSpPr>
+          <p:spPr>
+            <a:xfrm flipV="1">
+              <a:off x="3630018" y="3488761"/>
+              <a:ext cx="0" cy="333911"/>
+            </a:xfrm>
+            <a:prstGeom prst="line">
+              <a:avLst/>
+            </a:prstGeom>
+            <a:ln w="19050">
+              <a:solidFill>
+                <a:schemeClr val="tx1"/>
+              </a:solidFill>
+              <a:headEnd type="stealth" w="lg" len="med"/>
+              <a:tailEnd type="none"/>
+            </a:ln>
+          </p:spPr>
+          <p:style>
+            <a:lnRef idx="1">
+              <a:schemeClr val="accent1"/>
+            </a:lnRef>
+            <a:fillRef idx="0">
+              <a:schemeClr val="accent1"/>
+            </a:fillRef>
+            <a:effectRef idx="0">
+              <a:schemeClr val="accent1"/>
+            </a:effectRef>
+            <a:fontRef idx="minor">
+              <a:schemeClr val="tx1"/>
+            </a:fontRef>
+          </p:style>
+        </p:cxnSp>
+        <p:cxnSp>
+          <p:nvCxnSpPr>
+            <p:cNvPr id="130" name="Straight Connector 129">
+              <a:extLst>
+                <a:ext uri="{FF2B5EF4-FFF2-40B4-BE49-F238E27FC236}">
+                  <a16:creationId xmlns:a16="http://schemas.microsoft.com/office/drawing/2014/main" id="{1B7C8E7E-C86F-D54E-96B1-B63C69C85DF1}"/>
+                </a:ext>
+              </a:extLst>
+            </p:cNvPr>
+            <p:cNvCxnSpPr>
+              <a:cxnSpLocks/>
+            </p:cNvCxnSpPr>
+            <p:nvPr/>
+          </p:nvCxnSpPr>
+          <p:spPr>
+            <a:xfrm flipV="1">
+              <a:off x="4919887" y="3488556"/>
+              <a:ext cx="0" cy="333911"/>
+            </a:xfrm>
+            <a:prstGeom prst="line">
+              <a:avLst/>
+            </a:prstGeom>
+            <a:ln w="19050">
+              <a:solidFill>
+                <a:schemeClr val="tx1"/>
+              </a:solidFill>
+              <a:headEnd type="stealth" w="lg" len="med"/>
+              <a:tailEnd type="none"/>
+            </a:ln>
+          </p:spPr>
+          <p:style>
+            <a:lnRef idx="1">
+              <a:schemeClr val="accent1"/>
+            </a:lnRef>
+            <a:fillRef idx="0">
+              <a:schemeClr val="accent1"/>
+            </a:fillRef>
+            <a:effectRef idx="0">
+              <a:schemeClr val="accent1"/>
+            </a:effectRef>
+            <a:fontRef idx="minor">
+              <a:schemeClr val="tx1"/>
+            </a:fontRef>
+          </p:style>
+        </p:cxnSp>
+        <p:cxnSp>
+          <p:nvCxnSpPr>
+            <p:cNvPr id="131" name="Straight Connector 130">
+              <a:extLst>
+                <a:ext uri="{FF2B5EF4-FFF2-40B4-BE49-F238E27FC236}">
+                  <a16:creationId xmlns:a16="http://schemas.microsoft.com/office/drawing/2014/main" id="{0D3224F7-EA54-A941-8F88-64547758EBE1}"/>
+                </a:ext>
+              </a:extLst>
+            </p:cNvPr>
+            <p:cNvCxnSpPr>
+              <a:cxnSpLocks/>
+            </p:cNvCxnSpPr>
+            <p:nvPr/>
+          </p:nvCxnSpPr>
+          <p:spPr>
+            <a:xfrm flipV="1">
+              <a:off x="6209591" y="3488555"/>
+              <a:ext cx="0" cy="333911"/>
+            </a:xfrm>
+            <a:prstGeom prst="line">
+              <a:avLst/>
+            </a:prstGeom>
+            <a:ln w="19050">
+              <a:solidFill>
+                <a:schemeClr val="tx1"/>
+              </a:solidFill>
+              <a:headEnd type="stealth" w="lg" len="med"/>
+              <a:tailEnd type="none"/>
+            </a:ln>
+          </p:spPr>
+          <p:style>
+            <a:lnRef idx="1">
+              <a:schemeClr val="accent1"/>
+            </a:lnRef>
+            <a:fillRef idx="0">
+              <a:schemeClr val="accent1"/>
+            </a:fillRef>
+            <a:effectRef idx="0">
+              <a:schemeClr val="accent1"/>
+            </a:effectRef>
+            <a:fontRef idx="minor">
+              <a:schemeClr val="tx1"/>
+            </a:fontRef>
+          </p:style>
+        </p:cxnSp>
+        <p:grpSp>
+          <p:nvGrpSpPr>
+            <p:cNvPr id="135" name="Group 134">
+              <a:extLst>
+                <a:ext uri="{FF2B5EF4-FFF2-40B4-BE49-F238E27FC236}">
+                  <a16:creationId xmlns:a16="http://schemas.microsoft.com/office/drawing/2014/main" id="{E7234F14-624A-A446-AE30-B7A61406D27D}"/>
+                </a:ext>
+              </a:extLst>
+            </p:cNvPr>
+            <p:cNvGrpSpPr/>
+            <p:nvPr/>
+          </p:nvGrpSpPr>
+          <p:grpSpPr>
+            <a:xfrm>
+              <a:off x="459457" y="4494170"/>
+              <a:ext cx="1108775" cy="437734"/>
+              <a:chOff x="156730" y="4093697"/>
+              <a:chExt cx="1108775" cy="437734"/>
+            </a:xfrm>
+          </p:grpSpPr>
+          <p:sp>
+            <p:nvSpPr>
+              <p:cNvPr id="132" name="Trapezoid 131">
+                <a:extLst>
+                  <a:ext uri="{FF2B5EF4-FFF2-40B4-BE49-F238E27FC236}">
+                    <a16:creationId xmlns:a16="http://schemas.microsoft.com/office/drawing/2014/main" id="{CE030248-348F-4542-9096-EC03706A9006}"/>
+                  </a:ext>
+                </a:extLst>
+              </p:cNvPr>
+              <p:cNvSpPr/>
+              <p:nvPr/>
+            </p:nvSpPr>
+            <p:spPr>
+              <a:xfrm rot="10800000">
+                <a:off x="156730" y="4093697"/>
+                <a:ext cx="1108775" cy="437734"/>
+              </a:xfrm>
+              <a:prstGeom prst="trapezoid">
+                <a:avLst>
+                  <a:gd name="adj" fmla="val 54063"/>
+                </a:avLst>
+              </a:prstGeom>
+              <a:solidFill>
+                <a:schemeClr val="accent5">
+                  <a:lumMod val="20000"/>
+                  <a:lumOff val="80000"/>
+                </a:schemeClr>
+              </a:solidFill>
+              <a:ln w="19050">
+                <a:solidFill>
+                  <a:schemeClr val="tx1"/>
+                </a:solidFill>
+              </a:ln>
+            </p:spPr>
+            <p:style>
+              <a:lnRef idx="2">
+                <a:schemeClr val="accent1">
+                  <a:shade val="50000"/>
+                </a:schemeClr>
+              </a:lnRef>
+              <a:fillRef idx="1">
+                <a:schemeClr val="accent1"/>
+              </a:fillRef>
+              <a:effectRef idx="0">
+                <a:schemeClr val="accent1"/>
+              </a:effectRef>
+              <a:fontRef idx="minor">
+                <a:schemeClr val="lt1"/>
+              </a:fontRef>
+            </p:style>
+            <p:txBody>
+              <a:bodyPr rtlCol="0" anchor="ctr"/>
+              <a:lstStyle/>
+              <a:p>
+                <a:pPr algn="ctr"/>
+                <a:endParaRPr lang="en-CN"/>
+              </a:p>
+            </p:txBody>
+          </p:sp>
+          <p:sp>
+            <p:nvSpPr>
+              <p:cNvPr id="134" name="TextBox 133">
+                <a:extLst>
+                  <a:ext uri="{FF2B5EF4-FFF2-40B4-BE49-F238E27FC236}">
+                    <a16:creationId xmlns:a16="http://schemas.microsoft.com/office/drawing/2014/main" id="{91399318-0CBE-C042-B9EC-0044F54B39A9}"/>
+                  </a:ext>
+                </a:extLst>
+              </p:cNvPr>
+              <p:cNvSpPr txBox="1"/>
+              <p:nvPr/>
+            </p:nvSpPr>
+            <p:spPr>
+              <a:xfrm>
+                <a:off x="156730" y="4158675"/>
+                <a:ext cx="1108775" cy="307777"/>
+              </a:xfrm>
+              <a:prstGeom prst="rect">
+                <a:avLst/>
+              </a:prstGeom>
+              <a:noFill/>
+            </p:spPr>
+            <p:txBody>
+              <a:bodyPr wrap="square">
+                <a:spAutoFit/>
+              </a:bodyPr>
+              <a:lstStyle/>
+              <a:p>
+                <a:pPr algn="ctr"/>
+                <a:r>
+                  <a:rPr lang="en-CN" sz="1400" b="1" dirty="0">
+                    <a:solidFill>
+                      <a:schemeClr val="tx1"/>
+                    </a:solidFill>
+                    <a:latin typeface="Times New Roman" panose="02020603050405020304" pitchFamily="18" charset="0"/>
+                    <a:cs typeface="Times New Roman" panose="02020603050405020304" pitchFamily="18" charset="0"/>
+                  </a:rPr>
+                  <a:t>F-Enc</a:t>
+                </a:r>
+              </a:p>
+            </p:txBody>
+          </p:sp>
+        </p:grpSp>
+        <p:cxnSp>
+          <p:nvCxnSpPr>
+            <p:cNvPr id="136" name="Straight Connector 135">
+              <a:extLst>
+                <a:ext uri="{FF2B5EF4-FFF2-40B4-BE49-F238E27FC236}">
+                  <a16:creationId xmlns:a16="http://schemas.microsoft.com/office/drawing/2014/main" id="{0836627F-AFFE-4B47-9E9A-7EDB425B45BC}"/>
+                </a:ext>
+              </a:extLst>
+            </p:cNvPr>
+            <p:cNvCxnSpPr>
+              <a:cxnSpLocks/>
+              <a:stCxn id="132" idx="2"/>
+              <a:endCxn id="101" idx="3"/>
+            </p:cNvCxnSpPr>
+            <p:nvPr/>
+          </p:nvCxnSpPr>
+          <p:spPr>
+            <a:xfrm flipV="1">
+              <a:off x="1013844" y="4315185"/>
+              <a:ext cx="1" cy="178985"/>
+            </a:xfrm>
+            <a:prstGeom prst="line">
+              <a:avLst/>
+            </a:prstGeom>
+            <a:ln w="19050">
+              <a:solidFill>
+                <a:schemeClr val="tx1"/>
+              </a:solidFill>
+              <a:headEnd type="stealth" w="lg" len="med"/>
+              <a:tailEnd type="none"/>
+            </a:ln>
+          </p:spPr>
+          <p:style>
+            <a:lnRef idx="1">
+              <a:schemeClr val="accent1"/>
+            </a:lnRef>
+            <a:fillRef idx="0">
+              <a:schemeClr val="accent1"/>
+            </a:fillRef>
+            <a:effectRef idx="0">
+              <a:schemeClr val="accent1"/>
+            </a:effectRef>
+            <a:fontRef idx="minor">
+              <a:schemeClr val="tx1"/>
+            </a:fontRef>
+          </p:style>
+        </p:cxnSp>
+        <p:grpSp>
+          <p:nvGrpSpPr>
+            <p:cNvPr id="139" name="Group 138">
+              <a:extLst>
+                <a:ext uri="{FF2B5EF4-FFF2-40B4-BE49-F238E27FC236}">
+                  <a16:creationId xmlns:a16="http://schemas.microsoft.com/office/drawing/2014/main" id="{C072DF62-D6FE-7B4E-A888-99C46C3A0463}"/>
+                </a:ext>
+              </a:extLst>
+            </p:cNvPr>
+            <p:cNvGrpSpPr/>
+            <p:nvPr/>
+          </p:nvGrpSpPr>
+          <p:grpSpPr>
+            <a:xfrm>
+              <a:off x="1759122" y="4501197"/>
+              <a:ext cx="1108775" cy="437734"/>
+              <a:chOff x="156730" y="4093697"/>
+              <a:chExt cx="1108775" cy="437734"/>
+            </a:xfrm>
+          </p:grpSpPr>
+          <p:sp>
+            <p:nvSpPr>
+              <p:cNvPr id="140" name="Trapezoid 139">
+                <a:extLst>
+                  <a:ext uri="{FF2B5EF4-FFF2-40B4-BE49-F238E27FC236}">
+                    <a16:creationId xmlns:a16="http://schemas.microsoft.com/office/drawing/2014/main" id="{B8D000B5-AF68-6D43-90A2-6AE40747CA8B}"/>
+                  </a:ext>
+                </a:extLst>
+              </p:cNvPr>
+              <p:cNvSpPr/>
+              <p:nvPr/>
+            </p:nvSpPr>
+            <p:spPr>
+              <a:xfrm rot="10800000">
+                <a:off x="156730" y="4093697"/>
+                <a:ext cx="1108775" cy="437734"/>
+              </a:xfrm>
+              <a:prstGeom prst="trapezoid">
+                <a:avLst>
+                  <a:gd name="adj" fmla="val 54063"/>
+                </a:avLst>
+              </a:prstGeom>
+              <a:solidFill>
+                <a:schemeClr val="accent5">
+                  <a:lumMod val="20000"/>
+                  <a:lumOff val="80000"/>
+                </a:schemeClr>
+              </a:solidFill>
+              <a:ln w="19050">
+                <a:solidFill>
+                  <a:schemeClr val="tx1"/>
+                </a:solidFill>
+              </a:ln>
+            </p:spPr>
+            <p:style>
+              <a:lnRef idx="2">
+                <a:schemeClr val="accent1">
+                  <a:shade val="50000"/>
+                </a:schemeClr>
+              </a:lnRef>
+              <a:fillRef idx="1">
+                <a:schemeClr val="accent1"/>
+              </a:fillRef>
+              <a:effectRef idx="0">
+                <a:schemeClr val="accent1"/>
+              </a:effectRef>
+              <a:fontRef idx="minor">
+                <a:schemeClr val="lt1"/>
+              </a:fontRef>
+            </p:style>
+            <p:txBody>
+              <a:bodyPr rtlCol="0" anchor="ctr"/>
+              <a:lstStyle/>
+              <a:p>
+                <a:pPr algn="ctr"/>
+                <a:endParaRPr lang="en-CN"/>
+              </a:p>
+            </p:txBody>
+          </p:sp>
+          <p:sp>
+            <p:nvSpPr>
+              <p:cNvPr id="141" name="TextBox 140">
+                <a:extLst>
+                  <a:ext uri="{FF2B5EF4-FFF2-40B4-BE49-F238E27FC236}">
+                    <a16:creationId xmlns:a16="http://schemas.microsoft.com/office/drawing/2014/main" id="{3FBC5555-6DE8-2044-874A-C2470C8E3B9A}"/>
+                  </a:ext>
+                </a:extLst>
+              </p:cNvPr>
+              <p:cNvSpPr txBox="1"/>
+              <p:nvPr/>
+            </p:nvSpPr>
+            <p:spPr>
+              <a:xfrm>
+                <a:off x="156730" y="4158675"/>
+                <a:ext cx="1108775" cy="307777"/>
+              </a:xfrm>
+              <a:prstGeom prst="rect">
+                <a:avLst/>
+              </a:prstGeom>
+              <a:noFill/>
+            </p:spPr>
+            <p:txBody>
+              <a:bodyPr wrap="square">
+                <a:spAutoFit/>
+              </a:bodyPr>
+              <a:lstStyle/>
+              <a:p>
+                <a:pPr algn="ctr"/>
+                <a:r>
+                  <a:rPr lang="en-CN" sz="1400" b="1" dirty="0">
+                    <a:solidFill>
+                      <a:schemeClr val="tx1"/>
+                    </a:solidFill>
+                    <a:latin typeface="Times New Roman" panose="02020603050405020304" pitchFamily="18" charset="0"/>
+                    <a:cs typeface="Times New Roman" panose="02020603050405020304" pitchFamily="18" charset="0"/>
+                  </a:rPr>
+                  <a:t>F-Enc</a:t>
+                </a:r>
+              </a:p>
+            </p:txBody>
+          </p:sp>
+        </p:grpSp>
+        <p:grpSp>
+          <p:nvGrpSpPr>
+            <p:cNvPr id="142" name="Group 141">
+              <a:extLst>
+                <a:ext uri="{FF2B5EF4-FFF2-40B4-BE49-F238E27FC236}">
+                  <a16:creationId xmlns:a16="http://schemas.microsoft.com/office/drawing/2014/main" id="{46154084-4E8C-3844-867E-C6A7FE2B30AB}"/>
+                </a:ext>
+              </a:extLst>
+            </p:cNvPr>
+            <p:cNvGrpSpPr/>
+            <p:nvPr/>
+          </p:nvGrpSpPr>
+          <p:grpSpPr>
+            <a:xfrm>
+              <a:off x="3048825" y="4501197"/>
+              <a:ext cx="1108775" cy="437734"/>
+              <a:chOff x="156730" y="4093697"/>
+              <a:chExt cx="1108775" cy="437734"/>
+            </a:xfrm>
+          </p:grpSpPr>
+          <p:sp>
+            <p:nvSpPr>
+              <p:cNvPr id="143" name="Trapezoid 142">
+                <a:extLst>
+                  <a:ext uri="{FF2B5EF4-FFF2-40B4-BE49-F238E27FC236}">
+                    <a16:creationId xmlns:a16="http://schemas.microsoft.com/office/drawing/2014/main" id="{81AB12A9-BD48-BE4C-8353-4C2821229D54}"/>
+                  </a:ext>
+                </a:extLst>
+              </p:cNvPr>
+              <p:cNvSpPr/>
+              <p:nvPr/>
+            </p:nvSpPr>
+            <p:spPr>
+              <a:xfrm rot="10800000">
+                <a:off x="156730" y="4093697"/>
+                <a:ext cx="1108775" cy="437734"/>
+              </a:xfrm>
+              <a:prstGeom prst="trapezoid">
+                <a:avLst>
+                  <a:gd name="adj" fmla="val 54063"/>
+                </a:avLst>
+              </a:prstGeom>
+              <a:solidFill>
+                <a:schemeClr val="accent5">
+                  <a:lumMod val="20000"/>
+                  <a:lumOff val="80000"/>
+                </a:schemeClr>
+              </a:solidFill>
+              <a:ln w="19050">
+                <a:solidFill>
+                  <a:schemeClr val="tx1"/>
+                </a:solidFill>
+              </a:ln>
+            </p:spPr>
+            <p:style>
+              <a:lnRef idx="2">
+                <a:schemeClr val="accent1">
+                  <a:shade val="50000"/>
+                </a:schemeClr>
+              </a:lnRef>
+              <a:fillRef idx="1">
+                <a:schemeClr val="accent1"/>
+              </a:fillRef>
+              <a:effectRef idx="0">
+                <a:schemeClr val="accent1"/>
+              </a:effectRef>
+              <a:fontRef idx="minor">
+                <a:schemeClr val="lt1"/>
+              </a:fontRef>
+            </p:style>
+            <p:txBody>
+              <a:bodyPr rtlCol="0" anchor="ctr"/>
+              <a:lstStyle/>
+              <a:p>
+                <a:pPr algn="ctr"/>
+                <a:endParaRPr lang="en-CN"/>
+              </a:p>
+            </p:txBody>
+          </p:sp>
+          <p:sp>
+            <p:nvSpPr>
+              <p:cNvPr id="144" name="TextBox 143">
+                <a:extLst>
+                  <a:ext uri="{FF2B5EF4-FFF2-40B4-BE49-F238E27FC236}">
+                    <a16:creationId xmlns:a16="http://schemas.microsoft.com/office/drawing/2014/main" id="{5582C4C1-A77E-E748-8C41-53587BB65329}"/>
+                  </a:ext>
+                </a:extLst>
+              </p:cNvPr>
+              <p:cNvSpPr txBox="1"/>
+              <p:nvPr/>
+            </p:nvSpPr>
+            <p:spPr>
+              <a:xfrm>
+                <a:off x="156730" y="4158675"/>
+                <a:ext cx="1108775" cy="307777"/>
+              </a:xfrm>
+              <a:prstGeom prst="rect">
+                <a:avLst/>
+              </a:prstGeom>
+              <a:noFill/>
+            </p:spPr>
+            <p:txBody>
+              <a:bodyPr wrap="square">
+                <a:spAutoFit/>
+              </a:bodyPr>
+              <a:lstStyle/>
+              <a:p>
+                <a:pPr algn="ctr"/>
+                <a:r>
+                  <a:rPr lang="en-CN" sz="1400" b="1" dirty="0">
+                    <a:solidFill>
+                      <a:schemeClr val="tx1"/>
+                    </a:solidFill>
+                    <a:latin typeface="Times New Roman" panose="02020603050405020304" pitchFamily="18" charset="0"/>
+                    <a:cs typeface="Times New Roman" panose="02020603050405020304" pitchFamily="18" charset="0"/>
+                  </a:rPr>
+                  <a:t>F-Enc</a:t>
+                </a:r>
+              </a:p>
+            </p:txBody>
+          </p:sp>
+        </p:grpSp>
+        <p:grpSp>
+          <p:nvGrpSpPr>
+            <p:cNvPr id="145" name="Group 144">
+              <a:extLst>
+                <a:ext uri="{FF2B5EF4-FFF2-40B4-BE49-F238E27FC236}">
+                  <a16:creationId xmlns:a16="http://schemas.microsoft.com/office/drawing/2014/main" id="{028A9DCD-E897-C542-8FBC-4BBDFFB371AE}"/>
+                </a:ext>
+              </a:extLst>
+            </p:cNvPr>
+            <p:cNvGrpSpPr/>
+            <p:nvPr/>
+          </p:nvGrpSpPr>
+          <p:grpSpPr>
+            <a:xfrm>
+              <a:off x="4336607" y="4501195"/>
+              <a:ext cx="1108775" cy="437734"/>
+              <a:chOff x="156730" y="4093697"/>
+              <a:chExt cx="1108775" cy="437734"/>
+            </a:xfrm>
+          </p:grpSpPr>
+          <p:sp>
+            <p:nvSpPr>
+              <p:cNvPr id="146" name="Trapezoid 145">
+                <a:extLst>
+                  <a:ext uri="{FF2B5EF4-FFF2-40B4-BE49-F238E27FC236}">
+                    <a16:creationId xmlns:a16="http://schemas.microsoft.com/office/drawing/2014/main" id="{DD2469A3-7A13-F544-9B7D-16A668F00D20}"/>
+                  </a:ext>
+                </a:extLst>
+              </p:cNvPr>
+              <p:cNvSpPr/>
+              <p:nvPr/>
+            </p:nvSpPr>
+            <p:spPr>
+              <a:xfrm rot="10800000">
+                <a:off x="156730" y="4093697"/>
+                <a:ext cx="1108775" cy="437734"/>
+              </a:xfrm>
+              <a:prstGeom prst="trapezoid">
+                <a:avLst>
+                  <a:gd name="adj" fmla="val 54063"/>
+                </a:avLst>
+              </a:prstGeom>
+              <a:solidFill>
+                <a:schemeClr val="accent5">
+                  <a:lumMod val="20000"/>
+                  <a:lumOff val="80000"/>
+                </a:schemeClr>
+              </a:solidFill>
+              <a:ln w="19050">
+                <a:solidFill>
+                  <a:schemeClr val="tx1"/>
+                </a:solidFill>
+              </a:ln>
+            </p:spPr>
+            <p:style>
+              <a:lnRef idx="2">
+                <a:schemeClr val="accent1">
+                  <a:shade val="50000"/>
+                </a:schemeClr>
+              </a:lnRef>
+              <a:fillRef idx="1">
+                <a:schemeClr val="accent1"/>
+              </a:fillRef>
+              <a:effectRef idx="0">
+                <a:schemeClr val="accent1"/>
+              </a:effectRef>
+              <a:fontRef idx="minor">
+                <a:schemeClr val="lt1"/>
+              </a:fontRef>
+            </p:style>
+            <p:txBody>
+              <a:bodyPr rtlCol="0" anchor="ctr"/>
+              <a:lstStyle/>
+              <a:p>
+                <a:pPr algn="ctr"/>
+                <a:endParaRPr lang="en-CN"/>
+              </a:p>
+            </p:txBody>
+          </p:sp>
+          <p:sp>
+            <p:nvSpPr>
+              <p:cNvPr id="147" name="TextBox 146">
+                <a:extLst>
+                  <a:ext uri="{FF2B5EF4-FFF2-40B4-BE49-F238E27FC236}">
+                    <a16:creationId xmlns:a16="http://schemas.microsoft.com/office/drawing/2014/main" id="{B8C964EE-2A8E-E548-8B71-E7BC3A7C176E}"/>
+                  </a:ext>
+                </a:extLst>
+              </p:cNvPr>
+              <p:cNvSpPr txBox="1"/>
+              <p:nvPr/>
+            </p:nvSpPr>
+            <p:spPr>
+              <a:xfrm>
+                <a:off x="156730" y="4158675"/>
+                <a:ext cx="1108775" cy="307777"/>
+              </a:xfrm>
+              <a:prstGeom prst="rect">
+                <a:avLst/>
+              </a:prstGeom>
+              <a:noFill/>
+            </p:spPr>
+            <p:txBody>
+              <a:bodyPr wrap="square">
+                <a:spAutoFit/>
+              </a:bodyPr>
+              <a:lstStyle/>
+              <a:p>
+                <a:pPr algn="ctr"/>
+                <a:r>
+                  <a:rPr lang="en-CN" sz="1400" b="1" dirty="0">
+                    <a:solidFill>
+                      <a:schemeClr val="tx1"/>
+                    </a:solidFill>
+                    <a:latin typeface="Times New Roman" panose="02020603050405020304" pitchFamily="18" charset="0"/>
+                    <a:cs typeface="Times New Roman" panose="02020603050405020304" pitchFamily="18" charset="0"/>
+                  </a:rPr>
+                  <a:t>F-Enc</a:t>
+                </a:r>
+              </a:p>
+            </p:txBody>
+          </p:sp>
+        </p:grpSp>
+        <p:grpSp>
+          <p:nvGrpSpPr>
+            <p:cNvPr id="148" name="Group 147">
+              <a:extLst>
+                <a:ext uri="{FF2B5EF4-FFF2-40B4-BE49-F238E27FC236}">
+                  <a16:creationId xmlns:a16="http://schemas.microsoft.com/office/drawing/2014/main" id="{1663413C-E1F9-6544-8BF7-3961F5A8A4A6}"/>
+                </a:ext>
+              </a:extLst>
+            </p:cNvPr>
+            <p:cNvGrpSpPr/>
+            <p:nvPr/>
+          </p:nvGrpSpPr>
+          <p:grpSpPr>
+            <a:xfrm>
+              <a:off x="5628232" y="4494169"/>
+              <a:ext cx="1108775" cy="437734"/>
+              <a:chOff x="156730" y="4093697"/>
+              <a:chExt cx="1108775" cy="437734"/>
+            </a:xfrm>
+          </p:grpSpPr>
+          <p:sp>
+            <p:nvSpPr>
+              <p:cNvPr id="149" name="Trapezoid 148">
+                <a:extLst>
+                  <a:ext uri="{FF2B5EF4-FFF2-40B4-BE49-F238E27FC236}">
+                    <a16:creationId xmlns:a16="http://schemas.microsoft.com/office/drawing/2014/main" id="{A1E31A57-9819-3246-BCBD-900002549CB4}"/>
+                  </a:ext>
+                </a:extLst>
+              </p:cNvPr>
+              <p:cNvSpPr/>
+              <p:nvPr/>
+            </p:nvSpPr>
+            <p:spPr>
+              <a:xfrm rot="10800000">
+                <a:off x="156730" y="4093697"/>
+                <a:ext cx="1108775" cy="437734"/>
+              </a:xfrm>
+              <a:prstGeom prst="trapezoid">
+                <a:avLst>
+                  <a:gd name="adj" fmla="val 54063"/>
+                </a:avLst>
+              </a:prstGeom>
+              <a:solidFill>
+                <a:schemeClr val="accent5">
+                  <a:lumMod val="20000"/>
+                  <a:lumOff val="80000"/>
+                </a:schemeClr>
+              </a:solidFill>
+              <a:ln w="19050">
+                <a:solidFill>
+                  <a:schemeClr val="tx1"/>
+                </a:solidFill>
+              </a:ln>
+            </p:spPr>
+            <p:style>
+              <a:lnRef idx="2">
+                <a:schemeClr val="accent1">
+                  <a:shade val="50000"/>
+                </a:schemeClr>
+              </a:lnRef>
+              <a:fillRef idx="1">
+                <a:schemeClr val="accent1"/>
+              </a:fillRef>
+              <a:effectRef idx="0">
+                <a:schemeClr val="accent1"/>
+              </a:effectRef>
+              <a:fontRef idx="minor">
+                <a:schemeClr val="lt1"/>
+              </a:fontRef>
+            </p:style>
+            <p:txBody>
+              <a:bodyPr rtlCol="0" anchor="ctr"/>
+              <a:lstStyle/>
+              <a:p>
+                <a:pPr algn="ctr"/>
+                <a:endParaRPr lang="en-CN"/>
+              </a:p>
+            </p:txBody>
+          </p:sp>
+          <p:sp>
+            <p:nvSpPr>
+              <p:cNvPr id="150" name="TextBox 149">
+                <a:extLst>
+                  <a:ext uri="{FF2B5EF4-FFF2-40B4-BE49-F238E27FC236}">
+                    <a16:creationId xmlns:a16="http://schemas.microsoft.com/office/drawing/2014/main" id="{7733E1B3-E0B9-7043-8631-6BB0ED5D824C}"/>
+                  </a:ext>
+                </a:extLst>
+              </p:cNvPr>
+              <p:cNvSpPr txBox="1"/>
+              <p:nvPr/>
+            </p:nvSpPr>
+            <p:spPr>
+              <a:xfrm>
+                <a:off x="156730" y="4158675"/>
+                <a:ext cx="1108775" cy="307777"/>
+              </a:xfrm>
+              <a:prstGeom prst="rect">
+                <a:avLst/>
+              </a:prstGeom>
+              <a:noFill/>
+            </p:spPr>
+            <p:txBody>
+              <a:bodyPr wrap="square">
+                <a:spAutoFit/>
+              </a:bodyPr>
+              <a:lstStyle/>
+              <a:p>
+                <a:pPr algn="ctr"/>
+                <a:r>
+                  <a:rPr lang="en-CN" sz="1400" b="1" dirty="0">
+                    <a:solidFill>
+                      <a:schemeClr val="tx1"/>
+                    </a:solidFill>
+                    <a:latin typeface="Times New Roman" panose="02020603050405020304" pitchFamily="18" charset="0"/>
+                    <a:cs typeface="Times New Roman" panose="02020603050405020304" pitchFamily="18" charset="0"/>
+                  </a:rPr>
+                  <a:t>F-Enc</a:t>
+                </a:r>
+              </a:p>
+            </p:txBody>
+          </p:sp>
+        </p:grpSp>
+        <p:cxnSp>
+          <p:nvCxnSpPr>
+            <p:cNvPr id="151" name="Straight Connector 150">
+              <a:extLst>
+                <a:ext uri="{FF2B5EF4-FFF2-40B4-BE49-F238E27FC236}">
+                  <a16:creationId xmlns:a16="http://schemas.microsoft.com/office/drawing/2014/main" id="{5FCE4852-7944-524A-A438-D6AA79DFE2A1}"/>
+                </a:ext>
+              </a:extLst>
+            </p:cNvPr>
+            <p:cNvCxnSpPr>
+              <a:cxnSpLocks/>
+              <a:stCxn id="140" idx="2"/>
+              <a:endCxn id="102" idx="3"/>
+            </p:cNvCxnSpPr>
+            <p:nvPr/>
+          </p:nvCxnSpPr>
+          <p:spPr>
+            <a:xfrm flipV="1">
+              <a:off x="2313509" y="4315185"/>
+              <a:ext cx="1921" cy="186012"/>
+            </a:xfrm>
+            <a:prstGeom prst="line">
+              <a:avLst/>
+            </a:prstGeom>
+            <a:ln w="19050">
+              <a:solidFill>
+                <a:schemeClr val="tx1"/>
+              </a:solidFill>
+              <a:headEnd type="stealth" w="lg" len="med"/>
+              <a:tailEnd type="none"/>
+            </a:ln>
+          </p:spPr>
+          <p:style>
+            <a:lnRef idx="1">
+              <a:schemeClr val="accent1"/>
+            </a:lnRef>
+            <a:fillRef idx="0">
+              <a:schemeClr val="accent1"/>
+            </a:fillRef>
+            <a:effectRef idx="0">
+              <a:schemeClr val="accent1"/>
+            </a:effectRef>
+            <a:fontRef idx="minor">
+              <a:schemeClr val="tx1"/>
+            </a:fontRef>
+          </p:style>
+        </p:cxnSp>
+        <p:cxnSp>
+          <p:nvCxnSpPr>
+            <p:cNvPr id="154" name="Straight Connector 153">
+              <a:extLst>
+                <a:ext uri="{FF2B5EF4-FFF2-40B4-BE49-F238E27FC236}">
+                  <a16:creationId xmlns:a16="http://schemas.microsoft.com/office/drawing/2014/main" id="{87DBE403-D68B-754B-8057-1B9689832D39}"/>
+                </a:ext>
+              </a:extLst>
+            </p:cNvPr>
+            <p:cNvCxnSpPr>
+              <a:cxnSpLocks/>
+              <a:stCxn id="143" idx="2"/>
+              <a:endCxn id="103" idx="3"/>
+            </p:cNvCxnSpPr>
+            <p:nvPr/>
+          </p:nvCxnSpPr>
+          <p:spPr>
+            <a:xfrm flipV="1">
+              <a:off x="3603212" y="4315185"/>
+              <a:ext cx="1920" cy="186012"/>
+            </a:xfrm>
+            <a:prstGeom prst="line">
+              <a:avLst/>
+            </a:prstGeom>
+            <a:ln w="19050">
+              <a:solidFill>
+                <a:schemeClr val="tx1"/>
+              </a:solidFill>
+              <a:headEnd type="stealth" w="lg" len="med"/>
+              <a:tailEnd type="none"/>
+            </a:ln>
+          </p:spPr>
+          <p:style>
+            <a:lnRef idx="1">
+              <a:schemeClr val="accent1"/>
+            </a:lnRef>
+            <a:fillRef idx="0">
+              <a:schemeClr val="accent1"/>
+            </a:fillRef>
+            <a:effectRef idx="0">
+              <a:schemeClr val="accent1"/>
+            </a:effectRef>
+            <a:fontRef idx="minor">
+              <a:schemeClr val="tx1"/>
+            </a:fontRef>
+          </p:style>
+        </p:cxnSp>
+        <p:cxnSp>
+          <p:nvCxnSpPr>
+            <p:cNvPr id="157" name="Straight Connector 156">
+              <a:extLst>
+                <a:ext uri="{FF2B5EF4-FFF2-40B4-BE49-F238E27FC236}">
+                  <a16:creationId xmlns:a16="http://schemas.microsoft.com/office/drawing/2014/main" id="{C6A10244-242C-3640-A990-B530DAB5B56D}"/>
+                </a:ext>
+              </a:extLst>
+            </p:cNvPr>
+            <p:cNvCxnSpPr>
+              <a:cxnSpLocks/>
+              <a:stCxn id="146" idx="2"/>
+              <a:endCxn id="104" idx="3"/>
+            </p:cNvCxnSpPr>
+            <p:nvPr/>
+          </p:nvCxnSpPr>
+          <p:spPr>
+            <a:xfrm flipV="1">
+              <a:off x="4890994" y="4320038"/>
+              <a:ext cx="3844" cy="181157"/>
+            </a:xfrm>
+            <a:prstGeom prst="line">
+              <a:avLst/>
+            </a:prstGeom>
+            <a:ln w="19050">
+              <a:solidFill>
+                <a:schemeClr val="tx1"/>
+              </a:solidFill>
+              <a:headEnd type="stealth" w="lg" len="med"/>
+              <a:tailEnd type="none"/>
+            </a:ln>
+          </p:spPr>
+          <p:style>
+            <a:lnRef idx="1">
+              <a:schemeClr val="accent1"/>
+            </a:lnRef>
+            <a:fillRef idx="0">
+              <a:schemeClr val="accent1"/>
+            </a:fillRef>
+            <a:effectRef idx="0">
+              <a:schemeClr val="accent1"/>
+            </a:effectRef>
+            <a:fontRef idx="minor">
+              <a:schemeClr val="tx1"/>
+            </a:fontRef>
+          </p:style>
+        </p:cxnSp>
+        <p:cxnSp>
+          <p:nvCxnSpPr>
+            <p:cNvPr id="160" name="Straight Connector 159">
+              <a:extLst>
+                <a:ext uri="{FF2B5EF4-FFF2-40B4-BE49-F238E27FC236}">
+                  <a16:creationId xmlns:a16="http://schemas.microsoft.com/office/drawing/2014/main" id="{55C5E0D0-CE7B-A341-890F-6C9C6DB8176F}"/>
+                </a:ext>
+              </a:extLst>
+            </p:cNvPr>
+            <p:cNvCxnSpPr>
+              <a:cxnSpLocks/>
+              <a:stCxn id="149" idx="2"/>
+              <a:endCxn id="105" idx="3"/>
+            </p:cNvCxnSpPr>
+            <p:nvPr/>
+          </p:nvCxnSpPr>
+          <p:spPr>
+            <a:xfrm flipV="1">
+              <a:off x="6182619" y="4315185"/>
+              <a:ext cx="1923" cy="178984"/>
+            </a:xfrm>
+            <a:prstGeom prst="line">
+              <a:avLst/>
+            </a:prstGeom>
+            <a:ln w="19050">
+              <a:solidFill>
+                <a:schemeClr val="tx1"/>
+              </a:solidFill>
+              <a:headEnd type="stealth" w="lg" len="med"/>
+              <a:tailEnd type="none"/>
             </a:ln>
           </p:spPr>
           <p:style>
@@ -3929,10 +6923,10 @@
         </p:cxnSp>
         <p:sp>
           <p:nvSpPr>
-            <p:cNvPr id="12" name="Left Brace 11">
+            <p:cNvPr id="166" name="Oval 165">
               <a:extLst>
                 <a:ext uri="{FF2B5EF4-FFF2-40B4-BE49-F238E27FC236}">
-                  <a16:creationId xmlns:a16="http://schemas.microsoft.com/office/drawing/2014/main" id="{E66D5846-A736-6E49-9C28-64571746EB87}"/>
+                  <a16:creationId xmlns:a16="http://schemas.microsoft.com/office/drawing/2014/main" id="{A74926BA-8231-F746-822E-A3C3797BE65A}"/>
                 </a:ext>
               </a:extLst>
             </p:cNvPr>
@@ -3940,20 +6934,85 @@
             <p:nvPr/>
           </p:nvSpPr>
           <p:spPr>
-            <a:xfrm rot="5400000">
-              <a:off x="2105417" y="2226106"/>
-              <a:ext cx="184470" cy="3736415"/>
+            <a:xfrm>
+              <a:off x="3444345" y="5249274"/>
+              <a:ext cx="317735" cy="317735"/>
             </a:xfrm>
-            <a:prstGeom prst="leftBrace">
-              <a:avLst>
-                <a:gd name="adj1" fmla="val 99029"/>
-                <a:gd name="adj2" fmla="val 50000"/>
-              </a:avLst>
+            <a:prstGeom prst="ellipse">
+              <a:avLst/>
             </a:prstGeom>
-            <a:ln w="12700">
+            <a:solidFill>
+              <a:schemeClr val="accent4"/>
+            </a:solidFill>
+            <a:ln w="19050">
               <a:solidFill>
                 <a:schemeClr val="tx1"/>
               </a:solidFill>
+            </a:ln>
+          </p:spPr>
+          <p:style>
+            <a:lnRef idx="2">
+              <a:schemeClr val="accent1">
+                <a:shade val="50000"/>
+              </a:schemeClr>
+            </a:lnRef>
+            <a:fillRef idx="1">
+              <a:schemeClr val="accent1"/>
+            </a:fillRef>
+            <a:effectRef idx="0">
+              <a:schemeClr val="accent1"/>
+            </a:effectRef>
+            <a:fontRef idx="minor">
+              <a:schemeClr val="lt1"/>
+            </a:fontRef>
+          </p:style>
+          <p:txBody>
+            <a:bodyPr rtlCol="0" anchor="ctr"/>
+            <a:lstStyle/>
+            <a:p>
+              <a:pPr algn="ctr"/>
+              <a:r>
+                <a:rPr lang="en-CN" b="1" dirty="0">
+                  <a:solidFill>
+                    <a:schemeClr val="tx1"/>
+                  </a:solidFill>
+                </a:rPr>
+                <a:t>F</a:t>
+              </a:r>
+            </a:p>
+          </p:txBody>
+        </p:sp>
+        <p:cxnSp>
+          <p:nvCxnSpPr>
+            <p:cNvPr id="168" name="Elbow Connector 167">
+              <a:extLst>
+                <a:ext uri="{FF2B5EF4-FFF2-40B4-BE49-F238E27FC236}">
+                  <a16:creationId xmlns:a16="http://schemas.microsoft.com/office/drawing/2014/main" id="{E728EC82-9F57-5041-A24C-2DC0EDDAEB19}"/>
+                </a:ext>
+              </a:extLst>
+            </p:cNvPr>
+            <p:cNvCxnSpPr>
+              <a:cxnSpLocks/>
+              <a:stCxn id="132" idx="0"/>
+              <a:endCxn id="166" idx="0"/>
+            </p:cNvCxnSpPr>
+            <p:nvPr/>
+          </p:nvCxnSpPr>
+          <p:spPr>
+            <a:xfrm rot="16200000" flipH="1">
+              <a:off x="2149843" y="3795904"/>
+              <a:ext cx="317370" cy="2589369"/>
+            </a:xfrm>
+            <a:prstGeom prst="bentConnector3">
+              <a:avLst>
+                <a:gd name="adj1" fmla="val 52043"/>
+              </a:avLst>
+            </a:prstGeom>
+            <a:ln w="19050">
+              <a:solidFill>
+                <a:schemeClr val="tx1"/>
+              </a:solidFill>
+              <a:tailEnd type="stealth" w="lg" len="sm"/>
             </a:ln>
           </p:spPr>
           <p:style>
@@ -3970,111 +7029,1804 @@
               <a:schemeClr val="tx1"/>
             </a:fontRef>
           </p:style>
+        </p:cxnSp>
+        <p:cxnSp>
+          <p:nvCxnSpPr>
+            <p:cNvPr id="170" name="Elbow Connector 169">
+              <a:extLst>
+                <a:ext uri="{FF2B5EF4-FFF2-40B4-BE49-F238E27FC236}">
+                  <a16:creationId xmlns:a16="http://schemas.microsoft.com/office/drawing/2014/main" id="{4717FAB6-3DF1-3145-A207-B257F9D549C9}"/>
+                </a:ext>
+              </a:extLst>
+            </p:cNvPr>
+            <p:cNvCxnSpPr>
+              <a:cxnSpLocks/>
+              <a:stCxn id="140" idx="0"/>
+              <a:endCxn id="166" idx="0"/>
+            </p:cNvCxnSpPr>
+            <p:nvPr/>
+          </p:nvCxnSpPr>
+          <p:spPr>
+            <a:xfrm rot="16200000" flipH="1">
+              <a:off x="2803190" y="4449250"/>
+              <a:ext cx="310343" cy="1289704"/>
+            </a:xfrm>
+            <a:prstGeom prst="bentConnector3">
+              <a:avLst>
+                <a:gd name="adj1" fmla="val 50000"/>
+              </a:avLst>
+            </a:prstGeom>
+            <a:ln w="19050">
+              <a:solidFill>
+                <a:schemeClr val="tx1"/>
+              </a:solidFill>
+              <a:tailEnd type="stealth" w="lg" len="sm"/>
+            </a:ln>
+          </p:spPr>
+          <p:style>
+            <a:lnRef idx="1">
+              <a:schemeClr val="accent1"/>
+            </a:lnRef>
+            <a:fillRef idx="0">
+              <a:schemeClr val="accent1"/>
+            </a:fillRef>
+            <a:effectRef idx="0">
+              <a:schemeClr val="accent1"/>
+            </a:effectRef>
+            <a:fontRef idx="minor">
+              <a:schemeClr val="tx1"/>
+            </a:fontRef>
+          </p:style>
+        </p:cxnSp>
+        <p:cxnSp>
+          <p:nvCxnSpPr>
+            <p:cNvPr id="174" name="Elbow Connector 173">
+              <a:extLst>
+                <a:ext uri="{FF2B5EF4-FFF2-40B4-BE49-F238E27FC236}">
+                  <a16:creationId xmlns:a16="http://schemas.microsoft.com/office/drawing/2014/main" id="{DC93BAB9-A468-F74C-9D8B-853F9D75CF96}"/>
+                </a:ext>
+              </a:extLst>
+            </p:cNvPr>
+            <p:cNvCxnSpPr>
+              <a:cxnSpLocks/>
+              <a:stCxn id="143" idx="0"/>
+              <a:endCxn id="166" idx="0"/>
+            </p:cNvCxnSpPr>
+            <p:nvPr/>
+          </p:nvCxnSpPr>
+          <p:spPr>
+            <a:xfrm rot="16200000" flipH="1">
+              <a:off x="3448041" y="5094101"/>
+              <a:ext cx="310343" cy="1"/>
+            </a:xfrm>
+            <a:prstGeom prst="bentConnector3">
+              <a:avLst>
+                <a:gd name="adj1" fmla="val 50000"/>
+              </a:avLst>
+            </a:prstGeom>
+            <a:ln w="19050">
+              <a:solidFill>
+                <a:schemeClr val="tx1"/>
+              </a:solidFill>
+              <a:tailEnd type="stealth" w="lg" len="sm"/>
+            </a:ln>
+          </p:spPr>
+          <p:style>
+            <a:lnRef idx="1">
+              <a:schemeClr val="accent1"/>
+            </a:lnRef>
+            <a:fillRef idx="0">
+              <a:schemeClr val="accent1"/>
+            </a:fillRef>
+            <a:effectRef idx="0">
+              <a:schemeClr val="accent1"/>
+            </a:effectRef>
+            <a:fontRef idx="minor">
+              <a:schemeClr val="tx1"/>
+            </a:fontRef>
+          </p:style>
+        </p:cxnSp>
+        <p:cxnSp>
+          <p:nvCxnSpPr>
+            <p:cNvPr id="177" name="Elbow Connector 176">
+              <a:extLst>
+                <a:ext uri="{FF2B5EF4-FFF2-40B4-BE49-F238E27FC236}">
+                  <a16:creationId xmlns:a16="http://schemas.microsoft.com/office/drawing/2014/main" id="{F366E920-EE62-7A46-9B43-4DF305BC92CB}"/>
+                </a:ext>
+              </a:extLst>
+            </p:cNvPr>
+            <p:cNvCxnSpPr>
+              <a:cxnSpLocks/>
+              <a:stCxn id="146" idx="0"/>
+              <a:endCxn id="166" idx="0"/>
+            </p:cNvCxnSpPr>
+            <p:nvPr/>
+          </p:nvCxnSpPr>
+          <p:spPr>
+            <a:xfrm rot="5400000">
+              <a:off x="4091932" y="4450211"/>
+              <a:ext cx="310345" cy="1287781"/>
+            </a:xfrm>
+            <a:prstGeom prst="bentConnector3">
+              <a:avLst>
+                <a:gd name="adj1" fmla="val 50000"/>
+              </a:avLst>
+            </a:prstGeom>
+            <a:ln w="19050">
+              <a:solidFill>
+                <a:schemeClr val="tx1"/>
+              </a:solidFill>
+              <a:tailEnd type="stealth" w="lg" len="sm"/>
+            </a:ln>
+          </p:spPr>
+          <p:style>
+            <a:lnRef idx="1">
+              <a:schemeClr val="accent1"/>
+            </a:lnRef>
+            <a:fillRef idx="0">
+              <a:schemeClr val="accent1"/>
+            </a:fillRef>
+            <a:effectRef idx="0">
+              <a:schemeClr val="accent1"/>
+            </a:effectRef>
+            <a:fontRef idx="minor">
+              <a:schemeClr val="tx1"/>
+            </a:fontRef>
+          </p:style>
+        </p:cxnSp>
+        <p:cxnSp>
+          <p:nvCxnSpPr>
+            <p:cNvPr id="180" name="Elbow Connector 179">
+              <a:extLst>
+                <a:ext uri="{FF2B5EF4-FFF2-40B4-BE49-F238E27FC236}">
+                  <a16:creationId xmlns:a16="http://schemas.microsoft.com/office/drawing/2014/main" id="{67F49F8B-FE7B-A842-A6F2-A495C420FC1C}"/>
+                </a:ext>
+              </a:extLst>
+            </p:cNvPr>
+            <p:cNvCxnSpPr>
+              <a:cxnSpLocks/>
+              <a:stCxn id="149" idx="0"/>
+              <a:endCxn id="166" idx="0"/>
+            </p:cNvCxnSpPr>
+            <p:nvPr/>
+          </p:nvCxnSpPr>
+          <p:spPr>
+            <a:xfrm rot="5400000">
+              <a:off x="4734231" y="3800885"/>
+              <a:ext cx="317371" cy="2579406"/>
+            </a:xfrm>
+            <a:prstGeom prst="bentConnector3">
+              <a:avLst>
+                <a:gd name="adj1" fmla="val 52044"/>
+              </a:avLst>
+            </a:prstGeom>
+            <a:ln w="19050">
+              <a:solidFill>
+                <a:schemeClr val="tx1"/>
+              </a:solidFill>
+              <a:tailEnd type="stealth" w="lg" len="sm"/>
+            </a:ln>
+          </p:spPr>
+          <p:style>
+            <a:lnRef idx="1">
+              <a:schemeClr val="accent1"/>
+            </a:lnRef>
+            <a:fillRef idx="0">
+              <a:schemeClr val="accent1"/>
+            </a:fillRef>
+            <a:effectRef idx="0">
+              <a:schemeClr val="accent1"/>
+            </a:effectRef>
+            <a:fontRef idx="minor">
+              <a:schemeClr val="tx1"/>
+            </a:fontRef>
+          </p:style>
+        </p:cxnSp>
+        <p:sp>
+          <p:nvSpPr>
+            <p:cNvPr id="190" name="Rectangle 189">
+              <a:extLst>
+                <a:ext uri="{FF2B5EF4-FFF2-40B4-BE49-F238E27FC236}">
+                  <a16:creationId xmlns:a16="http://schemas.microsoft.com/office/drawing/2014/main" id="{76C120D3-04BA-6945-A263-9C3363E9B766}"/>
+                </a:ext>
+              </a:extLst>
+            </p:cNvPr>
+            <p:cNvSpPr/>
+            <p:nvPr/>
+          </p:nvSpPr>
+          <p:spPr>
+            <a:xfrm>
+              <a:off x="2308528" y="5742490"/>
+              <a:ext cx="2577484" cy="375920"/>
+            </a:xfrm>
+            <a:prstGeom prst="rect">
+              <a:avLst/>
+            </a:prstGeom>
+            <a:gradFill flip="none" rotWithShape="1">
+              <a:gsLst>
+                <a:gs pos="0">
+                  <a:srgbClr val="7030A0">
+                    <a:tint val="66000"/>
+                    <a:satMod val="160000"/>
+                  </a:srgbClr>
+                </a:gs>
+                <a:gs pos="50000">
+                  <a:srgbClr val="7030A0">
+                    <a:tint val="44500"/>
+                    <a:satMod val="160000"/>
+                  </a:srgbClr>
+                </a:gs>
+                <a:gs pos="100000">
+                  <a:srgbClr val="7030A0">
+                    <a:tint val="23500"/>
+                    <a:satMod val="160000"/>
+                  </a:srgbClr>
+                </a:gs>
+              </a:gsLst>
+              <a:lin ang="5400000" scaled="1"/>
+              <a:tileRect/>
+            </a:gradFill>
+            <a:ln w="19050">
+              <a:solidFill>
+                <a:schemeClr val="tx1"/>
+              </a:solidFill>
+            </a:ln>
+          </p:spPr>
+          <p:style>
+            <a:lnRef idx="2">
+              <a:schemeClr val="accent1">
+                <a:shade val="50000"/>
+              </a:schemeClr>
+            </a:lnRef>
+            <a:fillRef idx="1">
+              <a:schemeClr val="accent1"/>
+            </a:fillRef>
+            <a:effectRef idx="0">
+              <a:schemeClr val="accent1"/>
+            </a:effectRef>
+            <a:fontRef idx="minor">
+              <a:schemeClr val="lt1"/>
+            </a:fontRef>
+          </p:style>
           <p:txBody>
             <a:bodyPr rtlCol="0" anchor="ctr"/>
             <a:lstStyle/>
             <a:p>
               <a:pPr algn="ctr"/>
-              <a:endParaRPr lang="en-CN" sz="1200"/>
+              <a:r>
+                <a:rPr lang="en-CN" sz="1400" b="1" dirty="0">
+                  <a:solidFill>
+                    <a:schemeClr val="tx1"/>
+                  </a:solidFill>
+                  <a:latin typeface="Times New Roman" panose="02020603050405020304" pitchFamily="18" charset="0"/>
+                  <a:cs typeface="Times New Roman" panose="02020603050405020304" pitchFamily="18" charset="0"/>
+                </a:rPr>
+                <a:t>Seq Enc</a:t>
+              </a:r>
             </a:p>
           </p:txBody>
         </p:sp>
+        <p:cxnSp>
+          <p:nvCxnSpPr>
+            <p:cNvPr id="191" name="Straight Connector 190">
+              <a:extLst>
+                <a:ext uri="{FF2B5EF4-FFF2-40B4-BE49-F238E27FC236}">
+                  <a16:creationId xmlns:a16="http://schemas.microsoft.com/office/drawing/2014/main" id="{B8839D58-CCDA-3B49-A6CE-75E59DF27B76}"/>
+                </a:ext>
+              </a:extLst>
+            </p:cNvPr>
+            <p:cNvCxnSpPr>
+              <a:cxnSpLocks/>
+              <a:stCxn id="190" idx="0"/>
+              <a:endCxn id="166" idx="4"/>
+            </p:cNvCxnSpPr>
+            <p:nvPr/>
+          </p:nvCxnSpPr>
+          <p:spPr>
+            <a:xfrm flipV="1">
+              <a:off x="3597270" y="5567009"/>
+              <a:ext cx="5943" cy="175481"/>
+            </a:xfrm>
+            <a:prstGeom prst="line">
+              <a:avLst/>
+            </a:prstGeom>
+            <a:ln w="19050">
+              <a:solidFill>
+                <a:schemeClr val="tx1"/>
+              </a:solidFill>
+              <a:headEnd type="stealth" w="lg" len="med"/>
+              <a:tailEnd type="none"/>
+            </a:ln>
+          </p:spPr>
+          <p:style>
+            <a:lnRef idx="1">
+              <a:schemeClr val="accent1"/>
+            </a:lnRef>
+            <a:fillRef idx="0">
+              <a:schemeClr val="accent1"/>
+            </a:fillRef>
+            <a:effectRef idx="0">
+              <a:schemeClr val="accent1"/>
+            </a:effectRef>
+            <a:fontRef idx="minor">
+              <a:schemeClr val="tx1"/>
+            </a:fontRef>
+          </p:style>
+        </p:cxnSp>
+        <p:sp>
+          <p:nvSpPr>
+            <p:cNvPr id="199" name="Triangle 198">
+              <a:extLst>
+                <a:ext uri="{FF2B5EF4-FFF2-40B4-BE49-F238E27FC236}">
+                  <a16:creationId xmlns:a16="http://schemas.microsoft.com/office/drawing/2014/main" id="{66F2EA0A-74A0-BE4D-8E60-50C8769E7BA8}"/>
+                </a:ext>
+              </a:extLst>
+            </p:cNvPr>
+            <p:cNvSpPr/>
+            <p:nvPr/>
+          </p:nvSpPr>
+          <p:spPr>
+            <a:xfrm rot="5400000">
+              <a:off x="4949735" y="5789521"/>
+              <a:ext cx="375922" cy="281861"/>
+            </a:xfrm>
+            <a:prstGeom prst="triangle">
+              <a:avLst/>
+            </a:prstGeom>
+            <a:solidFill>
+              <a:schemeClr val="tx2">
+                <a:lumMod val="60000"/>
+                <a:lumOff val="40000"/>
+              </a:schemeClr>
+            </a:solidFill>
+            <a:ln w="19050">
+              <a:solidFill>
+                <a:schemeClr val="tx1"/>
+              </a:solidFill>
+            </a:ln>
+          </p:spPr>
+          <p:style>
+            <a:lnRef idx="2">
+              <a:schemeClr val="accent1">
+                <a:shade val="50000"/>
+              </a:schemeClr>
+            </a:lnRef>
+            <a:fillRef idx="1">
+              <a:schemeClr val="accent1"/>
+            </a:fillRef>
+            <a:effectRef idx="0">
+              <a:schemeClr val="accent1"/>
+            </a:effectRef>
+            <a:fontRef idx="minor">
+              <a:schemeClr val="lt1"/>
+            </a:fontRef>
+          </p:style>
+          <p:txBody>
+            <a:bodyPr rtlCol="0" anchor="ctr"/>
+            <a:lstStyle/>
+            <a:p>
+              <a:pPr algn="ctr"/>
+              <a:endParaRPr lang="en-CN"/>
+            </a:p>
+          </p:txBody>
+        </p:sp>
+        <p:sp>
+          <p:nvSpPr>
+            <p:cNvPr id="200" name="Oval 199">
+              <a:extLst>
+                <a:ext uri="{FF2B5EF4-FFF2-40B4-BE49-F238E27FC236}">
+                  <a16:creationId xmlns:a16="http://schemas.microsoft.com/office/drawing/2014/main" id="{D8D0ABE5-7755-A942-BAA7-3EE569D78A81}"/>
+                </a:ext>
+              </a:extLst>
+            </p:cNvPr>
+            <p:cNvSpPr/>
+            <p:nvPr/>
+          </p:nvSpPr>
+          <p:spPr>
+            <a:xfrm>
+              <a:off x="5379123" y="5771767"/>
+              <a:ext cx="317735" cy="317735"/>
+            </a:xfrm>
+            <a:prstGeom prst="ellipse">
+              <a:avLst/>
+            </a:prstGeom>
+            <a:noFill/>
+            <a:ln w="19050">
+              <a:solidFill>
+                <a:schemeClr val="tx1"/>
+              </a:solidFill>
+            </a:ln>
+          </p:spPr>
+          <p:style>
+            <a:lnRef idx="2">
+              <a:schemeClr val="accent1">
+                <a:shade val="50000"/>
+              </a:schemeClr>
+            </a:lnRef>
+            <a:fillRef idx="1">
+              <a:schemeClr val="accent1"/>
+            </a:fillRef>
+            <a:effectRef idx="0">
+              <a:schemeClr val="accent1"/>
+            </a:effectRef>
+            <a:fontRef idx="minor">
+              <a:schemeClr val="lt1"/>
+            </a:fontRef>
+          </p:style>
+          <p:txBody>
+            <a:bodyPr rtlCol="0" anchor="ctr"/>
+            <a:lstStyle/>
+            <a:p>
+              <a:pPr algn="ctr"/>
+              <a:r>
+                <a:rPr lang="en-CN" b="1" dirty="0">
+                  <a:solidFill>
+                    <a:schemeClr val="tx1"/>
+                  </a:solidFill>
+                </a:rPr>
+                <a:t>Y</a:t>
+              </a:r>
+            </a:p>
+          </p:txBody>
+        </p:sp>
+        <p:sp>
+          <p:nvSpPr>
+            <p:cNvPr id="201" name="Oval 200">
+              <a:extLst>
+                <a:ext uri="{FF2B5EF4-FFF2-40B4-BE49-F238E27FC236}">
+                  <a16:creationId xmlns:a16="http://schemas.microsoft.com/office/drawing/2014/main" id="{E3A1D63C-0FA4-D849-BCAD-B0D203CF4E23}"/>
+                </a:ext>
+              </a:extLst>
+            </p:cNvPr>
+            <p:cNvSpPr/>
+            <p:nvPr/>
+          </p:nvSpPr>
+          <p:spPr>
+            <a:xfrm>
+              <a:off x="6312128" y="5769708"/>
+              <a:ext cx="317735" cy="317735"/>
+            </a:xfrm>
+            <a:prstGeom prst="ellipse">
+              <a:avLst/>
+            </a:prstGeom>
+            <a:noFill/>
+            <a:ln w="19050">
+              <a:solidFill>
+                <a:schemeClr val="tx1"/>
+              </a:solidFill>
+            </a:ln>
+          </p:spPr>
+          <p:style>
+            <a:lnRef idx="2">
+              <a:schemeClr val="accent1">
+                <a:shade val="50000"/>
+              </a:schemeClr>
+            </a:lnRef>
+            <a:fillRef idx="1">
+              <a:schemeClr val="accent1"/>
+            </a:fillRef>
+            <a:effectRef idx="0">
+              <a:schemeClr val="accent1"/>
+            </a:effectRef>
+            <a:fontRef idx="minor">
+              <a:schemeClr val="lt1"/>
+            </a:fontRef>
+          </p:style>
+          <p:txBody>
+            <a:bodyPr rtlCol="0" anchor="ctr"/>
+            <a:lstStyle/>
+            <a:p>
+              <a:pPr algn="ctr"/>
+              <a:r>
+                <a:rPr lang="en-CN" b="1" dirty="0">
+                  <a:solidFill>
+                    <a:schemeClr val="tx1"/>
+                  </a:solidFill>
+                </a:rPr>
+                <a:t>L</a:t>
+              </a:r>
+            </a:p>
+          </p:txBody>
+        </p:sp>
+        <p:cxnSp>
+          <p:nvCxnSpPr>
+            <p:cNvPr id="202" name="Straight Connector 201">
+              <a:extLst>
+                <a:ext uri="{FF2B5EF4-FFF2-40B4-BE49-F238E27FC236}">
+                  <a16:creationId xmlns:a16="http://schemas.microsoft.com/office/drawing/2014/main" id="{C40FEB17-74A8-F64E-843D-8C38ACE855EF}"/>
+                </a:ext>
+              </a:extLst>
+            </p:cNvPr>
+            <p:cNvCxnSpPr>
+              <a:cxnSpLocks/>
+              <a:stCxn id="200" idx="6"/>
+              <a:endCxn id="201" idx="2"/>
+            </p:cNvCxnSpPr>
+            <p:nvPr/>
+          </p:nvCxnSpPr>
+          <p:spPr>
+            <a:xfrm flipV="1">
+              <a:off x="5696858" y="5928576"/>
+              <a:ext cx="615270" cy="2059"/>
+            </a:xfrm>
+            <a:prstGeom prst="line">
+              <a:avLst/>
+            </a:prstGeom>
+            <a:ln w="19050">
+              <a:solidFill>
+                <a:srgbClr val="C00000"/>
+              </a:solidFill>
+              <a:prstDash val="dash"/>
+              <a:headEnd type="stealth" w="lg" len="med"/>
+              <a:tailEnd type="stealth" w="lg" len="med"/>
+            </a:ln>
+          </p:spPr>
+          <p:style>
+            <a:lnRef idx="1">
+              <a:schemeClr val="accent1"/>
+            </a:lnRef>
+            <a:fillRef idx="0">
+              <a:schemeClr val="accent1"/>
+            </a:fillRef>
+            <a:effectRef idx="0">
+              <a:schemeClr val="accent1"/>
+            </a:effectRef>
+            <a:fontRef idx="minor">
+              <a:schemeClr val="tx1"/>
+            </a:fontRef>
+          </p:style>
+        </p:cxnSp>
+        <p:grpSp>
+          <p:nvGrpSpPr>
+            <p:cNvPr id="211" name="Group 210">
+              <a:extLst>
+                <a:ext uri="{FF2B5EF4-FFF2-40B4-BE49-F238E27FC236}">
+                  <a16:creationId xmlns:a16="http://schemas.microsoft.com/office/drawing/2014/main" id="{2D4AABA2-8937-0C4C-9FA3-A3D301EE8716}"/>
+                </a:ext>
+              </a:extLst>
+            </p:cNvPr>
+            <p:cNvGrpSpPr/>
+            <p:nvPr/>
+          </p:nvGrpSpPr>
+          <p:grpSpPr>
+            <a:xfrm>
+              <a:off x="7410638" y="700509"/>
+              <a:ext cx="3773663" cy="5818304"/>
+              <a:chOff x="8065448" y="700509"/>
+              <a:chExt cx="3773663" cy="5818304"/>
+            </a:xfrm>
+          </p:grpSpPr>
+          <p:sp>
+            <p:nvSpPr>
+              <p:cNvPr id="56" name="Rounded Rectangle 55">
+                <a:extLst>
+                  <a:ext uri="{FF2B5EF4-FFF2-40B4-BE49-F238E27FC236}">
+                    <a16:creationId xmlns:a16="http://schemas.microsoft.com/office/drawing/2014/main" id="{831D5085-314B-584E-A5DD-BF38974AE63A}"/>
+                  </a:ext>
+                </a:extLst>
+              </p:cNvPr>
+              <p:cNvSpPr/>
+              <p:nvPr/>
+            </p:nvSpPr>
+            <p:spPr>
+              <a:xfrm>
+                <a:off x="8071577" y="700509"/>
+                <a:ext cx="3763960" cy="682835"/>
+              </a:xfrm>
+              <a:prstGeom prst="roundRect">
+                <a:avLst>
+                  <a:gd name="adj" fmla="val 8101"/>
+                </a:avLst>
+              </a:prstGeom>
+              <a:solidFill>
+                <a:schemeClr val="bg1">
+                  <a:lumMod val="95000"/>
+                </a:schemeClr>
+              </a:solidFill>
+              <a:ln w="19050">
+                <a:solidFill>
+                  <a:schemeClr val="tx1"/>
+                </a:solidFill>
+              </a:ln>
+            </p:spPr>
+            <p:style>
+              <a:lnRef idx="2">
+                <a:schemeClr val="accent1">
+                  <a:shade val="50000"/>
+                </a:schemeClr>
+              </a:lnRef>
+              <a:fillRef idx="1">
+                <a:schemeClr val="accent1"/>
+              </a:fillRef>
+              <a:effectRef idx="0">
+                <a:schemeClr val="accent1"/>
+              </a:effectRef>
+              <a:fontRef idx="minor">
+                <a:schemeClr val="lt1"/>
+              </a:fontRef>
+            </p:style>
+            <p:txBody>
+              <a:bodyPr rtlCol="0" anchor="ctr"/>
+              <a:lstStyle/>
+              <a:p>
+                <a:pPr algn="ctr">
+                  <a:lnSpc>
+                    <a:spcPct val="105000"/>
+                  </a:lnSpc>
+                </a:pPr>
+                <a:r>
+                  <a:rPr lang="en-CN" sz="1400" b="1" dirty="0">
+                    <a:solidFill>
+                      <a:schemeClr val="tx1"/>
+                    </a:solidFill>
+                    <a:latin typeface="Times New Roman" panose="02020603050405020304" pitchFamily="18" charset="0"/>
+                    <a:cs typeface="Times New Roman" panose="02020603050405020304" pitchFamily="18" charset="0"/>
+                  </a:rPr>
+                  <a:t>Part 1. Tensor Engineering</a:t>
+                </a:r>
+              </a:p>
+              <a:p>
+                <a:pPr algn="ctr">
+                  <a:lnSpc>
+                    <a:spcPct val="105000"/>
+                  </a:lnSpc>
+                </a:pPr>
+                <a:r>
+                  <a:rPr lang="en-US" sz="1200" dirty="0">
+                    <a:solidFill>
+                      <a:schemeClr val="tx1"/>
+                    </a:solidFill>
+                    <a:latin typeface="Times New Roman" panose="02020603050405020304" pitchFamily="18" charset="0"/>
+                    <a:cs typeface="Times New Roman" panose="02020603050405020304" pitchFamily="18" charset="0"/>
+                  </a:rPr>
+                  <a:t>Generate Features using</a:t>
+                </a:r>
+              </a:p>
+              <a:p>
+                <a:pPr algn="ctr">
+                  <a:lnSpc>
+                    <a:spcPct val="105000"/>
+                  </a:lnSpc>
+                </a:pPr>
+                <a:r>
+                  <a:rPr lang="en-US" sz="1200" dirty="0">
+                    <a:solidFill>
+                      <a:schemeClr val="tx1"/>
+                    </a:solidFill>
+                    <a:latin typeface="Times New Roman" panose="02020603050405020304" pitchFamily="18" charset="0"/>
+                    <a:cs typeface="Times New Roman" panose="02020603050405020304" pitchFamily="18" charset="0"/>
+                  </a:rPr>
+                  <a:t>Tensor </a:t>
+                </a:r>
+                <a:r>
+                  <a:rPr lang="en-US" sz="1200" b="1" dirty="0">
+                    <a:solidFill>
+                      <a:schemeClr val="tx1"/>
+                    </a:solidFill>
+                    <a:latin typeface="Times New Roman" panose="02020603050405020304" pitchFamily="18" charset="0"/>
+                    <a:cs typeface="Times New Roman" panose="02020603050405020304" pitchFamily="18" charset="0"/>
+                  </a:rPr>
+                  <a:t>Construction and Extraction </a:t>
+                </a:r>
+                <a:r>
+                  <a:rPr lang="en-US" sz="1200" dirty="0">
+                    <a:solidFill>
+                      <a:schemeClr val="tx1"/>
+                    </a:solidFill>
+                    <a:latin typeface="Times New Roman" panose="02020603050405020304" pitchFamily="18" charset="0"/>
+                    <a:cs typeface="Times New Roman" panose="02020603050405020304" pitchFamily="18" charset="0"/>
+                  </a:rPr>
+                  <a:t>Algorithms</a:t>
+                </a:r>
+              </a:p>
+            </p:txBody>
+          </p:sp>
+          <p:sp>
+            <p:nvSpPr>
+              <p:cNvPr id="57" name="Rounded Rectangle 56">
+                <a:extLst>
+                  <a:ext uri="{FF2B5EF4-FFF2-40B4-BE49-F238E27FC236}">
+                    <a16:creationId xmlns:a16="http://schemas.microsoft.com/office/drawing/2014/main" id="{98174229-5B35-0346-91AD-E0C4534C8557}"/>
+                  </a:ext>
+                </a:extLst>
+              </p:cNvPr>
+              <p:cNvSpPr/>
+              <p:nvPr/>
+            </p:nvSpPr>
+            <p:spPr>
+              <a:xfrm>
+                <a:off x="8071577" y="1654483"/>
+                <a:ext cx="3763960" cy="682835"/>
+              </a:xfrm>
+              <a:prstGeom prst="roundRect">
+                <a:avLst>
+                  <a:gd name="adj" fmla="val 8101"/>
+                </a:avLst>
+              </a:prstGeom>
+              <a:solidFill>
+                <a:schemeClr val="accent6">
+                  <a:lumMod val="20000"/>
+                  <a:lumOff val="80000"/>
+                </a:schemeClr>
+              </a:solidFill>
+              <a:ln w="19050">
+                <a:solidFill>
+                  <a:schemeClr val="tx1"/>
+                </a:solidFill>
+              </a:ln>
+            </p:spPr>
+            <p:style>
+              <a:lnRef idx="2">
+                <a:schemeClr val="accent1">
+                  <a:shade val="50000"/>
+                </a:schemeClr>
+              </a:lnRef>
+              <a:fillRef idx="1">
+                <a:schemeClr val="accent1"/>
+              </a:fillRef>
+              <a:effectRef idx="0">
+                <a:schemeClr val="accent1"/>
+              </a:effectRef>
+              <a:fontRef idx="minor">
+                <a:schemeClr val="lt1"/>
+              </a:fontRef>
+            </p:style>
+            <p:txBody>
+              <a:bodyPr rtlCol="0" anchor="ctr"/>
+              <a:lstStyle/>
+              <a:p>
+                <a:pPr algn="ctr">
+                  <a:lnSpc>
+                    <a:spcPct val="105000"/>
+                  </a:lnSpc>
+                </a:pPr>
+                <a:r>
+                  <a:rPr lang="en-CN" sz="1400" b="1" dirty="0">
+                    <a:solidFill>
+                      <a:schemeClr val="tx1"/>
+                    </a:solidFill>
+                    <a:latin typeface="Times New Roman" panose="02020603050405020304" pitchFamily="18" charset="0"/>
+                    <a:cs typeface="Times New Roman" panose="02020603050405020304" pitchFamily="18" charset="0"/>
+                  </a:rPr>
+                  <a:t>Part 2. </a:t>
+                </a:r>
+                <a:r>
+                  <a:rPr lang="en-US" sz="1400" b="1" dirty="0" err="1">
+                    <a:solidFill>
+                      <a:schemeClr val="tx1"/>
+                    </a:solidFill>
+                    <a:effectLst/>
+                    <a:latin typeface="Times New Roman" panose="02020603050405020304" pitchFamily="18" charset="0"/>
+                    <a:cs typeface="Times New Roman" panose="02020603050405020304" pitchFamily="18" charset="0"/>
+                  </a:rPr>
+                  <a:t>DeepLOB</a:t>
+                </a:r>
+                <a:r>
+                  <a:rPr lang="en-US" sz="1400" b="1" dirty="0">
+                    <a:solidFill>
+                      <a:schemeClr val="tx1"/>
+                    </a:solidFill>
+                    <a:effectLst/>
+                    <a:latin typeface="Times New Roman" panose="02020603050405020304" pitchFamily="18" charset="0"/>
+                    <a:cs typeface="Times New Roman" panose="02020603050405020304" pitchFamily="18" charset="0"/>
+                  </a:rPr>
+                  <a:t> </a:t>
+                </a:r>
+                <a:r>
+                  <a:rPr lang="en-US" sz="1400" b="1" dirty="0" err="1">
+                    <a:solidFill>
+                      <a:schemeClr val="tx1"/>
+                    </a:solidFill>
+                    <a:effectLst/>
+                    <a:latin typeface="Times New Roman" panose="02020603050405020304" pitchFamily="18" charset="0"/>
+                    <a:cs typeface="Times New Roman" panose="02020603050405020304" pitchFamily="18" charset="0"/>
+                  </a:rPr>
+                  <a:t>Datadict</a:t>
+                </a:r>
+                <a:r>
+                  <a:rPr lang="en-US" sz="1400" b="1" dirty="0">
+                    <a:solidFill>
+                      <a:schemeClr val="tx1"/>
+                    </a:solidFill>
+                    <a:effectLst/>
+                    <a:latin typeface="Times New Roman" panose="02020603050405020304" pitchFamily="18" charset="0"/>
+                    <a:cs typeface="Times New Roman" panose="02020603050405020304" pitchFamily="18" charset="0"/>
+                  </a:rPr>
+                  <a:t> </a:t>
+                </a:r>
+              </a:p>
+              <a:p>
+                <a:pPr algn="ctr">
+                  <a:lnSpc>
+                    <a:spcPct val="105000"/>
+                  </a:lnSpc>
+                </a:pPr>
+                <a:r>
+                  <a:rPr lang="en-US" sz="1200" dirty="0">
+                    <a:solidFill>
+                      <a:schemeClr val="tx1"/>
+                    </a:solidFill>
+                    <a:effectLst/>
+                    <a:latin typeface="Times New Roman" panose="02020603050405020304" pitchFamily="18" charset="0"/>
+                    <a:cs typeface="Times New Roman" panose="02020603050405020304" pitchFamily="18" charset="0"/>
+                  </a:rPr>
+                  <a:t>Load Features to </a:t>
+                </a:r>
+                <a:r>
+                  <a:rPr lang="en-US" sz="1200" b="1" dirty="0">
+                    <a:solidFill>
+                      <a:schemeClr val="tx1"/>
+                    </a:solidFill>
+                    <a:effectLst/>
+                    <a:latin typeface="Times New Roman" panose="02020603050405020304" pitchFamily="18" charset="0"/>
+                    <a:cs typeface="Times New Roman" panose="02020603050405020304" pitchFamily="18" charset="0"/>
+                  </a:rPr>
+                  <a:t>Memory</a:t>
+                </a:r>
+                <a:r>
+                  <a:rPr lang="en-US" sz="1200" dirty="0">
+                    <a:solidFill>
+                      <a:schemeClr val="tx1"/>
+                    </a:solidFill>
+                    <a:effectLst/>
+                    <a:latin typeface="Times New Roman" panose="02020603050405020304" pitchFamily="18" charset="0"/>
+                    <a:cs typeface="Times New Roman" panose="02020603050405020304" pitchFamily="18" charset="0"/>
+                  </a:rPr>
+                  <a:t> while </a:t>
+                </a:r>
+              </a:p>
+              <a:p>
+                <a:pPr algn="ctr">
+                  <a:lnSpc>
+                    <a:spcPct val="105000"/>
+                  </a:lnSpc>
+                </a:pPr>
+                <a:r>
+                  <a:rPr lang="en-US" sz="1200" b="1" dirty="0">
+                    <a:solidFill>
+                      <a:schemeClr val="tx1"/>
+                    </a:solidFill>
+                    <a:effectLst/>
+                    <a:latin typeface="Times New Roman" panose="02020603050405020304" pitchFamily="18" charset="0"/>
+                    <a:cs typeface="Times New Roman" panose="02020603050405020304" pitchFamily="18" charset="0"/>
+                  </a:rPr>
+                  <a:t>Checking</a:t>
+                </a:r>
+                <a:r>
+                  <a:rPr lang="en-US" sz="1200" dirty="0">
+                    <a:solidFill>
+                      <a:schemeClr val="tx1"/>
+                    </a:solidFill>
+                    <a:effectLst/>
+                    <a:latin typeface="Times New Roman" panose="02020603050405020304" pitchFamily="18" charset="0"/>
+                    <a:cs typeface="Times New Roman" panose="02020603050405020304" pitchFamily="18" charset="0"/>
+                  </a:rPr>
+                  <a:t> and </a:t>
+                </a:r>
+                <a:r>
+                  <a:rPr lang="en-US" sz="1200" b="1" dirty="0">
+                    <a:solidFill>
+                      <a:schemeClr val="tx1"/>
+                    </a:solidFill>
+                    <a:effectLst/>
+                    <a:latin typeface="Times New Roman" panose="02020603050405020304" pitchFamily="18" charset="0"/>
+                    <a:cs typeface="Times New Roman" panose="02020603050405020304" pitchFamily="18" charset="0"/>
+                  </a:rPr>
+                  <a:t>Transforming </a:t>
+                </a:r>
+                <a:r>
+                  <a:rPr lang="en-US" sz="1200" dirty="0">
+                    <a:solidFill>
+                      <a:schemeClr val="tx1"/>
+                    </a:solidFill>
+                    <a:effectLst/>
+                    <a:latin typeface="Times New Roman" panose="02020603050405020304" pitchFamily="18" charset="0"/>
+                    <a:cs typeface="Times New Roman" panose="02020603050405020304" pitchFamily="18" charset="0"/>
+                  </a:rPr>
+                  <a:t>Feature</a:t>
+                </a:r>
+              </a:p>
+            </p:txBody>
+          </p:sp>
+          <p:cxnSp>
+            <p:nvCxnSpPr>
+              <p:cNvPr id="58" name="Straight Connector 57">
+                <a:extLst>
+                  <a:ext uri="{FF2B5EF4-FFF2-40B4-BE49-F238E27FC236}">
+                    <a16:creationId xmlns:a16="http://schemas.microsoft.com/office/drawing/2014/main" id="{E655FEB9-083D-954A-A320-E0CF52B840C9}"/>
+                  </a:ext>
+                </a:extLst>
+              </p:cNvPr>
+              <p:cNvCxnSpPr>
+                <a:cxnSpLocks/>
+                <a:stCxn id="57" idx="0"/>
+                <a:endCxn id="56" idx="2"/>
+              </p:cNvCxnSpPr>
+              <p:nvPr/>
+            </p:nvCxnSpPr>
+            <p:spPr>
+              <a:xfrm flipV="1">
+                <a:off x="9953557" y="1383344"/>
+                <a:ext cx="0" cy="271139"/>
+              </a:xfrm>
+              <a:prstGeom prst="line">
+                <a:avLst/>
+              </a:prstGeom>
+              <a:ln w="19050">
+                <a:solidFill>
+                  <a:schemeClr val="tx1"/>
+                </a:solidFill>
+                <a:headEnd type="stealth" w="lg" len="med"/>
+                <a:tailEnd type="none"/>
+              </a:ln>
+            </p:spPr>
+            <p:style>
+              <a:lnRef idx="1">
+                <a:schemeClr val="accent1"/>
+              </a:lnRef>
+              <a:fillRef idx="0">
+                <a:schemeClr val="accent1"/>
+              </a:fillRef>
+              <a:effectRef idx="0">
+                <a:schemeClr val="accent1"/>
+              </a:effectRef>
+              <a:fontRef idx="minor">
+                <a:schemeClr val="tx1"/>
+              </a:fontRef>
+            </p:style>
+          </p:cxnSp>
+          <p:sp>
+            <p:nvSpPr>
+              <p:cNvPr id="96" name="Rounded Rectangle 95">
+                <a:extLst>
+                  <a:ext uri="{FF2B5EF4-FFF2-40B4-BE49-F238E27FC236}">
+                    <a16:creationId xmlns:a16="http://schemas.microsoft.com/office/drawing/2014/main" id="{A228C68D-8902-7948-81A0-06F613E536C7}"/>
+                  </a:ext>
+                </a:extLst>
+              </p:cNvPr>
+              <p:cNvSpPr/>
+              <p:nvPr/>
+            </p:nvSpPr>
+            <p:spPr>
+              <a:xfrm>
+                <a:off x="8065448" y="2608457"/>
+                <a:ext cx="3763960" cy="682835"/>
+              </a:xfrm>
+              <a:prstGeom prst="roundRect">
+                <a:avLst>
+                  <a:gd name="adj" fmla="val 8101"/>
+                </a:avLst>
+              </a:prstGeom>
+              <a:solidFill>
+                <a:schemeClr val="accent2">
+                  <a:lumMod val="20000"/>
+                  <a:lumOff val="80000"/>
+                </a:schemeClr>
+              </a:solidFill>
+              <a:ln w="19050">
+                <a:solidFill>
+                  <a:schemeClr val="tx1"/>
+                </a:solidFill>
+              </a:ln>
+            </p:spPr>
+            <p:style>
+              <a:lnRef idx="2">
+                <a:schemeClr val="accent1">
+                  <a:shade val="50000"/>
+                </a:schemeClr>
+              </a:lnRef>
+              <a:fillRef idx="1">
+                <a:schemeClr val="accent1"/>
+              </a:fillRef>
+              <a:effectRef idx="0">
+                <a:schemeClr val="accent1"/>
+              </a:effectRef>
+              <a:fontRef idx="minor">
+                <a:schemeClr val="lt1"/>
+              </a:fontRef>
+            </p:style>
+            <p:txBody>
+              <a:bodyPr rtlCol="0" anchor="ctr"/>
+              <a:lstStyle/>
+              <a:p>
+                <a:pPr algn="ctr">
+                  <a:lnSpc>
+                    <a:spcPct val="105000"/>
+                  </a:lnSpc>
+                </a:pPr>
+                <a:r>
+                  <a:rPr lang="en-CN" sz="1400" b="1" dirty="0">
+                    <a:solidFill>
+                      <a:schemeClr val="tx1"/>
+                    </a:solidFill>
+                    <a:latin typeface="Times New Roman" panose="02020603050405020304" pitchFamily="18" charset="0"/>
+                    <a:cs typeface="Times New Roman" panose="02020603050405020304" pitchFamily="18" charset="0"/>
+                  </a:rPr>
+                  <a:t>Part 3. </a:t>
+                </a:r>
+                <a:r>
+                  <a:rPr lang="en-US" sz="1400" b="1" dirty="0" err="1">
+                    <a:solidFill>
+                      <a:schemeClr val="tx1"/>
+                    </a:solidFill>
+                    <a:effectLst/>
+                    <a:latin typeface="Times New Roman" panose="02020603050405020304" pitchFamily="18" charset="0"/>
+                    <a:cs typeface="Times New Roman" panose="02020603050405020304" pitchFamily="18" charset="0"/>
+                  </a:rPr>
+                  <a:t>DeepLOB</a:t>
+                </a:r>
+                <a:r>
+                  <a:rPr lang="en-US" sz="1400" b="1" dirty="0">
+                    <a:solidFill>
+                      <a:schemeClr val="tx1"/>
+                    </a:solidFill>
+                    <a:effectLst/>
+                    <a:latin typeface="Times New Roman" panose="02020603050405020304" pitchFamily="18" charset="0"/>
+                    <a:cs typeface="Times New Roman" panose="02020603050405020304" pitchFamily="18" charset="0"/>
+                  </a:rPr>
+                  <a:t> Dataset </a:t>
+                </a:r>
+              </a:p>
+              <a:p>
+                <a:pPr algn="ctr">
+                  <a:lnSpc>
+                    <a:spcPct val="105000"/>
+                  </a:lnSpc>
+                </a:pPr>
+                <a:r>
+                  <a:rPr lang="en-US" sz="1200" dirty="0">
+                    <a:solidFill>
+                      <a:schemeClr val="tx1"/>
+                    </a:solidFill>
+                    <a:effectLst/>
+                    <a:latin typeface="Times New Roman" panose="02020603050405020304" pitchFamily="18" charset="0"/>
+                    <a:cs typeface="Times New Roman" panose="02020603050405020304" pitchFamily="18" charset="0"/>
+                  </a:rPr>
+                  <a:t>Get the item data for </a:t>
+                </a:r>
+                <a:r>
+                  <a:rPr lang="en-US" sz="1200" b="1" dirty="0">
+                    <a:solidFill>
+                      <a:schemeClr val="tx1"/>
+                    </a:solidFill>
+                    <a:effectLst/>
+                    <a:latin typeface="Times New Roman" panose="02020603050405020304" pitchFamily="18" charset="0"/>
+                    <a:cs typeface="Times New Roman" panose="02020603050405020304" pitchFamily="18" charset="0"/>
+                  </a:rPr>
+                  <a:t>Time Steps</a:t>
+                </a:r>
+              </a:p>
+              <a:p>
+                <a:pPr algn="ctr">
+                  <a:lnSpc>
+                    <a:spcPct val="105000"/>
+                  </a:lnSpc>
+                </a:pPr>
+                <a:r>
+                  <a:rPr lang="en-US" sz="1200" dirty="0">
+                    <a:solidFill>
+                      <a:schemeClr val="tx1"/>
+                    </a:solidFill>
+                    <a:latin typeface="Times New Roman" panose="02020603050405020304" pitchFamily="18" charset="0"/>
+                    <a:cs typeface="Times New Roman" panose="02020603050405020304" pitchFamily="18" charset="0"/>
+                  </a:rPr>
+                  <a:t>by </a:t>
+                </a:r>
+                <a:r>
+                  <a:rPr lang="en-US" sz="1200" b="1" dirty="0">
+                    <a:solidFill>
+                      <a:schemeClr val="tx1"/>
+                    </a:solidFill>
+                    <a:latin typeface="Times New Roman" panose="02020603050405020304" pitchFamily="18" charset="0"/>
+                    <a:cs typeface="Times New Roman" panose="02020603050405020304" pitchFamily="18" charset="0"/>
+                  </a:rPr>
+                  <a:t>Tick Samples </a:t>
+                </a:r>
+                <a:r>
+                  <a:rPr lang="en-US" sz="1200" dirty="0">
+                    <a:solidFill>
+                      <a:schemeClr val="tx1"/>
+                    </a:solidFill>
+                    <a:latin typeface="Times New Roman" panose="02020603050405020304" pitchFamily="18" charset="0"/>
+                    <a:cs typeface="Times New Roman" panose="02020603050405020304" pitchFamily="18" charset="0"/>
+                  </a:rPr>
+                  <a:t>or </a:t>
+                </a:r>
+                <a:r>
+                  <a:rPr lang="en-US" sz="1200" b="1" dirty="0">
+                    <a:solidFill>
+                      <a:schemeClr val="tx1"/>
+                    </a:solidFill>
+                    <a:latin typeface="Times New Roman" panose="02020603050405020304" pitchFamily="18" charset="0"/>
+                    <a:cs typeface="Times New Roman" panose="02020603050405020304" pitchFamily="18" charset="0"/>
+                  </a:rPr>
+                  <a:t>Daily Samples</a:t>
+                </a:r>
+                <a:endParaRPr lang="en-US" sz="1200" b="1" dirty="0">
+                  <a:solidFill>
+                    <a:schemeClr val="tx1"/>
+                  </a:solidFill>
+                  <a:effectLst/>
+                  <a:latin typeface="Times New Roman" panose="02020603050405020304" pitchFamily="18" charset="0"/>
+                  <a:cs typeface="Times New Roman" panose="02020603050405020304" pitchFamily="18" charset="0"/>
+                </a:endParaRPr>
+              </a:p>
+            </p:txBody>
+          </p:sp>
+          <p:cxnSp>
+            <p:nvCxnSpPr>
+              <p:cNvPr id="97" name="Straight Connector 96">
+                <a:extLst>
+                  <a:ext uri="{FF2B5EF4-FFF2-40B4-BE49-F238E27FC236}">
+                    <a16:creationId xmlns:a16="http://schemas.microsoft.com/office/drawing/2014/main" id="{1D7EAF95-0554-0A40-8137-39692E735D9B}"/>
+                  </a:ext>
+                </a:extLst>
+              </p:cNvPr>
+              <p:cNvCxnSpPr>
+                <a:cxnSpLocks/>
+                <a:stCxn id="96" idx="0"/>
+                <a:endCxn id="57" idx="2"/>
+              </p:cNvCxnSpPr>
+              <p:nvPr/>
+            </p:nvCxnSpPr>
+            <p:spPr>
+              <a:xfrm flipV="1">
+                <a:off x="9947428" y="2337318"/>
+                <a:ext cx="6129" cy="271139"/>
+              </a:xfrm>
+              <a:prstGeom prst="line">
+                <a:avLst/>
+              </a:prstGeom>
+              <a:ln w="19050">
+                <a:solidFill>
+                  <a:schemeClr val="tx1"/>
+                </a:solidFill>
+                <a:headEnd type="stealth" w="lg" len="med"/>
+                <a:tailEnd type="none"/>
+              </a:ln>
+            </p:spPr>
+            <p:style>
+              <a:lnRef idx="1">
+                <a:schemeClr val="accent1"/>
+              </a:lnRef>
+              <a:fillRef idx="0">
+                <a:schemeClr val="accent1"/>
+              </a:fillRef>
+              <a:effectRef idx="0">
+                <a:schemeClr val="accent1"/>
+              </a:effectRef>
+              <a:fontRef idx="minor">
+                <a:schemeClr val="tx1"/>
+              </a:fontRef>
+            </p:style>
+          </p:cxnSp>
+          <p:sp>
+            <p:nvSpPr>
+              <p:cNvPr id="198" name="Rounded Rectangle 197">
+                <a:extLst>
+                  <a:ext uri="{FF2B5EF4-FFF2-40B4-BE49-F238E27FC236}">
+                    <a16:creationId xmlns:a16="http://schemas.microsoft.com/office/drawing/2014/main" id="{80953185-1BBD-844A-B1A5-7DB3ECADDEC6}"/>
+                  </a:ext>
+                </a:extLst>
+              </p:cNvPr>
+              <p:cNvSpPr/>
+              <p:nvPr/>
+            </p:nvSpPr>
+            <p:spPr>
+              <a:xfrm>
+                <a:off x="8075151" y="3539382"/>
+                <a:ext cx="3763960" cy="2979431"/>
+              </a:xfrm>
+              <a:prstGeom prst="roundRect">
+                <a:avLst>
+                  <a:gd name="adj" fmla="val 3361"/>
+                </a:avLst>
+              </a:prstGeom>
+              <a:noFill/>
+              <a:ln w="19050">
+                <a:solidFill>
+                  <a:schemeClr val="tx1"/>
+                </a:solidFill>
+              </a:ln>
+            </p:spPr>
+            <p:style>
+              <a:lnRef idx="2">
+                <a:schemeClr val="accent1">
+                  <a:shade val="50000"/>
+                </a:schemeClr>
+              </a:lnRef>
+              <a:fillRef idx="1">
+                <a:schemeClr val="accent1"/>
+              </a:fillRef>
+              <a:effectRef idx="0">
+                <a:schemeClr val="accent1"/>
+              </a:effectRef>
+              <a:fontRef idx="minor">
+                <a:schemeClr val="lt1"/>
+              </a:fontRef>
+            </p:style>
+            <p:txBody>
+              <a:bodyPr rtlCol="0" anchor="t"/>
+              <a:lstStyle/>
+              <a:p>
+                <a:pPr algn="ctr">
+                  <a:lnSpc>
+                    <a:spcPct val="105000"/>
+                  </a:lnSpc>
+                </a:pPr>
+                <a:r>
+                  <a:rPr lang="en-CN" sz="1400" b="1" dirty="0">
+                    <a:solidFill>
+                      <a:schemeClr val="tx1"/>
+                    </a:solidFill>
+                    <a:latin typeface="Times New Roman" panose="02020603050405020304" pitchFamily="18" charset="0"/>
+                    <a:cs typeface="Times New Roman" panose="02020603050405020304" pitchFamily="18" charset="0"/>
+                  </a:rPr>
+                  <a:t>Part 4. </a:t>
+                </a:r>
+                <a:r>
+                  <a:rPr lang="en-US" sz="1400" b="1" dirty="0" err="1">
+                    <a:solidFill>
+                      <a:schemeClr val="tx1"/>
+                    </a:solidFill>
+                    <a:effectLst/>
+                    <a:latin typeface="Times New Roman" panose="02020603050405020304" pitchFamily="18" charset="0"/>
+                    <a:cs typeface="Times New Roman" panose="02020603050405020304" pitchFamily="18" charset="0"/>
+                  </a:rPr>
+                  <a:t>DeepLOB</a:t>
+                </a:r>
+                <a:r>
+                  <a:rPr lang="en-US" sz="1400" b="1" dirty="0">
+                    <a:solidFill>
+                      <a:schemeClr val="tx1"/>
+                    </a:solidFill>
+                    <a:effectLst/>
+                    <a:latin typeface="Times New Roman" panose="02020603050405020304" pitchFamily="18" charset="0"/>
+                    <a:cs typeface="Times New Roman" panose="02020603050405020304" pitchFamily="18" charset="0"/>
+                  </a:rPr>
+                  <a:t> Net</a:t>
+                </a:r>
+              </a:p>
+            </p:txBody>
+          </p:sp>
+          <p:sp>
+            <p:nvSpPr>
+              <p:cNvPr id="205" name="Rectangle 204">
+                <a:extLst>
+                  <a:ext uri="{FF2B5EF4-FFF2-40B4-BE49-F238E27FC236}">
+                    <a16:creationId xmlns:a16="http://schemas.microsoft.com/office/drawing/2014/main" id="{4106C18E-05A5-C74B-B26A-0BEA7F8CB2AF}"/>
+                  </a:ext>
+                </a:extLst>
+              </p:cNvPr>
+              <p:cNvSpPr/>
+              <p:nvPr/>
+            </p:nvSpPr>
+            <p:spPr>
+              <a:xfrm>
+                <a:off x="8668389" y="3907931"/>
+                <a:ext cx="2577484" cy="375920"/>
+              </a:xfrm>
+              <a:prstGeom prst="rect">
+                <a:avLst/>
+              </a:prstGeom>
+              <a:solidFill>
+                <a:schemeClr val="accent4">
+                  <a:lumMod val="20000"/>
+                  <a:lumOff val="80000"/>
+                </a:schemeClr>
+              </a:solidFill>
+              <a:ln w="19050">
+                <a:solidFill>
+                  <a:schemeClr val="tx1"/>
+                </a:solidFill>
+              </a:ln>
+            </p:spPr>
+            <p:style>
+              <a:lnRef idx="2">
+                <a:schemeClr val="accent1">
+                  <a:shade val="50000"/>
+                </a:schemeClr>
+              </a:lnRef>
+              <a:fillRef idx="1">
+                <a:schemeClr val="accent1"/>
+              </a:fillRef>
+              <a:effectRef idx="0">
+                <a:schemeClr val="accent1"/>
+              </a:effectRef>
+              <a:fontRef idx="minor">
+                <a:schemeClr val="lt1"/>
+              </a:fontRef>
+            </p:style>
+            <p:txBody>
+              <a:bodyPr rtlCol="0" anchor="ctr"/>
+              <a:lstStyle/>
+              <a:p>
+                <a:pPr algn="ctr"/>
+                <a:r>
+                  <a:rPr lang="en-CN" sz="1400" b="1" dirty="0">
+                    <a:solidFill>
+                      <a:schemeClr val="tx1"/>
+                    </a:solidFill>
+                    <a:latin typeface="Times New Roman" panose="02020603050405020304" pitchFamily="18" charset="0"/>
+                    <a:cs typeface="Times New Roman" panose="02020603050405020304" pitchFamily="18" charset="0"/>
+                  </a:rPr>
+                  <a:t>1. Norm</a:t>
+                </a:r>
+              </a:p>
+            </p:txBody>
+          </p:sp>
+          <p:sp>
+            <p:nvSpPr>
+              <p:cNvPr id="206" name="Rectangle 205">
+                <a:extLst>
+                  <a:ext uri="{FF2B5EF4-FFF2-40B4-BE49-F238E27FC236}">
+                    <a16:creationId xmlns:a16="http://schemas.microsoft.com/office/drawing/2014/main" id="{C7E083AB-17C5-7145-B681-AA92BD9D5DD9}"/>
+                  </a:ext>
+                </a:extLst>
+              </p:cNvPr>
+              <p:cNvSpPr/>
+              <p:nvPr/>
+            </p:nvSpPr>
+            <p:spPr>
+              <a:xfrm>
+                <a:off x="8668389" y="4442928"/>
+                <a:ext cx="2577484" cy="375920"/>
+              </a:xfrm>
+              <a:prstGeom prst="rect">
+                <a:avLst/>
+              </a:prstGeom>
+              <a:solidFill>
+                <a:schemeClr val="accent1">
+                  <a:lumMod val="20000"/>
+                  <a:lumOff val="80000"/>
+                </a:schemeClr>
+              </a:solidFill>
+              <a:ln w="19050">
+                <a:solidFill>
+                  <a:schemeClr val="tx1"/>
+                </a:solidFill>
+              </a:ln>
+            </p:spPr>
+            <p:style>
+              <a:lnRef idx="2">
+                <a:schemeClr val="accent1">
+                  <a:shade val="50000"/>
+                </a:schemeClr>
+              </a:lnRef>
+              <a:fillRef idx="1">
+                <a:schemeClr val="accent1"/>
+              </a:fillRef>
+              <a:effectRef idx="0">
+                <a:schemeClr val="accent1"/>
+              </a:effectRef>
+              <a:fontRef idx="minor">
+                <a:schemeClr val="lt1"/>
+              </a:fontRef>
+            </p:style>
+            <p:txBody>
+              <a:bodyPr rtlCol="0" anchor="ctr"/>
+              <a:lstStyle/>
+              <a:p>
+                <a:pPr algn="ctr"/>
+                <a:r>
+                  <a:rPr lang="en-CN" sz="1400" b="1" dirty="0">
+                    <a:solidFill>
+                      <a:schemeClr val="tx1"/>
+                    </a:solidFill>
+                    <a:latin typeface="Times New Roman" panose="02020603050405020304" pitchFamily="18" charset="0"/>
+                    <a:cs typeface="Times New Roman" panose="02020603050405020304" pitchFamily="18" charset="0"/>
+                  </a:rPr>
+                  <a:t>2. Feature Encoder</a:t>
+                </a:r>
+              </a:p>
+            </p:txBody>
+          </p:sp>
+          <p:sp>
+            <p:nvSpPr>
+              <p:cNvPr id="207" name="Rectangle 206">
+                <a:extLst>
+                  <a:ext uri="{FF2B5EF4-FFF2-40B4-BE49-F238E27FC236}">
+                    <a16:creationId xmlns:a16="http://schemas.microsoft.com/office/drawing/2014/main" id="{08B7D38E-8A38-604D-9EF7-924662512759}"/>
+                  </a:ext>
+                </a:extLst>
+              </p:cNvPr>
+              <p:cNvSpPr/>
+              <p:nvPr/>
+            </p:nvSpPr>
+            <p:spPr>
+              <a:xfrm>
+                <a:off x="8668389" y="4981793"/>
+                <a:ext cx="2577484" cy="375920"/>
+              </a:xfrm>
+              <a:prstGeom prst="rect">
+                <a:avLst/>
+              </a:prstGeom>
+              <a:solidFill>
+                <a:schemeClr val="accent4">
+                  <a:lumMod val="40000"/>
+                  <a:lumOff val="60000"/>
+                </a:schemeClr>
+              </a:solidFill>
+              <a:ln w="19050">
+                <a:solidFill>
+                  <a:schemeClr val="tx1"/>
+                </a:solidFill>
+              </a:ln>
+            </p:spPr>
+            <p:style>
+              <a:lnRef idx="2">
+                <a:schemeClr val="accent1">
+                  <a:shade val="50000"/>
+                </a:schemeClr>
+              </a:lnRef>
+              <a:fillRef idx="1">
+                <a:schemeClr val="accent1"/>
+              </a:fillRef>
+              <a:effectRef idx="0">
+                <a:schemeClr val="accent1"/>
+              </a:effectRef>
+              <a:fontRef idx="minor">
+                <a:schemeClr val="lt1"/>
+              </a:fontRef>
+            </p:style>
+            <p:txBody>
+              <a:bodyPr rtlCol="0" anchor="ctr"/>
+              <a:lstStyle/>
+              <a:p>
+                <a:pPr algn="ctr"/>
+                <a:r>
+                  <a:rPr lang="en-CN" sz="1400" b="1" dirty="0">
+                    <a:solidFill>
+                      <a:schemeClr val="tx1"/>
+                    </a:solidFill>
+                    <a:latin typeface="Times New Roman" panose="02020603050405020304" pitchFamily="18" charset="0"/>
+                    <a:cs typeface="Times New Roman" panose="02020603050405020304" pitchFamily="18" charset="0"/>
+                  </a:rPr>
+                  <a:t>3. Fusion Way</a:t>
+                </a:r>
+              </a:p>
+            </p:txBody>
+          </p:sp>
+          <p:sp>
+            <p:nvSpPr>
+              <p:cNvPr id="208" name="Rectangle 207">
+                <a:extLst>
+                  <a:ext uri="{FF2B5EF4-FFF2-40B4-BE49-F238E27FC236}">
+                    <a16:creationId xmlns:a16="http://schemas.microsoft.com/office/drawing/2014/main" id="{41165C44-117D-2E4B-81D2-65812D62C99C}"/>
+                  </a:ext>
+                </a:extLst>
+              </p:cNvPr>
+              <p:cNvSpPr/>
+              <p:nvPr/>
+            </p:nvSpPr>
+            <p:spPr>
+              <a:xfrm>
+                <a:off x="8668389" y="5520658"/>
+                <a:ext cx="2577484" cy="375920"/>
+              </a:xfrm>
+              <a:prstGeom prst="rect">
+                <a:avLst/>
+              </a:prstGeom>
+              <a:gradFill flip="none" rotWithShape="1">
+                <a:gsLst>
+                  <a:gs pos="0">
+                    <a:srgbClr val="7030A0">
+                      <a:tint val="66000"/>
+                      <a:satMod val="160000"/>
+                    </a:srgbClr>
+                  </a:gs>
+                  <a:gs pos="50000">
+                    <a:srgbClr val="7030A0">
+                      <a:tint val="44500"/>
+                      <a:satMod val="160000"/>
+                    </a:srgbClr>
+                  </a:gs>
+                  <a:gs pos="100000">
+                    <a:srgbClr val="7030A0">
+                      <a:tint val="23500"/>
+                      <a:satMod val="160000"/>
+                    </a:srgbClr>
+                  </a:gs>
+                </a:gsLst>
+                <a:lin ang="2700000" scaled="1"/>
+                <a:tileRect/>
+              </a:gradFill>
+              <a:ln w="19050">
+                <a:solidFill>
+                  <a:schemeClr val="tx1"/>
+                </a:solidFill>
+              </a:ln>
+            </p:spPr>
+            <p:style>
+              <a:lnRef idx="2">
+                <a:schemeClr val="accent1">
+                  <a:shade val="50000"/>
+                </a:schemeClr>
+              </a:lnRef>
+              <a:fillRef idx="1">
+                <a:schemeClr val="accent1"/>
+              </a:fillRef>
+              <a:effectRef idx="0">
+                <a:schemeClr val="accent1"/>
+              </a:effectRef>
+              <a:fontRef idx="minor">
+                <a:schemeClr val="lt1"/>
+              </a:fontRef>
+            </p:style>
+            <p:txBody>
+              <a:bodyPr rtlCol="0" anchor="ctr"/>
+              <a:lstStyle/>
+              <a:p>
+                <a:pPr algn="ctr"/>
+                <a:r>
+                  <a:rPr lang="en-CN" sz="1400" b="1" dirty="0">
+                    <a:solidFill>
+                      <a:schemeClr val="tx1"/>
+                    </a:solidFill>
+                    <a:latin typeface="Times New Roman" panose="02020603050405020304" pitchFamily="18" charset="0"/>
+                    <a:cs typeface="Times New Roman" panose="02020603050405020304" pitchFamily="18" charset="0"/>
+                  </a:rPr>
+                  <a:t>4. Sequence Encoder</a:t>
+                </a:r>
+              </a:p>
+            </p:txBody>
+          </p:sp>
+          <p:sp>
+            <p:nvSpPr>
+              <p:cNvPr id="209" name="Rectangle 208">
+                <a:extLst>
+                  <a:ext uri="{FF2B5EF4-FFF2-40B4-BE49-F238E27FC236}">
+                    <a16:creationId xmlns:a16="http://schemas.microsoft.com/office/drawing/2014/main" id="{4B3F8833-009F-BB47-B149-434E9A76D174}"/>
+                  </a:ext>
+                </a:extLst>
+              </p:cNvPr>
+              <p:cNvSpPr/>
+              <p:nvPr/>
+            </p:nvSpPr>
+            <p:spPr>
+              <a:xfrm>
+                <a:off x="8668389" y="6063969"/>
+                <a:ext cx="2577484" cy="375920"/>
+              </a:xfrm>
+              <a:prstGeom prst="rect">
+                <a:avLst/>
+              </a:prstGeom>
+              <a:solidFill>
+                <a:schemeClr val="tx2">
+                  <a:lumMod val="20000"/>
+                  <a:lumOff val="80000"/>
+                </a:schemeClr>
+              </a:solidFill>
+              <a:ln w="19050">
+                <a:solidFill>
+                  <a:schemeClr val="tx1"/>
+                </a:solidFill>
+              </a:ln>
+            </p:spPr>
+            <p:style>
+              <a:lnRef idx="2">
+                <a:schemeClr val="accent1">
+                  <a:shade val="50000"/>
+                </a:schemeClr>
+              </a:lnRef>
+              <a:fillRef idx="1">
+                <a:schemeClr val="accent1"/>
+              </a:fillRef>
+              <a:effectRef idx="0">
+                <a:schemeClr val="accent1"/>
+              </a:effectRef>
+              <a:fontRef idx="minor">
+                <a:schemeClr val="lt1"/>
+              </a:fontRef>
+            </p:style>
+            <p:txBody>
+              <a:bodyPr rtlCol="0" anchor="ctr"/>
+              <a:lstStyle/>
+              <a:p>
+                <a:pPr algn="ctr"/>
+                <a:r>
+                  <a:rPr lang="en-CN" sz="1400" b="1" dirty="0">
+                    <a:solidFill>
+                      <a:schemeClr val="tx1"/>
+                    </a:solidFill>
+                    <a:latin typeface="Times New Roman" panose="02020603050405020304" pitchFamily="18" charset="0"/>
+                    <a:cs typeface="Times New Roman" panose="02020603050405020304" pitchFamily="18" charset="0"/>
+                  </a:rPr>
+                  <a:t>5. Fully Connected</a:t>
+                </a:r>
+              </a:p>
+            </p:txBody>
+          </p:sp>
+        </p:grpSp>
       </p:grpSp>
-      <p:sp>
-        <p:nvSpPr>
-          <p:cNvPr id="14" name="Rounded Rectangle 13">
+      <p:cxnSp>
+        <p:nvCxnSpPr>
+          <p:cNvPr id="213" name="Straight Connector 212">
             <a:extLst>
               <a:ext uri="{FF2B5EF4-FFF2-40B4-BE49-F238E27FC236}">
-                <a16:creationId xmlns:a16="http://schemas.microsoft.com/office/drawing/2014/main" id="{B9D3683B-4340-3A4C-A9F8-00506C33A736}"/>
+                <a16:creationId xmlns:a16="http://schemas.microsoft.com/office/drawing/2014/main" id="{4D9212B4-4C3B-5F4A-9417-D5243F183F1E}"/>
               </a:ext>
             </a:extLst>
           </p:cNvPr>
-          <p:cNvSpPr/>
+          <p:cNvCxnSpPr>
+            <a:cxnSpLocks/>
+            <a:stCxn id="206" idx="0"/>
+            <a:endCxn id="205" idx="2"/>
+          </p:cNvCxnSpPr>
           <p:nvPr/>
-        </p:nvSpPr>
+        </p:nvCxnSpPr>
         <p:spPr>
-          <a:xfrm>
-            <a:off x="241881" y="6179629"/>
-            <a:ext cx="11708238" cy="515007"/>
+          <a:xfrm flipV="1">
+            <a:off x="9629726" y="4283851"/>
+            <a:ext cx="0" cy="159077"/>
           </a:xfrm>
-          <a:prstGeom prst="roundRect">
-            <a:avLst>
-              <a:gd name="adj" fmla="val 4386"/>
-            </a:avLst>
+          <a:prstGeom prst="line">
+            <a:avLst/>
           </a:prstGeom>
-          <a:solidFill>
-            <a:schemeClr val="accent3">
-              <a:lumMod val="20000"/>
-              <a:lumOff val="80000"/>
-            </a:schemeClr>
-          </a:solidFill>
           <a:ln w="19050">
             <a:solidFill>
               <a:schemeClr val="tx1"/>
             </a:solidFill>
+            <a:headEnd type="stealth" w="lg" len="med"/>
+            <a:tailEnd type="none"/>
           </a:ln>
-          <a:effectLst>
-            <a:outerShdw blurRad="50800" dist="38100" dir="2700000" algn="tl" rotWithShape="0">
-              <a:prstClr val="black">
-                <a:alpha val="40000"/>
-              </a:prstClr>
-            </a:outerShdw>
-          </a:effectLst>
         </p:spPr>
         <p:style>
-          <a:lnRef idx="2">
-            <a:schemeClr val="accent1">
-              <a:shade val="50000"/>
-            </a:schemeClr>
+          <a:lnRef idx="1">
+            <a:schemeClr val="accent1"/>
           </a:lnRef>
-          <a:fillRef idx="1">
+          <a:fillRef idx="0">
             <a:schemeClr val="accent1"/>
           </a:fillRef>
           <a:effectRef idx="0">
             <a:schemeClr val="accent1"/>
           </a:effectRef>
           <a:fontRef idx="minor">
-            <a:schemeClr val="lt1"/>
+            <a:schemeClr val="tx1"/>
           </a:fontRef>
         </p:style>
-        <p:txBody>
-          <a:bodyPr rtlCol="0" anchor="ctr"/>
-          <a:lstStyle/>
-          <a:p>
-            <a:pPr algn="ctr"/>
-            <a:r>
-              <a:rPr lang="en-CN" sz="2000" b="1" dirty="0">
-                <a:solidFill>
-                  <a:schemeClr val="tx1"/>
-                </a:solidFill>
-                <a:latin typeface="Times New Roman" panose="02020603050405020304" pitchFamily="18" charset="0"/>
-                <a:cs typeface="Times New Roman" panose="02020603050405020304" pitchFamily="18" charset="0"/>
-              </a:rPr>
-              <a:t>Part </a:t>
-            </a:r>
-            <a:r>
-              <a:rPr lang="en-US" altLang="zh-CN" sz="2000" b="1" dirty="0">
-                <a:solidFill>
-                  <a:schemeClr val="tx1"/>
-                </a:solidFill>
-                <a:latin typeface="Times New Roman" panose="02020603050405020304" pitchFamily="18" charset="0"/>
-                <a:cs typeface="Times New Roman" panose="02020603050405020304" pitchFamily="18" charset="0"/>
-              </a:rPr>
-              <a:t>0</a:t>
-            </a:r>
-            <a:r>
-              <a:rPr lang="en-CN" sz="2000" b="1" dirty="0">
-                <a:solidFill>
-                  <a:schemeClr val="tx1"/>
-                </a:solidFill>
-                <a:latin typeface="Times New Roman" panose="02020603050405020304" pitchFamily="18" charset="0"/>
-                <a:cs typeface="Times New Roman" panose="02020603050405020304" pitchFamily="18" charset="0"/>
-              </a:rPr>
-              <a:t>. Ops</a:t>
-            </a:r>
-          </a:p>
-        </p:txBody>
-      </p:sp>
+      </p:cxnSp>
+      <p:cxnSp>
+        <p:nvCxnSpPr>
+          <p:cNvPr id="216" name="Straight Connector 215">
+            <a:extLst>
+              <a:ext uri="{FF2B5EF4-FFF2-40B4-BE49-F238E27FC236}">
+                <a16:creationId xmlns:a16="http://schemas.microsoft.com/office/drawing/2014/main" id="{B69D7CC3-7AD5-D943-A9DA-3EDC448CB11B}"/>
+              </a:ext>
+            </a:extLst>
+          </p:cNvPr>
+          <p:cNvCxnSpPr>
+            <a:cxnSpLocks/>
+            <a:stCxn id="207" idx="0"/>
+            <a:endCxn id="206" idx="2"/>
+          </p:cNvCxnSpPr>
+          <p:nvPr/>
+        </p:nvCxnSpPr>
+        <p:spPr>
+          <a:xfrm flipV="1">
+            <a:off x="9629726" y="4818848"/>
+            <a:ext cx="0" cy="162945"/>
+          </a:xfrm>
+          <a:prstGeom prst="line">
+            <a:avLst/>
+          </a:prstGeom>
+          <a:ln w="19050">
+            <a:solidFill>
+              <a:schemeClr val="tx1"/>
+            </a:solidFill>
+            <a:headEnd type="stealth" w="lg" len="med"/>
+            <a:tailEnd type="none"/>
+          </a:ln>
+        </p:spPr>
+        <p:style>
+          <a:lnRef idx="1">
+            <a:schemeClr val="accent1"/>
+          </a:lnRef>
+          <a:fillRef idx="0">
+            <a:schemeClr val="accent1"/>
+          </a:fillRef>
+          <a:effectRef idx="0">
+            <a:schemeClr val="accent1"/>
+          </a:effectRef>
+          <a:fontRef idx="minor">
+            <a:schemeClr val="tx1"/>
+          </a:fontRef>
+        </p:style>
+      </p:cxnSp>
+      <p:cxnSp>
+        <p:nvCxnSpPr>
+          <p:cNvPr id="219" name="Straight Connector 218">
+            <a:extLst>
+              <a:ext uri="{FF2B5EF4-FFF2-40B4-BE49-F238E27FC236}">
+                <a16:creationId xmlns:a16="http://schemas.microsoft.com/office/drawing/2014/main" id="{BCFA1CA0-4970-BC42-98D7-2F654AB2A336}"/>
+              </a:ext>
+            </a:extLst>
+          </p:cNvPr>
+          <p:cNvCxnSpPr>
+            <a:cxnSpLocks/>
+            <a:stCxn id="208" idx="0"/>
+            <a:endCxn id="207" idx="2"/>
+          </p:cNvCxnSpPr>
+          <p:nvPr/>
+        </p:nvCxnSpPr>
+        <p:spPr>
+          <a:xfrm flipV="1">
+            <a:off x="9629726" y="5357713"/>
+            <a:ext cx="0" cy="162945"/>
+          </a:xfrm>
+          <a:prstGeom prst="line">
+            <a:avLst/>
+          </a:prstGeom>
+          <a:ln w="19050">
+            <a:solidFill>
+              <a:schemeClr val="tx1"/>
+            </a:solidFill>
+            <a:headEnd type="stealth" w="lg" len="med"/>
+            <a:tailEnd type="none"/>
+          </a:ln>
+        </p:spPr>
+        <p:style>
+          <a:lnRef idx="1">
+            <a:schemeClr val="accent1"/>
+          </a:lnRef>
+          <a:fillRef idx="0">
+            <a:schemeClr val="accent1"/>
+          </a:fillRef>
+          <a:effectRef idx="0">
+            <a:schemeClr val="accent1"/>
+          </a:effectRef>
+          <a:fontRef idx="minor">
+            <a:schemeClr val="tx1"/>
+          </a:fontRef>
+        </p:style>
+      </p:cxnSp>
+      <p:cxnSp>
+        <p:nvCxnSpPr>
+          <p:cNvPr id="225" name="Straight Connector 224">
+            <a:extLst>
+              <a:ext uri="{FF2B5EF4-FFF2-40B4-BE49-F238E27FC236}">
+                <a16:creationId xmlns:a16="http://schemas.microsoft.com/office/drawing/2014/main" id="{29F33BEF-BF4A-C844-9235-40AED150B612}"/>
+              </a:ext>
+            </a:extLst>
+          </p:cNvPr>
+          <p:cNvCxnSpPr>
+            <a:cxnSpLocks/>
+            <a:stCxn id="209" idx="0"/>
+            <a:endCxn id="208" idx="2"/>
+          </p:cNvCxnSpPr>
+          <p:nvPr/>
+        </p:nvCxnSpPr>
+        <p:spPr>
+          <a:xfrm flipV="1">
+            <a:off x="9629726" y="5896578"/>
+            <a:ext cx="0" cy="167391"/>
+          </a:xfrm>
+          <a:prstGeom prst="line">
+            <a:avLst/>
+          </a:prstGeom>
+          <a:ln w="19050">
+            <a:solidFill>
+              <a:schemeClr val="tx1"/>
+            </a:solidFill>
+            <a:headEnd type="stealth" w="lg" len="med"/>
+            <a:tailEnd type="none"/>
+          </a:ln>
+        </p:spPr>
+        <p:style>
+          <a:lnRef idx="1">
+            <a:schemeClr val="accent1"/>
+          </a:lnRef>
+          <a:fillRef idx="0">
+            <a:schemeClr val="accent1"/>
+          </a:fillRef>
+          <a:effectRef idx="0">
+            <a:schemeClr val="accent1"/>
+          </a:effectRef>
+          <a:fontRef idx="minor">
+            <a:schemeClr val="tx1"/>
+          </a:fontRef>
+        </p:style>
+      </p:cxnSp>
     </p:spTree>
     <p:extLst>
       <p:ext uri="{BB962C8B-B14F-4D97-AF65-F5344CB8AC3E}">
